--- a/tex/old/figures.pptx
+++ b/tex/old/figures.pptx
@@ -6,10 +6,13 @@
   </p:sldMasterIdLst>
   <p:sldIdLst>
     <p:sldId id="258" r:id="rId2"/>
-    <p:sldId id="262" r:id="rId3"/>
-    <p:sldId id="256" r:id="rId4"/>
-    <p:sldId id="261" r:id="rId5"/>
-    <p:sldId id="257" r:id="rId6"/>
+    <p:sldId id="263" r:id="rId3"/>
+    <p:sldId id="264" r:id="rId4"/>
+    <p:sldId id="262" r:id="rId5"/>
+    <p:sldId id="256" r:id="rId6"/>
+    <p:sldId id="265" r:id="rId7"/>
+    <p:sldId id="261" r:id="rId8"/>
+    <p:sldId id="257" r:id="rId9"/>
   </p:sldIdLst>
   <p:sldSz cx="10080625" cy="5670550"/>
   <p:notesSz cx="7559675" cy="10691813"/>
@@ -3891,6 +3894,3722 @@
       </p:grpSpPr>
       <p:grpSp>
         <p:nvGrpSpPr>
+          <p:cNvPr id="40" name="Group 39">
+            <a:extLst>
+              <a:ext uri="{FF2B5EF4-FFF2-40B4-BE49-F238E27FC236}">
+                <a16:creationId xmlns:a16="http://schemas.microsoft.com/office/drawing/2014/main" id="{A3641446-53E5-353E-E6DF-2BEF71CDD5B3}"/>
+              </a:ext>
+            </a:extLst>
+          </p:cNvPr>
+          <p:cNvGrpSpPr/>
+          <p:nvPr/>
+        </p:nvGrpSpPr>
+        <p:grpSpPr>
+          <a:xfrm>
+            <a:off x="1007864" y="98971"/>
+            <a:ext cx="6806263" cy="4924100"/>
+            <a:chOff x="1007864" y="531019"/>
+            <a:chExt cx="6806263" cy="4924100"/>
+          </a:xfrm>
+        </p:grpSpPr>
+        <p:grpSp>
+          <p:nvGrpSpPr>
+            <p:cNvPr id="38" name="Group 37">
+              <a:extLst>
+                <a:ext uri="{FF2B5EF4-FFF2-40B4-BE49-F238E27FC236}">
+                  <a16:creationId xmlns:a16="http://schemas.microsoft.com/office/drawing/2014/main" id="{081E055F-D299-8B89-B679-207AC869600B}"/>
+                </a:ext>
+              </a:extLst>
+            </p:cNvPr>
+            <p:cNvGrpSpPr/>
+            <p:nvPr/>
+          </p:nvGrpSpPr>
+          <p:grpSpPr>
+            <a:xfrm>
+              <a:off x="1007864" y="531019"/>
+              <a:ext cx="6806263" cy="4924100"/>
+              <a:chOff x="1007864" y="531019"/>
+              <a:chExt cx="6806263" cy="4924100"/>
+            </a:xfrm>
+          </p:grpSpPr>
+          <p:grpSp>
+            <p:nvGrpSpPr>
+              <p:cNvPr id="35" name="Group 34">
+                <a:extLst>
+                  <a:ext uri="{FF2B5EF4-FFF2-40B4-BE49-F238E27FC236}">
+                    <a16:creationId xmlns:a16="http://schemas.microsoft.com/office/drawing/2014/main" id="{C502D5CF-1938-7E51-9088-3C36BC6DBA8B}"/>
+                  </a:ext>
+                </a:extLst>
+              </p:cNvPr>
+              <p:cNvGrpSpPr/>
+              <p:nvPr/>
+            </p:nvGrpSpPr>
+            <p:grpSpPr>
+              <a:xfrm>
+                <a:off x="1007864" y="531019"/>
+                <a:ext cx="6806263" cy="4924100"/>
+                <a:chOff x="1007864" y="531019"/>
+                <a:chExt cx="6806263" cy="4924100"/>
+              </a:xfrm>
+            </p:grpSpPr>
+            <p:sp>
+              <p:nvSpPr>
+                <p:cNvPr id="22" name="Rectangle: Rounded Corners 21">
+                  <a:extLst>
+                    <a:ext uri="{FF2B5EF4-FFF2-40B4-BE49-F238E27FC236}">
+                      <a16:creationId xmlns:a16="http://schemas.microsoft.com/office/drawing/2014/main" id="{F1BDC3A5-DD9F-B446-E802-D25F6E6776A0}"/>
+                    </a:ext>
+                  </a:extLst>
+                </p:cNvPr>
+                <p:cNvSpPr/>
+                <p:nvPr/>
+              </p:nvSpPr>
+              <p:spPr>
+                <a:xfrm>
+                  <a:off x="2156473" y="3466589"/>
+                  <a:ext cx="2883840" cy="144000"/>
+                </a:xfrm>
+                <a:prstGeom prst="roundRect">
+                  <a:avLst/>
+                </a:prstGeom>
+                <a:solidFill>
+                  <a:srgbClr val="0070C0">
+                    <a:alpha val="30000"/>
+                  </a:srgbClr>
+                </a:solidFill>
+                <a:ln>
+                  <a:noFill/>
+                </a:ln>
+              </p:spPr>
+              <p:style>
+                <a:lnRef idx="0">
+                  <a:scrgbClr r="0" g="0" b="0"/>
+                </a:lnRef>
+                <a:fillRef idx="0">
+                  <a:scrgbClr r="0" g="0" b="0"/>
+                </a:fillRef>
+                <a:effectRef idx="0">
+                  <a:scrgbClr r="0" g="0" b="0"/>
+                </a:effectRef>
+                <a:fontRef idx="minor">
+                  <a:schemeClr val="lt1"/>
+                </a:fontRef>
+              </p:style>
+              <p:txBody>
+                <a:bodyPr rtlCol="0" anchor="ctr"/>
+                <a:lstStyle/>
+                <a:p>
+                  <a:pPr algn="ctr"/>
+                  <a:endParaRPr lang="en-AT" dirty="0"/>
+                </a:p>
+              </p:txBody>
+            </p:sp>
+            <p:cxnSp>
+              <p:nvCxnSpPr>
+                <p:cNvPr id="58" name="Straight Arrow Connector 57">
+                  <a:extLst>
+                    <a:ext uri="{FF2B5EF4-FFF2-40B4-BE49-F238E27FC236}">
+                      <a16:creationId xmlns:a16="http://schemas.microsoft.com/office/drawing/2014/main" id="{DD8A78CE-7BF3-66EF-9136-F15B60642691}"/>
+                    </a:ext>
+                  </a:extLst>
+                </p:cNvPr>
+                <p:cNvCxnSpPr>
+                  <a:cxnSpLocks/>
+                </p:cNvCxnSpPr>
+                <p:nvPr/>
+              </p:nvCxnSpPr>
+              <p:spPr>
+                <a:xfrm>
+                  <a:off x="1438829" y="3195315"/>
+                  <a:ext cx="0" cy="1440160"/>
+                </a:xfrm>
+                <a:prstGeom prst="straightConnector1">
+                  <a:avLst/>
+                </a:prstGeom>
+                <a:ln w="15875">
+                  <a:headEnd type="triangle"/>
+                  <a:tailEnd type="triangle"/>
+                </a:ln>
+              </p:spPr>
+              <p:style>
+                <a:lnRef idx="1">
+                  <a:schemeClr val="dk1"/>
+                </a:lnRef>
+                <a:fillRef idx="0">
+                  <a:schemeClr val="dk1"/>
+                </a:fillRef>
+                <a:effectRef idx="0">
+                  <a:schemeClr val="dk1"/>
+                </a:effectRef>
+                <a:fontRef idx="minor">
+                  <a:schemeClr val="tx1"/>
+                </a:fontRef>
+              </p:style>
+            </p:cxnSp>
+            <p:cxnSp>
+              <p:nvCxnSpPr>
+                <p:cNvPr id="60" name="Straight Arrow Connector 59">
+                  <a:extLst>
+                    <a:ext uri="{FF2B5EF4-FFF2-40B4-BE49-F238E27FC236}">
+                      <a16:creationId xmlns:a16="http://schemas.microsoft.com/office/drawing/2014/main" id="{D6A0A884-FDF2-186A-7C0A-DB921C81D100}"/>
+                    </a:ext>
+                  </a:extLst>
+                </p:cNvPr>
+                <p:cNvCxnSpPr>
+                  <a:cxnSpLocks/>
+                </p:cNvCxnSpPr>
+                <p:nvPr/>
+              </p:nvCxnSpPr>
+              <p:spPr>
+                <a:xfrm flipH="1">
+                  <a:off x="1453107" y="4296511"/>
+                  <a:ext cx="6179494" cy="8831"/>
+                </a:xfrm>
+                <a:prstGeom prst="straightConnector1">
+                  <a:avLst/>
+                </a:prstGeom>
+                <a:ln w="15875">
+                  <a:headEnd type="stealth"/>
+                  <a:tailEnd type="none"/>
+                </a:ln>
+              </p:spPr>
+              <p:style>
+                <a:lnRef idx="1">
+                  <a:schemeClr val="dk1"/>
+                </a:lnRef>
+                <a:fillRef idx="0">
+                  <a:schemeClr val="dk1"/>
+                </a:fillRef>
+                <a:effectRef idx="0">
+                  <a:schemeClr val="dk1"/>
+                </a:effectRef>
+                <a:fontRef idx="minor">
+                  <a:schemeClr val="tx1"/>
+                </a:fontRef>
+              </p:style>
+            </p:cxnSp>
+            <p:sp>
+              <p:nvSpPr>
+                <p:cNvPr id="85" name="TextShape 3">
+                  <a:extLst>
+                    <a:ext uri="{FF2B5EF4-FFF2-40B4-BE49-F238E27FC236}">
+                      <a16:creationId xmlns:a16="http://schemas.microsoft.com/office/drawing/2014/main" id="{565DE3E7-2A7A-5858-BA2F-A2E9BBBF1AC6}"/>
+                    </a:ext>
+                  </a:extLst>
+                </p:cNvPr>
+                <p:cNvSpPr txBox="1"/>
+                <p:nvPr/>
+              </p:nvSpPr>
+              <p:spPr>
+                <a:xfrm>
+                  <a:off x="1146521" y="2718547"/>
+                  <a:ext cx="306586" cy="272699"/>
+                </a:xfrm>
+                <a:prstGeom prst="rect">
+                  <a:avLst/>
+                </a:prstGeom>
+                <a:noFill/>
+                <a:ln>
+                  <a:noFill/>
+                </a:ln>
+              </p:spPr>
+              <p:txBody>
+                <a:bodyPr lIns="90000" tIns="45000" rIns="90000" bIns="45000"/>
+                <a:lstStyle/>
+                <a:p>
+                  <a:endParaRPr lang="tr-TR" sz="1400" b="0" strike="noStrike" spc="-1" dirty="0">
+                    <a:latin typeface="Lucida Sans" panose="020B0602030504020204" pitchFamily="34" charset="0"/>
+                  </a:endParaRPr>
+                </a:p>
+              </p:txBody>
+            </p:sp>
+            <p:sp>
+              <p:nvSpPr>
+                <p:cNvPr id="94" name="TextShape 3">
+                  <a:extLst>
+                    <a:ext uri="{FF2B5EF4-FFF2-40B4-BE49-F238E27FC236}">
+                      <a16:creationId xmlns:a16="http://schemas.microsoft.com/office/drawing/2014/main" id="{1EACA767-AE9E-5DD8-4A79-3536FDB4DA31}"/>
+                    </a:ext>
+                  </a:extLst>
+                </p:cNvPr>
+                <p:cNvSpPr txBox="1"/>
+                <p:nvPr/>
+              </p:nvSpPr>
+              <p:spPr>
+                <a:xfrm flipH="1">
+                  <a:off x="7598104" y="4115374"/>
+                  <a:ext cx="216023" cy="272699"/>
+                </a:xfrm>
+                <a:prstGeom prst="rect">
+                  <a:avLst/>
+                </a:prstGeom>
+                <a:noFill/>
+                <a:ln>
+                  <a:noFill/>
+                </a:ln>
+              </p:spPr>
+              <p:txBody>
+                <a:bodyPr lIns="90000" tIns="45000" rIns="90000" bIns="45000"/>
+                <a:lstStyle/>
+                <a:p>
+                  <a:r>
+                    <a:rPr lang="tr-TR" sz="1400" b="0" strike="noStrike" spc="-1" dirty="0">
+                      <a:latin typeface="Lucida Sans" panose="020B0602030504020204" pitchFamily="34" charset="0"/>
+                    </a:rPr>
+                    <a:t>t</a:t>
+                  </a:r>
+                </a:p>
+              </p:txBody>
+            </p:sp>
+            <p:sp>
+              <p:nvSpPr>
+                <p:cNvPr id="95" name="TextShape 3">
+                  <a:extLst>
+                    <a:ext uri="{FF2B5EF4-FFF2-40B4-BE49-F238E27FC236}">
+                      <a16:creationId xmlns:a16="http://schemas.microsoft.com/office/drawing/2014/main" id="{834B2CBD-1FBF-8829-157C-E481CFEF12F0}"/>
+                    </a:ext>
+                  </a:extLst>
+                </p:cNvPr>
+                <p:cNvSpPr txBox="1"/>
+                <p:nvPr/>
+              </p:nvSpPr>
+              <p:spPr>
+                <a:xfrm>
+                  <a:off x="1223889" y="2907283"/>
+                  <a:ext cx="576064" cy="272699"/>
+                </a:xfrm>
+                <a:prstGeom prst="rect">
+                  <a:avLst/>
+                </a:prstGeom>
+                <a:noFill/>
+                <a:ln>
+                  <a:noFill/>
+                </a:ln>
+              </p:spPr>
+              <p:txBody>
+                <a:bodyPr lIns="90000" tIns="45000" rIns="90000" bIns="45000"/>
+                <a:lstStyle/>
+                <a:p>
+                  <a:r>
+                    <a:rPr lang="tr-TR" sz="1400" b="0" strike="noStrike" spc="-1" dirty="0">
+                      <a:latin typeface="Lucida Sans" panose="020B0602030504020204" pitchFamily="34" charset="0"/>
+                    </a:rPr>
+                    <a:t>x</a:t>
+                  </a:r>
+                  <a:r>
+                    <a:rPr lang="en-US" sz="1400" b="0" strike="noStrike" spc="-1" baseline="-25000" dirty="0">
+                      <a:latin typeface="Lucida Sans" panose="020B0602030504020204" pitchFamily="34" charset="0"/>
+                    </a:rPr>
+                    <a:t>2</a:t>
+                  </a:r>
+                  <a:r>
+                    <a:rPr lang="tr-TR" sz="1400" b="0" strike="noStrike" spc="-1" dirty="0">
+                      <a:latin typeface="Lucida Sans" panose="020B0602030504020204" pitchFamily="34" charset="0"/>
+                    </a:rPr>
+                    <a:t>(t)</a:t>
+                  </a:r>
+                </a:p>
+              </p:txBody>
+            </p:sp>
+            <p:sp>
+              <p:nvSpPr>
+                <p:cNvPr id="117" name="Rectangle: Rounded Corners 116">
+                  <a:extLst>
+                    <a:ext uri="{FF2B5EF4-FFF2-40B4-BE49-F238E27FC236}">
+                      <a16:creationId xmlns:a16="http://schemas.microsoft.com/office/drawing/2014/main" id="{C68F2B9E-D281-D344-30AA-1EF47B27A8CF}"/>
+                    </a:ext>
+                  </a:extLst>
+                </p:cNvPr>
+                <p:cNvSpPr/>
+                <p:nvPr/>
+              </p:nvSpPr>
+              <p:spPr>
+                <a:xfrm>
+                  <a:off x="1438829" y="4942024"/>
+                  <a:ext cx="721399" cy="510940"/>
+                </a:xfrm>
+                <a:prstGeom prst="roundRect">
+                  <a:avLst/>
+                </a:prstGeom>
+                <a:solidFill>
+                  <a:schemeClr val="bg1">
+                    <a:lumMod val="75000"/>
+                    <a:alpha val="50000"/>
+                  </a:schemeClr>
+                </a:solidFill>
+                <a:ln w="19050">
+                  <a:solidFill>
+                    <a:schemeClr val="tx1"/>
+                  </a:solidFill>
+                </a:ln>
+              </p:spPr>
+              <p:style>
+                <a:lnRef idx="0">
+                  <a:scrgbClr r="0" g="0" b="0"/>
+                </a:lnRef>
+                <a:fillRef idx="0">
+                  <a:scrgbClr r="0" g="0" b="0"/>
+                </a:fillRef>
+                <a:effectRef idx="0">
+                  <a:scrgbClr r="0" g="0" b="0"/>
+                </a:effectRef>
+                <a:fontRef idx="minor">
+                  <a:schemeClr val="lt1"/>
+                </a:fontRef>
+              </p:style>
+              <p:txBody>
+                <a:bodyPr rtlCol="0" anchor="ctr"/>
+                <a:lstStyle/>
+                <a:p>
+                  <a:pPr algn="ctr"/>
+                  <a:r>
+                    <a:rPr lang="tr-TR" sz="1400" dirty="0">
+                      <a:solidFill>
+                        <a:schemeClr val="tx1"/>
+                      </a:solidFill>
+                      <a:latin typeface="Lucida Sans" panose="020B0602030504020204" pitchFamily="34" charset="0"/>
+                    </a:rPr>
+                    <a:t>[0,1)</a:t>
+                  </a:r>
+                  <a:endParaRPr lang="en-AT" sz="1400" dirty="0">
+                    <a:solidFill>
+                      <a:schemeClr val="tx1"/>
+                    </a:solidFill>
+                    <a:latin typeface="Lucida Sans" panose="020B0602030504020204" pitchFamily="34" charset="0"/>
+                  </a:endParaRPr>
+                </a:p>
+              </p:txBody>
+            </p:sp>
+            <p:sp>
+              <p:nvSpPr>
+                <p:cNvPr id="118" name="Rectangle: Rounded Corners 117">
+                  <a:extLst>
+                    <a:ext uri="{FF2B5EF4-FFF2-40B4-BE49-F238E27FC236}">
+                      <a16:creationId xmlns:a16="http://schemas.microsoft.com/office/drawing/2014/main" id="{9A0222FD-789C-3FFC-F7C8-273D218DB41E}"/>
+                    </a:ext>
+                  </a:extLst>
+                </p:cNvPr>
+                <p:cNvSpPr/>
+                <p:nvPr/>
+              </p:nvSpPr>
+              <p:spPr>
+                <a:xfrm>
+                  <a:off x="2158512" y="4944179"/>
+                  <a:ext cx="1439995" cy="510940"/>
+                </a:xfrm>
+                <a:prstGeom prst="roundRect">
+                  <a:avLst/>
+                </a:prstGeom>
+                <a:solidFill>
+                  <a:schemeClr val="bg1">
+                    <a:lumMod val="75000"/>
+                    <a:alpha val="50000"/>
+                  </a:schemeClr>
+                </a:solidFill>
+                <a:ln w="19050">
+                  <a:solidFill>
+                    <a:schemeClr val="tx1"/>
+                  </a:solidFill>
+                </a:ln>
+              </p:spPr>
+              <p:style>
+                <a:lnRef idx="0">
+                  <a:scrgbClr r="0" g="0" b="0"/>
+                </a:lnRef>
+                <a:fillRef idx="0">
+                  <a:scrgbClr r="0" g="0" b="0"/>
+                </a:fillRef>
+                <a:effectRef idx="0">
+                  <a:scrgbClr r="0" g="0" b="0"/>
+                </a:effectRef>
+                <a:fontRef idx="minor">
+                  <a:schemeClr val="lt1"/>
+                </a:fontRef>
+              </p:style>
+              <p:txBody>
+                <a:bodyPr rtlCol="0" anchor="ctr"/>
+                <a:lstStyle/>
+                <a:p>
+                  <a:pPr algn="ctr"/>
+                  <a:r>
+                    <a:rPr lang="tr-TR" sz="1400" dirty="0">
+                      <a:solidFill>
+                        <a:schemeClr val="tx1"/>
+                      </a:solidFill>
+                      <a:latin typeface="Lucida Sans" panose="020B0602030504020204" pitchFamily="34" charset="0"/>
+                    </a:rPr>
+                    <a:t>[1,3)</a:t>
+                  </a:r>
+                  <a:endParaRPr lang="en-AT" sz="1400" dirty="0">
+                    <a:solidFill>
+                      <a:schemeClr val="tx1"/>
+                    </a:solidFill>
+                    <a:latin typeface="Lucida Sans" panose="020B0602030504020204" pitchFamily="34" charset="0"/>
+                  </a:endParaRPr>
+                </a:p>
+              </p:txBody>
+            </p:sp>
+            <p:sp>
+              <p:nvSpPr>
+                <p:cNvPr id="119" name="Rectangle: Rounded Corners 118">
+                  <a:extLst>
+                    <a:ext uri="{FF2B5EF4-FFF2-40B4-BE49-F238E27FC236}">
+                      <a16:creationId xmlns:a16="http://schemas.microsoft.com/office/drawing/2014/main" id="{8A89B381-DDE2-ADAB-C1A3-C95B9148C54B}"/>
+                    </a:ext>
+                  </a:extLst>
+                </p:cNvPr>
+                <p:cNvSpPr/>
+                <p:nvPr/>
+              </p:nvSpPr>
+              <p:spPr>
+                <a:xfrm>
+                  <a:off x="3598193" y="4941336"/>
+                  <a:ext cx="719998" cy="510940"/>
+                </a:xfrm>
+                <a:prstGeom prst="roundRect">
+                  <a:avLst/>
+                </a:prstGeom>
+                <a:solidFill>
+                  <a:schemeClr val="bg1">
+                    <a:lumMod val="75000"/>
+                    <a:alpha val="50000"/>
+                  </a:schemeClr>
+                </a:solidFill>
+                <a:ln w="19050">
+                  <a:solidFill>
+                    <a:schemeClr val="tx1"/>
+                  </a:solidFill>
+                </a:ln>
+              </p:spPr>
+              <p:style>
+                <a:lnRef idx="0">
+                  <a:scrgbClr r="0" g="0" b="0"/>
+                </a:lnRef>
+                <a:fillRef idx="0">
+                  <a:scrgbClr r="0" g="0" b="0"/>
+                </a:fillRef>
+                <a:effectRef idx="0">
+                  <a:scrgbClr r="0" g="0" b="0"/>
+                </a:effectRef>
+                <a:fontRef idx="minor">
+                  <a:schemeClr val="lt1"/>
+                </a:fontRef>
+              </p:style>
+              <p:txBody>
+                <a:bodyPr rtlCol="0" anchor="ctr"/>
+                <a:lstStyle/>
+                <a:p>
+                  <a:pPr algn="ctr"/>
+                  <a:r>
+                    <a:rPr lang="tr-TR" sz="1400" dirty="0">
+                      <a:solidFill>
+                        <a:schemeClr val="tx1"/>
+                      </a:solidFill>
+                      <a:latin typeface="Lucida Sans" panose="020B0602030504020204" pitchFamily="34" charset="0"/>
+                    </a:rPr>
+                    <a:t>[3,4)</a:t>
+                  </a:r>
+                  <a:endParaRPr lang="en-AT" sz="1400" dirty="0">
+                    <a:solidFill>
+                      <a:schemeClr val="tx1"/>
+                    </a:solidFill>
+                    <a:latin typeface="Lucida Sans" panose="020B0602030504020204" pitchFamily="34" charset="0"/>
+                  </a:endParaRPr>
+                </a:p>
+              </p:txBody>
+            </p:sp>
+            <p:sp>
+              <p:nvSpPr>
+                <p:cNvPr id="120" name="Rectangle: Rounded Corners 119">
+                  <a:extLst>
+                    <a:ext uri="{FF2B5EF4-FFF2-40B4-BE49-F238E27FC236}">
+                      <a16:creationId xmlns:a16="http://schemas.microsoft.com/office/drawing/2014/main" id="{35F7C927-AE8A-1B55-8BE0-BBCE43CA2757}"/>
+                    </a:ext>
+                  </a:extLst>
+                </p:cNvPr>
+                <p:cNvSpPr/>
+                <p:nvPr/>
+              </p:nvSpPr>
+              <p:spPr>
+                <a:xfrm>
+                  <a:off x="5047112" y="4941336"/>
+                  <a:ext cx="1431716" cy="510940"/>
+                </a:xfrm>
+                <a:prstGeom prst="roundRect">
+                  <a:avLst/>
+                </a:prstGeom>
+                <a:solidFill>
+                  <a:schemeClr val="bg1">
+                    <a:lumMod val="75000"/>
+                    <a:alpha val="50000"/>
+                  </a:schemeClr>
+                </a:solidFill>
+                <a:ln w="19050">
+                  <a:solidFill>
+                    <a:schemeClr val="tx1"/>
+                  </a:solidFill>
+                </a:ln>
+              </p:spPr>
+              <p:style>
+                <a:lnRef idx="0">
+                  <a:scrgbClr r="0" g="0" b="0"/>
+                </a:lnRef>
+                <a:fillRef idx="0">
+                  <a:scrgbClr r="0" g="0" b="0"/>
+                </a:fillRef>
+                <a:effectRef idx="0">
+                  <a:scrgbClr r="0" g="0" b="0"/>
+                </a:effectRef>
+                <a:fontRef idx="minor">
+                  <a:schemeClr val="lt1"/>
+                </a:fontRef>
+              </p:style>
+              <p:txBody>
+                <a:bodyPr rtlCol="0" anchor="ctr"/>
+                <a:lstStyle/>
+                <a:p>
+                  <a:pPr algn="ctr"/>
+                  <a:r>
+                    <a:rPr lang="tr-TR" sz="1400" dirty="0">
+                      <a:solidFill>
+                        <a:schemeClr val="tx1"/>
+                      </a:solidFill>
+                      <a:latin typeface="Lucida Sans" panose="020B0602030504020204" pitchFamily="34" charset="0"/>
+                    </a:rPr>
+                    <a:t>[</a:t>
+                  </a:r>
+                  <a:r>
+                    <a:rPr lang="en-US" sz="1400" dirty="0">
+                      <a:solidFill>
+                        <a:schemeClr val="tx1"/>
+                      </a:solidFill>
+                      <a:latin typeface="Lucida Sans" panose="020B0602030504020204" pitchFamily="34" charset="0"/>
+                    </a:rPr>
+                    <a:t>5</a:t>
+                  </a:r>
+                  <a:r>
+                    <a:rPr lang="tr-TR" sz="1400" dirty="0">
+                      <a:solidFill>
+                        <a:schemeClr val="tx1"/>
+                      </a:solidFill>
+                      <a:latin typeface="Lucida Sans" panose="020B0602030504020204" pitchFamily="34" charset="0"/>
+                    </a:rPr>
+                    <a:t>,7)</a:t>
+                  </a:r>
+                  <a:endParaRPr lang="en-AT" sz="1400" dirty="0">
+                    <a:solidFill>
+                      <a:schemeClr val="tx1"/>
+                    </a:solidFill>
+                    <a:latin typeface="Lucida Sans" panose="020B0602030504020204" pitchFamily="34" charset="0"/>
+                  </a:endParaRPr>
+                </a:p>
+              </p:txBody>
+            </p:sp>
+            <p:sp>
+              <p:nvSpPr>
+                <p:cNvPr id="121" name="Rectangle: Rounded Corners 120">
+                  <a:extLst>
+                    <a:ext uri="{FF2B5EF4-FFF2-40B4-BE49-F238E27FC236}">
+                      <a16:creationId xmlns:a16="http://schemas.microsoft.com/office/drawing/2014/main" id="{FB959EF1-9B1A-9E08-3A43-469BAF647BEE}"/>
+                    </a:ext>
+                  </a:extLst>
+                </p:cNvPr>
+                <p:cNvSpPr/>
+                <p:nvPr/>
+              </p:nvSpPr>
+              <p:spPr>
+                <a:xfrm>
+                  <a:off x="6478828" y="4941336"/>
+                  <a:ext cx="737005" cy="510940"/>
+                </a:xfrm>
+                <a:prstGeom prst="roundRect">
+                  <a:avLst/>
+                </a:prstGeom>
+                <a:solidFill>
+                  <a:schemeClr val="bg1">
+                    <a:lumMod val="75000"/>
+                    <a:alpha val="50000"/>
+                  </a:schemeClr>
+                </a:solidFill>
+                <a:ln w="19050">
+                  <a:solidFill>
+                    <a:schemeClr val="tx1"/>
+                  </a:solidFill>
+                </a:ln>
+              </p:spPr>
+              <p:style>
+                <a:lnRef idx="0">
+                  <a:scrgbClr r="0" g="0" b="0"/>
+                </a:lnRef>
+                <a:fillRef idx="0">
+                  <a:scrgbClr r="0" g="0" b="0"/>
+                </a:fillRef>
+                <a:effectRef idx="0">
+                  <a:scrgbClr r="0" g="0" b="0"/>
+                </a:effectRef>
+                <a:fontRef idx="minor">
+                  <a:schemeClr val="lt1"/>
+                </a:fontRef>
+              </p:style>
+              <p:txBody>
+                <a:bodyPr rtlCol="0" anchor="ctr"/>
+                <a:lstStyle/>
+                <a:p>
+                  <a:pPr algn="ctr"/>
+                  <a:r>
+                    <a:rPr lang="tr-TR" sz="1400" dirty="0">
+                      <a:solidFill>
+                        <a:schemeClr val="tx1"/>
+                      </a:solidFill>
+                      <a:latin typeface="Lucida Sans" panose="020B0602030504020204" pitchFamily="34" charset="0"/>
+                    </a:rPr>
+                    <a:t>[7,8)</a:t>
+                  </a:r>
+                  <a:endParaRPr lang="en-AT" sz="1400" dirty="0">
+                    <a:solidFill>
+                      <a:schemeClr val="tx1"/>
+                    </a:solidFill>
+                    <a:latin typeface="Lucida Sans" panose="020B0602030504020204" pitchFamily="34" charset="0"/>
+                  </a:endParaRPr>
+                </a:p>
+              </p:txBody>
+            </p:sp>
+            <p:sp>
+              <p:nvSpPr>
+                <p:cNvPr id="123" name="TextShape 3">
+                  <a:extLst>
+                    <a:ext uri="{FF2B5EF4-FFF2-40B4-BE49-F238E27FC236}">
+                      <a16:creationId xmlns:a16="http://schemas.microsoft.com/office/drawing/2014/main" id="{32F5CA81-7772-6546-67C5-2ABEA7A25339}"/>
+                    </a:ext>
+                  </a:extLst>
+                </p:cNvPr>
+                <p:cNvSpPr txBox="1"/>
+                <p:nvPr/>
+              </p:nvSpPr>
+              <p:spPr>
+                <a:xfrm>
+                  <a:off x="1060932" y="5067523"/>
+                  <a:ext cx="477763" cy="267359"/>
+                </a:xfrm>
+                <a:prstGeom prst="rect">
+                  <a:avLst/>
+                </a:prstGeom>
+                <a:noFill/>
+                <a:ln>
+                  <a:noFill/>
+                </a:ln>
+              </p:spPr>
+              <p:txBody>
+                <a:bodyPr lIns="90000" tIns="45000" rIns="90000" bIns="45000"/>
+                <a:lstStyle/>
+                <a:p>
+                  <a:r>
+                    <a:rPr lang="tr-TR" sz="1600" b="0" strike="noStrike" spc="-1" dirty="0">
+                      <a:latin typeface="Lucida Sans" panose="020B0602030504020204" pitchFamily="34" charset="0"/>
+                    </a:rPr>
+                    <a:t>G</a:t>
+                  </a:r>
+                  <a:r>
+                    <a:rPr lang="tr-TR" sz="1600" b="0" strike="noStrike" spc="-1" baseline="-25000" dirty="0">
+                      <a:latin typeface="Lucida Sans" panose="020B0602030504020204" pitchFamily="34" charset="0"/>
+                    </a:rPr>
+                    <a:t>S</a:t>
+                  </a:r>
+                  <a:endParaRPr lang="tr-TR" sz="1600" b="0" strike="noStrike" spc="-1" dirty="0">
+                    <a:latin typeface="Lucida Sans" panose="020B0602030504020204" pitchFamily="34" charset="0"/>
+                  </a:endParaRPr>
+                </a:p>
+              </p:txBody>
+            </p:sp>
+            <p:sp>
+              <p:nvSpPr>
+                <p:cNvPr id="6" name="TextShape 3">
+                  <a:extLst>
+                    <a:ext uri="{FF2B5EF4-FFF2-40B4-BE49-F238E27FC236}">
+                      <a16:creationId xmlns:a16="http://schemas.microsoft.com/office/drawing/2014/main" id="{2448C627-2986-FF3C-A1E5-D14970B3B7AC}"/>
+                    </a:ext>
+                  </a:extLst>
+                </p:cNvPr>
+                <p:cNvSpPr txBox="1"/>
+                <p:nvPr/>
+              </p:nvSpPr>
+              <p:spPr>
+                <a:xfrm>
+                  <a:off x="1007864" y="4342249"/>
+                  <a:ext cx="6558253" cy="272699"/>
+                </a:xfrm>
+                <a:prstGeom prst="rect">
+                  <a:avLst/>
+                </a:prstGeom>
+                <a:noFill/>
+                <a:ln>
+                  <a:noFill/>
+                </a:ln>
+              </p:spPr>
+              <p:txBody>
+                <a:bodyPr lIns="90000" tIns="45000" rIns="90000" bIns="45000"/>
+                <a:lstStyle/>
+                <a:p>
+                  <a:r>
+                    <a:rPr lang="en-US" sz="1400" spc="-1" dirty="0">
+                      <a:latin typeface="Lucida Sans" panose="020B0602030504020204" pitchFamily="34" charset="0"/>
+                    </a:rPr>
+                    <a:t>  0              1           2           3           4           5           6           7           8</a:t>
+                  </a:r>
+                  <a:endParaRPr lang="tr-TR" sz="1400" b="0" strike="noStrike" spc="-1" dirty="0">
+                    <a:latin typeface="Lucida Sans" panose="020B0602030504020204" pitchFamily="34" charset="0"/>
+                  </a:endParaRPr>
+                </a:p>
+              </p:txBody>
+            </p:sp>
+            <p:cxnSp>
+              <p:nvCxnSpPr>
+                <p:cNvPr id="8" name="Straight Connector 7">
+                  <a:extLst>
+                    <a:ext uri="{FF2B5EF4-FFF2-40B4-BE49-F238E27FC236}">
+                      <a16:creationId xmlns:a16="http://schemas.microsoft.com/office/drawing/2014/main" id="{1F651F44-374B-22BC-FDDA-160EAA221689}"/>
+                    </a:ext>
+                  </a:extLst>
+                </p:cNvPr>
+                <p:cNvCxnSpPr>
+                  <a:cxnSpLocks/>
+                </p:cNvCxnSpPr>
+                <p:nvPr/>
+              </p:nvCxnSpPr>
+              <p:spPr>
+                <a:xfrm>
+                  <a:off x="1453107" y="2119672"/>
+                  <a:ext cx="1440157" cy="0"/>
+                </a:xfrm>
+                <a:prstGeom prst="line">
+                  <a:avLst/>
+                </a:prstGeom>
+                <a:ln w="50800">
+                  <a:solidFill>
+                    <a:srgbClr val="FF0000"/>
+                  </a:solidFill>
+                  <a:prstDash val="dash"/>
+                  <a:headEnd type="oval"/>
+                </a:ln>
+              </p:spPr>
+              <p:style>
+                <a:lnRef idx="1">
+                  <a:schemeClr val="accent2"/>
+                </a:lnRef>
+                <a:fillRef idx="0">
+                  <a:schemeClr val="accent2"/>
+                </a:fillRef>
+                <a:effectRef idx="0">
+                  <a:schemeClr val="accent2"/>
+                </a:effectRef>
+                <a:fontRef idx="minor">
+                  <a:schemeClr val="tx1"/>
+                </a:fontRef>
+              </p:style>
+            </p:cxnSp>
+            <p:cxnSp>
+              <p:nvCxnSpPr>
+                <p:cNvPr id="9" name="Straight Connector 8">
+                  <a:extLst>
+                    <a:ext uri="{FF2B5EF4-FFF2-40B4-BE49-F238E27FC236}">
+                      <a16:creationId xmlns:a16="http://schemas.microsoft.com/office/drawing/2014/main" id="{25A4CBD1-80FC-190E-A635-A00E25BEAF69}"/>
+                    </a:ext>
+                  </a:extLst>
+                </p:cNvPr>
+                <p:cNvCxnSpPr>
+                  <a:cxnSpLocks/>
+                </p:cNvCxnSpPr>
+                <p:nvPr/>
+              </p:nvCxnSpPr>
+              <p:spPr>
+                <a:xfrm>
+                  <a:off x="2880072" y="1364341"/>
+                  <a:ext cx="2160239" cy="0"/>
+                </a:xfrm>
+                <a:prstGeom prst="line">
+                  <a:avLst/>
+                </a:prstGeom>
+                <a:ln w="50800">
+                  <a:solidFill>
+                    <a:srgbClr val="FF0000"/>
+                  </a:solidFill>
+                  <a:prstDash val="dash"/>
+                  <a:headEnd type="oval"/>
+                </a:ln>
+              </p:spPr>
+              <p:style>
+                <a:lnRef idx="1">
+                  <a:schemeClr val="accent2"/>
+                </a:lnRef>
+                <a:fillRef idx="0">
+                  <a:schemeClr val="accent2"/>
+                </a:fillRef>
+                <a:effectRef idx="0">
+                  <a:schemeClr val="accent2"/>
+                </a:effectRef>
+                <a:fontRef idx="minor">
+                  <a:schemeClr val="tx1"/>
+                </a:fontRef>
+              </p:style>
+            </p:cxnSp>
+            <p:cxnSp>
+              <p:nvCxnSpPr>
+                <p:cNvPr id="10" name="Straight Connector 9">
+                  <a:extLst>
+                    <a:ext uri="{FF2B5EF4-FFF2-40B4-BE49-F238E27FC236}">
+                      <a16:creationId xmlns:a16="http://schemas.microsoft.com/office/drawing/2014/main" id="{DD2421C6-81B5-E27F-2057-B26508C194E8}"/>
+                    </a:ext>
+                  </a:extLst>
+                </p:cNvPr>
+                <p:cNvCxnSpPr>
+                  <a:cxnSpLocks/>
+                </p:cNvCxnSpPr>
+                <p:nvPr/>
+              </p:nvCxnSpPr>
+              <p:spPr>
+                <a:xfrm>
+                  <a:off x="5047112" y="2116925"/>
+                  <a:ext cx="2175522" cy="0"/>
+                </a:xfrm>
+                <a:prstGeom prst="line">
+                  <a:avLst/>
+                </a:prstGeom>
+                <a:ln w="50800">
+                  <a:solidFill>
+                    <a:srgbClr val="FF0000"/>
+                  </a:solidFill>
+                  <a:prstDash val="dash"/>
+                  <a:headEnd type="oval"/>
+                </a:ln>
+              </p:spPr>
+              <p:style>
+                <a:lnRef idx="1">
+                  <a:schemeClr val="accent2"/>
+                </a:lnRef>
+                <a:fillRef idx="0">
+                  <a:schemeClr val="accent2"/>
+                </a:fillRef>
+                <a:effectRef idx="0">
+                  <a:schemeClr val="accent2"/>
+                </a:effectRef>
+                <a:fontRef idx="minor">
+                  <a:schemeClr val="tx1"/>
+                </a:fontRef>
+              </p:style>
+            </p:cxnSp>
+            <p:cxnSp>
+              <p:nvCxnSpPr>
+                <p:cNvPr id="11" name="Straight Arrow Connector 10">
+                  <a:extLst>
+                    <a:ext uri="{FF2B5EF4-FFF2-40B4-BE49-F238E27FC236}">
+                      <a16:creationId xmlns:a16="http://schemas.microsoft.com/office/drawing/2014/main" id="{7A9D2D29-490B-89FE-37A7-5BAF3FFEA5C7}"/>
+                    </a:ext>
+                  </a:extLst>
+                </p:cNvPr>
+                <p:cNvCxnSpPr>
+                  <a:cxnSpLocks/>
+                </p:cNvCxnSpPr>
+                <p:nvPr/>
+              </p:nvCxnSpPr>
+              <p:spPr>
+                <a:xfrm>
+                  <a:off x="1438829" y="1035075"/>
+                  <a:ext cx="0" cy="1412872"/>
+                </a:xfrm>
+                <a:prstGeom prst="straightConnector1">
+                  <a:avLst/>
+                </a:prstGeom>
+                <a:ln w="15875">
+                  <a:headEnd type="triangle"/>
+                  <a:tailEnd type="triangle"/>
+                </a:ln>
+              </p:spPr>
+              <p:style>
+                <a:lnRef idx="1">
+                  <a:schemeClr val="dk1"/>
+                </a:lnRef>
+                <a:fillRef idx="0">
+                  <a:schemeClr val="dk1"/>
+                </a:fillRef>
+                <a:effectRef idx="0">
+                  <a:schemeClr val="dk1"/>
+                </a:effectRef>
+                <a:fontRef idx="minor">
+                  <a:schemeClr val="tx1"/>
+                </a:fontRef>
+              </p:style>
+            </p:cxnSp>
+            <p:cxnSp>
+              <p:nvCxnSpPr>
+                <p:cNvPr id="12" name="Straight Arrow Connector 11">
+                  <a:extLst>
+                    <a:ext uri="{FF2B5EF4-FFF2-40B4-BE49-F238E27FC236}">
+                      <a16:creationId xmlns:a16="http://schemas.microsoft.com/office/drawing/2014/main" id="{160E4A0F-1C94-A081-A14F-47FC90F7AB71}"/>
+                    </a:ext>
+                  </a:extLst>
+                </p:cNvPr>
+                <p:cNvCxnSpPr>
+                  <a:cxnSpLocks/>
+                </p:cNvCxnSpPr>
+                <p:nvPr/>
+              </p:nvCxnSpPr>
+              <p:spPr>
+                <a:xfrm flipH="1">
+                  <a:off x="1453107" y="2108983"/>
+                  <a:ext cx="6179494" cy="8831"/>
+                </a:xfrm>
+                <a:prstGeom prst="straightConnector1">
+                  <a:avLst/>
+                </a:prstGeom>
+                <a:ln w="15875">
+                  <a:headEnd type="stealth"/>
+                  <a:tailEnd type="none"/>
+                </a:ln>
+              </p:spPr>
+              <p:style>
+                <a:lnRef idx="1">
+                  <a:schemeClr val="dk1"/>
+                </a:lnRef>
+                <a:fillRef idx="0">
+                  <a:schemeClr val="dk1"/>
+                </a:fillRef>
+                <a:effectRef idx="0">
+                  <a:schemeClr val="dk1"/>
+                </a:effectRef>
+                <a:fontRef idx="minor">
+                  <a:schemeClr val="tx1"/>
+                </a:fontRef>
+              </p:style>
+            </p:cxnSp>
+            <p:sp>
+              <p:nvSpPr>
+                <p:cNvPr id="13" name="TextShape 3">
+                  <a:extLst>
+                    <a:ext uri="{FF2B5EF4-FFF2-40B4-BE49-F238E27FC236}">
+                      <a16:creationId xmlns:a16="http://schemas.microsoft.com/office/drawing/2014/main" id="{B496F632-1E3F-8965-56C4-97AE54B0D3A3}"/>
+                    </a:ext>
+                  </a:extLst>
+                </p:cNvPr>
+                <p:cNvSpPr txBox="1"/>
+                <p:nvPr/>
+              </p:nvSpPr>
+              <p:spPr>
+                <a:xfrm>
+                  <a:off x="1146521" y="531019"/>
+                  <a:ext cx="306586" cy="272699"/>
+                </a:xfrm>
+                <a:prstGeom prst="rect">
+                  <a:avLst/>
+                </a:prstGeom>
+                <a:noFill/>
+                <a:ln>
+                  <a:noFill/>
+                </a:ln>
+              </p:spPr>
+              <p:txBody>
+                <a:bodyPr lIns="90000" tIns="45000" rIns="90000" bIns="45000"/>
+                <a:lstStyle/>
+                <a:p>
+                  <a:endParaRPr lang="tr-TR" sz="1400" b="0" strike="noStrike" spc="-1" dirty="0">
+                    <a:latin typeface="Lucida Sans" panose="020B0602030504020204" pitchFamily="34" charset="0"/>
+                  </a:endParaRPr>
+                </a:p>
+              </p:txBody>
+            </p:sp>
+            <p:sp>
+              <p:nvSpPr>
+                <p:cNvPr id="14" name="TextShape 3">
+                  <a:extLst>
+                    <a:ext uri="{FF2B5EF4-FFF2-40B4-BE49-F238E27FC236}">
+                      <a16:creationId xmlns:a16="http://schemas.microsoft.com/office/drawing/2014/main" id="{44CD7501-657D-F040-C9B3-18940ECF96BE}"/>
+                    </a:ext>
+                  </a:extLst>
+                </p:cNvPr>
+                <p:cNvSpPr txBox="1"/>
+                <p:nvPr/>
+              </p:nvSpPr>
+              <p:spPr>
+                <a:xfrm flipH="1">
+                  <a:off x="7598104" y="1927846"/>
+                  <a:ext cx="216023" cy="272699"/>
+                </a:xfrm>
+                <a:prstGeom prst="rect">
+                  <a:avLst/>
+                </a:prstGeom>
+                <a:noFill/>
+                <a:ln>
+                  <a:noFill/>
+                </a:ln>
+              </p:spPr>
+              <p:txBody>
+                <a:bodyPr lIns="90000" tIns="45000" rIns="90000" bIns="45000"/>
+                <a:lstStyle/>
+                <a:p>
+                  <a:r>
+                    <a:rPr lang="tr-TR" sz="1400" b="0" strike="noStrike" spc="-1" dirty="0">
+                      <a:latin typeface="Lucida Sans" panose="020B0602030504020204" pitchFamily="34" charset="0"/>
+                    </a:rPr>
+                    <a:t>t</a:t>
+                  </a:r>
+                </a:p>
+              </p:txBody>
+            </p:sp>
+            <p:sp>
+              <p:nvSpPr>
+                <p:cNvPr id="15" name="TextShape 3">
+                  <a:extLst>
+                    <a:ext uri="{FF2B5EF4-FFF2-40B4-BE49-F238E27FC236}">
+                      <a16:creationId xmlns:a16="http://schemas.microsoft.com/office/drawing/2014/main" id="{C896D22E-F80A-E2C0-13B3-B30FFFACADA3}"/>
+                    </a:ext>
+                  </a:extLst>
+                </p:cNvPr>
+                <p:cNvSpPr txBox="1"/>
+                <p:nvPr/>
+              </p:nvSpPr>
+              <p:spPr>
+                <a:xfrm>
+                  <a:off x="1223889" y="762376"/>
+                  <a:ext cx="576064" cy="272699"/>
+                </a:xfrm>
+                <a:prstGeom prst="rect">
+                  <a:avLst/>
+                </a:prstGeom>
+                <a:noFill/>
+                <a:ln>
+                  <a:noFill/>
+                </a:ln>
+              </p:spPr>
+              <p:txBody>
+                <a:bodyPr lIns="90000" tIns="45000" rIns="90000" bIns="45000"/>
+                <a:lstStyle/>
+                <a:p>
+                  <a:r>
+                    <a:rPr lang="tr-TR" sz="1400" b="0" strike="noStrike" spc="-1" dirty="0">
+                      <a:latin typeface="Lucida Sans" panose="020B0602030504020204" pitchFamily="34" charset="0"/>
+                    </a:rPr>
+                    <a:t>x</a:t>
+                  </a:r>
+                  <a:r>
+                    <a:rPr lang="en-US" sz="1400" spc="-1" baseline="-25000" dirty="0">
+                      <a:latin typeface="Lucida Sans" panose="020B0602030504020204" pitchFamily="34" charset="0"/>
+                    </a:rPr>
+                    <a:t>1</a:t>
+                  </a:r>
+                  <a:r>
+                    <a:rPr lang="tr-TR" sz="1400" b="0" strike="noStrike" spc="-1" dirty="0">
+                      <a:latin typeface="Lucida Sans" panose="020B0602030504020204" pitchFamily="34" charset="0"/>
+                    </a:rPr>
+                    <a:t>(t)</a:t>
+                  </a:r>
+                </a:p>
+              </p:txBody>
+            </p:sp>
+            <p:sp>
+              <p:nvSpPr>
+                <p:cNvPr id="16" name="Rectangle: Rounded Corners 15">
+                  <a:extLst>
+                    <a:ext uri="{FF2B5EF4-FFF2-40B4-BE49-F238E27FC236}">
+                      <a16:creationId xmlns:a16="http://schemas.microsoft.com/office/drawing/2014/main" id="{3DE93CFB-6E7A-C6F0-EDEC-C2FD088BCC1A}"/>
+                    </a:ext>
+                  </a:extLst>
+                </p:cNvPr>
+                <p:cNvSpPr/>
+                <p:nvPr/>
+              </p:nvSpPr>
+              <p:spPr>
+                <a:xfrm>
+                  <a:off x="1439911" y="1295835"/>
+                  <a:ext cx="2880000" cy="144000"/>
+                </a:xfrm>
+                <a:prstGeom prst="roundRect">
+                  <a:avLst/>
+                </a:prstGeom>
+                <a:solidFill>
+                  <a:srgbClr val="FF0000">
+                    <a:alpha val="30000"/>
+                  </a:srgbClr>
+                </a:solidFill>
+                <a:ln>
+                  <a:noFill/>
+                </a:ln>
+              </p:spPr>
+              <p:style>
+                <a:lnRef idx="0">
+                  <a:scrgbClr r="0" g="0" b="0"/>
+                </a:lnRef>
+                <a:fillRef idx="0">
+                  <a:scrgbClr r="0" g="0" b="0"/>
+                </a:fillRef>
+                <a:effectRef idx="0">
+                  <a:scrgbClr r="0" g="0" b="0"/>
+                </a:effectRef>
+                <a:fontRef idx="minor">
+                  <a:schemeClr val="lt1"/>
+                </a:fontRef>
+              </p:style>
+              <p:txBody>
+                <a:bodyPr rtlCol="0" anchor="ctr"/>
+                <a:lstStyle/>
+                <a:p>
+                  <a:pPr algn="ctr"/>
+                  <a:endParaRPr lang="en-AT" dirty="0"/>
+                </a:p>
+              </p:txBody>
+            </p:sp>
+            <p:sp>
+              <p:nvSpPr>
+                <p:cNvPr id="17" name="Rectangle: Rounded Corners 16">
+                  <a:extLst>
+                    <a:ext uri="{FF2B5EF4-FFF2-40B4-BE49-F238E27FC236}">
+                      <a16:creationId xmlns:a16="http://schemas.microsoft.com/office/drawing/2014/main" id="{F5798D08-47CE-E681-7BD8-D719C575B66B}"/>
+                    </a:ext>
+                  </a:extLst>
+                </p:cNvPr>
+                <p:cNvSpPr/>
+                <p:nvPr/>
+              </p:nvSpPr>
+              <p:spPr>
+                <a:xfrm>
+                  <a:off x="3605307" y="2036983"/>
+                  <a:ext cx="2880322" cy="144000"/>
+                </a:xfrm>
+                <a:prstGeom prst="roundRect">
+                  <a:avLst/>
+                </a:prstGeom>
+                <a:solidFill>
+                  <a:srgbClr val="FF0000">
+                    <a:alpha val="30000"/>
+                  </a:srgbClr>
+                </a:solidFill>
+                <a:ln>
+                  <a:noFill/>
+                </a:ln>
+              </p:spPr>
+              <p:style>
+                <a:lnRef idx="0">
+                  <a:scrgbClr r="0" g="0" b="0"/>
+                </a:lnRef>
+                <a:fillRef idx="0">
+                  <a:scrgbClr r="0" g="0" b="0"/>
+                </a:fillRef>
+                <a:effectRef idx="0">
+                  <a:scrgbClr r="0" g="0" b="0"/>
+                </a:effectRef>
+                <a:fontRef idx="minor">
+                  <a:schemeClr val="lt1"/>
+                </a:fontRef>
+              </p:style>
+              <p:txBody>
+                <a:bodyPr rtlCol="0" anchor="ctr"/>
+                <a:lstStyle/>
+                <a:p>
+                  <a:pPr algn="ctr"/>
+                  <a:endParaRPr lang="en-AT" dirty="0"/>
+                </a:p>
+              </p:txBody>
+            </p:sp>
+            <p:sp>
+              <p:nvSpPr>
+                <p:cNvPr id="18" name="TextShape 3">
+                  <a:extLst>
+                    <a:ext uri="{FF2B5EF4-FFF2-40B4-BE49-F238E27FC236}">
+                      <a16:creationId xmlns:a16="http://schemas.microsoft.com/office/drawing/2014/main" id="{A780CF4F-1CAF-A3BC-1869-1BE9A5507C37}"/>
+                    </a:ext>
+                  </a:extLst>
+                </p:cNvPr>
+                <p:cNvSpPr txBox="1"/>
+                <p:nvPr/>
+              </p:nvSpPr>
+              <p:spPr>
+                <a:xfrm>
+                  <a:off x="1007864" y="2154721"/>
+                  <a:ext cx="6558253" cy="272699"/>
+                </a:xfrm>
+                <a:prstGeom prst="rect">
+                  <a:avLst/>
+                </a:prstGeom>
+                <a:noFill/>
+                <a:ln>
+                  <a:noFill/>
+                </a:ln>
+              </p:spPr>
+              <p:txBody>
+                <a:bodyPr lIns="90000" tIns="45000" rIns="90000" bIns="45000"/>
+                <a:lstStyle/>
+                <a:p>
+                  <a:r>
+                    <a:rPr lang="en-US" sz="1400" spc="-1" dirty="0">
+                      <a:latin typeface="Lucida Sans" panose="020B0602030504020204" pitchFamily="34" charset="0"/>
+                    </a:rPr>
+                    <a:t>  0              1           2           3           4           5           6           7           8</a:t>
+                  </a:r>
+                  <a:endParaRPr lang="tr-TR" sz="1400" b="0" strike="noStrike" spc="-1" dirty="0">
+                    <a:latin typeface="Lucida Sans" panose="020B0602030504020204" pitchFamily="34" charset="0"/>
+                  </a:endParaRPr>
+                </a:p>
+              </p:txBody>
+            </p:sp>
+            <p:cxnSp>
+              <p:nvCxnSpPr>
+                <p:cNvPr id="19" name="Straight Connector 18">
+                  <a:extLst>
+                    <a:ext uri="{FF2B5EF4-FFF2-40B4-BE49-F238E27FC236}">
+                      <a16:creationId xmlns:a16="http://schemas.microsoft.com/office/drawing/2014/main" id="{CED65A17-ED8D-77E1-427B-0013EC9BFADE}"/>
+                    </a:ext>
+                  </a:extLst>
+                </p:cNvPr>
+                <p:cNvCxnSpPr>
+                  <a:cxnSpLocks/>
+                </p:cNvCxnSpPr>
+                <p:nvPr/>
+              </p:nvCxnSpPr>
+              <p:spPr>
+                <a:xfrm>
+                  <a:off x="1453107" y="4296511"/>
+                  <a:ext cx="2160237" cy="0"/>
+                </a:xfrm>
+                <a:prstGeom prst="line">
+                  <a:avLst/>
+                </a:prstGeom>
+                <a:ln w="50800">
+                  <a:solidFill>
+                    <a:srgbClr val="0070C0"/>
+                  </a:solidFill>
+                  <a:headEnd type="oval"/>
+                </a:ln>
+              </p:spPr>
+              <p:style>
+                <a:lnRef idx="1">
+                  <a:schemeClr val="accent1"/>
+                </a:lnRef>
+                <a:fillRef idx="0">
+                  <a:schemeClr val="accent1"/>
+                </a:fillRef>
+                <a:effectRef idx="0">
+                  <a:schemeClr val="accent1"/>
+                </a:effectRef>
+                <a:fontRef idx="minor">
+                  <a:schemeClr val="tx1"/>
+                </a:fontRef>
+              </p:style>
+            </p:cxnSp>
+            <p:cxnSp>
+              <p:nvCxnSpPr>
+                <p:cNvPr id="20" name="Straight Connector 19">
+                  <a:extLst>
+                    <a:ext uri="{FF2B5EF4-FFF2-40B4-BE49-F238E27FC236}">
+                      <a16:creationId xmlns:a16="http://schemas.microsoft.com/office/drawing/2014/main" id="{2310723A-DF87-1E48-A222-D78B24E8360C}"/>
+                    </a:ext>
+                  </a:extLst>
+                </p:cNvPr>
+                <p:cNvCxnSpPr>
+                  <a:cxnSpLocks/>
+                </p:cNvCxnSpPr>
+                <p:nvPr/>
+              </p:nvCxnSpPr>
+              <p:spPr>
+                <a:xfrm>
+                  <a:off x="3596392" y="3538597"/>
+                  <a:ext cx="2163512" cy="0"/>
+                </a:xfrm>
+                <a:prstGeom prst="line">
+                  <a:avLst/>
+                </a:prstGeom>
+                <a:ln w="50800">
+                  <a:solidFill>
+                    <a:srgbClr val="0070C0"/>
+                  </a:solidFill>
+                  <a:headEnd type="oval"/>
+                </a:ln>
+              </p:spPr>
+              <p:style>
+                <a:lnRef idx="1">
+                  <a:schemeClr val="accent1"/>
+                </a:lnRef>
+                <a:fillRef idx="0">
+                  <a:schemeClr val="accent1"/>
+                </a:fillRef>
+                <a:effectRef idx="0">
+                  <a:schemeClr val="accent1"/>
+                </a:effectRef>
+                <a:fontRef idx="minor">
+                  <a:schemeClr val="tx1"/>
+                </a:fontRef>
+              </p:style>
+            </p:cxnSp>
+            <p:cxnSp>
+              <p:nvCxnSpPr>
+                <p:cNvPr id="21" name="Straight Connector 20">
+                  <a:extLst>
+                    <a:ext uri="{FF2B5EF4-FFF2-40B4-BE49-F238E27FC236}">
+                      <a16:creationId xmlns:a16="http://schemas.microsoft.com/office/drawing/2014/main" id="{E0FEB791-7512-5A69-F32D-0DEAC09D824D}"/>
+                    </a:ext>
+                  </a:extLst>
+                </p:cNvPr>
+                <p:cNvCxnSpPr>
+                  <a:cxnSpLocks/>
+                  <a:endCxn id="23" idx="3"/>
+                </p:cNvCxnSpPr>
+                <p:nvPr/>
+              </p:nvCxnSpPr>
+              <p:spPr>
+                <a:xfrm flipV="1">
+                  <a:off x="5764819" y="4305102"/>
+                  <a:ext cx="1438516" cy="240"/>
+                </a:xfrm>
+                <a:prstGeom prst="line">
+                  <a:avLst/>
+                </a:prstGeom>
+                <a:ln w="50800" cmpd="sng">
+                  <a:solidFill>
+                    <a:srgbClr val="0070C0"/>
+                  </a:solidFill>
+                  <a:headEnd type="oval"/>
+                </a:ln>
+              </p:spPr>
+              <p:style>
+                <a:lnRef idx="1">
+                  <a:schemeClr val="accent1"/>
+                </a:lnRef>
+                <a:fillRef idx="0">
+                  <a:schemeClr val="accent1"/>
+                </a:fillRef>
+                <a:effectRef idx="0">
+                  <a:schemeClr val="accent1"/>
+                </a:effectRef>
+                <a:fontRef idx="minor">
+                  <a:schemeClr val="tx1"/>
+                </a:fontRef>
+              </p:style>
+            </p:cxnSp>
+            <p:sp>
+              <p:nvSpPr>
+                <p:cNvPr id="23" name="Rectangle: Rounded Corners 22">
+                  <a:extLst>
+                    <a:ext uri="{FF2B5EF4-FFF2-40B4-BE49-F238E27FC236}">
+                      <a16:creationId xmlns:a16="http://schemas.microsoft.com/office/drawing/2014/main" id="{51EFC4D3-1A55-D007-93E5-CDA479F06B1F}"/>
+                    </a:ext>
+                  </a:extLst>
+                </p:cNvPr>
+                <p:cNvSpPr/>
+                <p:nvPr/>
+              </p:nvSpPr>
+              <p:spPr>
+                <a:xfrm>
+                  <a:off x="4316473" y="4233102"/>
+                  <a:ext cx="2886862" cy="144000"/>
+                </a:xfrm>
+                <a:prstGeom prst="roundRect">
+                  <a:avLst/>
+                </a:prstGeom>
+                <a:solidFill>
+                  <a:srgbClr val="0070C0">
+                    <a:alpha val="30000"/>
+                  </a:srgbClr>
+                </a:solidFill>
+                <a:ln>
+                  <a:noFill/>
+                </a:ln>
+              </p:spPr>
+              <p:style>
+                <a:lnRef idx="0">
+                  <a:scrgbClr r="0" g="0" b="0"/>
+                </a:lnRef>
+                <a:fillRef idx="0">
+                  <a:scrgbClr r="0" g="0" b="0"/>
+                </a:fillRef>
+                <a:effectRef idx="0">
+                  <a:scrgbClr r="0" g="0" b="0"/>
+                </a:effectRef>
+                <a:fontRef idx="minor">
+                  <a:schemeClr val="lt1"/>
+                </a:fontRef>
+              </p:style>
+              <p:txBody>
+                <a:bodyPr rtlCol="0" anchor="ctr"/>
+                <a:lstStyle/>
+                <a:p>
+                  <a:pPr algn="ctr"/>
+                  <a:endParaRPr lang="en-AT" dirty="0"/>
+                </a:p>
+              </p:txBody>
+            </p:sp>
+          </p:grpSp>
+          <p:sp>
+            <p:nvSpPr>
+              <p:cNvPr id="36" name="TextShape 3">
+                <a:extLst>
+                  <a:ext uri="{FF2B5EF4-FFF2-40B4-BE49-F238E27FC236}">
+                    <a16:creationId xmlns:a16="http://schemas.microsoft.com/office/drawing/2014/main" id="{FE1454FA-DE3B-85CA-46CA-420FE7C4B4A9}"/>
+                  </a:ext>
+                </a:extLst>
+              </p:cNvPr>
+              <p:cNvSpPr txBox="1"/>
+              <p:nvPr/>
+            </p:nvSpPr>
+            <p:spPr>
+              <a:xfrm>
+                <a:off x="1146521" y="3399847"/>
+                <a:ext cx="239903" cy="272699"/>
+              </a:xfrm>
+              <a:prstGeom prst="rect">
+                <a:avLst/>
+              </a:prstGeom>
+              <a:noFill/>
+              <a:ln>
+                <a:noFill/>
+              </a:ln>
+            </p:spPr>
+            <p:txBody>
+              <a:bodyPr lIns="90000" tIns="45000" rIns="90000" bIns="45000"/>
+              <a:lstStyle/>
+              <a:p>
+                <a:r>
+                  <a:rPr lang="en-US" sz="1400" b="0" strike="noStrike" spc="-1" dirty="0">
+                    <a:latin typeface="Lucida Sans" panose="020B0602030504020204" pitchFamily="34" charset="0"/>
+                  </a:rPr>
+                  <a:t>1</a:t>
+                </a:r>
+                <a:endParaRPr lang="tr-TR" sz="1400" b="0" strike="noStrike" spc="-1" dirty="0">
+                  <a:latin typeface="Lucida Sans" panose="020B0602030504020204" pitchFamily="34" charset="0"/>
+                </a:endParaRPr>
+              </a:p>
+            </p:txBody>
+          </p:sp>
+          <p:sp>
+            <p:nvSpPr>
+              <p:cNvPr id="37" name="TextShape 3">
+                <a:extLst>
+                  <a:ext uri="{FF2B5EF4-FFF2-40B4-BE49-F238E27FC236}">
+                    <a16:creationId xmlns:a16="http://schemas.microsoft.com/office/drawing/2014/main" id="{9FF71AD8-19C0-5811-C9EF-C0293F4AAD06}"/>
+                  </a:ext>
+                </a:extLst>
+              </p:cNvPr>
+              <p:cNvSpPr txBox="1"/>
+              <p:nvPr/>
+            </p:nvSpPr>
+            <p:spPr>
+              <a:xfrm>
+                <a:off x="1146521" y="1233577"/>
+                <a:ext cx="239903" cy="272699"/>
+              </a:xfrm>
+              <a:prstGeom prst="rect">
+                <a:avLst/>
+              </a:prstGeom>
+              <a:noFill/>
+              <a:ln>
+                <a:noFill/>
+              </a:ln>
+            </p:spPr>
+            <p:txBody>
+              <a:bodyPr lIns="90000" tIns="45000" rIns="90000" bIns="45000"/>
+              <a:lstStyle/>
+              <a:p>
+                <a:r>
+                  <a:rPr lang="en-US" sz="1400" b="0" strike="noStrike" spc="-1" dirty="0">
+                    <a:latin typeface="Lucida Sans" panose="020B0602030504020204" pitchFamily="34" charset="0"/>
+                  </a:rPr>
+                  <a:t>1</a:t>
+                </a:r>
+                <a:endParaRPr lang="tr-TR" sz="1400" b="0" strike="noStrike" spc="-1" dirty="0">
+                  <a:latin typeface="Lucida Sans" panose="020B0602030504020204" pitchFamily="34" charset="0"/>
+                </a:endParaRPr>
+              </a:p>
+            </p:txBody>
+          </p:sp>
+        </p:grpSp>
+        <p:sp>
+          <p:nvSpPr>
+            <p:cNvPr id="39" name="Rectangle: Rounded Corners 38">
+              <a:extLst>
+                <a:ext uri="{FF2B5EF4-FFF2-40B4-BE49-F238E27FC236}">
+                  <a16:creationId xmlns:a16="http://schemas.microsoft.com/office/drawing/2014/main" id="{C8843AB3-281E-9EF7-9308-977C5145477D}"/>
+                </a:ext>
+              </a:extLst>
+            </p:cNvPr>
+            <p:cNvSpPr/>
+            <p:nvPr/>
+          </p:nvSpPr>
+          <p:spPr>
+            <a:xfrm>
+              <a:off x="4320232" y="4941336"/>
+              <a:ext cx="719998" cy="510940"/>
+            </a:xfrm>
+            <a:prstGeom prst="roundRect">
+              <a:avLst/>
+            </a:prstGeom>
+            <a:solidFill>
+              <a:schemeClr val="bg1">
+                <a:lumMod val="75000"/>
+                <a:alpha val="50000"/>
+              </a:schemeClr>
+            </a:solidFill>
+            <a:ln w="19050">
+              <a:solidFill>
+                <a:schemeClr val="tx1"/>
+              </a:solidFill>
+            </a:ln>
+          </p:spPr>
+          <p:style>
+            <a:lnRef idx="0">
+              <a:scrgbClr r="0" g="0" b="0"/>
+            </a:lnRef>
+            <a:fillRef idx="0">
+              <a:scrgbClr r="0" g="0" b="0"/>
+            </a:fillRef>
+            <a:effectRef idx="0">
+              <a:scrgbClr r="0" g="0" b="0"/>
+            </a:effectRef>
+            <a:fontRef idx="minor">
+              <a:schemeClr val="lt1"/>
+            </a:fontRef>
+          </p:style>
+          <p:txBody>
+            <a:bodyPr rtlCol="0" anchor="ctr"/>
+            <a:lstStyle/>
+            <a:p>
+              <a:pPr algn="ctr"/>
+              <a:r>
+                <a:rPr lang="tr-TR" sz="1400" dirty="0">
+                  <a:solidFill>
+                    <a:schemeClr val="tx1"/>
+                  </a:solidFill>
+                  <a:latin typeface="Lucida Sans" panose="020B0602030504020204" pitchFamily="34" charset="0"/>
+                </a:rPr>
+                <a:t>[</a:t>
+              </a:r>
+              <a:r>
+                <a:rPr lang="en-US" sz="1400" dirty="0">
+                  <a:solidFill>
+                    <a:schemeClr val="tx1"/>
+                  </a:solidFill>
+                  <a:latin typeface="Lucida Sans" panose="020B0602030504020204" pitchFamily="34" charset="0"/>
+                </a:rPr>
+                <a:t>4</a:t>
+              </a:r>
+              <a:r>
+                <a:rPr lang="tr-TR" sz="1400" dirty="0">
+                  <a:solidFill>
+                    <a:schemeClr val="tx1"/>
+                  </a:solidFill>
+                  <a:latin typeface="Lucida Sans" panose="020B0602030504020204" pitchFamily="34" charset="0"/>
+                </a:rPr>
+                <a:t>,</a:t>
+              </a:r>
+              <a:r>
+                <a:rPr lang="en-US" sz="1400" dirty="0">
+                  <a:solidFill>
+                    <a:schemeClr val="tx1"/>
+                  </a:solidFill>
+                  <a:latin typeface="Lucida Sans" panose="020B0602030504020204" pitchFamily="34" charset="0"/>
+                </a:rPr>
+                <a:t>5</a:t>
+              </a:r>
+              <a:r>
+                <a:rPr lang="tr-TR" sz="1400" dirty="0">
+                  <a:solidFill>
+                    <a:schemeClr val="tx1"/>
+                  </a:solidFill>
+                  <a:latin typeface="Lucida Sans" panose="020B0602030504020204" pitchFamily="34" charset="0"/>
+                </a:rPr>
+                <a:t>)</a:t>
+              </a:r>
+              <a:endParaRPr lang="en-AT" sz="1400" dirty="0">
+                <a:solidFill>
+                  <a:schemeClr val="tx1"/>
+                </a:solidFill>
+                <a:latin typeface="Lucida Sans" panose="020B0602030504020204" pitchFamily="34" charset="0"/>
+              </a:endParaRPr>
+            </a:p>
+          </p:txBody>
+        </p:sp>
+      </p:grpSp>
+      <p:cxnSp>
+        <p:nvCxnSpPr>
+          <p:cNvPr id="42" name="Straight Connector 41">
+            <a:extLst>
+              <a:ext uri="{FF2B5EF4-FFF2-40B4-BE49-F238E27FC236}">
+                <a16:creationId xmlns:a16="http://schemas.microsoft.com/office/drawing/2014/main" id="{42D5B35F-F51B-87BB-F877-8E83A2E2F954}"/>
+              </a:ext>
+            </a:extLst>
+          </p:cNvPr>
+          <p:cNvCxnSpPr>
+            <a:cxnSpLocks/>
+          </p:cNvCxnSpPr>
+          <p:nvPr/>
+        </p:nvCxnSpPr>
+        <p:spPr>
+          <a:xfrm flipH="1">
+            <a:off x="2884296" y="1073468"/>
+            <a:ext cx="1402" cy="697225"/>
+          </a:xfrm>
+          <a:prstGeom prst="line">
+            <a:avLst/>
+          </a:prstGeom>
+          <a:ln w="50800">
+            <a:solidFill>
+              <a:srgbClr val="FF0000"/>
+            </a:solidFill>
+            <a:prstDash val="dash"/>
+            <a:headEnd type="none"/>
+          </a:ln>
+        </p:spPr>
+        <p:style>
+          <a:lnRef idx="1">
+            <a:schemeClr val="accent2"/>
+          </a:lnRef>
+          <a:fillRef idx="0">
+            <a:schemeClr val="accent2"/>
+          </a:fillRef>
+          <a:effectRef idx="0">
+            <a:schemeClr val="accent2"/>
+          </a:effectRef>
+          <a:fontRef idx="minor">
+            <a:schemeClr val="tx1"/>
+          </a:fontRef>
+        </p:style>
+      </p:cxnSp>
+      <p:cxnSp>
+        <p:nvCxnSpPr>
+          <p:cNvPr id="45" name="Straight Connector 44">
+            <a:extLst>
+              <a:ext uri="{FF2B5EF4-FFF2-40B4-BE49-F238E27FC236}">
+                <a16:creationId xmlns:a16="http://schemas.microsoft.com/office/drawing/2014/main" id="{AC968809-0B07-9514-ED98-F465E1F16F28}"/>
+              </a:ext>
+            </a:extLst>
+          </p:cNvPr>
+          <p:cNvCxnSpPr>
+            <a:cxnSpLocks/>
+          </p:cNvCxnSpPr>
+          <p:nvPr/>
+        </p:nvCxnSpPr>
+        <p:spPr>
+          <a:xfrm flipH="1">
+            <a:off x="5040313" y="1026809"/>
+            <a:ext cx="1402" cy="697225"/>
+          </a:xfrm>
+          <a:prstGeom prst="line">
+            <a:avLst/>
+          </a:prstGeom>
+          <a:ln w="50800">
+            <a:solidFill>
+              <a:srgbClr val="FF0000"/>
+            </a:solidFill>
+            <a:prstDash val="dash"/>
+            <a:headEnd type="none"/>
+          </a:ln>
+        </p:spPr>
+        <p:style>
+          <a:lnRef idx="1">
+            <a:schemeClr val="accent2"/>
+          </a:lnRef>
+          <a:fillRef idx="0">
+            <a:schemeClr val="accent2"/>
+          </a:fillRef>
+          <a:effectRef idx="0">
+            <a:schemeClr val="accent2"/>
+          </a:effectRef>
+          <a:fontRef idx="minor">
+            <a:schemeClr val="tx1"/>
+          </a:fontRef>
+        </p:style>
+      </p:cxnSp>
+      <p:cxnSp>
+        <p:nvCxnSpPr>
+          <p:cNvPr id="46" name="Straight Connector 45">
+            <a:extLst>
+              <a:ext uri="{FF2B5EF4-FFF2-40B4-BE49-F238E27FC236}">
+                <a16:creationId xmlns:a16="http://schemas.microsoft.com/office/drawing/2014/main" id="{A43CA80B-8FD9-1B9E-637A-6681E6EAE076}"/>
+              </a:ext>
+            </a:extLst>
+          </p:cNvPr>
+          <p:cNvCxnSpPr>
+            <a:cxnSpLocks/>
+          </p:cNvCxnSpPr>
+          <p:nvPr/>
+        </p:nvCxnSpPr>
+        <p:spPr>
+          <a:xfrm>
+            <a:off x="3591634" y="3176872"/>
+            <a:ext cx="0" cy="712802"/>
+          </a:xfrm>
+          <a:prstGeom prst="line">
+            <a:avLst/>
+          </a:prstGeom>
+          <a:ln w="50800">
+            <a:solidFill>
+              <a:srgbClr val="0070C0"/>
+            </a:solidFill>
+            <a:headEnd type="none"/>
+          </a:ln>
+        </p:spPr>
+        <p:style>
+          <a:lnRef idx="1">
+            <a:schemeClr val="accent1"/>
+          </a:lnRef>
+          <a:fillRef idx="0">
+            <a:schemeClr val="accent1"/>
+          </a:fillRef>
+          <a:effectRef idx="0">
+            <a:schemeClr val="accent1"/>
+          </a:effectRef>
+          <a:fontRef idx="minor">
+            <a:schemeClr val="tx1"/>
+          </a:fontRef>
+        </p:style>
+      </p:cxnSp>
+      <p:cxnSp>
+        <p:nvCxnSpPr>
+          <p:cNvPr id="50" name="Straight Connector 49">
+            <a:extLst>
+              <a:ext uri="{FF2B5EF4-FFF2-40B4-BE49-F238E27FC236}">
+                <a16:creationId xmlns:a16="http://schemas.microsoft.com/office/drawing/2014/main" id="{9A85F230-BC7C-ABF8-5B1D-73B85547F197}"/>
+              </a:ext>
+            </a:extLst>
+          </p:cNvPr>
+          <p:cNvCxnSpPr>
+            <a:cxnSpLocks/>
+          </p:cNvCxnSpPr>
+          <p:nvPr/>
+        </p:nvCxnSpPr>
+        <p:spPr>
+          <a:xfrm>
+            <a:off x="5760613" y="3088252"/>
+            <a:ext cx="0" cy="712802"/>
+          </a:xfrm>
+          <a:prstGeom prst="line">
+            <a:avLst/>
+          </a:prstGeom>
+          <a:ln w="50800">
+            <a:solidFill>
+              <a:srgbClr val="0070C0"/>
+            </a:solidFill>
+            <a:headEnd type="none"/>
+          </a:ln>
+        </p:spPr>
+        <p:style>
+          <a:lnRef idx="1">
+            <a:schemeClr val="accent1"/>
+          </a:lnRef>
+          <a:fillRef idx="0">
+            <a:schemeClr val="accent1"/>
+          </a:fillRef>
+          <a:effectRef idx="0">
+            <a:schemeClr val="accent1"/>
+          </a:effectRef>
+          <a:fontRef idx="minor">
+            <a:schemeClr val="tx1"/>
+          </a:fontRef>
+        </p:style>
+      </p:cxnSp>
+    </p:spTree>
+    <p:extLst>
+      <p:ext uri="{BB962C8B-B14F-4D97-AF65-F5344CB8AC3E}">
+        <p14:creationId xmlns:p14="http://schemas.microsoft.com/office/powerpoint/2010/main" val="1492806208"/>
+      </p:ext>
+    </p:extLst>
+  </p:cSld>
+  <p:clrMapOvr>
+    <a:masterClrMapping/>
+  </p:clrMapOvr>
+  <p:timing>
+    <p:tnLst>
+      <p:par>
+        <p:cTn id="1" dur="indefinite" restart="never" nodeType="tmRoot">
+          <p:childTnLst>
+            <p:seq>
+              <p:cTn id="2" dur="indefinite" nodeType="mainSeq"/>
+              <p:prevCondLst>
+                <p:cond evt="onPrev" delay="0">
+                  <p:tgtEl>
+                    <p:sldTgt/>
+                  </p:tgtEl>
+                </p:cond>
+              </p:prevCondLst>
+              <p:nextCondLst>
+                <p:cond evt="onNext" delay="0">
+                  <p:tgtEl>
+                    <p:sldTgt/>
+                  </p:tgtEl>
+                </p:cond>
+              </p:nextCondLst>
+            </p:seq>
+          </p:childTnLst>
+        </p:cTn>
+      </p:par>
+    </p:tnLst>
+  </p:timing>
+</p:sld>
+</file>
+
+<file path=ppt/slides/slide3.xml><?xml version="1.0" encoding="utf-8"?>
+<p:sld xmlns:a="http://schemas.openxmlformats.org/drawingml/2006/main" xmlns:r="http://schemas.openxmlformats.org/officeDocument/2006/relationships" xmlns:p="http://schemas.openxmlformats.org/presentationml/2006/main">
+  <p:cSld>
+    <p:spTree>
+      <p:nvGrpSpPr>
+        <p:cNvPr id="1" name=""/>
+        <p:cNvGrpSpPr/>
+        <p:nvPr/>
+      </p:nvGrpSpPr>
+      <p:grpSpPr>
+        <a:xfrm>
+          <a:off x="0" y="0"/>
+          <a:ext cx="0" cy="0"/>
+          <a:chOff x="0" y="0"/>
+          <a:chExt cx="0" cy="0"/>
+        </a:xfrm>
+      </p:grpSpPr>
+      <p:grpSp>
+        <p:nvGrpSpPr>
+          <p:cNvPr id="2" name="Group 1">
+            <a:extLst>
+              <a:ext uri="{FF2B5EF4-FFF2-40B4-BE49-F238E27FC236}">
+                <a16:creationId xmlns:a16="http://schemas.microsoft.com/office/drawing/2014/main" id="{9B78DE46-9AFC-1D89-BBAF-727D3AF3359A}"/>
+              </a:ext>
+            </a:extLst>
+          </p:cNvPr>
+          <p:cNvGrpSpPr/>
+          <p:nvPr/>
+        </p:nvGrpSpPr>
+        <p:grpSpPr>
+          <a:xfrm>
+            <a:off x="1060932" y="367380"/>
+            <a:ext cx="6763577" cy="3992456"/>
+            <a:chOff x="1060932" y="367380"/>
+            <a:chExt cx="6763577" cy="3992456"/>
+          </a:xfrm>
+        </p:grpSpPr>
+        <p:grpSp>
+          <p:nvGrpSpPr>
+            <p:cNvPr id="99" name="Group 98">
+              <a:extLst>
+                <a:ext uri="{FF2B5EF4-FFF2-40B4-BE49-F238E27FC236}">
+                  <a16:creationId xmlns:a16="http://schemas.microsoft.com/office/drawing/2014/main" id="{7DF3A16D-DA5A-3896-B857-7DC3C30D60E4}"/>
+                </a:ext>
+              </a:extLst>
+            </p:cNvPr>
+            <p:cNvGrpSpPr/>
+            <p:nvPr/>
+          </p:nvGrpSpPr>
+          <p:grpSpPr>
+            <a:xfrm>
+              <a:off x="1079872" y="367380"/>
+              <a:ext cx="6744637" cy="3548015"/>
+              <a:chOff x="1079872" y="1807540"/>
+              <a:chExt cx="6744637" cy="3548015"/>
+            </a:xfrm>
+          </p:grpSpPr>
+          <p:cxnSp>
+            <p:nvCxnSpPr>
+              <p:cNvPr id="24" name="Straight Connector 23">
+                <a:extLst>
+                  <a:ext uri="{FF2B5EF4-FFF2-40B4-BE49-F238E27FC236}">
+                    <a16:creationId xmlns:a16="http://schemas.microsoft.com/office/drawing/2014/main" id="{20A04C0F-ADA8-01C8-F75B-95110848A0B5}"/>
+                  </a:ext>
+                </a:extLst>
+              </p:cNvPr>
+              <p:cNvCxnSpPr>
+                <a:cxnSpLocks/>
+              </p:cNvCxnSpPr>
+              <p:nvPr/>
+            </p:nvCxnSpPr>
+            <p:spPr>
+              <a:xfrm>
+                <a:off x="1439912" y="4276050"/>
+                <a:ext cx="2160237" cy="0"/>
+              </a:xfrm>
+              <a:prstGeom prst="line">
+                <a:avLst/>
+              </a:prstGeom>
+              <a:ln w="50800">
+                <a:solidFill>
+                  <a:srgbClr val="0070C0"/>
+                </a:solidFill>
+                <a:headEnd type="oval"/>
+              </a:ln>
+            </p:spPr>
+            <p:style>
+              <a:lnRef idx="1">
+                <a:schemeClr val="accent1"/>
+              </a:lnRef>
+              <a:fillRef idx="0">
+                <a:schemeClr val="accent1"/>
+              </a:fillRef>
+              <a:effectRef idx="0">
+                <a:schemeClr val="accent1"/>
+              </a:effectRef>
+              <a:fontRef idx="minor">
+                <a:schemeClr val="tx1"/>
+              </a:fontRef>
+            </p:style>
+          </p:cxnSp>
+          <p:cxnSp>
+            <p:nvCxnSpPr>
+              <p:cNvPr id="28" name="Straight Connector 27">
+                <a:extLst>
+                  <a:ext uri="{FF2B5EF4-FFF2-40B4-BE49-F238E27FC236}">
+                    <a16:creationId xmlns:a16="http://schemas.microsoft.com/office/drawing/2014/main" id="{00E60360-9D89-7EB5-17BA-763646B80317}"/>
+                  </a:ext>
+                </a:extLst>
+              </p:cNvPr>
+              <p:cNvCxnSpPr>
+                <a:cxnSpLocks/>
+              </p:cNvCxnSpPr>
+              <p:nvPr/>
+            </p:nvCxnSpPr>
+            <p:spPr>
+              <a:xfrm>
+                <a:off x="3600149" y="3195315"/>
+                <a:ext cx="1440164" cy="0"/>
+              </a:xfrm>
+              <a:prstGeom prst="line">
+                <a:avLst/>
+              </a:prstGeom>
+              <a:ln w="50800">
+                <a:solidFill>
+                  <a:srgbClr val="0070C0"/>
+                </a:solidFill>
+                <a:headEnd type="oval"/>
+              </a:ln>
+            </p:spPr>
+            <p:style>
+              <a:lnRef idx="1">
+                <a:schemeClr val="accent1"/>
+              </a:lnRef>
+              <a:fillRef idx="0">
+                <a:schemeClr val="accent1"/>
+              </a:fillRef>
+              <a:effectRef idx="0">
+                <a:schemeClr val="accent1"/>
+              </a:effectRef>
+              <a:fontRef idx="minor">
+                <a:schemeClr val="tx1"/>
+              </a:fontRef>
+            </p:style>
+          </p:cxnSp>
+          <p:cxnSp>
+            <p:nvCxnSpPr>
+              <p:cNvPr id="32" name="Straight Connector 31">
+                <a:extLst>
+                  <a:ext uri="{FF2B5EF4-FFF2-40B4-BE49-F238E27FC236}">
+                    <a16:creationId xmlns:a16="http://schemas.microsoft.com/office/drawing/2014/main" id="{0AEFC53A-5D8B-24CC-2BD8-75F2FB4ED68E}"/>
+                  </a:ext>
+                </a:extLst>
+              </p:cNvPr>
+              <p:cNvCxnSpPr>
+                <a:cxnSpLocks/>
+              </p:cNvCxnSpPr>
+              <p:nvPr/>
+            </p:nvCxnSpPr>
+            <p:spPr>
+              <a:xfrm>
+                <a:off x="5040313" y="3915395"/>
+                <a:ext cx="2160239" cy="0"/>
+              </a:xfrm>
+              <a:prstGeom prst="line">
+                <a:avLst/>
+              </a:prstGeom>
+              <a:ln w="50800" cmpd="sng">
+                <a:solidFill>
+                  <a:srgbClr val="0070C0"/>
+                </a:solidFill>
+                <a:headEnd type="oval"/>
+              </a:ln>
+            </p:spPr>
+            <p:style>
+              <a:lnRef idx="1">
+                <a:schemeClr val="accent1"/>
+              </a:lnRef>
+              <a:fillRef idx="0">
+                <a:schemeClr val="accent1"/>
+              </a:fillRef>
+              <a:effectRef idx="0">
+                <a:schemeClr val="accent1"/>
+              </a:effectRef>
+              <a:fontRef idx="minor">
+                <a:schemeClr val="tx1"/>
+              </a:fontRef>
+            </p:style>
+          </p:cxnSp>
+          <p:cxnSp>
+            <p:nvCxnSpPr>
+              <p:cNvPr id="47" name="Straight Connector 46">
+                <a:extLst>
+                  <a:ext uri="{FF2B5EF4-FFF2-40B4-BE49-F238E27FC236}">
+                    <a16:creationId xmlns:a16="http://schemas.microsoft.com/office/drawing/2014/main" id="{455CB1F4-61C6-2141-A84F-079E3F924564}"/>
+                  </a:ext>
+                </a:extLst>
+              </p:cNvPr>
+              <p:cNvCxnSpPr>
+                <a:cxnSpLocks/>
+              </p:cNvCxnSpPr>
+              <p:nvPr/>
+            </p:nvCxnSpPr>
+            <p:spPr>
+              <a:xfrm>
+                <a:off x="1439912" y="3915395"/>
+                <a:ext cx="1440157" cy="0"/>
+              </a:xfrm>
+              <a:prstGeom prst="line">
+                <a:avLst/>
+              </a:prstGeom>
+              <a:ln w="50800">
+                <a:solidFill>
+                  <a:srgbClr val="FF0000"/>
+                </a:solidFill>
+                <a:prstDash val="dash"/>
+                <a:headEnd type="oval"/>
+              </a:ln>
+            </p:spPr>
+            <p:style>
+              <a:lnRef idx="1">
+                <a:schemeClr val="accent2"/>
+              </a:lnRef>
+              <a:fillRef idx="0">
+                <a:schemeClr val="accent2"/>
+              </a:fillRef>
+              <a:effectRef idx="0">
+                <a:schemeClr val="accent2"/>
+              </a:effectRef>
+              <a:fontRef idx="minor">
+                <a:schemeClr val="tx1"/>
+              </a:fontRef>
+            </p:style>
+          </p:cxnSp>
+          <p:cxnSp>
+            <p:nvCxnSpPr>
+              <p:cNvPr id="53" name="Straight Connector 52">
+                <a:extLst>
+                  <a:ext uri="{FF2B5EF4-FFF2-40B4-BE49-F238E27FC236}">
+                    <a16:creationId xmlns:a16="http://schemas.microsoft.com/office/drawing/2014/main" id="{177F74CA-52B5-B1AC-B70A-DD31E468EBC5}"/>
+                  </a:ext>
+                </a:extLst>
+              </p:cNvPr>
+              <p:cNvCxnSpPr>
+                <a:cxnSpLocks/>
+              </p:cNvCxnSpPr>
+              <p:nvPr/>
+            </p:nvCxnSpPr>
+            <p:spPr>
+              <a:xfrm>
+                <a:off x="2880072" y="2475235"/>
+                <a:ext cx="2160239" cy="0"/>
+              </a:xfrm>
+              <a:prstGeom prst="line">
+                <a:avLst/>
+              </a:prstGeom>
+              <a:ln w="50800">
+                <a:solidFill>
+                  <a:srgbClr val="FF0000"/>
+                </a:solidFill>
+                <a:prstDash val="dash"/>
+                <a:headEnd type="oval"/>
+              </a:ln>
+            </p:spPr>
+            <p:style>
+              <a:lnRef idx="1">
+                <a:schemeClr val="accent2"/>
+              </a:lnRef>
+              <a:fillRef idx="0">
+                <a:schemeClr val="accent2"/>
+              </a:fillRef>
+              <a:effectRef idx="0">
+                <a:schemeClr val="accent2"/>
+              </a:effectRef>
+              <a:fontRef idx="minor">
+                <a:schemeClr val="tx1"/>
+              </a:fontRef>
+            </p:style>
+          </p:cxnSp>
+          <p:cxnSp>
+            <p:nvCxnSpPr>
+              <p:cNvPr id="56" name="Straight Connector 55">
+                <a:extLst>
+                  <a:ext uri="{FF2B5EF4-FFF2-40B4-BE49-F238E27FC236}">
+                    <a16:creationId xmlns:a16="http://schemas.microsoft.com/office/drawing/2014/main" id="{E0C59FA4-91C1-6E57-752A-BA926C4D5B1B}"/>
+                  </a:ext>
+                </a:extLst>
+              </p:cNvPr>
+              <p:cNvCxnSpPr>
+                <a:cxnSpLocks/>
+              </p:cNvCxnSpPr>
+              <p:nvPr/>
+            </p:nvCxnSpPr>
+            <p:spPr>
+              <a:xfrm>
+                <a:off x="5040311" y="4275435"/>
+                <a:ext cx="2175522" cy="0"/>
+              </a:xfrm>
+              <a:prstGeom prst="line">
+                <a:avLst/>
+              </a:prstGeom>
+              <a:ln w="50800">
+                <a:solidFill>
+                  <a:srgbClr val="FF0000"/>
+                </a:solidFill>
+                <a:prstDash val="dash"/>
+                <a:headEnd type="oval"/>
+              </a:ln>
+            </p:spPr>
+            <p:style>
+              <a:lnRef idx="1">
+                <a:schemeClr val="accent2"/>
+              </a:lnRef>
+              <a:fillRef idx="0">
+                <a:schemeClr val="accent2"/>
+              </a:fillRef>
+              <a:effectRef idx="0">
+                <a:schemeClr val="accent2"/>
+              </a:effectRef>
+              <a:fontRef idx="minor">
+                <a:schemeClr val="tx1"/>
+              </a:fontRef>
+            </p:style>
+          </p:cxnSp>
+          <p:cxnSp>
+            <p:nvCxnSpPr>
+              <p:cNvPr id="58" name="Straight Arrow Connector 57">
+                <a:extLst>
+                  <a:ext uri="{FF2B5EF4-FFF2-40B4-BE49-F238E27FC236}">
+                    <a16:creationId xmlns:a16="http://schemas.microsoft.com/office/drawing/2014/main" id="{DD8A78CE-7BF3-66EF-9136-F15B60642691}"/>
+                  </a:ext>
+                </a:extLst>
+              </p:cNvPr>
+              <p:cNvCxnSpPr>
+                <a:cxnSpLocks/>
+              </p:cNvCxnSpPr>
+              <p:nvPr/>
+            </p:nvCxnSpPr>
+            <p:spPr>
+              <a:xfrm>
+                <a:off x="1439911" y="2115195"/>
+                <a:ext cx="0" cy="3240360"/>
+              </a:xfrm>
+              <a:prstGeom prst="straightConnector1">
+                <a:avLst/>
+              </a:prstGeom>
+              <a:ln w="15875">
+                <a:headEnd type="triangle"/>
+                <a:tailEnd type="triangle"/>
+              </a:ln>
+            </p:spPr>
+            <p:style>
+              <a:lnRef idx="1">
+                <a:schemeClr val="dk1"/>
+              </a:lnRef>
+              <a:fillRef idx="0">
+                <a:schemeClr val="dk1"/>
+              </a:fillRef>
+              <a:effectRef idx="0">
+                <a:schemeClr val="dk1"/>
+              </a:effectRef>
+              <a:fontRef idx="minor">
+                <a:schemeClr val="tx1"/>
+              </a:fontRef>
+            </p:style>
+          </p:cxnSp>
+          <p:cxnSp>
+            <p:nvCxnSpPr>
+              <p:cNvPr id="60" name="Straight Arrow Connector 59">
+                <a:extLst>
+                  <a:ext uri="{FF2B5EF4-FFF2-40B4-BE49-F238E27FC236}">
+                    <a16:creationId xmlns:a16="http://schemas.microsoft.com/office/drawing/2014/main" id="{D6A0A884-FDF2-186A-7C0A-DB921C81D100}"/>
+                  </a:ext>
+                </a:extLst>
+              </p:cNvPr>
+              <p:cNvCxnSpPr>
+                <a:cxnSpLocks/>
+              </p:cNvCxnSpPr>
+              <p:nvPr/>
+            </p:nvCxnSpPr>
+            <p:spPr>
+              <a:xfrm flipH="1">
+                <a:off x="1079872" y="4995515"/>
+                <a:ext cx="6552728" cy="0"/>
+              </a:xfrm>
+              <a:prstGeom prst="straightConnector1">
+                <a:avLst/>
+              </a:prstGeom>
+              <a:ln w="15875">
+                <a:headEnd type="triangle"/>
+                <a:tailEnd type="triangle"/>
+              </a:ln>
+            </p:spPr>
+            <p:style>
+              <a:lnRef idx="1">
+                <a:schemeClr val="dk1"/>
+              </a:lnRef>
+              <a:fillRef idx="0">
+                <a:schemeClr val="dk1"/>
+              </a:fillRef>
+              <a:effectRef idx="0">
+                <a:schemeClr val="dk1"/>
+              </a:effectRef>
+              <a:fontRef idx="minor">
+                <a:schemeClr val="tx1"/>
+              </a:fontRef>
+            </p:style>
+          </p:cxnSp>
+          <p:sp>
+            <p:nvSpPr>
+              <p:cNvPr id="82" name="TextShape 3">
+                <a:extLst>
+                  <a:ext uri="{FF2B5EF4-FFF2-40B4-BE49-F238E27FC236}">
+                    <a16:creationId xmlns:a16="http://schemas.microsoft.com/office/drawing/2014/main" id="{E80AD450-2C30-67FF-E557-347A1845989F}"/>
+                  </a:ext>
+                </a:extLst>
+              </p:cNvPr>
+              <p:cNvSpPr txBox="1"/>
+              <p:nvPr/>
+            </p:nvSpPr>
+            <p:spPr>
+              <a:xfrm>
+                <a:off x="1146521" y="2338885"/>
+                <a:ext cx="306586" cy="272699"/>
+              </a:xfrm>
+              <a:prstGeom prst="rect">
+                <a:avLst/>
+              </a:prstGeom>
+              <a:noFill/>
+              <a:ln>
+                <a:noFill/>
+              </a:ln>
+            </p:spPr>
+            <p:txBody>
+              <a:bodyPr lIns="90000" tIns="45000" rIns="90000" bIns="45000"/>
+              <a:lstStyle/>
+              <a:p>
+                <a:r>
+                  <a:rPr lang="tr-TR" sz="1400" b="0" strike="noStrike" spc="-1" dirty="0">
+                    <a:latin typeface="Lucida Sans" panose="020B0602030504020204" pitchFamily="34" charset="0"/>
+                  </a:rPr>
+                  <a:t>7</a:t>
+                </a:r>
+              </a:p>
+            </p:txBody>
+          </p:sp>
+          <p:sp>
+            <p:nvSpPr>
+              <p:cNvPr id="83" name="TextShape 3">
+                <a:extLst>
+                  <a:ext uri="{FF2B5EF4-FFF2-40B4-BE49-F238E27FC236}">
+                    <a16:creationId xmlns:a16="http://schemas.microsoft.com/office/drawing/2014/main" id="{8B072C30-CD67-3E10-2EDA-E88137843BAA}"/>
+                  </a:ext>
+                </a:extLst>
+              </p:cNvPr>
+              <p:cNvSpPr txBox="1"/>
+              <p:nvPr/>
+            </p:nvSpPr>
+            <p:spPr>
+              <a:xfrm>
+                <a:off x="1146521" y="3058966"/>
+                <a:ext cx="306586" cy="272699"/>
+              </a:xfrm>
+              <a:prstGeom prst="rect">
+                <a:avLst/>
+              </a:prstGeom>
+              <a:noFill/>
+              <a:ln>
+                <a:noFill/>
+              </a:ln>
+            </p:spPr>
+            <p:txBody>
+              <a:bodyPr lIns="90000" tIns="45000" rIns="90000" bIns="45000"/>
+              <a:lstStyle/>
+              <a:p>
+                <a:r>
+                  <a:rPr lang="tr-TR" sz="1400" b="0" strike="noStrike" spc="-1" dirty="0">
+                    <a:latin typeface="Lucida Sans" panose="020B0602030504020204" pitchFamily="34" charset="0"/>
+                  </a:rPr>
+                  <a:t>5</a:t>
+                </a:r>
+              </a:p>
+            </p:txBody>
+          </p:sp>
+          <p:sp>
+            <p:nvSpPr>
+              <p:cNvPr id="84" name="TextShape 3">
+                <a:extLst>
+                  <a:ext uri="{FF2B5EF4-FFF2-40B4-BE49-F238E27FC236}">
+                    <a16:creationId xmlns:a16="http://schemas.microsoft.com/office/drawing/2014/main" id="{74477046-B782-A79C-9E81-555ED6E71741}"/>
+                  </a:ext>
+                </a:extLst>
+              </p:cNvPr>
+              <p:cNvSpPr txBox="1"/>
+              <p:nvPr/>
+            </p:nvSpPr>
+            <p:spPr>
+              <a:xfrm>
+                <a:off x="1146521" y="3779047"/>
+                <a:ext cx="306586" cy="272699"/>
+              </a:xfrm>
+              <a:prstGeom prst="rect">
+                <a:avLst/>
+              </a:prstGeom>
+              <a:noFill/>
+              <a:ln>
+                <a:noFill/>
+              </a:ln>
+            </p:spPr>
+            <p:txBody>
+              <a:bodyPr lIns="90000" tIns="45000" rIns="90000" bIns="45000"/>
+              <a:lstStyle/>
+              <a:p>
+                <a:r>
+                  <a:rPr lang="tr-TR" sz="1400" b="0" strike="noStrike" spc="-1" dirty="0">
+                    <a:latin typeface="Lucida Sans" panose="020B0602030504020204" pitchFamily="34" charset="0"/>
+                  </a:rPr>
+                  <a:t>3</a:t>
+                </a:r>
+              </a:p>
+            </p:txBody>
+          </p:sp>
+          <p:sp>
+            <p:nvSpPr>
+              <p:cNvPr id="85" name="TextShape 3">
+                <a:extLst>
+                  <a:ext uri="{FF2B5EF4-FFF2-40B4-BE49-F238E27FC236}">
+                    <a16:creationId xmlns:a16="http://schemas.microsoft.com/office/drawing/2014/main" id="{565DE3E7-2A7A-5858-BA2F-A2E9BBBF1AC6}"/>
+                  </a:ext>
+                </a:extLst>
+              </p:cNvPr>
+              <p:cNvSpPr txBox="1"/>
+              <p:nvPr/>
+            </p:nvSpPr>
+            <p:spPr>
+              <a:xfrm>
+                <a:off x="1146521" y="4139084"/>
+                <a:ext cx="306586" cy="272699"/>
+              </a:xfrm>
+              <a:prstGeom prst="rect">
+                <a:avLst/>
+              </a:prstGeom>
+              <a:noFill/>
+              <a:ln>
+                <a:noFill/>
+              </a:ln>
+            </p:spPr>
+            <p:txBody>
+              <a:bodyPr lIns="90000" tIns="45000" rIns="90000" bIns="45000"/>
+              <a:lstStyle/>
+              <a:p>
+                <a:r>
+                  <a:rPr lang="tr-TR" sz="1400" b="0" strike="noStrike" spc="-1" dirty="0">
+                    <a:latin typeface="Lucida Sans" panose="020B0602030504020204" pitchFamily="34" charset="0"/>
+                  </a:rPr>
+                  <a:t>2</a:t>
+                </a:r>
+              </a:p>
+            </p:txBody>
+          </p:sp>
+          <p:sp>
+            <p:nvSpPr>
+              <p:cNvPr id="86" name="TextShape 3">
+                <a:extLst>
+                  <a:ext uri="{FF2B5EF4-FFF2-40B4-BE49-F238E27FC236}">
+                    <a16:creationId xmlns:a16="http://schemas.microsoft.com/office/drawing/2014/main" id="{CDF03088-656D-3C08-23C8-4C6033ED3667}"/>
+                  </a:ext>
+                </a:extLst>
+              </p:cNvPr>
+              <p:cNvSpPr txBox="1"/>
+              <p:nvPr/>
+            </p:nvSpPr>
+            <p:spPr>
+              <a:xfrm>
+                <a:off x="2006697" y="4995515"/>
+                <a:ext cx="306586" cy="272699"/>
+              </a:xfrm>
+              <a:prstGeom prst="rect">
+                <a:avLst/>
+              </a:prstGeom>
+              <a:noFill/>
+              <a:ln>
+                <a:noFill/>
+              </a:ln>
+            </p:spPr>
+            <p:txBody>
+              <a:bodyPr lIns="90000" tIns="45000" rIns="90000" bIns="45000"/>
+              <a:lstStyle/>
+              <a:p>
+                <a:r>
+                  <a:rPr lang="tr-TR" sz="1400" strike="noStrike" spc="-1" dirty="0">
+                    <a:latin typeface="Lucida Sans" panose="020B0602030504020204" pitchFamily="34" charset="0"/>
+                  </a:rPr>
+                  <a:t>1</a:t>
+                </a:r>
+              </a:p>
+            </p:txBody>
+          </p:sp>
+          <p:sp>
+            <p:nvSpPr>
+              <p:cNvPr id="87" name="TextShape 3">
+                <a:extLst>
+                  <a:ext uri="{FF2B5EF4-FFF2-40B4-BE49-F238E27FC236}">
+                    <a16:creationId xmlns:a16="http://schemas.microsoft.com/office/drawing/2014/main" id="{7C9AA531-E20F-D6D9-5A6D-103FBF68A817}"/>
+                  </a:ext>
+                </a:extLst>
+              </p:cNvPr>
+              <p:cNvSpPr txBox="1"/>
+              <p:nvPr/>
+            </p:nvSpPr>
+            <p:spPr>
+              <a:xfrm>
+                <a:off x="2726775" y="4995515"/>
+                <a:ext cx="306586" cy="272699"/>
+              </a:xfrm>
+              <a:prstGeom prst="rect">
+                <a:avLst/>
+              </a:prstGeom>
+              <a:noFill/>
+              <a:ln>
+                <a:noFill/>
+              </a:ln>
+            </p:spPr>
+            <p:txBody>
+              <a:bodyPr lIns="90000" tIns="45000" rIns="90000" bIns="45000"/>
+              <a:lstStyle/>
+              <a:p>
+                <a:r>
+                  <a:rPr lang="tr-TR" sz="1400" b="0" strike="noStrike" spc="-1" dirty="0">
+                    <a:latin typeface="Lucida Sans" panose="020B0602030504020204" pitchFamily="34" charset="0"/>
+                  </a:rPr>
+                  <a:t>2</a:t>
+                </a:r>
+              </a:p>
+            </p:txBody>
+          </p:sp>
+          <p:sp>
+            <p:nvSpPr>
+              <p:cNvPr id="88" name="TextShape 3">
+                <a:extLst>
+                  <a:ext uri="{FF2B5EF4-FFF2-40B4-BE49-F238E27FC236}">
+                    <a16:creationId xmlns:a16="http://schemas.microsoft.com/office/drawing/2014/main" id="{C3E7C376-519A-0C9E-50D9-71D9D3D55B33}"/>
+                  </a:ext>
+                </a:extLst>
+              </p:cNvPr>
+              <p:cNvSpPr txBox="1"/>
+              <p:nvPr/>
+            </p:nvSpPr>
+            <p:spPr>
+              <a:xfrm>
+                <a:off x="3446856" y="4995515"/>
+                <a:ext cx="306586" cy="272699"/>
+              </a:xfrm>
+              <a:prstGeom prst="rect">
+                <a:avLst/>
+              </a:prstGeom>
+              <a:noFill/>
+              <a:ln>
+                <a:noFill/>
+              </a:ln>
+            </p:spPr>
+            <p:txBody>
+              <a:bodyPr lIns="90000" tIns="45000" rIns="90000" bIns="45000"/>
+              <a:lstStyle/>
+              <a:p>
+                <a:r>
+                  <a:rPr lang="tr-TR" sz="1400" strike="noStrike" spc="-1" dirty="0">
+                    <a:latin typeface="Lucida Sans" panose="020B0602030504020204" pitchFamily="34" charset="0"/>
+                  </a:rPr>
+                  <a:t>3</a:t>
+                </a:r>
+              </a:p>
+            </p:txBody>
+          </p:sp>
+          <p:sp>
+            <p:nvSpPr>
+              <p:cNvPr id="89" name="TextShape 3">
+                <a:extLst>
+                  <a:ext uri="{FF2B5EF4-FFF2-40B4-BE49-F238E27FC236}">
+                    <a16:creationId xmlns:a16="http://schemas.microsoft.com/office/drawing/2014/main" id="{99513FCC-F398-5266-8C35-0A20D144B781}"/>
+                  </a:ext>
+                </a:extLst>
+              </p:cNvPr>
+              <p:cNvSpPr txBox="1"/>
+              <p:nvPr/>
+            </p:nvSpPr>
+            <p:spPr>
+              <a:xfrm>
+                <a:off x="4166937" y="4995514"/>
+                <a:ext cx="306586" cy="272699"/>
+              </a:xfrm>
+              <a:prstGeom prst="rect">
+                <a:avLst/>
+              </a:prstGeom>
+              <a:noFill/>
+              <a:ln>
+                <a:noFill/>
+              </a:ln>
+            </p:spPr>
+            <p:txBody>
+              <a:bodyPr lIns="90000" tIns="45000" rIns="90000" bIns="45000"/>
+              <a:lstStyle/>
+              <a:p>
+                <a:r>
+                  <a:rPr lang="tr-TR" sz="1400" strike="noStrike" spc="-1" dirty="0">
+                    <a:latin typeface="Lucida Sans" panose="020B0602030504020204" pitchFamily="34" charset="0"/>
+                  </a:rPr>
+                  <a:t>4</a:t>
+                </a:r>
+              </a:p>
+            </p:txBody>
+          </p:sp>
+          <p:sp>
+            <p:nvSpPr>
+              <p:cNvPr id="90" name="TextShape 3">
+                <a:extLst>
+                  <a:ext uri="{FF2B5EF4-FFF2-40B4-BE49-F238E27FC236}">
+                    <a16:creationId xmlns:a16="http://schemas.microsoft.com/office/drawing/2014/main" id="{6924E032-ABE4-B6E6-CEE7-BAB454F48289}"/>
+                  </a:ext>
+                </a:extLst>
+              </p:cNvPr>
+              <p:cNvSpPr txBox="1"/>
+              <p:nvPr/>
+            </p:nvSpPr>
+            <p:spPr>
+              <a:xfrm>
+                <a:off x="4887015" y="4995514"/>
+                <a:ext cx="306586" cy="272699"/>
+              </a:xfrm>
+              <a:prstGeom prst="rect">
+                <a:avLst/>
+              </a:prstGeom>
+              <a:noFill/>
+              <a:ln>
+                <a:noFill/>
+              </a:ln>
+            </p:spPr>
+            <p:txBody>
+              <a:bodyPr lIns="90000" tIns="45000" rIns="90000" bIns="45000"/>
+              <a:lstStyle/>
+              <a:p>
+                <a:r>
+                  <a:rPr lang="tr-TR" sz="1400" b="0" strike="noStrike" spc="-1" dirty="0">
+                    <a:latin typeface="Lucida Sans" panose="020B0602030504020204" pitchFamily="34" charset="0"/>
+                  </a:rPr>
+                  <a:t>5</a:t>
+                </a:r>
+              </a:p>
+            </p:txBody>
+          </p:sp>
+          <p:sp>
+            <p:nvSpPr>
+              <p:cNvPr id="91" name="TextShape 3">
+                <a:extLst>
+                  <a:ext uri="{FF2B5EF4-FFF2-40B4-BE49-F238E27FC236}">
+                    <a16:creationId xmlns:a16="http://schemas.microsoft.com/office/drawing/2014/main" id="{FE34CF02-AB0F-C82D-9EC3-258478BB06D6}"/>
+                  </a:ext>
+                </a:extLst>
+              </p:cNvPr>
+              <p:cNvSpPr txBox="1"/>
+              <p:nvPr/>
+            </p:nvSpPr>
+            <p:spPr>
+              <a:xfrm>
+                <a:off x="5607093" y="4995514"/>
+                <a:ext cx="306586" cy="272699"/>
+              </a:xfrm>
+              <a:prstGeom prst="rect">
+                <a:avLst/>
+              </a:prstGeom>
+              <a:noFill/>
+              <a:ln>
+                <a:noFill/>
+              </a:ln>
+            </p:spPr>
+            <p:txBody>
+              <a:bodyPr lIns="90000" tIns="45000" rIns="90000" bIns="45000"/>
+              <a:lstStyle/>
+              <a:p>
+                <a:r>
+                  <a:rPr lang="tr-TR" sz="1400" b="0" strike="noStrike" spc="-1" dirty="0">
+                    <a:latin typeface="Lucida Sans" panose="020B0602030504020204" pitchFamily="34" charset="0"/>
+                  </a:rPr>
+                  <a:t>6</a:t>
+                </a:r>
+              </a:p>
+            </p:txBody>
+          </p:sp>
+          <p:sp>
+            <p:nvSpPr>
+              <p:cNvPr id="92" name="TextShape 3">
+                <a:extLst>
+                  <a:ext uri="{FF2B5EF4-FFF2-40B4-BE49-F238E27FC236}">
+                    <a16:creationId xmlns:a16="http://schemas.microsoft.com/office/drawing/2014/main" id="{147DFAFD-F147-7932-6916-B060C6CD0BC7}"/>
+                  </a:ext>
+                </a:extLst>
+              </p:cNvPr>
+              <p:cNvSpPr txBox="1"/>
+              <p:nvPr/>
+            </p:nvSpPr>
+            <p:spPr>
+              <a:xfrm>
+                <a:off x="6327174" y="4995514"/>
+                <a:ext cx="306586" cy="272699"/>
+              </a:xfrm>
+              <a:prstGeom prst="rect">
+                <a:avLst/>
+              </a:prstGeom>
+              <a:noFill/>
+              <a:ln>
+                <a:noFill/>
+              </a:ln>
+            </p:spPr>
+            <p:txBody>
+              <a:bodyPr lIns="90000" tIns="45000" rIns="90000" bIns="45000"/>
+              <a:lstStyle/>
+              <a:p>
+                <a:r>
+                  <a:rPr lang="tr-TR" sz="1400" strike="noStrike" spc="-1" dirty="0">
+                    <a:latin typeface="Lucida Sans" panose="020B0602030504020204" pitchFamily="34" charset="0"/>
+                  </a:rPr>
+                  <a:t>7</a:t>
+                </a:r>
+              </a:p>
+            </p:txBody>
+          </p:sp>
+          <p:sp>
+            <p:nvSpPr>
+              <p:cNvPr id="93" name="TextShape 3">
+                <a:extLst>
+                  <a:ext uri="{FF2B5EF4-FFF2-40B4-BE49-F238E27FC236}">
+                    <a16:creationId xmlns:a16="http://schemas.microsoft.com/office/drawing/2014/main" id="{2D25DDB8-12E2-0E65-7E43-CDBC320D9BF0}"/>
+                  </a:ext>
+                </a:extLst>
+              </p:cNvPr>
+              <p:cNvSpPr txBox="1"/>
+              <p:nvPr/>
+            </p:nvSpPr>
+            <p:spPr>
+              <a:xfrm>
+                <a:off x="7047255" y="4995514"/>
+                <a:ext cx="306586" cy="272699"/>
+              </a:xfrm>
+              <a:prstGeom prst="rect">
+                <a:avLst/>
+              </a:prstGeom>
+              <a:noFill/>
+              <a:ln>
+                <a:noFill/>
+              </a:ln>
+            </p:spPr>
+            <p:txBody>
+              <a:bodyPr lIns="90000" tIns="45000" rIns="90000" bIns="45000"/>
+              <a:lstStyle/>
+              <a:p>
+                <a:r>
+                  <a:rPr lang="tr-TR" sz="1400" strike="noStrike" spc="-1" dirty="0">
+                    <a:latin typeface="Lucida Sans" panose="020B0602030504020204" pitchFamily="34" charset="0"/>
+                  </a:rPr>
+                  <a:t>8</a:t>
+                </a:r>
+              </a:p>
+            </p:txBody>
+          </p:sp>
+          <p:sp>
+            <p:nvSpPr>
+              <p:cNvPr id="94" name="TextShape 3">
+                <a:extLst>
+                  <a:ext uri="{FF2B5EF4-FFF2-40B4-BE49-F238E27FC236}">
+                    <a16:creationId xmlns:a16="http://schemas.microsoft.com/office/drawing/2014/main" id="{1EACA767-AE9E-5DD8-4A79-3536FDB4DA31}"/>
+                  </a:ext>
+                </a:extLst>
+              </p:cNvPr>
+              <p:cNvSpPr txBox="1"/>
+              <p:nvPr/>
+            </p:nvSpPr>
+            <p:spPr>
+              <a:xfrm flipH="1">
+                <a:off x="7608486" y="4857477"/>
+                <a:ext cx="216023" cy="272699"/>
+              </a:xfrm>
+              <a:prstGeom prst="rect">
+                <a:avLst/>
+              </a:prstGeom>
+              <a:noFill/>
+              <a:ln>
+                <a:noFill/>
+              </a:ln>
+            </p:spPr>
+            <p:txBody>
+              <a:bodyPr lIns="90000" tIns="45000" rIns="90000" bIns="45000"/>
+              <a:lstStyle/>
+              <a:p>
+                <a:r>
+                  <a:rPr lang="tr-TR" sz="1400" b="0" strike="noStrike" spc="-1" dirty="0">
+                    <a:latin typeface="Lucida Sans" panose="020B0602030504020204" pitchFamily="34" charset="0"/>
+                  </a:rPr>
+                  <a:t>t</a:t>
+                </a:r>
+              </a:p>
+            </p:txBody>
+          </p:sp>
+          <p:sp>
+            <p:nvSpPr>
+              <p:cNvPr id="95" name="TextShape 3">
+                <a:extLst>
+                  <a:ext uri="{FF2B5EF4-FFF2-40B4-BE49-F238E27FC236}">
+                    <a16:creationId xmlns:a16="http://schemas.microsoft.com/office/drawing/2014/main" id="{834B2CBD-1FBF-8829-157C-E481CFEF12F0}"/>
+                  </a:ext>
+                </a:extLst>
+              </p:cNvPr>
+              <p:cNvSpPr txBox="1"/>
+              <p:nvPr/>
+            </p:nvSpPr>
+            <p:spPr>
+              <a:xfrm>
+                <a:off x="1223889" y="1807540"/>
+                <a:ext cx="576064" cy="272699"/>
+              </a:xfrm>
+              <a:prstGeom prst="rect">
+                <a:avLst/>
+              </a:prstGeom>
+              <a:noFill/>
+              <a:ln>
+                <a:noFill/>
+              </a:ln>
+            </p:spPr>
+            <p:txBody>
+              <a:bodyPr lIns="90000" tIns="45000" rIns="90000" bIns="45000"/>
+              <a:lstStyle/>
+              <a:p>
+                <a:r>
+                  <a:rPr lang="tr-TR" sz="1400" b="0" strike="noStrike" spc="-1" dirty="0">
+                    <a:latin typeface="Lucida Sans" panose="020B0602030504020204" pitchFamily="34" charset="0"/>
+                  </a:rPr>
+                  <a:t>x</a:t>
+                </a:r>
+                <a:r>
+                  <a:rPr lang="tr-TR" sz="1400" b="0" strike="noStrike" spc="-1" baseline="-25000" dirty="0">
+                    <a:latin typeface="Lucida Sans" panose="020B0602030504020204" pitchFamily="34" charset="0"/>
+                  </a:rPr>
+                  <a:t>i</a:t>
+                </a:r>
+                <a:r>
+                  <a:rPr lang="tr-TR" sz="1400" b="0" strike="noStrike" spc="-1" dirty="0">
+                    <a:latin typeface="Lucida Sans" panose="020B0602030504020204" pitchFamily="34" charset="0"/>
+                  </a:rPr>
+                  <a:t>(t)</a:t>
+                </a:r>
+              </a:p>
+            </p:txBody>
+          </p:sp>
+          <p:sp>
+            <p:nvSpPr>
+              <p:cNvPr id="97" name="TextShape 3">
+                <a:extLst>
+                  <a:ext uri="{FF2B5EF4-FFF2-40B4-BE49-F238E27FC236}">
+                    <a16:creationId xmlns:a16="http://schemas.microsoft.com/office/drawing/2014/main" id="{1D8FD680-3E04-B131-CE6C-9D68F2035E0F}"/>
+                  </a:ext>
+                </a:extLst>
+              </p:cNvPr>
+              <p:cNvSpPr txBox="1"/>
+              <p:nvPr/>
+            </p:nvSpPr>
+            <p:spPr>
+              <a:xfrm>
+                <a:off x="7055270" y="3673076"/>
+                <a:ext cx="386350" cy="254378"/>
+              </a:xfrm>
+              <a:prstGeom prst="rect">
+                <a:avLst/>
+              </a:prstGeom>
+              <a:noFill/>
+              <a:ln>
+                <a:noFill/>
+              </a:ln>
+            </p:spPr>
+            <p:txBody>
+              <a:bodyPr lIns="90000" tIns="45000" rIns="90000" bIns="45000"/>
+              <a:lstStyle/>
+              <a:p>
+                <a:r>
+                  <a:rPr lang="tr-TR" sz="1200" b="0" strike="noStrike" spc="-1" dirty="0">
+                    <a:latin typeface="Lucida Sans" panose="020B0602030504020204" pitchFamily="34" charset="0"/>
+                  </a:rPr>
+                  <a:t>x</a:t>
+                </a:r>
+                <a:r>
+                  <a:rPr lang="tr-TR" sz="1200" b="0" strike="noStrike" spc="-1" baseline="-25000" dirty="0">
+                    <a:latin typeface="Lucida Sans" panose="020B0602030504020204" pitchFamily="34" charset="0"/>
+                  </a:rPr>
+                  <a:t>1</a:t>
+                </a:r>
+                <a:endParaRPr lang="tr-TR" sz="1200" b="0" strike="noStrike" spc="-1" dirty="0">
+                  <a:latin typeface="Lucida Sans" panose="020B0602030504020204" pitchFamily="34" charset="0"/>
+                </a:endParaRPr>
+              </a:p>
+            </p:txBody>
+          </p:sp>
+          <p:sp>
+            <p:nvSpPr>
+              <p:cNvPr id="98" name="TextShape 3">
+                <a:extLst>
+                  <a:ext uri="{FF2B5EF4-FFF2-40B4-BE49-F238E27FC236}">
+                    <a16:creationId xmlns:a16="http://schemas.microsoft.com/office/drawing/2014/main" id="{261995F8-66B4-27A4-2322-3525965F8EAB}"/>
+                  </a:ext>
+                </a:extLst>
+              </p:cNvPr>
+              <p:cNvSpPr txBox="1"/>
+              <p:nvPr/>
+            </p:nvSpPr>
+            <p:spPr>
+              <a:xfrm>
+                <a:off x="7068424" y="4038920"/>
+                <a:ext cx="360041" cy="248196"/>
+              </a:xfrm>
+              <a:prstGeom prst="rect">
+                <a:avLst/>
+              </a:prstGeom>
+              <a:noFill/>
+              <a:ln>
+                <a:noFill/>
+              </a:ln>
+            </p:spPr>
+            <p:txBody>
+              <a:bodyPr lIns="90000" tIns="45000" rIns="90000" bIns="45000"/>
+              <a:lstStyle/>
+              <a:p>
+                <a:r>
+                  <a:rPr lang="tr-TR" sz="1200" b="0" strike="noStrike" spc="-1" dirty="0">
+                    <a:latin typeface="Lucida Sans" panose="020B0602030504020204" pitchFamily="34" charset="0"/>
+                  </a:rPr>
+                  <a:t>x</a:t>
+                </a:r>
+                <a:r>
+                  <a:rPr lang="tr-TR" sz="1200" spc="-1" baseline="-25000" dirty="0">
+                    <a:latin typeface="Lucida Sans" panose="020B0602030504020204" pitchFamily="34" charset="0"/>
+                  </a:rPr>
+                  <a:t>2</a:t>
+                </a:r>
+                <a:endParaRPr lang="tr-TR" sz="1200" b="0" strike="noStrike" spc="-1" dirty="0">
+                  <a:latin typeface="Lucida Sans" panose="020B0602030504020204" pitchFamily="34" charset="0"/>
+                </a:endParaRPr>
+              </a:p>
+            </p:txBody>
+          </p:sp>
+        </p:grpSp>
+        <p:sp>
+          <p:nvSpPr>
+            <p:cNvPr id="111" name="Rectangle: Rounded Corners 110">
+              <a:extLst>
+                <a:ext uri="{FF2B5EF4-FFF2-40B4-BE49-F238E27FC236}">
+                  <a16:creationId xmlns:a16="http://schemas.microsoft.com/office/drawing/2014/main" id="{0338EBFA-2A79-99A9-0619-2AD310544EBB}"/>
+                </a:ext>
+              </a:extLst>
+            </p:cNvPr>
+            <p:cNvSpPr/>
+            <p:nvPr/>
+          </p:nvSpPr>
+          <p:spPr>
+            <a:xfrm>
+              <a:off x="1439911" y="966569"/>
+              <a:ext cx="2880000" cy="144000"/>
+            </a:xfrm>
+            <a:prstGeom prst="roundRect">
+              <a:avLst/>
+            </a:prstGeom>
+            <a:solidFill>
+              <a:srgbClr val="FF0000">
+                <a:alpha val="30000"/>
+              </a:srgbClr>
+            </a:solidFill>
+            <a:ln>
+              <a:noFill/>
+            </a:ln>
+          </p:spPr>
+          <p:style>
+            <a:lnRef idx="0">
+              <a:scrgbClr r="0" g="0" b="0"/>
+            </a:lnRef>
+            <a:fillRef idx="0">
+              <a:scrgbClr r="0" g="0" b="0"/>
+            </a:fillRef>
+            <a:effectRef idx="0">
+              <a:scrgbClr r="0" g="0" b="0"/>
+            </a:effectRef>
+            <a:fontRef idx="minor">
+              <a:schemeClr val="lt1"/>
+            </a:fontRef>
+          </p:style>
+          <p:txBody>
+            <a:bodyPr rtlCol="0" anchor="ctr"/>
+            <a:lstStyle/>
+            <a:p>
+              <a:pPr algn="ctr"/>
+              <a:endParaRPr lang="en-AT" dirty="0"/>
+            </a:p>
+          </p:txBody>
+        </p:sp>
+        <p:sp>
+          <p:nvSpPr>
+            <p:cNvPr id="112" name="Rectangle: Rounded Corners 111">
+              <a:extLst>
+                <a:ext uri="{FF2B5EF4-FFF2-40B4-BE49-F238E27FC236}">
+                  <a16:creationId xmlns:a16="http://schemas.microsoft.com/office/drawing/2014/main" id="{05398B6F-455B-01F7-6291-637EC4EADA02}"/>
+                </a:ext>
+              </a:extLst>
+            </p:cNvPr>
+            <p:cNvSpPr/>
+            <p:nvPr/>
+          </p:nvSpPr>
+          <p:spPr>
+            <a:xfrm>
+              <a:off x="3598506" y="2774956"/>
+              <a:ext cx="2880322" cy="144000"/>
+            </a:xfrm>
+            <a:prstGeom prst="roundRect">
+              <a:avLst/>
+            </a:prstGeom>
+            <a:solidFill>
+              <a:srgbClr val="FF0000">
+                <a:alpha val="30000"/>
+              </a:srgbClr>
+            </a:solidFill>
+            <a:ln>
+              <a:noFill/>
+            </a:ln>
+          </p:spPr>
+          <p:style>
+            <a:lnRef idx="0">
+              <a:scrgbClr r="0" g="0" b="0"/>
+            </a:lnRef>
+            <a:fillRef idx="0">
+              <a:scrgbClr r="0" g="0" b="0"/>
+            </a:fillRef>
+            <a:effectRef idx="0">
+              <a:scrgbClr r="0" g="0" b="0"/>
+            </a:effectRef>
+            <a:fontRef idx="minor">
+              <a:schemeClr val="lt1"/>
+            </a:fontRef>
+          </p:style>
+          <p:txBody>
+            <a:bodyPr rtlCol="0" anchor="ctr"/>
+            <a:lstStyle/>
+            <a:p>
+              <a:pPr algn="ctr"/>
+              <a:endParaRPr lang="en-AT" dirty="0"/>
+            </a:p>
+          </p:txBody>
+        </p:sp>
+        <p:sp>
+          <p:nvSpPr>
+            <p:cNvPr id="113" name="Rectangle: Rounded Corners 112">
+              <a:extLst>
+                <a:ext uri="{FF2B5EF4-FFF2-40B4-BE49-F238E27FC236}">
+                  <a16:creationId xmlns:a16="http://schemas.microsoft.com/office/drawing/2014/main" id="{D445083C-8DFC-53C1-A887-43C099474EBA}"/>
+                </a:ext>
+              </a:extLst>
+            </p:cNvPr>
+            <p:cNvSpPr/>
+            <p:nvPr/>
+          </p:nvSpPr>
+          <p:spPr>
+            <a:xfrm>
+              <a:off x="2160230" y="1683147"/>
+              <a:ext cx="2160000" cy="144000"/>
+            </a:xfrm>
+            <a:prstGeom prst="roundRect">
+              <a:avLst/>
+            </a:prstGeom>
+            <a:solidFill>
+              <a:srgbClr val="0070C0">
+                <a:alpha val="30000"/>
+              </a:srgbClr>
+            </a:solidFill>
+            <a:ln>
+              <a:noFill/>
+            </a:ln>
+          </p:spPr>
+          <p:style>
+            <a:lnRef idx="0">
+              <a:scrgbClr r="0" g="0" b="0"/>
+            </a:lnRef>
+            <a:fillRef idx="0">
+              <a:scrgbClr r="0" g="0" b="0"/>
+            </a:fillRef>
+            <a:effectRef idx="0">
+              <a:scrgbClr r="0" g="0" b="0"/>
+            </a:effectRef>
+            <a:fontRef idx="minor">
+              <a:schemeClr val="lt1"/>
+            </a:fontRef>
+          </p:style>
+          <p:txBody>
+            <a:bodyPr rtlCol="0" anchor="ctr"/>
+            <a:lstStyle/>
+            <a:p>
+              <a:pPr algn="ctr"/>
+              <a:endParaRPr lang="en-AT" dirty="0"/>
+            </a:p>
+          </p:txBody>
+        </p:sp>
+        <p:sp>
+          <p:nvSpPr>
+            <p:cNvPr id="114" name="Rectangle: Rounded Corners 113">
+              <a:extLst>
+                <a:ext uri="{FF2B5EF4-FFF2-40B4-BE49-F238E27FC236}">
+                  <a16:creationId xmlns:a16="http://schemas.microsoft.com/office/drawing/2014/main" id="{2D195088-3C37-5D7C-B7C0-87F37CD97F69}"/>
+                </a:ext>
+              </a:extLst>
+            </p:cNvPr>
+            <p:cNvSpPr/>
+            <p:nvPr/>
+          </p:nvSpPr>
+          <p:spPr>
+            <a:xfrm>
+              <a:off x="4318829" y="2402995"/>
+              <a:ext cx="2160000" cy="144000"/>
+            </a:xfrm>
+            <a:prstGeom prst="roundRect">
+              <a:avLst/>
+            </a:prstGeom>
+            <a:solidFill>
+              <a:srgbClr val="0070C0">
+                <a:alpha val="30000"/>
+              </a:srgbClr>
+            </a:solidFill>
+            <a:ln>
+              <a:noFill/>
+            </a:ln>
+          </p:spPr>
+          <p:style>
+            <a:lnRef idx="0">
+              <a:scrgbClr r="0" g="0" b="0"/>
+            </a:lnRef>
+            <a:fillRef idx="0">
+              <a:scrgbClr r="0" g="0" b="0"/>
+            </a:fillRef>
+            <a:effectRef idx="0">
+              <a:scrgbClr r="0" g="0" b="0"/>
+            </a:effectRef>
+            <a:fontRef idx="minor">
+              <a:schemeClr val="lt1"/>
+            </a:fontRef>
+          </p:style>
+          <p:txBody>
+            <a:bodyPr rtlCol="0" anchor="ctr"/>
+            <a:lstStyle/>
+            <a:p>
+              <a:pPr algn="ctr"/>
+              <a:endParaRPr lang="en-AT" dirty="0"/>
+            </a:p>
+          </p:txBody>
+        </p:sp>
+        <p:sp>
+          <p:nvSpPr>
+            <p:cNvPr id="115" name="TextShape 3">
+              <a:extLst>
+                <a:ext uri="{FF2B5EF4-FFF2-40B4-BE49-F238E27FC236}">
+                  <a16:creationId xmlns:a16="http://schemas.microsoft.com/office/drawing/2014/main" id="{22C9AF08-28CC-459A-984C-74CA6532A120}"/>
+                </a:ext>
+              </a:extLst>
+            </p:cNvPr>
+            <p:cNvSpPr txBox="1"/>
+            <p:nvPr/>
+          </p:nvSpPr>
+          <p:spPr>
+            <a:xfrm>
+              <a:off x="1158973" y="3550016"/>
+              <a:ext cx="306586" cy="272699"/>
+            </a:xfrm>
+            <a:prstGeom prst="rect">
+              <a:avLst/>
+            </a:prstGeom>
+            <a:noFill/>
+            <a:ln>
+              <a:noFill/>
+            </a:ln>
+          </p:spPr>
+          <p:txBody>
+            <a:bodyPr lIns="90000" tIns="45000" rIns="90000" bIns="45000"/>
+            <a:lstStyle/>
+            <a:p>
+              <a:r>
+                <a:rPr lang="tr-TR" sz="1400" strike="noStrike" spc="-1" dirty="0">
+                  <a:latin typeface="Lucida Sans" panose="020B0602030504020204" pitchFamily="34" charset="0"/>
+                </a:rPr>
+                <a:t>0</a:t>
+              </a:r>
+            </a:p>
+          </p:txBody>
+        </p:sp>
+        <p:sp>
+          <p:nvSpPr>
+            <p:cNvPr id="117" name="Rectangle: Rounded Corners 116">
+              <a:extLst>
+                <a:ext uri="{FF2B5EF4-FFF2-40B4-BE49-F238E27FC236}">
+                  <a16:creationId xmlns:a16="http://schemas.microsoft.com/office/drawing/2014/main" id="{C68F2B9E-D281-D344-30AA-1EF47B27A8CF}"/>
+                </a:ext>
+              </a:extLst>
+            </p:cNvPr>
+            <p:cNvSpPr/>
+            <p:nvPr/>
+          </p:nvSpPr>
+          <p:spPr>
+            <a:xfrm>
+              <a:off x="1438829" y="4092476"/>
+              <a:ext cx="721399" cy="267360"/>
+            </a:xfrm>
+            <a:prstGeom prst="roundRect">
+              <a:avLst/>
+            </a:prstGeom>
+            <a:solidFill>
+              <a:schemeClr val="bg1">
+                <a:lumMod val="75000"/>
+                <a:alpha val="50000"/>
+              </a:schemeClr>
+            </a:solidFill>
+            <a:ln w="19050">
+              <a:solidFill>
+                <a:schemeClr val="tx1"/>
+              </a:solidFill>
+            </a:ln>
+          </p:spPr>
+          <p:style>
+            <a:lnRef idx="0">
+              <a:scrgbClr r="0" g="0" b="0"/>
+            </a:lnRef>
+            <a:fillRef idx="0">
+              <a:scrgbClr r="0" g="0" b="0"/>
+            </a:fillRef>
+            <a:effectRef idx="0">
+              <a:scrgbClr r="0" g="0" b="0"/>
+            </a:effectRef>
+            <a:fontRef idx="minor">
+              <a:schemeClr val="lt1"/>
+            </a:fontRef>
+          </p:style>
+          <p:txBody>
+            <a:bodyPr rtlCol="0" anchor="ctr"/>
+            <a:lstStyle/>
+            <a:p>
+              <a:pPr algn="ctr"/>
+              <a:r>
+                <a:rPr lang="tr-TR" sz="1100" dirty="0">
+                  <a:solidFill>
+                    <a:schemeClr val="tx1"/>
+                  </a:solidFill>
+                  <a:latin typeface="Lucida Sans" panose="020B0602030504020204" pitchFamily="34" charset="0"/>
+                </a:rPr>
+                <a:t>[0,1)</a:t>
+              </a:r>
+              <a:endParaRPr lang="en-AT" sz="1100" dirty="0">
+                <a:solidFill>
+                  <a:schemeClr val="tx1"/>
+                </a:solidFill>
+                <a:latin typeface="Lucida Sans" panose="020B0602030504020204" pitchFamily="34" charset="0"/>
+              </a:endParaRPr>
+            </a:p>
+          </p:txBody>
+        </p:sp>
+        <p:sp>
+          <p:nvSpPr>
+            <p:cNvPr id="118" name="Rectangle: Rounded Corners 117">
+              <a:extLst>
+                <a:ext uri="{FF2B5EF4-FFF2-40B4-BE49-F238E27FC236}">
+                  <a16:creationId xmlns:a16="http://schemas.microsoft.com/office/drawing/2014/main" id="{9A0222FD-789C-3FFC-F7C8-273D218DB41E}"/>
+                </a:ext>
+              </a:extLst>
+            </p:cNvPr>
+            <p:cNvSpPr/>
+            <p:nvPr/>
+          </p:nvSpPr>
+          <p:spPr>
+            <a:xfrm>
+              <a:off x="2159913" y="4090222"/>
+              <a:ext cx="1439995" cy="267360"/>
+            </a:xfrm>
+            <a:prstGeom prst="roundRect">
+              <a:avLst/>
+            </a:prstGeom>
+            <a:solidFill>
+              <a:schemeClr val="bg1">
+                <a:lumMod val="75000"/>
+                <a:alpha val="50000"/>
+              </a:schemeClr>
+            </a:solidFill>
+            <a:ln w="19050">
+              <a:solidFill>
+                <a:schemeClr val="tx1"/>
+              </a:solidFill>
+            </a:ln>
+          </p:spPr>
+          <p:style>
+            <a:lnRef idx="0">
+              <a:scrgbClr r="0" g="0" b="0"/>
+            </a:lnRef>
+            <a:fillRef idx="0">
+              <a:scrgbClr r="0" g="0" b="0"/>
+            </a:fillRef>
+            <a:effectRef idx="0">
+              <a:scrgbClr r="0" g="0" b="0"/>
+            </a:effectRef>
+            <a:fontRef idx="minor">
+              <a:schemeClr val="lt1"/>
+            </a:fontRef>
+          </p:style>
+          <p:txBody>
+            <a:bodyPr rtlCol="0" anchor="ctr"/>
+            <a:lstStyle/>
+            <a:p>
+              <a:pPr algn="ctr"/>
+              <a:r>
+                <a:rPr lang="tr-TR" sz="1100" dirty="0">
+                  <a:solidFill>
+                    <a:schemeClr val="tx1"/>
+                  </a:solidFill>
+                  <a:latin typeface="Lucida Sans" panose="020B0602030504020204" pitchFamily="34" charset="0"/>
+                </a:rPr>
+                <a:t>[1,3)</a:t>
+              </a:r>
+              <a:endParaRPr lang="en-AT" sz="1100" dirty="0">
+                <a:solidFill>
+                  <a:schemeClr val="tx1"/>
+                </a:solidFill>
+                <a:latin typeface="Lucida Sans" panose="020B0602030504020204" pitchFamily="34" charset="0"/>
+              </a:endParaRPr>
+            </a:p>
+          </p:txBody>
+        </p:sp>
+        <p:sp>
+          <p:nvSpPr>
+            <p:cNvPr id="119" name="Rectangle: Rounded Corners 118">
+              <a:extLst>
+                <a:ext uri="{FF2B5EF4-FFF2-40B4-BE49-F238E27FC236}">
+                  <a16:creationId xmlns:a16="http://schemas.microsoft.com/office/drawing/2014/main" id="{8A89B381-DDE2-ADAB-C1A3-C95B9148C54B}"/>
+                </a:ext>
+              </a:extLst>
+            </p:cNvPr>
+            <p:cNvSpPr/>
+            <p:nvPr/>
+          </p:nvSpPr>
+          <p:spPr>
+            <a:xfrm>
+              <a:off x="3598193" y="4091788"/>
+              <a:ext cx="719998" cy="267360"/>
+            </a:xfrm>
+            <a:prstGeom prst="roundRect">
+              <a:avLst/>
+            </a:prstGeom>
+            <a:solidFill>
+              <a:schemeClr val="bg1">
+                <a:lumMod val="75000"/>
+                <a:alpha val="50000"/>
+              </a:schemeClr>
+            </a:solidFill>
+            <a:ln w="19050">
+              <a:solidFill>
+                <a:schemeClr val="tx1"/>
+              </a:solidFill>
+            </a:ln>
+          </p:spPr>
+          <p:style>
+            <a:lnRef idx="0">
+              <a:scrgbClr r="0" g="0" b="0"/>
+            </a:lnRef>
+            <a:fillRef idx="0">
+              <a:scrgbClr r="0" g="0" b="0"/>
+            </a:fillRef>
+            <a:effectRef idx="0">
+              <a:scrgbClr r="0" g="0" b="0"/>
+            </a:effectRef>
+            <a:fontRef idx="minor">
+              <a:schemeClr val="lt1"/>
+            </a:fontRef>
+          </p:style>
+          <p:txBody>
+            <a:bodyPr rtlCol="0" anchor="ctr"/>
+            <a:lstStyle/>
+            <a:p>
+              <a:pPr algn="ctr"/>
+              <a:r>
+                <a:rPr lang="tr-TR" sz="1100" dirty="0">
+                  <a:solidFill>
+                    <a:schemeClr val="tx1"/>
+                  </a:solidFill>
+                  <a:latin typeface="Lucida Sans" panose="020B0602030504020204" pitchFamily="34" charset="0"/>
+                </a:rPr>
+                <a:t>[3,4)</a:t>
+              </a:r>
+              <a:endParaRPr lang="en-AT" sz="1100" dirty="0">
+                <a:solidFill>
+                  <a:schemeClr val="tx1"/>
+                </a:solidFill>
+                <a:latin typeface="Lucida Sans" panose="020B0602030504020204" pitchFamily="34" charset="0"/>
+              </a:endParaRPr>
+            </a:p>
+          </p:txBody>
+        </p:sp>
+        <p:sp>
+          <p:nvSpPr>
+            <p:cNvPr id="120" name="Rectangle: Rounded Corners 119">
+              <a:extLst>
+                <a:ext uri="{FF2B5EF4-FFF2-40B4-BE49-F238E27FC236}">
+                  <a16:creationId xmlns:a16="http://schemas.microsoft.com/office/drawing/2014/main" id="{35F7C927-AE8A-1B55-8BE0-BBCE43CA2757}"/>
+                </a:ext>
+              </a:extLst>
+            </p:cNvPr>
+            <p:cNvSpPr/>
+            <p:nvPr/>
+          </p:nvSpPr>
+          <p:spPr>
+            <a:xfrm>
+              <a:off x="5040313" y="4089481"/>
+              <a:ext cx="1438515" cy="267360"/>
+            </a:xfrm>
+            <a:prstGeom prst="roundRect">
+              <a:avLst/>
+            </a:prstGeom>
+            <a:solidFill>
+              <a:schemeClr val="bg1">
+                <a:lumMod val="75000"/>
+                <a:alpha val="50000"/>
+              </a:schemeClr>
+            </a:solidFill>
+            <a:ln w="19050">
+              <a:solidFill>
+                <a:schemeClr val="tx1"/>
+              </a:solidFill>
+            </a:ln>
+          </p:spPr>
+          <p:style>
+            <a:lnRef idx="0">
+              <a:scrgbClr r="0" g="0" b="0"/>
+            </a:lnRef>
+            <a:fillRef idx="0">
+              <a:scrgbClr r="0" g="0" b="0"/>
+            </a:fillRef>
+            <a:effectRef idx="0">
+              <a:scrgbClr r="0" g="0" b="0"/>
+            </a:effectRef>
+            <a:fontRef idx="minor">
+              <a:schemeClr val="lt1"/>
+            </a:fontRef>
+          </p:style>
+          <p:txBody>
+            <a:bodyPr rtlCol="0" anchor="ctr"/>
+            <a:lstStyle/>
+            <a:p>
+              <a:pPr algn="ctr"/>
+              <a:r>
+                <a:rPr lang="tr-TR" sz="1100" dirty="0">
+                  <a:solidFill>
+                    <a:schemeClr val="tx1"/>
+                  </a:solidFill>
+                  <a:latin typeface="Lucida Sans" panose="020B0602030504020204" pitchFamily="34" charset="0"/>
+                </a:rPr>
+                <a:t>[</a:t>
+              </a:r>
+              <a:r>
+                <a:rPr lang="en-US" sz="1100" dirty="0">
+                  <a:solidFill>
+                    <a:schemeClr val="tx1"/>
+                  </a:solidFill>
+                  <a:latin typeface="Lucida Sans" panose="020B0602030504020204" pitchFamily="34" charset="0"/>
+                </a:rPr>
+                <a:t>5</a:t>
+              </a:r>
+              <a:r>
+                <a:rPr lang="tr-TR" sz="1100" dirty="0">
+                  <a:solidFill>
+                    <a:schemeClr val="tx1"/>
+                  </a:solidFill>
+                  <a:latin typeface="Lucida Sans" panose="020B0602030504020204" pitchFamily="34" charset="0"/>
+                </a:rPr>
+                <a:t>,7)</a:t>
+              </a:r>
+              <a:endParaRPr lang="en-AT" sz="1100" dirty="0">
+                <a:solidFill>
+                  <a:schemeClr val="tx1"/>
+                </a:solidFill>
+                <a:latin typeface="Lucida Sans" panose="020B0602030504020204" pitchFamily="34" charset="0"/>
+              </a:endParaRPr>
+            </a:p>
+          </p:txBody>
+        </p:sp>
+        <p:sp>
+          <p:nvSpPr>
+            <p:cNvPr id="121" name="Rectangle: Rounded Corners 120">
+              <a:extLst>
+                <a:ext uri="{FF2B5EF4-FFF2-40B4-BE49-F238E27FC236}">
+                  <a16:creationId xmlns:a16="http://schemas.microsoft.com/office/drawing/2014/main" id="{FB959EF1-9B1A-9E08-3A43-469BAF647BEE}"/>
+                </a:ext>
+              </a:extLst>
+            </p:cNvPr>
+            <p:cNvSpPr/>
+            <p:nvPr/>
+          </p:nvSpPr>
+          <p:spPr>
+            <a:xfrm>
+              <a:off x="6478828" y="4091788"/>
+              <a:ext cx="737005" cy="267360"/>
+            </a:xfrm>
+            <a:prstGeom prst="roundRect">
+              <a:avLst/>
+            </a:prstGeom>
+            <a:solidFill>
+              <a:schemeClr val="bg1">
+                <a:lumMod val="75000"/>
+                <a:alpha val="50000"/>
+              </a:schemeClr>
+            </a:solidFill>
+            <a:ln w="19050">
+              <a:solidFill>
+                <a:schemeClr val="tx1"/>
+              </a:solidFill>
+            </a:ln>
+          </p:spPr>
+          <p:style>
+            <a:lnRef idx="0">
+              <a:scrgbClr r="0" g="0" b="0"/>
+            </a:lnRef>
+            <a:fillRef idx="0">
+              <a:scrgbClr r="0" g="0" b="0"/>
+            </a:fillRef>
+            <a:effectRef idx="0">
+              <a:scrgbClr r="0" g="0" b="0"/>
+            </a:effectRef>
+            <a:fontRef idx="minor">
+              <a:schemeClr val="lt1"/>
+            </a:fontRef>
+          </p:style>
+          <p:txBody>
+            <a:bodyPr rtlCol="0" anchor="ctr"/>
+            <a:lstStyle/>
+            <a:p>
+              <a:pPr algn="ctr"/>
+              <a:r>
+                <a:rPr lang="tr-TR" sz="1100" dirty="0">
+                  <a:solidFill>
+                    <a:schemeClr val="tx1"/>
+                  </a:solidFill>
+                  <a:latin typeface="Lucida Sans" panose="020B0602030504020204" pitchFamily="34" charset="0"/>
+                </a:rPr>
+                <a:t>[7,8)</a:t>
+              </a:r>
+              <a:endParaRPr lang="en-AT" sz="1100" dirty="0">
+                <a:solidFill>
+                  <a:schemeClr val="tx1"/>
+                </a:solidFill>
+                <a:latin typeface="Lucida Sans" panose="020B0602030504020204" pitchFamily="34" charset="0"/>
+              </a:endParaRPr>
+            </a:p>
+          </p:txBody>
+        </p:sp>
+        <p:sp>
+          <p:nvSpPr>
+            <p:cNvPr id="123" name="TextShape 3">
+              <a:extLst>
+                <a:ext uri="{FF2B5EF4-FFF2-40B4-BE49-F238E27FC236}">
+                  <a16:creationId xmlns:a16="http://schemas.microsoft.com/office/drawing/2014/main" id="{32F5CA81-7772-6546-67C5-2ABEA7A25339}"/>
+                </a:ext>
+              </a:extLst>
+            </p:cNvPr>
+            <p:cNvSpPr txBox="1"/>
+            <p:nvPr/>
+          </p:nvSpPr>
+          <p:spPr>
+            <a:xfrm>
+              <a:off x="1060932" y="4080084"/>
+              <a:ext cx="477763" cy="267359"/>
+            </a:xfrm>
+            <a:prstGeom prst="rect">
+              <a:avLst/>
+            </a:prstGeom>
+            <a:noFill/>
+            <a:ln>
+              <a:noFill/>
+            </a:ln>
+          </p:spPr>
+          <p:txBody>
+            <a:bodyPr lIns="90000" tIns="45000" rIns="90000" bIns="45000"/>
+            <a:lstStyle/>
+            <a:p>
+              <a:r>
+                <a:rPr lang="tr-TR" sz="1400" b="0" strike="noStrike" spc="-1" dirty="0">
+                  <a:latin typeface="Lucida Sans" panose="020B0602030504020204" pitchFamily="34" charset="0"/>
+                </a:rPr>
+                <a:t>G</a:t>
+              </a:r>
+              <a:r>
+                <a:rPr lang="tr-TR" sz="1400" b="0" strike="noStrike" spc="-1" baseline="-25000" dirty="0">
+                  <a:latin typeface="Lucida Sans" panose="020B0602030504020204" pitchFamily="34" charset="0"/>
+                </a:rPr>
+                <a:t>S</a:t>
+              </a:r>
+              <a:endParaRPr lang="tr-TR" sz="1400" b="0" strike="noStrike" spc="-1" dirty="0">
+                <a:latin typeface="Lucida Sans" panose="020B0602030504020204" pitchFamily="34" charset="0"/>
+              </a:endParaRPr>
+            </a:p>
+          </p:txBody>
+        </p:sp>
+      </p:grpSp>
+      <p:sp>
+        <p:nvSpPr>
+          <p:cNvPr id="8" name="Rectangle: Rounded Corners 7">
+            <a:extLst>
+              <a:ext uri="{FF2B5EF4-FFF2-40B4-BE49-F238E27FC236}">
+                <a16:creationId xmlns:a16="http://schemas.microsoft.com/office/drawing/2014/main" id="{67D9EBDE-5FCB-B6AE-C436-80A254410B62}"/>
+              </a:ext>
+            </a:extLst>
+          </p:cNvPr>
+          <p:cNvSpPr/>
+          <p:nvPr/>
+        </p:nvSpPr>
+        <p:spPr>
+          <a:xfrm>
+            <a:off x="4309848" y="4089481"/>
+            <a:ext cx="719998" cy="267360"/>
+          </a:xfrm>
+          <a:prstGeom prst="roundRect">
+            <a:avLst/>
+          </a:prstGeom>
+          <a:solidFill>
+            <a:schemeClr val="bg1">
+              <a:lumMod val="75000"/>
+              <a:alpha val="50000"/>
+            </a:schemeClr>
+          </a:solidFill>
+          <a:ln w="19050">
+            <a:solidFill>
+              <a:schemeClr val="tx1"/>
+            </a:solidFill>
+          </a:ln>
+        </p:spPr>
+        <p:style>
+          <a:lnRef idx="0">
+            <a:scrgbClr r="0" g="0" b="0"/>
+          </a:lnRef>
+          <a:fillRef idx="0">
+            <a:scrgbClr r="0" g="0" b="0"/>
+          </a:fillRef>
+          <a:effectRef idx="0">
+            <a:scrgbClr r="0" g="0" b="0"/>
+          </a:effectRef>
+          <a:fontRef idx="minor">
+            <a:schemeClr val="lt1"/>
+          </a:fontRef>
+        </p:style>
+        <p:txBody>
+          <a:bodyPr rtlCol="0" anchor="ctr"/>
+          <a:lstStyle/>
+          <a:p>
+            <a:pPr algn="ctr"/>
+            <a:r>
+              <a:rPr lang="tr-TR" sz="1100" dirty="0">
+                <a:solidFill>
+                  <a:schemeClr val="tx1"/>
+                </a:solidFill>
+                <a:latin typeface="Lucida Sans" panose="020B0602030504020204" pitchFamily="34" charset="0"/>
+              </a:rPr>
+              <a:t>[</a:t>
+            </a:r>
+            <a:r>
+              <a:rPr lang="en-US" sz="1100" dirty="0">
+                <a:solidFill>
+                  <a:schemeClr val="tx1"/>
+                </a:solidFill>
+                <a:latin typeface="Lucida Sans" panose="020B0602030504020204" pitchFamily="34" charset="0"/>
+              </a:rPr>
+              <a:t>4</a:t>
+            </a:r>
+            <a:r>
+              <a:rPr lang="tr-TR" sz="1100" dirty="0">
+                <a:solidFill>
+                  <a:schemeClr val="tx1"/>
+                </a:solidFill>
+                <a:latin typeface="Lucida Sans" panose="020B0602030504020204" pitchFamily="34" charset="0"/>
+              </a:rPr>
+              <a:t>,</a:t>
+            </a:r>
+            <a:r>
+              <a:rPr lang="en-US" sz="1100" dirty="0">
+                <a:solidFill>
+                  <a:schemeClr val="tx1"/>
+                </a:solidFill>
+                <a:latin typeface="Lucida Sans" panose="020B0602030504020204" pitchFamily="34" charset="0"/>
+              </a:rPr>
+              <a:t>5</a:t>
+            </a:r>
+            <a:r>
+              <a:rPr lang="tr-TR" sz="1100" dirty="0">
+                <a:solidFill>
+                  <a:schemeClr val="tx1"/>
+                </a:solidFill>
+                <a:latin typeface="Lucida Sans" panose="020B0602030504020204" pitchFamily="34" charset="0"/>
+              </a:rPr>
+              <a:t>)</a:t>
+            </a:r>
+            <a:endParaRPr lang="en-AT" sz="1100" dirty="0">
+              <a:solidFill>
+                <a:schemeClr val="tx1"/>
+              </a:solidFill>
+              <a:latin typeface="Lucida Sans" panose="020B0602030504020204" pitchFamily="34" charset="0"/>
+            </a:endParaRPr>
+          </a:p>
+        </p:txBody>
+      </p:sp>
+    </p:spTree>
+    <p:extLst>
+      <p:ext uri="{BB962C8B-B14F-4D97-AF65-F5344CB8AC3E}">
+        <p14:creationId xmlns:p14="http://schemas.microsoft.com/office/powerpoint/2010/main" val="2273598846"/>
+      </p:ext>
+    </p:extLst>
+  </p:cSld>
+  <p:clrMapOvr>
+    <a:masterClrMapping/>
+  </p:clrMapOvr>
+  <p:timing>
+    <p:tnLst>
+      <p:par>
+        <p:cTn id="1" dur="indefinite" restart="never" nodeType="tmRoot">
+          <p:childTnLst>
+            <p:seq>
+              <p:cTn id="2" dur="indefinite" nodeType="mainSeq"/>
+              <p:prevCondLst>
+                <p:cond evt="onPrev" delay="0">
+                  <p:tgtEl>
+                    <p:sldTgt/>
+                  </p:tgtEl>
+                </p:cond>
+              </p:prevCondLst>
+              <p:nextCondLst>
+                <p:cond evt="onNext" delay="0">
+                  <p:tgtEl>
+                    <p:sldTgt/>
+                  </p:tgtEl>
+                </p:cond>
+              </p:nextCondLst>
+            </p:seq>
+          </p:childTnLst>
+        </p:cTn>
+      </p:par>
+    </p:tnLst>
+  </p:timing>
+</p:sld>
+</file>
+
+<file path=ppt/slides/slide4.xml><?xml version="1.0" encoding="utf-8"?>
+<p:sld xmlns:a="http://schemas.openxmlformats.org/drawingml/2006/main" xmlns:r="http://schemas.openxmlformats.org/officeDocument/2006/relationships" xmlns:p="http://schemas.openxmlformats.org/presentationml/2006/main">
+  <p:cSld>
+    <p:spTree>
+      <p:nvGrpSpPr>
+        <p:cNvPr id="1" name=""/>
+        <p:cNvGrpSpPr/>
+        <p:nvPr/>
+      </p:nvGrpSpPr>
+      <p:grpSpPr>
+        <a:xfrm>
+          <a:off x="0" y="0"/>
+          <a:ext cx="0" cy="0"/>
+          <a:chOff x="0" y="0"/>
+          <a:chExt cx="0" cy="0"/>
+        </a:xfrm>
+      </p:grpSpPr>
+      <p:grpSp>
+        <p:nvGrpSpPr>
           <p:cNvPr id="2" name="Group 1">
             <a:extLst>
               <a:ext uri="{FF2B5EF4-FFF2-40B4-BE49-F238E27FC236}">
@@ -5618,7 +9337,7 @@
 </p:sld>
 </file>
 
-<file path=ppt/slides/slide3.xml><?xml version="1.0" encoding="utf-8"?>
+<file path=ppt/slides/slide5.xml><?xml version="1.0" encoding="utf-8"?>
 <p:sld xmlns:a="http://schemas.openxmlformats.org/drawingml/2006/main" xmlns:r="http://schemas.openxmlformats.org/officeDocument/2006/relationships" xmlns:p="http://schemas.openxmlformats.org/presentationml/2006/main">
   <p:cSld>
     <p:spTree>
@@ -5662,7 +9381,7 @@
             <p:nvPr>
               <p:extLst>
                 <p:ext uri="{D42A27DB-BD31-4B8C-83A1-F6EECF244321}">
-                  <p14:modId xmlns:p14="http://schemas.microsoft.com/office/powerpoint/2010/main" val="3094735393"/>
+                  <p14:modId xmlns:p14="http://schemas.microsoft.com/office/powerpoint/2010/main" val="1503287311"/>
                 </p:ext>
               </p:extLst>
             </p:nvPr>
@@ -6043,17 +9762,7 @@
                         <a:endParaRPr lang="en-AT"/>
                       </a:p>
                     </a:txBody>
-                    <a:tcPr>
-                      <a:lnL w="12700" cap="flat" cmpd="sng" algn="ctr">
-                        <a:solidFill>
-                          <a:schemeClr val="tx1"/>
-                        </a:solidFill>
-                        <a:prstDash val="solid"/>
-                        <a:round/>
-                        <a:headEnd type="none" w="med" len="med"/>
-                        <a:tailEnd type="none" w="med" len="med"/>
-                      </a:lnL>
-                    </a:tcPr>
+                    <a:tcPr/>
                   </a:tc>
                   <a:tc>
                     <a:txBody>
@@ -6249,7 +9958,7 @@
                       <a:p>
                         <a:pPr algn="ctr"/>
                         <a:r>
-                          <a:rPr lang="tr-TR" sz="1600" b="0" strike="noStrike" spc="-1" dirty="0">
+                          <a:rPr lang="tr-TR" sz="1600" b="0" strike="noStrike" spc="-1">
                             <a:latin typeface="Lucida Sans" panose="020B0602030504020204" pitchFamily="34" charset="0"/>
                           </a:rPr>
                           <a:t>3⋅7</a:t>
@@ -9326,6 +13035,110 @@
           </p:txBody>
         </p:sp>
       </p:grpSp>
+      <p:sp>
+        <p:nvSpPr>
+          <p:cNvPr id="2" name="Rectangle: Rounded Corners 1">
+            <a:extLst>
+              <a:ext uri="{FF2B5EF4-FFF2-40B4-BE49-F238E27FC236}">
+                <a16:creationId xmlns:a16="http://schemas.microsoft.com/office/drawing/2014/main" id="{64682DFE-1BE6-F6EC-8224-D521A52CB415}"/>
+              </a:ext>
+            </a:extLst>
+          </p:cNvPr>
+          <p:cNvSpPr/>
+          <p:nvPr/>
+        </p:nvSpPr>
+        <p:spPr>
+          <a:xfrm>
+            <a:off x="7081036" y="891059"/>
+            <a:ext cx="2880000" cy="144000"/>
+          </a:xfrm>
+          <a:prstGeom prst="roundRect">
+            <a:avLst/>
+          </a:prstGeom>
+          <a:solidFill>
+            <a:srgbClr val="FF0000">
+              <a:alpha val="30000"/>
+            </a:srgbClr>
+          </a:solidFill>
+          <a:ln>
+            <a:noFill/>
+          </a:ln>
+        </p:spPr>
+        <p:style>
+          <a:lnRef idx="0">
+            <a:scrgbClr r="0" g="0" b="0"/>
+          </a:lnRef>
+          <a:fillRef idx="0">
+            <a:scrgbClr r="0" g="0" b="0"/>
+          </a:fillRef>
+          <a:effectRef idx="0">
+            <a:scrgbClr r="0" g="0" b="0"/>
+          </a:effectRef>
+          <a:fontRef idx="minor">
+            <a:schemeClr val="lt1"/>
+          </a:fontRef>
+        </p:style>
+        <p:txBody>
+          <a:bodyPr rtlCol="0" anchor="ctr"/>
+          <a:lstStyle/>
+          <a:p>
+            <a:pPr algn="ctr"/>
+            <a:endParaRPr lang="en-AT" dirty="0"/>
+          </a:p>
+        </p:txBody>
+      </p:sp>
+      <p:sp>
+        <p:nvSpPr>
+          <p:cNvPr id="5" name="Rectangle: Rounded Corners 4">
+            <a:extLst>
+              <a:ext uri="{FF2B5EF4-FFF2-40B4-BE49-F238E27FC236}">
+                <a16:creationId xmlns:a16="http://schemas.microsoft.com/office/drawing/2014/main" id="{27625591-C19B-AF67-81A6-B54CA68BC88F}"/>
+              </a:ext>
+            </a:extLst>
+          </p:cNvPr>
+          <p:cNvSpPr/>
+          <p:nvPr/>
+        </p:nvSpPr>
+        <p:spPr>
+          <a:xfrm>
+            <a:off x="7053018" y="1549395"/>
+            <a:ext cx="2883840" cy="144000"/>
+          </a:xfrm>
+          <a:prstGeom prst="roundRect">
+            <a:avLst/>
+          </a:prstGeom>
+          <a:solidFill>
+            <a:srgbClr val="0070C0">
+              <a:alpha val="30000"/>
+            </a:srgbClr>
+          </a:solidFill>
+          <a:ln>
+            <a:noFill/>
+          </a:ln>
+        </p:spPr>
+        <p:style>
+          <a:lnRef idx="0">
+            <a:scrgbClr r="0" g="0" b="0"/>
+          </a:lnRef>
+          <a:fillRef idx="0">
+            <a:scrgbClr r="0" g="0" b="0"/>
+          </a:fillRef>
+          <a:effectRef idx="0">
+            <a:scrgbClr r="0" g="0" b="0"/>
+          </a:effectRef>
+          <a:fontRef idx="minor">
+            <a:schemeClr val="lt1"/>
+          </a:fontRef>
+        </p:style>
+        <p:txBody>
+          <a:bodyPr rtlCol="0" anchor="ctr"/>
+          <a:lstStyle/>
+          <a:p>
+            <a:pPr algn="ctr"/>
+            <a:endParaRPr lang="en-AT" dirty="0"/>
+          </a:p>
+        </p:txBody>
+      </p:sp>
     </p:spTree>
   </p:cSld>
   <p:clrMapOvr>
@@ -9361,7 +13174,3351 @@
 </p:sld>
 </file>
 
-<file path=ppt/slides/slide4.xml><?xml version="1.0" encoding="utf-8"?>
+<file path=ppt/slides/slide6.xml><?xml version="1.0" encoding="utf-8"?>
+<p:sld xmlns:a="http://schemas.openxmlformats.org/drawingml/2006/main" xmlns:r="http://schemas.openxmlformats.org/officeDocument/2006/relationships" xmlns:p="http://schemas.openxmlformats.org/presentationml/2006/main">
+  <p:cSld>
+    <p:spTree>
+      <p:nvGrpSpPr>
+        <p:cNvPr id="1" name=""/>
+        <p:cNvGrpSpPr/>
+        <p:nvPr/>
+      </p:nvGrpSpPr>
+      <p:grpSpPr>
+        <a:xfrm>
+          <a:off x="0" y="0"/>
+          <a:ext cx="0" cy="0"/>
+          <a:chOff x="0" y="0"/>
+          <a:chExt cx="0" cy="0"/>
+        </a:xfrm>
+      </p:grpSpPr>
+      <p:grpSp>
+        <p:nvGrpSpPr>
+          <p:cNvPr id="11" name="Group 10">
+            <a:extLst>
+              <a:ext uri="{FF2B5EF4-FFF2-40B4-BE49-F238E27FC236}">
+                <a16:creationId xmlns:a16="http://schemas.microsoft.com/office/drawing/2014/main" id="{C9E8B080-97F5-166F-EDD0-41CD956B0E9A}"/>
+              </a:ext>
+            </a:extLst>
+          </p:cNvPr>
+          <p:cNvGrpSpPr/>
+          <p:nvPr/>
+        </p:nvGrpSpPr>
+        <p:grpSpPr>
+          <a:xfrm>
+            <a:off x="215776" y="690801"/>
+            <a:ext cx="6809734" cy="1637931"/>
+            <a:chOff x="215776" y="0"/>
+            <a:chExt cx="6809734" cy="1637931"/>
+          </a:xfrm>
+        </p:grpSpPr>
+        <p:graphicFrame>
+          <p:nvGraphicFramePr>
+            <p:cNvPr id="41" name="Table 1"/>
+            <p:cNvGraphicFramePr/>
+            <p:nvPr>
+              <p:extLst>
+                <p:ext uri="{D42A27DB-BD31-4B8C-83A1-F6EECF244321}">
+                  <p14:modId xmlns:p14="http://schemas.microsoft.com/office/powerpoint/2010/main" val="2984363207"/>
+                </p:ext>
+              </p:extLst>
+            </p:nvPr>
+          </p:nvGraphicFramePr>
+          <p:xfrm>
+            <a:off x="719832" y="267825"/>
+            <a:ext cx="6029312" cy="1370106"/>
+          </p:xfrm>
+          <a:graphic>
+            <a:graphicData uri="http://schemas.openxmlformats.org/drawingml/2006/table">
+              <a:tbl>
+                <a:tblPr/>
+                <a:tblGrid>
+                  <a:gridCol w="563760">
+                    <a:extLst>
+                      <a:ext uri="{9D8B030D-6E8A-4147-A177-3AD203B41FA5}">
+                        <a16:colId xmlns:a16="http://schemas.microsoft.com/office/drawing/2014/main" val="20000"/>
+                      </a:ext>
+                    </a:extLst>
+                  </a:gridCol>
+                  <a:gridCol w="683194">
+                    <a:extLst>
+                      <a:ext uri="{9D8B030D-6E8A-4147-A177-3AD203B41FA5}">
+                        <a16:colId xmlns:a16="http://schemas.microsoft.com/office/drawing/2014/main" val="20001"/>
+                      </a:ext>
+                    </a:extLst>
+                  </a:gridCol>
+                  <a:gridCol w="1366388">
+                    <a:extLst>
+                      <a:ext uri="{9D8B030D-6E8A-4147-A177-3AD203B41FA5}">
+                        <a16:colId xmlns:a16="http://schemas.microsoft.com/office/drawing/2014/main" val="631010376"/>
+                      </a:ext>
+                    </a:extLst>
+                  </a:gridCol>
+                  <a:gridCol w="683194">
+                    <a:extLst>
+                      <a:ext uri="{9D8B030D-6E8A-4147-A177-3AD203B41FA5}">
+                        <a16:colId xmlns:a16="http://schemas.microsoft.com/office/drawing/2014/main" val="1589198278"/>
+                      </a:ext>
+                    </a:extLst>
+                  </a:gridCol>
+                  <a:gridCol w="683194">
+                    <a:extLst>
+                      <a:ext uri="{9D8B030D-6E8A-4147-A177-3AD203B41FA5}">
+                        <a16:colId xmlns:a16="http://schemas.microsoft.com/office/drawing/2014/main" val="2317427843"/>
+                      </a:ext>
+                    </a:extLst>
+                  </a:gridCol>
+                  <a:gridCol w="1366388">
+                    <a:extLst>
+                      <a:ext uri="{9D8B030D-6E8A-4147-A177-3AD203B41FA5}">
+                        <a16:colId xmlns:a16="http://schemas.microsoft.com/office/drawing/2014/main" val="1950255188"/>
+                      </a:ext>
+                    </a:extLst>
+                  </a:gridCol>
+                  <a:gridCol w="683194">
+                    <a:extLst>
+                      <a:ext uri="{9D8B030D-6E8A-4147-A177-3AD203B41FA5}">
+                        <a16:colId xmlns:a16="http://schemas.microsoft.com/office/drawing/2014/main" val="3739984381"/>
+                      </a:ext>
+                    </a:extLst>
+                  </a:gridCol>
+                </a:tblGrid>
+                <a:tr h="191186">
+                  <a:tc rowSpan="2">
+                    <a:txBody>
+                      <a:bodyPr/>
+                      <a:lstStyle/>
+                      <a:p>
+                        <a:pPr algn="ctr"/>
+                        <a:endParaRPr lang="en-US" sz="900" b="0" strike="noStrike" spc="-1" dirty="0">
+                          <a:latin typeface="Lucida Sans" panose="020B0602030504020204" pitchFamily="34" charset="0"/>
+                        </a:endParaRPr>
+                      </a:p>
+                      <a:p>
+                        <a:pPr algn="ctr"/>
+                        <a:r>
+                          <a:rPr lang="en-US" sz="1600" b="0" strike="noStrike" spc="-1" dirty="0">
+                            <a:latin typeface="Lucida Sans" panose="020B0602030504020204" pitchFamily="34" charset="0"/>
+                          </a:rPr>
+                          <a:t>x</a:t>
+                        </a:r>
+                        <a:r>
+                          <a:rPr lang="en-US" sz="1600" b="0" strike="noStrike" spc="-1" baseline="-25000" dirty="0">
+                            <a:latin typeface="Lucida Sans" panose="020B0602030504020204" pitchFamily="34" charset="0"/>
+                          </a:rPr>
+                          <a:t>1</a:t>
+                        </a:r>
+                      </a:p>
+                    </a:txBody>
+                    <a:tcPr marL="90000" marR="90000">
+                      <a:lnL w="12700" cap="flat" cmpd="sng" algn="ctr">
+                        <a:solidFill>
+                          <a:schemeClr val="tx1"/>
+                        </a:solidFill>
+                        <a:prstDash val="solid"/>
+                        <a:round/>
+                        <a:headEnd type="none" w="med" len="med"/>
+                        <a:tailEnd type="none" w="med" len="med"/>
+                      </a:lnL>
+                      <a:lnR w="12700" cap="flat" cmpd="sng" algn="ctr">
+                        <a:solidFill>
+                          <a:schemeClr val="tx1"/>
+                        </a:solidFill>
+                        <a:prstDash val="solid"/>
+                        <a:round/>
+                        <a:headEnd type="none" w="med" len="med"/>
+                        <a:tailEnd type="none" w="med" len="med"/>
+                      </a:lnR>
+                      <a:lnT w="12700" cap="flat" cmpd="sng" algn="ctr">
+                        <a:solidFill>
+                          <a:schemeClr val="tx1"/>
+                        </a:solidFill>
+                        <a:prstDash val="solid"/>
+                        <a:round/>
+                        <a:headEnd type="none" w="med" len="med"/>
+                        <a:tailEnd type="none" w="med" len="med"/>
+                      </a:lnT>
+                      <a:lnB w="12700" cap="flat" cmpd="sng" algn="ctr">
+                        <a:solidFill>
+                          <a:schemeClr val="tx1"/>
+                        </a:solidFill>
+                        <a:prstDash val="solid"/>
+                        <a:round/>
+                        <a:headEnd type="none" w="med" len="med"/>
+                        <a:tailEnd type="none" w="med" len="med"/>
+                      </a:lnB>
+                      <a:lnTlToBr w="12700" cmpd="sng">
+                        <a:noFill/>
+                        <a:prstDash val="solid"/>
+                      </a:lnTlToBr>
+                      <a:lnBlToTr w="12700" cmpd="sng">
+                        <a:noFill/>
+                        <a:prstDash val="solid"/>
+                      </a:lnBlToTr>
+                      <a:solidFill>
+                        <a:srgbClr val="FFB2B2"/>
+                      </a:solidFill>
+                    </a:tcPr>
+                  </a:tc>
+                  <a:tc gridSpan="3">
+                    <a:txBody>
+                      <a:bodyPr/>
+                      <a:lstStyle/>
+                      <a:p>
+                        <a:pPr marL="0" marR="0" lvl="0" indent="0" algn="ctr" defTabSz="914400" rtl="0" eaLnBrk="1" fontAlgn="auto" latinLnBrk="0" hangingPunct="1">
+                          <a:lnSpc>
+                            <a:spcPct val="100000"/>
+                          </a:lnSpc>
+                          <a:spcBef>
+                            <a:spcPts val="0"/>
+                          </a:spcBef>
+                          <a:spcAft>
+                            <a:spcPts val="0"/>
+                          </a:spcAft>
+                          <a:buClrTx/>
+                          <a:buSzTx/>
+                          <a:buFontTx/>
+                          <a:buNone/>
+                          <a:tabLst/>
+                          <a:defRPr/>
+                        </a:pPr>
+                        <a:r>
+                          <a:rPr lang="en-US" sz="1600" dirty="0">
+                            <a:latin typeface="Lucida Sans" panose="020B0602030504020204" pitchFamily="34" charset="0"/>
+                          </a:rPr>
+                          <a:t>0</a:t>
+                        </a:r>
+                        <a:r>
+                          <a:rPr lang="en-US" sz="1600" b="0" strike="noStrike" spc="-1" dirty="0">
+                            <a:latin typeface="Lucida Sans" panose="020B0602030504020204" pitchFamily="34" charset="0"/>
+                          </a:rPr>
+                          <a:t>⋅1</a:t>
+                        </a:r>
+                        <a:endParaRPr lang="en-AT" sz="1600" dirty="0">
+                          <a:latin typeface="Lucida Sans" panose="020B0602030504020204" pitchFamily="34" charset="0"/>
+                        </a:endParaRPr>
+                      </a:p>
+                    </a:txBody>
+                    <a:tcPr marL="90000" marR="90000">
+                      <a:lnL w="12700" cap="flat" cmpd="sng" algn="ctr">
+                        <a:solidFill>
+                          <a:schemeClr val="tx1"/>
+                        </a:solidFill>
+                        <a:prstDash val="solid"/>
+                        <a:round/>
+                        <a:headEnd type="none" w="med" len="med"/>
+                        <a:tailEnd type="none" w="med" len="med"/>
+                      </a:lnL>
+                      <a:lnR w="12700" cap="flat" cmpd="sng" algn="ctr">
+                        <a:solidFill>
+                          <a:schemeClr val="tx1"/>
+                        </a:solidFill>
+                        <a:prstDash val="solid"/>
+                        <a:round/>
+                        <a:headEnd type="none" w="med" len="med"/>
+                        <a:tailEnd type="none" w="med" len="med"/>
+                      </a:lnR>
+                      <a:lnT w="12700" cap="flat" cmpd="sng" algn="ctr">
+                        <a:solidFill>
+                          <a:schemeClr val="tx1"/>
+                        </a:solidFill>
+                        <a:prstDash val="solid"/>
+                        <a:round/>
+                        <a:headEnd type="none" w="med" len="med"/>
+                        <a:tailEnd type="none" w="med" len="med"/>
+                      </a:lnT>
+                      <a:lnB w="12700" cap="flat" cmpd="sng" algn="ctr">
+                        <a:solidFill>
+                          <a:schemeClr val="tx1"/>
+                        </a:solidFill>
+                        <a:prstDash val="solid"/>
+                        <a:round/>
+                        <a:headEnd type="none" w="med" len="med"/>
+                        <a:tailEnd type="none" w="med" len="med"/>
+                      </a:lnB>
+                      <a:lnTlToBr w="12700" cmpd="sng">
+                        <a:noFill/>
+                        <a:prstDash val="solid"/>
+                      </a:lnTlToBr>
+                      <a:lnBlToTr w="12700" cmpd="sng">
+                        <a:noFill/>
+                        <a:prstDash val="solid"/>
+                      </a:lnBlToTr>
+                      <a:solidFill>
+                        <a:srgbClr val="FFB2B2"/>
+                      </a:solidFill>
+                    </a:tcPr>
+                  </a:tc>
+                  <a:tc hMerge="1">
+                    <a:txBody>
+                      <a:bodyPr/>
+                      <a:lstStyle/>
+                      <a:p>
+                        <a:pPr algn="ctr"/>
+                        <a:endParaRPr lang="en-AT" dirty="0"/>
+                      </a:p>
+                    </a:txBody>
+                    <a:tcPr marL="90000" marR="90000">
+                      <a:lnT w="12700" cap="flat" cmpd="sng" algn="ctr">
+                        <a:noFill/>
+                        <a:prstDash val="solid"/>
+                        <a:round/>
+                        <a:headEnd type="none" w="med" len="med"/>
+                        <a:tailEnd type="none" w="med" len="med"/>
+                      </a:lnT>
+                      <a:lnB w="12700" cap="flat" cmpd="sng" algn="ctr">
+                        <a:solidFill>
+                          <a:schemeClr val="tx1"/>
+                        </a:solidFill>
+                        <a:prstDash val="solid"/>
+                        <a:round/>
+                        <a:headEnd type="none" w="med" len="med"/>
+                        <a:tailEnd type="none" w="med" len="med"/>
+                      </a:lnB>
+                      <a:lnTlToBr w="12700" cmpd="sng">
+                        <a:noFill/>
+                        <a:prstDash val="solid"/>
+                      </a:lnTlToBr>
+                      <a:lnBlToTr w="12700" cmpd="sng">
+                        <a:noFill/>
+                        <a:prstDash val="solid"/>
+                      </a:lnBlToTr>
+                      <a:solidFill>
+                        <a:srgbClr val="FFB2B2"/>
+                      </a:solidFill>
+                    </a:tcPr>
+                  </a:tc>
+                  <a:tc hMerge="1">
+                    <a:txBody>
+                      <a:bodyPr/>
+                      <a:lstStyle/>
+                      <a:p>
+                        <a:pPr algn="ctr"/>
+                        <a:endParaRPr lang="en-AT" dirty="0"/>
+                      </a:p>
+                    </a:txBody>
+                    <a:tcPr marL="90000" marR="90000">
+                      <a:lnT w="12700" cap="flat" cmpd="sng" algn="ctr">
+                        <a:noFill/>
+                        <a:prstDash val="solid"/>
+                        <a:round/>
+                        <a:headEnd type="none" w="med" len="med"/>
+                        <a:tailEnd type="none" w="med" len="med"/>
+                      </a:lnT>
+                      <a:lnB w="12700" cap="flat" cmpd="sng" algn="ctr">
+                        <a:solidFill>
+                          <a:schemeClr val="tx1"/>
+                        </a:solidFill>
+                        <a:prstDash val="solid"/>
+                        <a:round/>
+                        <a:headEnd type="none" w="med" len="med"/>
+                        <a:tailEnd type="none" w="med" len="med"/>
+                      </a:lnB>
+                      <a:lnTlToBr w="12700" cmpd="sng">
+                        <a:noFill/>
+                        <a:prstDash val="solid"/>
+                      </a:lnTlToBr>
+                      <a:lnBlToTr w="12700" cmpd="sng">
+                        <a:noFill/>
+                        <a:prstDash val="solid"/>
+                      </a:lnBlToTr>
+                      <a:solidFill>
+                        <a:srgbClr val="FFB2B2"/>
+                      </a:solidFill>
+                    </a:tcPr>
+                  </a:tc>
+                  <a:tc gridSpan="2">
+                    <a:txBody>
+                      <a:bodyPr/>
+                      <a:lstStyle/>
+                      <a:p>
+                        <a:pPr algn="ctr"/>
+                        <a:endParaRPr lang="en-AT" sz="1600" dirty="0">
+                          <a:latin typeface="Lucida Sans" panose="020B0602030504020204" pitchFamily="34" charset="0"/>
+                        </a:endParaRPr>
+                      </a:p>
+                    </a:txBody>
+                    <a:tcPr marL="90000" marR="90000">
+                      <a:lnL w="12700" cap="flat" cmpd="sng" algn="ctr">
+                        <a:solidFill>
+                          <a:schemeClr val="tx1"/>
+                        </a:solidFill>
+                        <a:prstDash val="solid"/>
+                        <a:round/>
+                        <a:headEnd type="none" w="med" len="med"/>
+                        <a:tailEnd type="none" w="med" len="med"/>
+                      </a:lnL>
+                      <a:lnR w="12700" cap="flat" cmpd="sng" algn="ctr">
+                        <a:solidFill>
+                          <a:schemeClr val="tx1"/>
+                        </a:solidFill>
+                        <a:prstDash val="solid"/>
+                        <a:round/>
+                        <a:headEnd type="none" w="med" len="med"/>
+                        <a:tailEnd type="none" w="med" len="med"/>
+                      </a:lnR>
+                      <a:lnT w="12700" cap="flat" cmpd="sng" algn="ctr">
+                        <a:solidFill>
+                          <a:schemeClr val="tx1"/>
+                        </a:solidFill>
+                        <a:prstDash val="solid"/>
+                        <a:round/>
+                        <a:headEnd type="none" w="med" len="med"/>
+                        <a:tailEnd type="none" w="med" len="med"/>
+                      </a:lnT>
+                      <a:lnB w="12700" cap="flat" cmpd="sng" algn="ctr">
+                        <a:solidFill>
+                          <a:schemeClr val="tx1"/>
+                        </a:solidFill>
+                        <a:prstDash val="solid"/>
+                        <a:round/>
+                        <a:headEnd type="none" w="med" len="med"/>
+                        <a:tailEnd type="none" w="med" len="med"/>
+                      </a:lnB>
+                      <a:lnTlToBr w="12700" cmpd="sng">
+                        <a:noFill/>
+                        <a:prstDash val="solid"/>
+                      </a:lnTlToBr>
+                      <a:lnBlToTr w="12700" cmpd="sng">
+                        <a:noFill/>
+                        <a:prstDash val="solid"/>
+                      </a:lnBlToTr>
+                      <a:solidFill>
+                        <a:schemeClr val="bg1"/>
+                      </a:solidFill>
+                    </a:tcPr>
+                  </a:tc>
+                  <a:tc hMerge="1">
+                    <a:txBody>
+                      <a:bodyPr/>
+                      <a:lstStyle/>
+                      <a:p>
+                        <a:pPr algn="ctr"/>
+                        <a:endParaRPr lang="en-AT" dirty="0"/>
+                      </a:p>
+                    </a:txBody>
+                    <a:tcPr marL="90000" marR="90000">
+                      <a:lnT w="12700" cap="flat" cmpd="sng" algn="ctr">
+                        <a:noFill/>
+                        <a:prstDash val="solid"/>
+                        <a:round/>
+                        <a:headEnd type="none" w="med" len="med"/>
+                        <a:tailEnd type="none" w="med" len="med"/>
+                      </a:lnT>
+                      <a:lnB w="12700" cap="flat" cmpd="sng" algn="ctr">
+                        <a:solidFill>
+                          <a:schemeClr val="tx1"/>
+                        </a:solidFill>
+                        <a:prstDash val="solid"/>
+                        <a:round/>
+                        <a:headEnd type="none" w="med" len="med"/>
+                        <a:tailEnd type="none" w="med" len="med"/>
+                      </a:lnB>
+                      <a:lnTlToBr w="12700" cmpd="sng">
+                        <a:noFill/>
+                        <a:prstDash val="solid"/>
+                      </a:lnTlToBr>
+                      <a:lnBlToTr w="12700" cmpd="sng">
+                        <a:noFill/>
+                        <a:prstDash val="solid"/>
+                      </a:lnBlToTr>
+                      <a:solidFill>
+                        <a:srgbClr val="FFB2B2"/>
+                      </a:solidFill>
+                    </a:tcPr>
+                  </a:tc>
+                  <a:tc rowSpan="2">
+                    <a:txBody>
+                      <a:bodyPr/>
+                      <a:lstStyle/>
+                      <a:p>
+                        <a:pPr algn="ctr"/>
+                        <a:endParaRPr lang="en-US" sz="900" dirty="0">
+                          <a:latin typeface="Lucida Sans" panose="020B0602030504020204" pitchFamily="34" charset="0"/>
+                        </a:endParaRPr>
+                      </a:p>
+                      <a:p>
+                        <a:pPr algn="ctr"/>
+                        <a:r>
+                          <a:rPr lang="en-US" sz="1600" dirty="0">
+                            <a:latin typeface="Lucida Sans" panose="020B0602030504020204" pitchFamily="34" charset="0"/>
+                          </a:rPr>
+                          <a:t>0</a:t>
+                        </a:r>
+                        <a:endParaRPr lang="en-AT" sz="1600" dirty="0">
+                          <a:latin typeface="Lucida Sans" panose="020B0602030504020204" pitchFamily="34" charset="0"/>
+                        </a:endParaRPr>
+                      </a:p>
+                    </a:txBody>
+                    <a:tcPr marL="90000" marR="90000">
+                      <a:lnL w="12700" cap="flat" cmpd="sng" algn="ctr">
+                        <a:solidFill>
+                          <a:schemeClr val="tx1"/>
+                        </a:solidFill>
+                        <a:prstDash val="solid"/>
+                        <a:round/>
+                        <a:headEnd type="none" w="med" len="med"/>
+                        <a:tailEnd type="none" w="med" len="med"/>
+                      </a:lnL>
+                      <a:lnR w="12700" cap="flat" cmpd="sng" algn="ctr">
+                        <a:solidFill>
+                          <a:schemeClr val="tx1"/>
+                        </a:solidFill>
+                        <a:prstDash val="solid"/>
+                        <a:round/>
+                        <a:headEnd type="none" w="med" len="med"/>
+                        <a:tailEnd type="none" w="med" len="med"/>
+                      </a:lnR>
+                      <a:lnT w="12700" cap="flat" cmpd="sng" algn="ctr">
+                        <a:solidFill>
+                          <a:schemeClr val="tx1"/>
+                        </a:solidFill>
+                        <a:prstDash val="solid"/>
+                        <a:round/>
+                        <a:headEnd type="none" w="med" len="med"/>
+                        <a:tailEnd type="none" w="med" len="med"/>
+                      </a:lnT>
+                      <a:lnB w="12700" cap="flat" cmpd="sng" algn="ctr">
+                        <a:solidFill>
+                          <a:schemeClr val="tx1"/>
+                        </a:solidFill>
+                        <a:prstDash val="solid"/>
+                        <a:round/>
+                        <a:headEnd type="none" w="med" len="med"/>
+                        <a:tailEnd type="none" w="med" len="med"/>
+                      </a:lnB>
+                      <a:lnTlToBr w="12700" cmpd="sng">
+                        <a:noFill/>
+                        <a:prstDash val="solid"/>
+                      </a:lnTlToBr>
+                      <a:lnBlToTr w="12700" cmpd="sng">
+                        <a:noFill/>
+                        <a:prstDash val="solid"/>
+                      </a:lnBlToTr>
+                      <a:solidFill>
+                        <a:srgbClr val="FFB2B2"/>
+                      </a:solidFill>
+                    </a:tcPr>
+                  </a:tc>
+                  <a:extLst>
+                    <a:ext uri="{0D108BD9-81ED-4DB2-BD59-A6C34878D82A}">
+                      <a16:rowId xmlns:a16="http://schemas.microsoft.com/office/drawing/2014/main" val="10000"/>
+                    </a:ext>
+                  </a:extLst>
+                </a:tr>
+                <a:tr h="0">
+                  <a:tc vMerge="1">
+                    <a:txBody>
+                      <a:bodyPr/>
+                      <a:lstStyle/>
+                      <a:p>
+                        <a:endParaRPr lang="en-AT"/>
+                      </a:p>
+                    </a:txBody>
+                    <a:tcPr/>
+                  </a:tc>
+                  <a:tc gridSpan="2">
+                    <a:txBody>
+                      <a:bodyPr/>
+                      <a:lstStyle/>
+                      <a:p>
+                        <a:pPr algn="ctr"/>
+                        <a:endParaRPr lang="en-AT" sz="1600" dirty="0">
+                          <a:latin typeface="Lucida Sans" panose="020B0602030504020204" pitchFamily="34" charset="0"/>
+                        </a:endParaRPr>
+                      </a:p>
+                    </a:txBody>
+                    <a:tcPr marL="90000" marR="90000">
+                      <a:lnL w="12700" cap="flat" cmpd="sng" algn="ctr">
+                        <a:solidFill>
+                          <a:schemeClr val="tx1"/>
+                        </a:solidFill>
+                        <a:prstDash val="solid"/>
+                        <a:round/>
+                        <a:headEnd type="none" w="med" len="med"/>
+                        <a:tailEnd type="none" w="med" len="med"/>
+                      </a:lnL>
+                      <a:lnR w="12700" cap="flat" cmpd="sng" algn="ctr">
+                        <a:solidFill>
+                          <a:schemeClr val="tx1"/>
+                        </a:solidFill>
+                        <a:prstDash val="solid"/>
+                        <a:round/>
+                        <a:headEnd type="none" w="med" len="med"/>
+                        <a:tailEnd type="none" w="med" len="med"/>
+                      </a:lnR>
+                      <a:lnT w="12700" cap="flat" cmpd="sng" algn="ctr">
+                        <a:solidFill>
+                          <a:schemeClr val="tx1"/>
+                        </a:solidFill>
+                        <a:prstDash val="solid"/>
+                        <a:round/>
+                        <a:headEnd type="none" w="med" len="med"/>
+                        <a:tailEnd type="none" w="med" len="med"/>
+                      </a:lnT>
+                      <a:lnB w="12700" cap="flat" cmpd="sng" algn="ctr">
+                        <a:solidFill>
+                          <a:schemeClr val="tx1"/>
+                        </a:solidFill>
+                        <a:prstDash val="solid"/>
+                        <a:round/>
+                        <a:headEnd type="none" w="med" len="med"/>
+                        <a:tailEnd type="none" w="med" len="med"/>
+                      </a:lnB>
+                      <a:lnTlToBr w="12700" cmpd="sng">
+                        <a:noFill/>
+                        <a:prstDash val="solid"/>
+                      </a:lnTlToBr>
+                      <a:lnBlToTr w="12700" cmpd="sng">
+                        <a:noFill/>
+                        <a:prstDash val="solid"/>
+                      </a:lnBlToTr>
+                      <a:solidFill>
+                        <a:schemeClr val="bg1"/>
+                      </a:solidFill>
+                    </a:tcPr>
+                  </a:tc>
+                  <a:tc hMerge="1">
+                    <a:txBody>
+                      <a:bodyPr/>
+                      <a:lstStyle/>
+                      <a:p>
+                        <a:pPr algn="ctr"/>
+                        <a:endParaRPr lang="en-AT" dirty="0"/>
+                      </a:p>
+                    </a:txBody>
+                    <a:tcPr marL="90000" marR="90000">
+                      <a:lnT w="12700" cap="flat" cmpd="sng" algn="ctr">
+                        <a:solidFill>
+                          <a:schemeClr val="tx1"/>
+                        </a:solidFill>
+                        <a:prstDash val="solid"/>
+                        <a:round/>
+                        <a:headEnd type="none" w="med" len="med"/>
+                        <a:tailEnd type="none" w="med" len="med"/>
+                      </a:lnT>
+                      <a:lnB w="12700" cap="flat" cmpd="sng" algn="ctr">
+                        <a:solidFill>
+                          <a:schemeClr val="tx1"/>
+                        </a:solidFill>
+                        <a:prstDash val="solid"/>
+                        <a:round/>
+                        <a:headEnd type="none" w="med" len="med"/>
+                        <a:tailEnd type="none" w="med" len="med"/>
+                      </a:lnB>
+                      <a:lnTlToBr w="12700" cmpd="sng">
+                        <a:noFill/>
+                        <a:prstDash val="solid"/>
+                      </a:lnTlToBr>
+                      <a:lnBlToTr w="12700" cmpd="sng">
+                        <a:noFill/>
+                        <a:prstDash val="solid"/>
+                      </a:lnBlToTr>
+                      <a:solidFill>
+                        <a:srgbClr val="FFB2B2"/>
+                      </a:solidFill>
+                    </a:tcPr>
+                  </a:tc>
+                  <a:tc gridSpan="3">
+                    <a:txBody>
+                      <a:bodyPr/>
+                      <a:lstStyle/>
+                      <a:p>
+                        <a:pPr algn="ctr"/>
+                        <a:r>
+                          <a:rPr lang="en-US" sz="1600" dirty="0">
+                            <a:latin typeface="Lucida Sans" panose="020B0602030504020204" pitchFamily="34" charset="0"/>
+                          </a:rPr>
+                          <a:t>1</a:t>
+                        </a:r>
+                        <a:r>
+                          <a:rPr lang="en-US" sz="1600" b="0" strike="noStrike" spc="-1" dirty="0">
+                            <a:latin typeface="Lucida Sans" panose="020B0602030504020204" pitchFamily="34" charset="0"/>
+                          </a:rPr>
+                          <a:t>⋅0</a:t>
+                        </a:r>
+                        <a:endParaRPr lang="en-AT" sz="1600" dirty="0">
+                          <a:latin typeface="Lucida Sans" panose="020B0602030504020204" pitchFamily="34" charset="0"/>
+                        </a:endParaRPr>
+                      </a:p>
+                    </a:txBody>
+                    <a:tcPr marL="90000" marR="90000">
+                      <a:lnL w="12700" cap="flat" cmpd="sng" algn="ctr">
+                        <a:solidFill>
+                          <a:schemeClr val="tx1"/>
+                        </a:solidFill>
+                        <a:prstDash val="solid"/>
+                        <a:round/>
+                        <a:headEnd type="none" w="med" len="med"/>
+                        <a:tailEnd type="none" w="med" len="med"/>
+                      </a:lnL>
+                      <a:lnR w="12700" cap="flat" cmpd="sng" algn="ctr">
+                        <a:solidFill>
+                          <a:schemeClr val="tx1"/>
+                        </a:solidFill>
+                        <a:prstDash val="solid"/>
+                        <a:round/>
+                        <a:headEnd type="none" w="med" len="med"/>
+                        <a:tailEnd type="none" w="med" len="med"/>
+                      </a:lnR>
+                      <a:lnT w="12700" cap="flat" cmpd="sng" algn="ctr">
+                        <a:solidFill>
+                          <a:schemeClr val="tx1"/>
+                        </a:solidFill>
+                        <a:prstDash val="solid"/>
+                        <a:round/>
+                        <a:headEnd type="none" w="med" len="med"/>
+                        <a:tailEnd type="none" w="med" len="med"/>
+                      </a:lnT>
+                      <a:lnB w="12700" cap="flat" cmpd="sng" algn="ctr">
+                        <a:solidFill>
+                          <a:schemeClr val="tx1"/>
+                        </a:solidFill>
+                        <a:prstDash val="solid"/>
+                        <a:round/>
+                        <a:headEnd type="none" w="med" len="med"/>
+                        <a:tailEnd type="none" w="med" len="med"/>
+                      </a:lnB>
+                      <a:lnTlToBr w="12700" cmpd="sng">
+                        <a:noFill/>
+                        <a:prstDash val="solid"/>
+                      </a:lnTlToBr>
+                      <a:lnBlToTr w="12700" cmpd="sng">
+                        <a:noFill/>
+                        <a:prstDash val="solid"/>
+                      </a:lnBlToTr>
+                      <a:solidFill>
+                        <a:srgbClr val="FFB2B2"/>
+                      </a:solidFill>
+                    </a:tcPr>
+                  </a:tc>
+                  <a:tc hMerge="1">
+                    <a:txBody>
+                      <a:bodyPr/>
+                      <a:lstStyle/>
+                      <a:p>
+                        <a:pPr algn="ctr"/>
+                        <a:endParaRPr lang="en-AT" dirty="0"/>
+                      </a:p>
+                    </a:txBody>
+                    <a:tcPr marL="90000" marR="90000">
+                      <a:lnT w="12700" cap="flat" cmpd="sng" algn="ctr">
+                        <a:solidFill>
+                          <a:schemeClr val="tx1"/>
+                        </a:solidFill>
+                        <a:prstDash val="solid"/>
+                        <a:round/>
+                        <a:headEnd type="none" w="med" len="med"/>
+                        <a:tailEnd type="none" w="med" len="med"/>
+                      </a:lnT>
+                      <a:lnB w="12700" cap="flat" cmpd="sng" algn="ctr">
+                        <a:solidFill>
+                          <a:schemeClr val="tx1"/>
+                        </a:solidFill>
+                        <a:prstDash val="solid"/>
+                        <a:round/>
+                        <a:headEnd type="none" w="med" len="med"/>
+                        <a:tailEnd type="none" w="med" len="med"/>
+                      </a:lnB>
+                      <a:lnTlToBr w="12700" cmpd="sng">
+                        <a:noFill/>
+                        <a:prstDash val="solid"/>
+                      </a:lnTlToBr>
+                      <a:lnBlToTr w="12700" cmpd="sng">
+                        <a:noFill/>
+                        <a:prstDash val="solid"/>
+                      </a:lnBlToTr>
+                      <a:solidFill>
+                        <a:srgbClr val="FFB2B2"/>
+                      </a:solidFill>
+                    </a:tcPr>
+                  </a:tc>
+                  <a:tc hMerge="1">
+                    <a:txBody>
+                      <a:bodyPr/>
+                      <a:lstStyle/>
+                      <a:p>
+                        <a:pPr algn="ctr"/>
+                        <a:endParaRPr lang="en-AT" dirty="0"/>
+                      </a:p>
+                    </a:txBody>
+                    <a:tcPr marL="90000" marR="90000">
+                      <a:lnT w="12700" cap="flat" cmpd="sng" algn="ctr">
+                        <a:solidFill>
+                          <a:schemeClr val="tx1"/>
+                        </a:solidFill>
+                        <a:prstDash val="solid"/>
+                        <a:round/>
+                        <a:headEnd type="none" w="med" len="med"/>
+                        <a:tailEnd type="none" w="med" len="med"/>
+                      </a:lnT>
+                      <a:lnB w="12700" cap="flat" cmpd="sng" algn="ctr">
+                        <a:solidFill>
+                          <a:schemeClr val="tx1"/>
+                        </a:solidFill>
+                        <a:prstDash val="solid"/>
+                        <a:round/>
+                        <a:headEnd type="none" w="med" len="med"/>
+                        <a:tailEnd type="none" w="med" len="med"/>
+                      </a:lnB>
+                      <a:lnTlToBr w="12700" cmpd="sng">
+                        <a:noFill/>
+                        <a:prstDash val="solid"/>
+                      </a:lnTlToBr>
+                      <a:lnBlToTr w="12700" cmpd="sng">
+                        <a:noFill/>
+                        <a:prstDash val="solid"/>
+                      </a:lnBlToTr>
+                      <a:solidFill>
+                        <a:srgbClr val="FFB2B2"/>
+                      </a:solidFill>
+                    </a:tcPr>
+                  </a:tc>
+                  <a:tc vMerge="1">
+                    <a:txBody>
+                      <a:bodyPr/>
+                      <a:lstStyle/>
+                      <a:p>
+                        <a:pPr algn="ctr"/>
+                        <a:endParaRPr lang="en-AT" dirty="0"/>
+                      </a:p>
+                    </a:txBody>
+                    <a:tcPr marL="90000" marR="90000">
+                      <a:lnT w="12700" cap="flat" cmpd="sng" algn="ctr">
+                        <a:solidFill>
+                          <a:schemeClr val="tx1"/>
+                        </a:solidFill>
+                        <a:prstDash val="solid"/>
+                        <a:round/>
+                        <a:headEnd type="none" w="med" len="med"/>
+                        <a:tailEnd type="none" w="med" len="med"/>
+                      </a:lnT>
+                      <a:lnB w="12700" cap="flat" cmpd="sng" algn="ctr">
+                        <a:solidFill>
+                          <a:schemeClr val="tx1"/>
+                        </a:solidFill>
+                        <a:prstDash val="solid"/>
+                        <a:round/>
+                        <a:headEnd type="none" w="med" len="med"/>
+                        <a:tailEnd type="none" w="med" len="med"/>
+                      </a:lnB>
+                      <a:lnTlToBr w="12700" cmpd="sng">
+                        <a:noFill/>
+                        <a:prstDash val="solid"/>
+                      </a:lnTlToBr>
+                      <a:lnBlToTr w="12700" cmpd="sng">
+                        <a:noFill/>
+                        <a:prstDash val="solid"/>
+                      </a:lnBlToTr>
+                      <a:solidFill>
+                        <a:srgbClr val="FFB2B2"/>
+                      </a:solidFill>
+                    </a:tcPr>
+                  </a:tc>
+                  <a:extLst>
+                    <a:ext uri="{0D108BD9-81ED-4DB2-BD59-A6C34878D82A}">
+                      <a16:rowId xmlns:a16="http://schemas.microsoft.com/office/drawing/2014/main" val="3403030679"/>
+                    </a:ext>
+                  </a:extLst>
+                </a:tr>
+                <a:tr h="349773">
+                  <a:tc rowSpan="2">
+                    <a:txBody>
+                      <a:bodyPr/>
+                      <a:lstStyle/>
+                      <a:p>
+                        <a:pPr algn="ctr"/>
+                        <a:endParaRPr lang="tr-TR" sz="900" b="0" strike="noStrike" spc="-1" dirty="0">
+                          <a:latin typeface="Lucida Sans" panose="020B0602030504020204" pitchFamily="34" charset="0"/>
+                        </a:endParaRPr>
+                      </a:p>
+                      <a:p>
+                        <a:pPr algn="ctr"/>
+                        <a:r>
+                          <a:rPr lang="en-US" sz="1600" b="0" strike="noStrike" spc="-1" dirty="0">
+                            <a:latin typeface="Lucida Sans" panose="020B0602030504020204" pitchFamily="34" charset="0"/>
+                          </a:rPr>
+                          <a:t>x</a:t>
+                        </a:r>
+                        <a:r>
+                          <a:rPr lang="en-US" sz="1600" b="0" strike="noStrike" spc="-1" baseline="-25000" dirty="0">
+                            <a:latin typeface="Lucida Sans" panose="020B0602030504020204" pitchFamily="34" charset="0"/>
+                          </a:rPr>
+                          <a:t>2</a:t>
+                        </a:r>
+                      </a:p>
+                    </a:txBody>
+                    <a:tcPr marL="90000" marR="90000">
+                      <a:lnL w="12700" cap="flat" cmpd="sng" algn="ctr">
+                        <a:solidFill>
+                          <a:schemeClr val="tx1"/>
+                        </a:solidFill>
+                        <a:prstDash val="solid"/>
+                        <a:round/>
+                        <a:headEnd type="none" w="med" len="med"/>
+                        <a:tailEnd type="none" w="med" len="med"/>
+                      </a:lnL>
+                      <a:lnR w="12700" cap="flat" cmpd="sng" algn="ctr">
+                        <a:solidFill>
+                          <a:schemeClr val="tx1"/>
+                        </a:solidFill>
+                        <a:prstDash val="solid"/>
+                        <a:round/>
+                        <a:headEnd type="none" w="med" len="med"/>
+                        <a:tailEnd type="none" w="med" len="med"/>
+                      </a:lnR>
+                      <a:lnT w="12700" cap="flat" cmpd="sng" algn="ctr">
+                        <a:solidFill>
+                          <a:schemeClr val="tx1"/>
+                        </a:solidFill>
+                        <a:prstDash val="solid"/>
+                        <a:round/>
+                        <a:headEnd type="none" w="med" len="med"/>
+                        <a:tailEnd type="none" w="med" len="med"/>
+                      </a:lnT>
+                      <a:lnB w="12700" cap="flat" cmpd="sng" algn="ctr">
+                        <a:solidFill>
+                          <a:schemeClr val="tx1"/>
+                        </a:solidFill>
+                        <a:prstDash val="solid"/>
+                        <a:round/>
+                        <a:headEnd type="none" w="med" len="med"/>
+                        <a:tailEnd type="none" w="med" len="med"/>
+                      </a:lnB>
+                      <a:lnTlToBr w="12700" cmpd="sng">
+                        <a:noFill/>
+                        <a:prstDash val="solid"/>
+                      </a:lnTlToBr>
+                      <a:lnBlToTr w="12700" cmpd="sng">
+                        <a:noFill/>
+                        <a:prstDash val="solid"/>
+                      </a:lnBlToTr>
+                      <a:solidFill>
+                        <a:srgbClr val="B2D4EC"/>
+                      </a:solidFill>
+                    </a:tcPr>
+                  </a:tc>
+                  <a:tc rowSpan="2">
+                    <a:txBody>
+                      <a:bodyPr/>
+                      <a:lstStyle/>
+                      <a:p>
+                        <a:pPr algn="ctr"/>
+                        <a:endParaRPr lang="en-US" sz="900" b="0" strike="noStrike" spc="-1" dirty="0">
+                          <a:latin typeface="Lucida Sans" panose="020B0602030504020204" pitchFamily="34" charset="0"/>
+                        </a:endParaRPr>
+                      </a:p>
+                      <a:p>
+                        <a:pPr algn="ctr"/>
+                        <a:r>
+                          <a:rPr lang="en-US" sz="1600" b="0" strike="noStrike" spc="-1" dirty="0">
+                            <a:latin typeface="Lucida Sans" panose="020B0602030504020204" pitchFamily="34" charset="0"/>
+                          </a:rPr>
+                          <a:t>0</a:t>
+                        </a:r>
+                      </a:p>
+                    </a:txBody>
+                    <a:tcPr marL="90000" marR="90000">
+                      <a:lnL w="12700" cap="flat" cmpd="sng" algn="ctr">
+                        <a:solidFill>
+                          <a:schemeClr val="tx1"/>
+                        </a:solidFill>
+                        <a:prstDash val="solid"/>
+                        <a:round/>
+                        <a:headEnd type="none" w="med" len="med"/>
+                        <a:tailEnd type="none" w="med" len="med"/>
+                      </a:lnL>
+                      <a:lnR w="12700" cap="flat" cmpd="sng" algn="ctr">
+                        <a:solidFill>
+                          <a:schemeClr val="tx1"/>
+                        </a:solidFill>
+                        <a:prstDash val="solid"/>
+                        <a:round/>
+                        <a:headEnd type="none" w="med" len="med"/>
+                        <a:tailEnd type="none" w="med" len="med"/>
+                      </a:lnR>
+                      <a:lnT w="12700" cap="flat" cmpd="sng" algn="ctr">
+                        <a:solidFill>
+                          <a:schemeClr val="tx1"/>
+                        </a:solidFill>
+                        <a:prstDash val="solid"/>
+                        <a:round/>
+                        <a:headEnd type="none" w="med" len="med"/>
+                        <a:tailEnd type="none" w="med" len="med"/>
+                      </a:lnT>
+                      <a:lnB w="12700" cap="flat" cmpd="sng" algn="ctr">
+                        <a:solidFill>
+                          <a:schemeClr val="tx1"/>
+                        </a:solidFill>
+                        <a:prstDash val="solid"/>
+                        <a:round/>
+                        <a:headEnd type="none" w="med" len="med"/>
+                        <a:tailEnd type="none" w="med" len="med"/>
+                      </a:lnB>
+                      <a:lnTlToBr w="12700" cmpd="sng">
+                        <a:noFill/>
+                        <a:prstDash val="solid"/>
+                      </a:lnTlToBr>
+                      <a:lnBlToTr w="12700" cmpd="sng">
+                        <a:noFill/>
+                        <a:prstDash val="solid"/>
+                      </a:lnBlToTr>
+                      <a:solidFill>
+                        <a:srgbClr val="B2D4EC"/>
+                      </a:solidFill>
+                    </a:tcPr>
+                  </a:tc>
+                  <a:tc gridSpan="3">
+                    <a:txBody>
+                      <a:bodyPr/>
+                      <a:lstStyle/>
+                      <a:p>
+                        <a:pPr algn="ctr"/>
+                        <a:r>
+                          <a:rPr lang="en-US" sz="1600" b="0" strike="noStrike" spc="-1" dirty="0">
+                            <a:latin typeface="Lucida Sans" panose="020B0602030504020204" pitchFamily="34" charset="0"/>
+                          </a:rPr>
+                          <a:t>0⋅1</a:t>
+                        </a:r>
+                      </a:p>
+                    </a:txBody>
+                    <a:tcPr marL="90000" marR="90000">
+                      <a:lnL w="12700" cap="flat" cmpd="sng" algn="ctr">
+                        <a:solidFill>
+                          <a:schemeClr val="tx1"/>
+                        </a:solidFill>
+                        <a:prstDash val="solid"/>
+                        <a:round/>
+                        <a:headEnd type="none" w="med" len="med"/>
+                        <a:tailEnd type="none" w="med" len="med"/>
+                      </a:lnL>
+                      <a:lnR w="12700" cap="flat" cmpd="sng" algn="ctr">
+                        <a:solidFill>
+                          <a:schemeClr val="tx1"/>
+                        </a:solidFill>
+                        <a:prstDash val="solid"/>
+                        <a:round/>
+                        <a:headEnd type="none" w="med" len="med"/>
+                        <a:tailEnd type="none" w="med" len="med"/>
+                      </a:lnR>
+                      <a:lnT w="12700" cap="flat" cmpd="sng" algn="ctr">
+                        <a:solidFill>
+                          <a:schemeClr val="tx1"/>
+                        </a:solidFill>
+                        <a:prstDash val="solid"/>
+                        <a:round/>
+                        <a:headEnd type="none" w="med" len="med"/>
+                        <a:tailEnd type="none" w="med" len="med"/>
+                      </a:lnT>
+                      <a:lnB w="12700" cap="flat" cmpd="sng" algn="ctr">
+                        <a:solidFill>
+                          <a:schemeClr val="tx1"/>
+                        </a:solidFill>
+                        <a:prstDash val="solid"/>
+                        <a:round/>
+                        <a:headEnd type="none" w="med" len="med"/>
+                        <a:tailEnd type="none" w="med" len="med"/>
+                      </a:lnB>
+                      <a:lnTlToBr w="12700" cmpd="sng">
+                        <a:noFill/>
+                        <a:prstDash val="solid"/>
+                      </a:lnTlToBr>
+                      <a:lnBlToTr w="12700" cmpd="sng">
+                        <a:noFill/>
+                        <a:prstDash val="solid"/>
+                      </a:lnBlToTr>
+                      <a:solidFill>
+                        <a:srgbClr val="B2D4EC"/>
+                      </a:solidFill>
+                    </a:tcPr>
+                  </a:tc>
+                  <a:tc hMerge="1">
+                    <a:txBody>
+                      <a:bodyPr/>
+                      <a:lstStyle/>
+                      <a:p>
+                        <a:pPr algn="ctr"/>
+                        <a:endParaRPr lang="en-US" sz="1100" b="0" strike="noStrike" spc="-1" dirty="0">
+                          <a:latin typeface="Lucida Sans" panose="020B0602030504020204" pitchFamily="34" charset="0"/>
+                        </a:endParaRPr>
+                      </a:p>
+                    </a:txBody>
+                    <a:tcPr marL="90000" marR="90000">
+                      <a:lnT w="12700" cap="flat" cmpd="sng" algn="ctr">
+                        <a:solidFill>
+                          <a:schemeClr val="tx1"/>
+                        </a:solidFill>
+                        <a:prstDash val="solid"/>
+                        <a:round/>
+                        <a:headEnd type="none" w="med" len="med"/>
+                        <a:tailEnd type="none" w="med" len="med"/>
+                      </a:lnT>
+                      <a:lnTlToBr w="12700" cmpd="sng">
+                        <a:noFill/>
+                        <a:prstDash val="solid"/>
+                      </a:lnTlToBr>
+                      <a:lnBlToTr w="12700" cmpd="sng">
+                        <a:noFill/>
+                        <a:prstDash val="solid"/>
+                      </a:lnBlToTr>
+                      <a:solidFill>
+                        <a:srgbClr val="B2D4EC"/>
+                      </a:solidFill>
+                    </a:tcPr>
+                  </a:tc>
+                  <a:tc hMerge="1">
+                    <a:txBody>
+                      <a:bodyPr/>
+                      <a:lstStyle/>
+                      <a:p>
+                        <a:pPr algn="ctr"/>
+                        <a:endParaRPr lang="en-US" sz="1100" b="0" strike="noStrike" spc="-1" dirty="0">
+                          <a:latin typeface="Lucida Sans" panose="020B0602030504020204" pitchFamily="34" charset="0"/>
+                        </a:endParaRPr>
+                      </a:p>
+                    </a:txBody>
+                    <a:tcPr marL="90000" marR="90000">
+                      <a:lnT w="12700" cap="flat" cmpd="sng" algn="ctr">
+                        <a:solidFill>
+                          <a:schemeClr val="tx1"/>
+                        </a:solidFill>
+                        <a:prstDash val="solid"/>
+                        <a:round/>
+                        <a:headEnd type="none" w="med" len="med"/>
+                        <a:tailEnd type="none" w="med" len="med"/>
+                      </a:lnT>
+                      <a:lnTlToBr w="12700" cmpd="sng">
+                        <a:noFill/>
+                        <a:prstDash val="solid"/>
+                      </a:lnTlToBr>
+                      <a:lnBlToTr w="12700" cmpd="sng">
+                        <a:noFill/>
+                        <a:prstDash val="solid"/>
+                      </a:lnBlToTr>
+                      <a:solidFill>
+                        <a:srgbClr val="B2D4EC"/>
+                      </a:solidFill>
+                    </a:tcPr>
+                  </a:tc>
+                  <a:tc gridSpan="2">
+                    <a:txBody>
+                      <a:bodyPr/>
+                      <a:lstStyle/>
+                      <a:p>
+                        <a:pPr algn="ctr"/>
+                        <a:endParaRPr lang="en-US" sz="1600" b="0" strike="noStrike" spc="-1" dirty="0">
+                          <a:latin typeface="Lucida Sans" panose="020B0602030504020204" pitchFamily="34" charset="0"/>
+                        </a:endParaRPr>
+                      </a:p>
+                    </a:txBody>
+                    <a:tcPr marL="90000" marR="90000">
+                      <a:lnL w="12700" cap="flat" cmpd="sng" algn="ctr">
+                        <a:solidFill>
+                          <a:schemeClr val="tx1"/>
+                        </a:solidFill>
+                        <a:prstDash val="solid"/>
+                        <a:round/>
+                        <a:headEnd type="none" w="med" len="med"/>
+                        <a:tailEnd type="none" w="med" len="med"/>
+                      </a:lnL>
+                      <a:lnR w="12700" cap="flat" cmpd="sng" algn="ctr">
+                        <a:solidFill>
+                          <a:schemeClr val="tx1"/>
+                        </a:solidFill>
+                        <a:prstDash val="solid"/>
+                        <a:round/>
+                        <a:headEnd type="none" w="med" len="med"/>
+                        <a:tailEnd type="none" w="med" len="med"/>
+                      </a:lnR>
+                      <a:lnT w="12700" cap="flat" cmpd="sng" algn="ctr">
+                        <a:solidFill>
+                          <a:schemeClr val="tx1"/>
+                        </a:solidFill>
+                        <a:prstDash val="solid"/>
+                        <a:round/>
+                        <a:headEnd type="none" w="med" len="med"/>
+                        <a:tailEnd type="none" w="med" len="med"/>
+                      </a:lnT>
+                      <a:lnB w="12700" cap="flat" cmpd="sng" algn="ctr">
+                        <a:solidFill>
+                          <a:schemeClr val="tx1"/>
+                        </a:solidFill>
+                        <a:prstDash val="solid"/>
+                        <a:round/>
+                        <a:headEnd type="none" w="med" len="med"/>
+                        <a:tailEnd type="none" w="med" len="med"/>
+                      </a:lnB>
+                      <a:lnTlToBr w="12700" cmpd="sng">
+                        <a:noFill/>
+                        <a:prstDash val="solid"/>
+                      </a:lnTlToBr>
+                      <a:lnBlToTr w="12700" cmpd="sng">
+                        <a:noFill/>
+                        <a:prstDash val="solid"/>
+                      </a:lnBlToTr>
+                      <a:solidFill>
+                        <a:schemeClr val="bg1"/>
+                      </a:solidFill>
+                    </a:tcPr>
+                  </a:tc>
+                  <a:tc hMerge="1">
+                    <a:txBody>
+                      <a:bodyPr/>
+                      <a:lstStyle/>
+                      <a:p>
+                        <a:pPr algn="ctr"/>
+                        <a:endParaRPr lang="en-US" sz="1100" b="0" strike="noStrike" spc="-1" dirty="0">
+                          <a:latin typeface="Lucida Sans" panose="020B0602030504020204" pitchFamily="34" charset="0"/>
+                        </a:endParaRPr>
+                      </a:p>
+                    </a:txBody>
+                    <a:tcPr marL="90000" marR="90000">
+                      <a:lnT w="12700" cap="flat" cmpd="sng" algn="ctr">
+                        <a:solidFill>
+                          <a:schemeClr val="tx1"/>
+                        </a:solidFill>
+                        <a:prstDash val="solid"/>
+                        <a:round/>
+                        <a:headEnd type="none" w="med" len="med"/>
+                        <a:tailEnd type="none" w="med" len="med"/>
+                      </a:lnT>
+                      <a:lnTlToBr w="12700" cmpd="sng">
+                        <a:noFill/>
+                        <a:prstDash val="solid"/>
+                      </a:lnTlToBr>
+                      <a:lnBlToTr w="12700" cmpd="sng">
+                        <a:noFill/>
+                        <a:prstDash val="solid"/>
+                      </a:lnBlToTr>
+                      <a:solidFill>
+                        <a:srgbClr val="B2D4EC"/>
+                      </a:solidFill>
+                    </a:tcPr>
+                  </a:tc>
+                  <a:extLst>
+                    <a:ext uri="{0D108BD9-81ED-4DB2-BD59-A6C34878D82A}">
+                      <a16:rowId xmlns:a16="http://schemas.microsoft.com/office/drawing/2014/main" val="10001"/>
+                    </a:ext>
+                  </a:extLst>
+                </a:tr>
+                <a:tr h="349773">
+                  <a:tc vMerge="1">
+                    <a:txBody>
+                      <a:bodyPr/>
+                      <a:lstStyle/>
+                      <a:p>
+                        <a:endParaRPr lang="en-AT"/>
+                      </a:p>
+                    </a:txBody>
+                    <a:tcPr/>
+                  </a:tc>
+                  <a:tc vMerge="1">
+                    <a:txBody>
+                      <a:bodyPr/>
+                      <a:lstStyle/>
+                      <a:p>
+                        <a:pPr algn="ctr"/>
+                        <a:endParaRPr lang="en-US" sz="1100" b="0" strike="noStrike" spc="-1" dirty="0">
+                          <a:latin typeface="Lucida Sans" panose="020B0602030504020204" pitchFamily="34" charset="0"/>
+                        </a:endParaRPr>
+                      </a:p>
+                    </a:txBody>
+                    <a:tcPr marL="90000" marR="90000">
+                      <a:lnL w="12700" cap="flat" cmpd="sng" algn="ctr">
+                        <a:solidFill>
+                          <a:schemeClr val="tx1"/>
+                        </a:solidFill>
+                        <a:prstDash val="solid"/>
+                        <a:round/>
+                        <a:headEnd type="none" w="med" len="med"/>
+                        <a:tailEnd type="none" w="med" len="med"/>
+                      </a:lnL>
+                      <a:lnTlToBr w="12700" cmpd="sng">
+                        <a:noFill/>
+                        <a:prstDash val="solid"/>
+                      </a:lnTlToBr>
+                      <a:lnBlToTr w="12700" cmpd="sng">
+                        <a:noFill/>
+                        <a:prstDash val="solid"/>
+                      </a:lnBlToTr>
+                      <a:solidFill>
+                        <a:srgbClr val="B2D4EC"/>
+                      </a:solidFill>
+                    </a:tcPr>
+                  </a:tc>
+                  <a:tc gridSpan="2">
+                    <a:txBody>
+                      <a:bodyPr/>
+                      <a:lstStyle/>
+                      <a:p>
+                        <a:pPr algn="ctr"/>
+                        <a:endParaRPr lang="en-US" sz="1600" b="0" strike="noStrike" spc="-1" dirty="0">
+                          <a:latin typeface="Lucida Sans" panose="020B0602030504020204" pitchFamily="34" charset="0"/>
+                        </a:endParaRPr>
+                      </a:p>
+                    </a:txBody>
+                    <a:tcPr marL="90000" marR="90000">
+                      <a:lnL w="12700" cap="flat" cmpd="sng" algn="ctr">
+                        <a:solidFill>
+                          <a:schemeClr val="tx1"/>
+                        </a:solidFill>
+                        <a:prstDash val="solid"/>
+                        <a:round/>
+                        <a:headEnd type="none" w="med" len="med"/>
+                        <a:tailEnd type="none" w="med" len="med"/>
+                      </a:lnL>
+                      <a:lnR w="12700" cap="flat" cmpd="sng" algn="ctr">
+                        <a:solidFill>
+                          <a:schemeClr val="tx1"/>
+                        </a:solidFill>
+                        <a:prstDash val="solid"/>
+                        <a:round/>
+                        <a:headEnd type="none" w="med" len="med"/>
+                        <a:tailEnd type="none" w="med" len="med"/>
+                      </a:lnR>
+                      <a:lnT w="12700" cap="flat" cmpd="sng" algn="ctr">
+                        <a:solidFill>
+                          <a:schemeClr val="tx1"/>
+                        </a:solidFill>
+                        <a:prstDash val="solid"/>
+                        <a:round/>
+                        <a:headEnd type="none" w="med" len="med"/>
+                        <a:tailEnd type="none" w="med" len="med"/>
+                      </a:lnT>
+                      <a:lnB w="12700" cap="flat" cmpd="sng" algn="ctr">
+                        <a:solidFill>
+                          <a:schemeClr val="tx1"/>
+                        </a:solidFill>
+                        <a:prstDash val="solid"/>
+                        <a:round/>
+                        <a:headEnd type="none" w="med" len="med"/>
+                        <a:tailEnd type="none" w="med" len="med"/>
+                      </a:lnB>
+                      <a:lnTlToBr w="12700" cmpd="sng">
+                        <a:noFill/>
+                        <a:prstDash val="solid"/>
+                      </a:lnTlToBr>
+                      <a:lnBlToTr w="12700" cmpd="sng">
+                        <a:noFill/>
+                        <a:prstDash val="solid"/>
+                      </a:lnBlToTr>
+                      <a:solidFill>
+                        <a:schemeClr val="bg1"/>
+                      </a:solidFill>
+                    </a:tcPr>
+                  </a:tc>
+                  <a:tc hMerge="1">
+                    <a:txBody>
+                      <a:bodyPr/>
+                      <a:lstStyle/>
+                      <a:p>
+                        <a:pPr algn="ctr"/>
+                        <a:endParaRPr lang="en-US" sz="1100" b="0" strike="noStrike" spc="-1" dirty="0">
+                          <a:latin typeface="Lucida Sans" panose="020B0602030504020204" pitchFamily="34" charset="0"/>
+                        </a:endParaRPr>
+                      </a:p>
+                    </a:txBody>
+                    <a:tcPr marL="90000" marR="90000">
+                      <a:lnTlToBr w="12700" cmpd="sng">
+                        <a:noFill/>
+                        <a:prstDash val="solid"/>
+                      </a:lnTlToBr>
+                      <a:lnBlToTr w="12700" cmpd="sng">
+                        <a:noFill/>
+                        <a:prstDash val="solid"/>
+                      </a:lnBlToTr>
+                      <a:solidFill>
+                        <a:srgbClr val="B2D4EC"/>
+                      </a:solidFill>
+                    </a:tcPr>
+                  </a:tc>
+                  <a:tc gridSpan="3">
+                    <a:txBody>
+                      <a:bodyPr/>
+                      <a:lstStyle/>
+                      <a:p>
+                        <a:pPr algn="ctr"/>
+                        <a:r>
+                          <a:rPr lang="en-US" sz="1600" b="0" strike="noStrike" spc="-1" dirty="0">
+                            <a:latin typeface="Lucida Sans" panose="020B0602030504020204" pitchFamily="34" charset="0"/>
+                          </a:rPr>
+                          <a:t>1⋅0</a:t>
+                        </a:r>
+                      </a:p>
+                    </a:txBody>
+                    <a:tcPr marL="90000" marR="90000">
+                      <a:lnL w="12700" cap="flat" cmpd="sng" algn="ctr">
+                        <a:solidFill>
+                          <a:schemeClr val="tx1"/>
+                        </a:solidFill>
+                        <a:prstDash val="solid"/>
+                        <a:round/>
+                        <a:headEnd type="none" w="med" len="med"/>
+                        <a:tailEnd type="none" w="med" len="med"/>
+                      </a:lnL>
+                      <a:lnR w="12700" cap="flat" cmpd="sng" algn="ctr">
+                        <a:solidFill>
+                          <a:schemeClr val="tx1"/>
+                        </a:solidFill>
+                        <a:prstDash val="solid"/>
+                        <a:round/>
+                        <a:headEnd type="none" w="med" len="med"/>
+                        <a:tailEnd type="none" w="med" len="med"/>
+                      </a:lnR>
+                      <a:lnT w="12700" cap="flat" cmpd="sng" algn="ctr">
+                        <a:solidFill>
+                          <a:schemeClr val="tx1"/>
+                        </a:solidFill>
+                        <a:prstDash val="solid"/>
+                        <a:round/>
+                        <a:headEnd type="none" w="med" len="med"/>
+                        <a:tailEnd type="none" w="med" len="med"/>
+                      </a:lnT>
+                      <a:lnB w="12700" cap="flat" cmpd="sng" algn="ctr">
+                        <a:solidFill>
+                          <a:schemeClr val="tx1"/>
+                        </a:solidFill>
+                        <a:prstDash val="solid"/>
+                        <a:round/>
+                        <a:headEnd type="none" w="med" len="med"/>
+                        <a:tailEnd type="none" w="med" len="med"/>
+                      </a:lnB>
+                      <a:lnTlToBr w="12700" cmpd="sng">
+                        <a:noFill/>
+                        <a:prstDash val="solid"/>
+                      </a:lnTlToBr>
+                      <a:lnBlToTr w="12700" cmpd="sng">
+                        <a:noFill/>
+                        <a:prstDash val="solid"/>
+                      </a:lnBlToTr>
+                      <a:solidFill>
+                        <a:srgbClr val="B2D4EC"/>
+                      </a:solidFill>
+                    </a:tcPr>
+                  </a:tc>
+                  <a:tc hMerge="1">
+                    <a:txBody>
+                      <a:bodyPr/>
+                      <a:lstStyle/>
+                      <a:p>
+                        <a:pPr algn="ctr"/>
+                        <a:endParaRPr lang="en-US" sz="1100" b="0" strike="noStrike" spc="-1" dirty="0">
+                          <a:latin typeface="Lucida Sans" panose="020B0602030504020204" pitchFamily="34" charset="0"/>
+                        </a:endParaRPr>
+                      </a:p>
+                    </a:txBody>
+                    <a:tcPr marL="90000" marR="90000">
+                      <a:lnTlToBr w="12700" cmpd="sng">
+                        <a:noFill/>
+                        <a:prstDash val="solid"/>
+                      </a:lnTlToBr>
+                      <a:lnBlToTr w="12700" cmpd="sng">
+                        <a:noFill/>
+                        <a:prstDash val="solid"/>
+                      </a:lnBlToTr>
+                      <a:solidFill>
+                        <a:srgbClr val="B2D4EC"/>
+                      </a:solidFill>
+                    </a:tcPr>
+                  </a:tc>
+                  <a:tc hMerge="1">
+                    <a:txBody>
+                      <a:bodyPr/>
+                      <a:lstStyle/>
+                      <a:p>
+                        <a:pPr algn="ctr"/>
+                        <a:endParaRPr lang="en-US" sz="1100" b="0" strike="noStrike" spc="-1" dirty="0">
+                          <a:latin typeface="Lucida Sans" panose="020B0602030504020204" pitchFamily="34" charset="0"/>
+                        </a:endParaRPr>
+                      </a:p>
+                    </a:txBody>
+                    <a:tcPr marL="90000" marR="90000">
+                      <a:lnTlToBr w="12700" cmpd="sng">
+                        <a:noFill/>
+                        <a:prstDash val="solid"/>
+                      </a:lnTlToBr>
+                      <a:lnBlToTr w="12700" cmpd="sng">
+                        <a:noFill/>
+                        <a:prstDash val="solid"/>
+                      </a:lnBlToTr>
+                      <a:solidFill>
+                        <a:srgbClr val="B2D4EC"/>
+                      </a:solidFill>
+                    </a:tcPr>
+                  </a:tc>
+                  <a:extLst>
+                    <a:ext uri="{0D108BD9-81ED-4DB2-BD59-A6C34878D82A}">
+                      <a16:rowId xmlns:a16="http://schemas.microsoft.com/office/drawing/2014/main" val="3557795345"/>
+                    </a:ext>
+                  </a:extLst>
+                </a:tr>
+              </a:tbl>
+            </a:graphicData>
+          </a:graphic>
+        </p:graphicFrame>
+        <p:sp>
+          <p:nvSpPr>
+            <p:cNvPr id="43" name="TextShape 3"/>
+            <p:cNvSpPr txBox="1"/>
+            <p:nvPr/>
+          </p:nvSpPr>
+          <p:spPr>
+            <a:xfrm>
+              <a:off x="215776" y="875312"/>
+              <a:ext cx="459720" cy="401400"/>
+            </a:xfrm>
+            <a:prstGeom prst="rect">
+              <a:avLst/>
+            </a:prstGeom>
+            <a:noFill/>
+            <a:ln>
+              <a:noFill/>
+            </a:ln>
+          </p:spPr>
+          <p:txBody>
+            <a:bodyPr lIns="90000" tIns="45000" rIns="90000" bIns="45000"/>
+            <a:lstStyle/>
+            <a:p>
+              <a:r>
+                <a:rPr lang="en-US" sz="1400" b="0" strike="noStrike" spc="-1" dirty="0">
+                  <a:latin typeface="Lucida Sans" panose="020B0602030504020204" pitchFamily="34" charset="0"/>
+                </a:rPr>
+                <a:t>(a)</a:t>
+              </a:r>
+            </a:p>
+          </p:txBody>
+        </p:sp>
+        <p:sp>
+          <p:nvSpPr>
+            <p:cNvPr id="4" name="TextShape 3">
+              <a:extLst>
+                <a:ext uri="{FF2B5EF4-FFF2-40B4-BE49-F238E27FC236}">
+                  <a16:creationId xmlns:a16="http://schemas.microsoft.com/office/drawing/2014/main" id="{5EA14E3F-ACB7-EBCA-B87C-AD9097480FFC}"/>
+                </a:ext>
+              </a:extLst>
+            </p:cNvPr>
+            <p:cNvSpPr txBox="1"/>
+            <p:nvPr/>
+          </p:nvSpPr>
+          <p:spPr>
+            <a:xfrm>
+              <a:off x="503808" y="0"/>
+              <a:ext cx="6521702" cy="229769"/>
+            </a:xfrm>
+            <a:prstGeom prst="rect">
+              <a:avLst/>
+            </a:prstGeom>
+            <a:noFill/>
+            <a:ln>
+              <a:noFill/>
+            </a:ln>
+          </p:spPr>
+          <p:txBody>
+            <a:bodyPr lIns="90000" tIns="45000" rIns="90000" bIns="45000"/>
+            <a:lstStyle/>
+            <a:p>
+              <a:r>
+                <a:rPr lang="en-US" sz="1400" b="0" strike="noStrike" spc="-1" dirty="0">
+                  <a:latin typeface="Lucida Sans" panose="020B0602030504020204" pitchFamily="34" charset="0"/>
+                </a:rPr>
+                <a:t>     t</a:t>
+              </a:r>
+              <a:r>
+                <a:rPr lang="tr-TR" sz="1400" b="0" strike="noStrike" spc="-1" dirty="0">
+                  <a:latin typeface="Lucida Sans" panose="020B0602030504020204" pitchFamily="34" charset="0"/>
+                </a:rPr>
+                <a:t> </a:t>
+              </a:r>
+              <a:r>
+                <a:rPr lang="en-US" sz="1400" spc="-1" dirty="0">
+                  <a:latin typeface="Lucida Sans" panose="020B0602030504020204" pitchFamily="34" charset="0"/>
+                </a:rPr>
+                <a:t>:</a:t>
+              </a:r>
+              <a:r>
+                <a:rPr lang="tr-TR" sz="1400" b="0" strike="noStrike" spc="-1" dirty="0">
+                  <a:latin typeface="Lucida Sans" panose="020B0602030504020204" pitchFamily="34" charset="0"/>
+                </a:rPr>
+                <a:t>   0          </a:t>
+              </a:r>
+              <a:r>
+                <a:rPr lang="en-US" sz="1400" b="0" strike="noStrike" spc="-1" dirty="0">
+                  <a:latin typeface="Lucida Sans" panose="020B0602030504020204" pitchFamily="34" charset="0"/>
+                </a:rPr>
+                <a:t> </a:t>
+              </a:r>
+              <a:r>
+                <a:rPr lang="tr-TR" sz="1400" b="0" strike="noStrike" spc="-1" dirty="0">
+                  <a:latin typeface="Lucida Sans" panose="020B0602030504020204" pitchFamily="34" charset="0"/>
+                </a:rPr>
+                <a:t>1          </a:t>
+              </a:r>
+              <a:r>
+                <a:rPr lang="en-US" sz="1400" spc="-1" dirty="0">
+                  <a:latin typeface="Lucida Sans" panose="020B0602030504020204" pitchFamily="34" charset="0"/>
+                </a:rPr>
+                <a:t>   </a:t>
+              </a:r>
+              <a:r>
+                <a:rPr lang="tr-TR" sz="1400" b="0" strike="noStrike" spc="-1" dirty="0">
+                  <a:latin typeface="Lucida Sans" panose="020B0602030504020204" pitchFamily="34" charset="0"/>
+                </a:rPr>
+                <a:t>         3          4</a:t>
+              </a:r>
+              <a:r>
+                <a:rPr lang="en-US" sz="1400" b="0" strike="noStrike" spc="-1" dirty="0">
+                  <a:latin typeface="Lucida Sans" panose="020B0602030504020204" pitchFamily="34" charset="0"/>
+                </a:rPr>
+                <a:t>           5</a:t>
+              </a:r>
+              <a:r>
+                <a:rPr lang="tr-TR" sz="1400" b="0" strike="noStrike" spc="-1" dirty="0">
+                  <a:latin typeface="Lucida Sans" panose="020B0602030504020204" pitchFamily="34" charset="0"/>
+                </a:rPr>
+                <a:t> </a:t>
+              </a:r>
+              <a:r>
+                <a:rPr lang="en-US" sz="1400" b="0" strike="noStrike" spc="-1" dirty="0">
+                  <a:latin typeface="Lucida Sans" panose="020B0602030504020204" pitchFamily="34" charset="0"/>
+                </a:rPr>
+                <a:t> </a:t>
+              </a:r>
+              <a:r>
+                <a:rPr lang="tr-TR" sz="1400" b="0" strike="noStrike" spc="-1" dirty="0">
+                  <a:latin typeface="Lucida Sans" panose="020B0602030504020204" pitchFamily="34" charset="0"/>
+                </a:rPr>
+                <a:t>        </a:t>
+              </a:r>
+              <a:r>
+                <a:rPr lang="en-US" sz="1400" spc="-1" dirty="0">
+                  <a:latin typeface="Lucida Sans" panose="020B0602030504020204" pitchFamily="34" charset="0"/>
+                </a:rPr>
+                <a:t> </a:t>
+              </a:r>
+              <a:r>
+                <a:rPr lang="tr-TR" sz="1400" b="0" strike="noStrike" spc="-1" dirty="0">
+                  <a:latin typeface="Lucida Sans" panose="020B0602030504020204" pitchFamily="34" charset="0"/>
+                </a:rPr>
+                <a:t>           7  </a:t>
+              </a:r>
+              <a:r>
+                <a:rPr lang="en-US" sz="1400" b="0" strike="noStrike" spc="-1" dirty="0">
+                  <a:latin typeface="Lucida Sans" panose="020B0602030504020204" pitchFamily="34" charset="0"/>
+                </a:rPr>
+                <a:t>  </a:t>
+              </a:r>
+              <a:r>
+                <a:rPr lang="tr-TR" sz="1400" b="0" strike="noStrike" spc="-1" dirty="0">
+                  <a:latin typeface="Lucida Sans" panose="020B0602030504020204" pitchFamily="34" charset="0"/>
+                </a:rPr>
+                <a:t>      8</a:t>
+              </a:r>
+              <a:endParaRPr lang="en-US" sz="1400" b="0" strike="noStrike" spc="-1" dirty="0">
+                <a:latin typeface="Lucida Sans" panose="020B0602030504020204" pitchFamily="34" charset="0"/>
+              </a:endParaRPr>
+            </a:p>
+          </p:txBody>
+        </p:sp>
+      </p:grpSp>
+      <p:grpSp>
+        <p:nvGrpSpPr>
+          <p:cNvPr id="3" name="Group 2">
+            <a:extLst>
+              <a:ext uri="{FF2B5EF4-FFF2-40B4-BE49-F238E27FC236}">
+                <a16:creationId xmlns:a16="http://schemas.microsoft.com/office/drawing/2014/main" id="{C9F326BB-CBE4-FB37-7C8A-8CED2E0D6899}"/>
+              </a:ext>
+            </a:extLst>
+          </p:cNvPr>
+          <p:cNvGrpSpPr/>
+          <p:nvPr/>
+        </p:nvGrpSpPr>
+        <p:grpSpPr>
+          <a:xfrm>
+            <a:off x="215776" y="2789907"/>
+            <a:ext cx="6533368" cy="2133600"/>
+            <a:chOff x="215776" y="267825"/>
+            <a:chExt cx="6533368" cy="2133600"/>
+          </a:xfrm>
+        </p:grpSpPr>
+        <p:graphicFrame>
+          <p:nvGraphicFramePr>
+            <p:cNvPr id="7" name="Table 1">
+              <a:extLst>
+                <a:ext uri="{FF2B5EF4-FFF2-40B4-BE49-F238E27FC236}">
+                  <a16:creationId xmlns:a16="http://schemas.microsoft.com/office/drawing/2014/main" id="{957A6723-27B3-6D32-60D7-9375CE442B5E}"/>
+                </a:ext>
+              </a:extLst>
+            </p:cNvPr>
+            <p:cNvGraphicFramePr/>
+            <p:nvPr>
+              <p:extLst>
+                <p:ext uri="{D42A27DB-BD31-4B8C-83A1-F6EECF244321}">
+                  <p14:modId xmlns:p14="http://schemas.microsoft.com/office/powerpoint/2010/main" val="3520954815"/>
+                </p:ext>
+              </p:extLst>
+            </p:nvPr>
+          </p:nvGraphicFramePr>
+          <p:xfrm>
+            <a:off x="719832" y="267825"/>
+            <a:ext cx="6029312" cy="2133600"/>
+          </p:xfrm>
+          <a:graphic>
+            <a:graphicData uri="http://schemas.openxmlformats.org/drawingml/2006/table">
+              <a:tbl>
+                <a:tblPr/>
+                <a:tblGrid>
+                  <a:gridCol w="563760">
+                    <a:extLst>
+                      <a:ext uri="{9D8B030D-6E8A-4147-A177-3AD203B41FA5}">
+                        <a16:colId xmlns:a16="http://schemas.microsoft.com/office/drawing/2014/main" val="20000"/>
+                      </a:ext>
+                    </a:extLst>
+                  </a:gridCol>
+                  <a:gridCol w="683194">
+                    <a:extLst>
+                      <a:ext uri="{9D8B030D-6E8A-4147-A177-3AD203B41FA5}">
+                        <a16:colId xmlns:a16="http://schemas.microsoft.com/office/drawing/2014/main" val="20001"/>
+                      </a:ext>
+                    </a:extLst>
+                  </a:gridCol>
+                  <a:gridCol w="1366388">
+                    <a:extLst>
+                      <a:ext uri="{9D8B030D-6E8A-4147-A177-3AD203B41FA5}">
+                        <a16:colId xmlns:a16="http://schemas.microsoft.com/office/drawing/2014/main" val="631010376"/>
+                      </a:ext>
+                    </a:extLst>
+                  </a:gridCol>
+                  <a:gridCol w="683194">
+                    <a:extLst>
+                      <a:ext uri="{9D8B030D-6E8A-4147-A177-3AD203B41FA5}">
+                        <a16:colId xmlns:a16="http://schemas.microsoft.com/office/drawing/2014/main" val="1916309031"/>
+                      </a:ext>
+                    </a:extLst>
+                  </a:gridCol>
+                  <a:gridCol w="683194">
+                    <a:extLst>
+                      <a:ext uri="{9D8B030D-6E8A-4147-A177-3AD203B41FA5}">
+                        <a16:colId xmlns:a16="http://schemas.microsoft.com/office/drawing/2014/main" val="2317427843"/>
+                      </a:ext>
+                    </a:extLst>
+                  </a:gridCol>
+                  <a:gridCol w="1366388">
+                    <a:extLst>
+                      <a:ext uri="{9D8B030D-6E8A-4147-A177-3AD203B41FA5}">
+                        <a16:colId xmlns:a16="http://schemas.microsoft.com/office/drawing/2014/main" val="1950255188"/>
+                      </a:ext>
+                    </a:extLst>
+                  </a:gridCol>
+                  <a:gridCol w="683194">
+                    <a:extLst>
+                      <a:ext uri="{9D8B030D-6E8A-4147-A177-3AD203B41FA5}">
+                        <a16:colId xmlns:a16="http://schemas.microsoft.com/office/drawing/2014/main" val="340497729"/>
+                      </a:ext>
+                    </a:extLst>
+                  </a:gridCol>
+                </a:tblGrid>
+                <a:tr h="191186">
+                  <a:tc>
+                    <a:txBody>
+                      <a:bodyPr/>
+                      <a:lstStyle/>
+                      <a:p>
+                        <a:pPr algn="ctr"/>
+                        <a:endParaRPr lang="en-US" sz="900" b="0" strike="noStrike" spc="-1" dirty="0">
+                          <a:latin typeface="Lucida Sans" panose="020B0602030504020204" pitchFamily="34" charset="0"/>
+                        </a:endParaRPr>
+                      </a:p>
+                      <a:p>
+                        <a:pPr algn="ctr"/>
+                        <a:r>
+                          <a:rPr lang="en-US" sz="1600" b="0" strike="noStrike" spc="-1" dirty="0">
+                            <a:latin typeface="Lucida Sans" panose="020B0602030504020204" pitchFamily="34" charset="0"/>
+                          </a:rPr>
+                          <a:t>x</a:t>
+                        </a:r>
+                        <a:r>
+                          <a:rPr lang="en-US" sz="1600" b="0" strike="noStrike" spc="-1" baseline="-25000" dirty="0">
+                            <a:latin typeface="Lucida Sans" panose="020B0602030504020204" pitchFamily="34" charset="0"/>
+                          </a:rPr>
+                          <a:t>1</a:t>
+                        </a:r>
+                      </a:p>
+                      <a:p>
+                        <a:pPr algn="ctr"/>
+                        <a:endParaRPr lang="en-US" sz="1600" b="0" strike="noStrike" spc="-1" baseline="-25000" dirty="0">
+                          <a:latin typeface="Lucida Sans" panose="020B0602030504020204" pitchFamily="34" charset="0"/>
+                        </a:endParaRPr>
+                      </a:p>
+                    </a:txBody>
+                    <a:tcPr marL="90000" marR="90000">
+                      <a:lnL w="12700" cap="flat" cmpd="sng" algn="ctr">
+                        <a:solidFill>
+                          <a:schemeClr val="tx1"/>
+                        </a:solidFill>
+                        <a:prstDash val="solid"/>
+                        <a:round/>
+                        <a:headEnd type="none" w="med" len="med"/>
+                        <a:tailEnd type="none" w="med" len="med"/>
+                      </a:lnL>
+                      <a:lnR w="12700" cap="flat" cmpd="sng" algn="ctr">
+                        <a:solidFill>
+                          <a:schemeClr val="tx1"/>
+                        </a:solidFill>
+                        <a:prstDash val="solid"/>
+                        <a:round/>
+                        <a:headEnd type="none" w="med" len="med"/>
+                        <a:tailEnd type="none" w="med" len="med"/>
+                      </a:lnR>
+                      <a:lnT w="12700" cap="flat" cmpd="sng" algn="ctr">
+                        <a:solidFill>
+                          <a:schemeClr val="tx1"/>
+                        </a:solidFill>
+                        <a:prstDash val="solid"/>
+                        <a:round/>
+                        <a:headEnd type="none" w="med" len="med"/>
+                        <a:tailEnd type="none" w="med" len="med"/>
+                      </a:lnT>
+                      <a:lnB w="12700" cap="flat" cmpd="sng" algn="ctr">
+                        <a:solidFill>
+                          <a:schemeClr val="tx1"/>
+                        </a:solidFill>
+                        <a:prstDash val="solid"/>
+                        <a:round/>
+                        <a:headEnd type="none" w="med" len="med"/>
+                        <a:tailEnd type="none" w="med" len="med"/>
+                      </a:lnB>
+                      <a:lnTlToBr w="12700" cmpd="sng">
+                        <a:noFill/>
+                        <a:prstDash val="solid"/>
+                      </a:lnTlToBr>
+                      <a:lnBlToTr w="12700" cmpd="sng">
+                        <a:noFill/>
+                        <a:prstDash val="solid"/>
+                      </a:lnBlToTr>
+                      <a:solidFill>
+                        <a:srgbClr val="FFB2B2"/>
+                      </a:solidFill>
+                    </a:tcPr>
+                  </a:tc>
+                  <a:tc>
+                    <a:txBody>
+                      <a:bodyPr/>
+                      <a:lstStyle/>
+                      <a:p>
+                        <a:pPr marL="0" marR="0" lvl="0" indent="0" algn="ctr" defTabSz="914400" rtl="0" eaLnBrk="1" fontAlgn="auto" latinLnBrk="0" hangingPunct="1">
+                          <a:lnSpc>
+                            <a:spcPct val="100000"/>
+                          </a:lnSpc>
+                          <a:spcBef>
+                            <a:spcPts val="0"/>
+                          </a:spcBef>
+                          <a:spcAft>
+                            <a:spcPts val="0"/>
+                          </a:spcAft>
+                          <a:buClrTx/>
+                          <a:buSzTx/>
+                          <a:buFontTx/>
+                          <a:buNone/>
+                          <a:tabLst/>
+                          <a:defRPr/>
+                        </a:pPr>
+                        <a:r>
+                          <a:rPr lang="en-US" sz="1600" dirty="0">
+                            <a:latin typeface="Lucida Sans" panose="020B0602030504020204" pitchFamily="34" charset="0"/>
+                          </a:rPr>
+                          <a:t>0</a:t>
+                        </a:r>
+                      </a:p>
+                      <a:p>
+                        <a:pPr marL="0" marR="0" lvl="0" indent="0" algn="ctr" defTabSz="914400" rtl="0" eaLnBrk="1" fontAlgn="auto" latinLnBrk="0" hangingPunct="1">
+                          <a:lnSpc>
+                            <a:spcPct val="100000"/>
+                          </a:lnSpc>
+                          <a:spcBef>
+                            <a:spcPts val="0"/>
+                          </a:spcBef>
+                          <a:spcAft>
+                            <a:spcPts val="0"/>
+                          </a:spcAft>
+                          <a:buClrTx/>
+                          <a:buSzTx/>
+                          <a:buFontTx/>
+                          <a:buNone/>
+                          <a:tabLst/>
+                          <a:defRPr/>
+                        </a:pPr>
+                        <a:r>
+                          <a:rPr lang="en-US" sz="1600" dirty="0">
+                            <a:latin typeface="Lucida Sans" panose="020B0602030504020204" pitchFamily="34" charset="0"/>
+                          </a:rPr>
+                          <a:t>0</a:t>
+                        </a:r>
+                        <a:r>
+                          <a:rPr lang="en-US" sz="1600" b="0" strike="noStrike" spc="-1" dirty="0">
+                            <a:latin typeface="Lucida Sans" panose="020B0602030504020204" pitchFamily="34" charset="0"/>
+                          </a:rPr>
+                          <a:t>⋅</a:t>
+                        </a:r>
+                        <a:r>
+                          <a:rPr lang="en-US" sz="1600" dirty="0">
+                            <a:latin typeface="Lucida Sans" panose="020B0602030504020204" pitchFamily="34" charset="0"/>
+                          </a:rPr>
+                          <a:t>1</a:t>
+                        </a:r>
+                      </a:p>
+                    </a:txBody>
+                    <a:tcPr marL="90000" marR="90000">
+                      <a:lnL w="12700" cap="flat" cmpd="sng" algn="ctr">
+                        <a:solidFill>
+                          <a:schemeClr val="tx1"/>
+                        </a:solidFill>
+                        <a:prstDash val="solid"/>
+                        <a:round/>
+                        <a:headEnd type="none" w="med" len="med"/>
+                        <a:tailEnd type="none" w="med" len="med"/>
+                      </a:lnL>
+                      <a:lnR w="12700" cap="flat" cmpd="sng" algn="ctr">
+                        <a:solidFill>
+                          <a:schemeClr val="tx1"/>
+                        </a:solidFill>
+                        <a:prstDash val="solid"/>
+                        <a:round/>
+                        <a:headEnd type="none" w="med" len="med"/>
+                        <a:tailEnd type="none" w="med" len="med"/>
+                      </a:lnR>
+                      <a:lnT w="12700" cap="flat" cmpd="sng" algn="ctr">
+                        <a:solidFill>
+                          <a:schemeClr val="tx1"/>
+                        </a:solidFill>
+                        <a:prstDash val="solid"/>
+                        <a:round/>
+                        <a:headEnd type="none" w="med" len="med"/>
+                        <a:tailEnd type="none" w="med" len="med"/>
+                      </a:lnT>
+                      <a:lnB w="12700" cap="flat" cmpd="sng" algn="ctr">
+                        <a:solidFill>
+                          <a:schemeClr val="tx1"/>
+                        </a:solidFill>
+                        <a:prstDash val="solid"/>
+                        <a:round/>
+                        <a:headEnd type="none" w="med" len="med"/>
+                        <a:tailEnd type="none" w="med" len="med"/>
+                      </a:lnB>
+                      <a:lnTlToBr w="12700" cmpd="sng">
+                        <a:noFill/>
+                        <a:prstDash val="solid"/>
+                      </a:lnTlToBr>
+                      <a:lnBlToTr w="12700" cmpd="sng">
+                        <a:noFill/>
+                        <a:prstDash val="solid"/>
+                      </a:lnBlToTr>
+                      <a:solidFill>
+                        <a:srgbClr val="FFB2B2"/>
+                      </a:solidFill>
+                    </a:tcPr>
+                  </a:tc>
+                  <a:tc>
+                    <a:txBody>
+                      <a:bodyPr/>
+                      <a:lstStyle/>
+                      <a:p>
+                        <a:pPr marL="0" marR="0" lvl="0" indent="0" algn="ctr" defTabSz="914400" rtl="0" eaLnBrk="1" fontAlgn="auto" latinLnBrk="0" hangingPunct="1">
+                          <a:lnSpc>
+                            <a:spcPct val="100000"/>
+                          </a:lnSpc>
+                          <a:spcBef>
+                            <a:spcPts val="0"/>
+                          </a:spcBef>
+                          <a:spcAft>
+                            <a:spcPts val="0"/>
+                          </a:spcAft>
+                          <a:buClrTx/>
+                          <a:buSzTx/>
+                          <a:buFontTx/>
+                          <a:buNone/>
+                          <a:tabLst/>
+                          <a:defRPr/>
+                        </a:pPr>
+                        <a:r>
+                          <a:rPr lang="en-US" sz="1600" dirty="0">
+                            <a:latin typeface="Lucida Sans" panose="020B0602030504020204" pitchFamily="34" charset="0"/>
+                          </a:rPr>
+                          <a:t>0</a:t>
+                        </a:r>
+                      </a:p>
+                      <a:p>
+                        <a:pPr marL="0" marR="0" lvl="0" indent="0" algn="ctr" defTabSz="914400" rtl="0" eaLnBrk="1" fontAlgn="auto" latinLnBrk="0" hangingPunct="1">
+                          <a:lnSpc>
+                            <a:spcPct val="100000"/>
+                          </a:lnSpc>
+                          <a:spcBef>
+                            <a:spcPts val="0"/>
+                          </a:spcBef>
+                          <a:spcAft>
+                            <a:spcPts val="0"/>
+                          </a:spcAft>
+                          <a:buClrTx/>
+                          <a:buSzTx/>
+                          <a:buFontTx/>
+                          <a:buNone/>
+                          <a:tabLst/>
+                          <a:defRPr/>
+                        </a:pPr>
+                        <a:r>
+                          <a:rPr lang="en-US" sz="1600" dirty="0">
+                            <a:latin typeface="Lucida Sans" panose="020B0602030504020204" pitchFamily="34" charset="0"/>
+                          </a:rPr>
+                          <a:t>0</a:t>
+                        </a:r>
+                        <a:r>
+                          <a:rPr lang="en-US" sz="1600" b="0" strike="noStrike" spc="-1" dirty="0">
+                            <a:latin typeface="Lucida Sans" panose="020B0602030504020204" pitchFamily="34" charset="0"/>
+                          </a:rPr>
+                          <a:t>⋅</a:t>
+                        </a:r>
+                        <a:r>
+                          <a:rPr lang="en-US" sz="1600" dirty="0">
+                            <a:latin typeface="Lucida Sans" panose="020B0602030504020204" pitchFamily="34" charset="0"/>
+                          </a:rPr>
+                          <a:t>1</a:t>
+                        </a:r>
+                      </a:p>
+                      <a:p>
+                        <a:pPr marL="0" marR="0" lvl="0" indent="0" algn="ctr" defTabSz="914400" rtl="0" eaLnBrk="1" fontAlgn="auto" latinLnBrk="0" hangingPunct="1">
+                          <a:lnSpc>
+                            <a:spcPct val="100000"/>
+                          </a:lnSpc>
+                          <a:spcBef>
+                            <a:spcPts val="0"/>
+                          </a:spcBef>
+                          <a:spcAft>
+                            <a:spcPts val="0"/>
+                          </a:spcAft>
+                          <a:buClrTx/>
+                          <a:buSzTx/>
+                          <a:buFontTx/>
+                          <a:buNone/>
+                          <a:tabLst/>
+                          <a:defRPr/>
+                        </a:pPr>
+                        <a:r>
+                          <a:rPr lang="en-US" sz="1600" dirty="0">
+                            <a:latin typeface="Lucida Sans" panose="020B0602030504020204" pitchFamily="34" charset="0"/>
+                          </a:rPr>
+                          <a:t>1</a:t>
+                        </a:r>
+                      </a:p>
+                    </a:txBody>
+                    <a:tcPr marL="90000" marR="90000">
+                      <a:lnL w="12700" cap="flat" cmpd="sng" algn="ctr">
+                        <a:solidFill>
+                          <a:schemeClr val="tx1"/>
+                        </a:solidFill>
+                        <a:prstDash val="solid"/>
+                        <a:round/>
+                        <a:headEnd type="none" w="med" len="med"/>
+                        <a:tailEnd type="none" w="med" len="med"/>
+                      </a:lnL>
+                      <a:lnR w="12700" cap="flat" cmpd="sng" algn="ctr">
+                        <a:solidFill>
+                          <a:schemeClr val="tx1"/>
+                        </a:solidFill>
+                        <a:prstDash val="solid"/>
+                        <a:round/>
+                        <a:headEnd type="none" w="med" len="med"/>
+                        <a:tailEnd type="none" w="med" len="med"/>
+                      </a:lnR>
+                      <a:lnT w="12700" cap="flat" cmpd="sng" algn="ctr">
+                        <a:solidFill>
+                          <a:schemeClr val="tx1"/>
+                        </a:solidFill>
+                        <a:prstDash val="solid"/>
+                        <a:round/>
+                        <a:headEnd type="none" w="med" len="med"/>
+                        <a:tailEnd type="none" w="med" len="med"/>
+                      </a:lnT>
+                      <a:lnB w="12700" cap="flat" cmpd="sng" algn="ctr">
+                        <a:solidFill>
+                          <a:schemeClr val="tx1"/>
+                        </a:solidFill>
+                        <a:prstDash val="solid"/>
+                        <a:round/>
+                        <a:headEnd type="none" w="med" len="med"/>
+                        <a:tailEnd type="none" w="med" len="med"/>
+                      </a:lnB>
+                      <a:lnTlToBr w="12700" cmpd="sng">
+                        <a:noFill/>
+                        <a:prstDash val="solid"/>
+                      </a:lnTlToBr>
+                      <a:lnBlToTr w="12700" cmpd="sng">
+                        <a:noFill/>
+                        <a:prstDash val="solid"/>
+                      </a:lnBlToTr>
+                      <a:solidFill>
+                        <a:srgbClr val="FFB2B2"/>
+                      </a:solidFill>
+                    </a:tcPr>
+                  </a:tc>
+                  <a:tc>
+                    <a:txBody>
+                      <a:bodyPr/>
+                      <a:lstStyle/>
+                      <a:p>
+                        <a:pPr marL="0" marR="0" lvl="0" indent="0" algn="ctr" defTabSz="914400" rtl="0" eaLnBrk="1" fontAlgn="auto" latinLnBrk="0" hangingPunct="1">
+                          <a:lnSpc>
+                            <a:spcPct val="100000"/>
+                          </a:lnSpc>
+                          <a:spcBef>
+                            <a:spcPts val="0"/>
+                          </a:spcBef>
+                          <a:spcAft>
+                            <a:spcPts val="0"/>
+                          </a:spcAft>
+                          <a:buClrTx/>
+                          <a:buSzTx/>
+                          <a:buFontTx/>
+                          <a:buNone/>
+                          <a:tabLst/>
+                          <a:defRPr/>
+                        </a:pPr>
+                        <a:r>
+                          <a:rPr lang="en-US" sz="1600" dirty="0">
+                            <a:latin typeface="Lucida Sans" panose="020B0602030504020204" pitchFamily="34" charset="0"/>
+                          </a:rPr>
+                          <a:t>0</a:t>
+                        </a:r>
+                        <a:r>
+                          <a:rPr lang="en-US" sz="1600" b="0" strike="noStrike" spc="-1" dirty="0">
+                            <a:latin typeface="Lucida Sans" panose="020B0602030504020204" pitchFamily="34" charset="0"/>
+                          </a:rPr>
+                          <a:t>⋅</a:t>
+                        </a:r>
+                        <a:r>
+                          <a:rPr lang="en-US" sz="1600" dirty="0">
+                            <a:latin typeface="Lucida Sans" panose="020B0602030504020204" pitchFamily="34" charset="0"/>
+                          </a:rPr>
+                          <a:t>1</a:t>
+                        </a:r>
+                      </a:p>
+                      <a:p>
+                        <a:pPr marL="0" marR="0" lvl="0" indent="0" algn="ctr" defTabSz="914400" rtl="0" eaLnBrk="1" fontAlgn="auto" latinLnBrk="0" hangingPunct="1">
+                          <a:lnSpc>
+                            <a:spcPct val="100000"/>
+                          </a:lnSpc>
+                          <a:spcBef>
+                            <a:spcPts val="0"/>
+                          </a:spcBef>
+                          <a:spcAft>
+                            <a:spcPts val="0"/>
+                          </a:spcAft>
+                          <a:buClrTx/>
+                          <a:buSzTx/>
+                          <a:buFontTx/>
+                          <a:buNone/>
+                          <a:tabLst/>
+                          <a:defRPr/>
+                        </a:pPr>
+                        <a:r>
+                          <a:rPr lang="en-US" sz="1600" dirty="0">
+                            <a:latin typeface="Lucida Sans" panose="020B0602030504020204" pitchFamily="34" charset="0"/>
+                          </a:rPr>
+                          <a:t>0</a:t>
+                        </a:r>
+                        <a:r>
+                          <a:rPr lang="en-US" sz="1600" b="0" strike="noStrike" spc="-1" dirty="0">
+                            <a:latin typeface="Lucida Sans" panose="020B0602030504020204" pitchFamily="34" charset="0"/>
+                          </a:rPr>
+                          <a:t>⋅</a:t>
+                        </a:r>
+                        <a:r>
+                          <a:rPr lang="en-US" sz="1600" dirty="0">
+                            <a:latin typeface="Lucida Sans" panose="020B0602030504020204" pitchFamily="34" charset="0"/>
+                          </a:rPr>
+                          <a:t>1</a:t>
+                        </a:r>
+                        <a:r>
+                          <a:rPr lang="en-US" sz="1600" b="0" strike="noStrike" spc="-1" dirty="0">
+                            <a:latin typeface="Lucida Sans" panose="020B0602030504020204" pitchFamily="34" charset="0"/>
+                          </a:rPr>
+                          <a:t>⋅</a:t>
+                        </a:r>
+                        <a:r>
+                          <a:rPr lang="en-US" sz="1600" dirty="0">
+                            <a:latin typeface="Lucida Sans" panose="020B0602030504020204" pitchFamily="34" charset="0"/>
+                          </a:rPr>
+                          <a:t>0</a:t>
+                        </a:r>
+                      </a:p>
+                      <a:p>
+                        <a:pPr marL="0" marR="0" lvl="0" indent="0" algn="ctr" defTabSz="914400" rtl="0" eaLnBrk="1" fontAlgn="auto" latinLnBrk="0" hangingPunct="1">
+                          <a:lnSpc>
+                            <a:spcPct val="100000"/>
+                          </a:lnSpc>
+                          <a:spcBef>
+                            <a:spcPts val="0"/>
+                          </a:spcBef>
+                          <a:spcAft>
+                            <a:spcPts val="0"/>
+                          </a:spcAft>
+                          <a:buClrTx/>
+                          <a:buSzTx/>
+                          <a:buFontTx/>
+                          <a:buNone/>
+                          <a:tabLst/>
+                          <a:defRPr/>
+                        </a:pPr>
+                        <a:r>
+                          <a:rPr lang="en-US" sz="1600" dirty="0">
+                            <a:latin typeface="Lucida Sans" panose="020B0602030504020204" pitchFamily="34" charset="0"/>
+                          </a:rPr>
+                          <a:t>1</a:t>
+                        </a:r>
+                      </a:p>
+                      <a:p>
+                        <a:pPr marL="0" marR="0" lvl="0" indent="0" algn="ctr" defTabSz="914400" rtl="0" eaLnBrk="1" fontAlgn="auto" latinLnBrk="0" hangingPunct="1">
+                          <a:lnSpc>
+                            <a:spcPct val="100000"/>
+                          </a:lnSpc>
+                          <a:spcBef>
+                            <a:spcPts val="0"/>
+                          </a:spcBef>
+                          <a:spcAft>
+                            <a:spcPts val="0"/>
+                          </a:spcAft>
+                          <a:buClrTx/>
+                          <a:buSzTx/>
+                          <a:buFontTx/>
+                          <a:buNone/>
+                          <a:tabLst/>
+                          <a:defRPr/>
+                        </a:pPr>
+                        <a:r>
+                          <a:rPr lang="en-US" sz="1600" dirty="0">
+                            <a:latin typeface="Lucida Sans" panose="020B0602030504020204" pitchFamily="34" charset="0"/>
+                          </a:rPr>
+                          <a:t>1</a:t>
+                        </a:r>
+                        <a:r>
+                          <a:rPr lang="en-US" sz="1600" b="0" strike="noStrike" spc="-1" dirty="0">
+                            <a:latin typeface="Lucida Sans" panose="020B0602030504020204" pitchFamily="34" charset="0"/>
+                          </a:rPr>
+                          <a:t>⋅</a:t>
+                        </a:r>
+                        <a:r>
+                          <a:rPr lang="en-US" sz="1600" dirty="0">
+                            <a:latin typeface="Lucida Sans" panose="020B0602030504020204" pitchFamily="34" charset="0"/>
+                          </a:rPr>
+                          <a:t>0</a:t>
+                        </a:r>
+                      </a:p>
+                    </a:txBody>
+                    <a:tcPr marL="90000" marR="90000">
+                      <a:lnL w="12700" cap="flat" cmpd="sng" algn="ctr">
+                        <a:solidFill>
+                          <a:schemeClr val="tx1"/>
+                        </a:solidFill>
+                        <a:prstDash val="solid"/>
+                        <a:round/>
+                        <a:headEnd type="none" w="med" len="med"/>
+                        <a:tailEnd type="none" w="med" len="med"/>
+                      </a:lnL>
+                      <a:lnR w="12700" cap="flat" cmpd="sng" algn="ctr">
+                        <a:solidFill>
+                          <a:schemeClr val="tx1"/>
+                        </a:solidFill>
+                        <a:prstDash val="solid"/>
+                        <a:round/>
+                        <a:headEnd type="none" w="med" len="med"/>
+                        <a:tailEnd type="none" w="med" len="med"/>
+                      </a:lnR>
+                      <a:lnT w="12700" cap="flat" cmpd="sng" algn="ctr">
+                        <a:solidFill>
+                          <a:schemeClr val="tx1"/>
+                        </a:solidFill>
+                        <a:prstDash val="solid"/>
+                        <a:round/>
+                        <a:headEnd type="none" w="med" len="med"/>
+                        <a:tailEnd type="none" w="med" len="med"/>
+                      </a:lnT>
+                      <a:lnB w="12700" cap="flat" cmpd="sng" algn="ctr">
+                        <a:solidFill>
+                          <a:schemeClr val="tx1"/>
+                        </a:solidFill>
+                        <a:prstDash val="solid"/>
+                        <a:round/>
+                        <a:headEnd type="none" w="med" len="med"/>
+                        <a:tailEnd type="none" w="med" len="med"/>
+                      </a:lnB>
+                      <a:lnTlToBr w="12700" cmpd="sng">
+                        <a:noFill/>
+                        <a:prstDash val="solid"/>
+                      </a:lnTlToBr>
+                      <a:lnBlToTr w="12700" cmpd="sng">
+                        <a:noFill/>
+                        <a:prstDash val="solid"/>
+                      </a:lnBlToTr>
+                      <a:solidFill>
+                        <a:srgbClr val="FFB2B2"/>
+                      </a:solidFill>
+                    </a:tcPr>
+                  </a:tc>
+                  <a:tc>
+                    <a:txBody>
+                      <a:bodyPr/>
+                      <a:lstStyle/>
+                      <a:p>
+                        <a:pPr marL="0" marR="0" lvl="0" indent="0" algn="ctr" defTabSz="914400" rtl="0" eaLnBrk="1" fontAlgn="auto" latinLnBrk="0" hangingPunct="1">
+                          <a:lnSpc>
+                            <a:spcPct val="100000"/>
+                          </a:lnSpc>
+                          <a:spcBef>
+                            <a:spcPts val="0"/>
+                          </a:spcBef>
+                          <a:spcAft>
+                            <a:spcPts val="0"/>
+                          </a:spcAft>
+                          <a:buClrTx/>
+                          <a:buSzTx/>
+                          <a:buFontTx/>
+                          <a:buNone/>
+                          <a:tabLst/>
+                          <a:defRPr/>
+                        </a:pPr>
+                        <a:r>
+                          <a:rPr lang="en-US" sz="1600" dirty="0">
+                            <a:latin typeface="Lucida Sans" panose="020B0602030504020204" pitchFamily="34" charset="0"/>
+                          </a:rPr>
+                          <a:t>1</a:t>
+                        </a:r>
+                      </a:p>
+                      <a:p>
+                        <a:pPr marL="0" marR="0" lvl="0" indent="0" algn="ctr" defTabSz="914400" rtl="0" eaLnBrk="1" fontAlgn="auto" latinLnBrk="0" hangingPunct="1">
+                          <a:lnSpc>
+                            <a:spcPct val="100000"/>
+                          </a:lnSpc>
+                          <a:spcBef>
+                            <a:spcPts val="0"/>
+                          </a:spcBef>
+                          <a:spcAft>
+                            <a:spcPts val="0"/>
+                          </a:spcAft>
+                          <a:buClrTx/>
+                          <a:buSzTx/>
+                          <a:buFontTx/>
+                          <a:buNone/>
+                          <a:tabLst/>
+                          <a:defRPr/>
+                        </a:pPr>
+                        <a:r>
+                          <a:rPr lang="en-US" sz="1600" dirty="0">
+                            <a:latin typeface="Lucida Sans" panose="020B0602030504020204" pitchFamily="34" charset="0"/>
+                          </a:rPr>
+                          <a:t>1</a:t>
+                        </a:r>
+                        <a:r>
+                          <a:rPr lang="en-US" sz="1600" b="0" strike="noStrike" spc="-1" dirty="0">
+                            <a:latin typeface="Lucida Sans" panose="020B0602030504020204" pitchFamily="34" charset="0"/>
+                          </a:rPr>
+                          <a:t>⋅</a:t>
+                        </a:r>
+                        <a:r>
+                          <a:rPr lang="en-US" sz="1600" dirty="0">
+                            <a:latin typeface="Lucida Sans" panose="020B0602030504020204" pitchFamily="34" charset="0"/>
+                          </a:rPr>
+                          <a:t>0</a:t>
+                        </a:r>
+                      </a:p>
+                      <a:p>
+                        <a:pPr marL="0" marR="0" lvl="0" indent="0" algn="ctr" defTabSz="914400" rtl="0" eaLnBrk="1" fontAlgn="auto" latinLnBrk="0" hangingPunct="1">
+                          <a:lnSpc>
+                            <a:spcPct val="100000"/>
+                          </a:lnSpc>
+                          <a:spcBef>
+                            <a:spcPts val="0"/>
+                          </a:spcBef>
+                          <a:spcAft>
+                            <a:spcPts val="0"/>
+                          </a:spcAft>
+                          <a:buClrTx/>
+                          <a:buSzTx/>
+                          <a:buFontTx/>
+                          <a:buNone/>
+                          <a:tabLst/>
+                          <a:defRPr/>
+                        </a:pPr>
+                        <a:r>
+                          <a:rPr lang="en-US" sz="1600" dirty="0">
+                            <a:latin typeface="Lucida Sans" panose="020B0602030504020204" pitchFamily="34" charset="0"/>
+                          </a:rPr>
+                          <a:t>0</a:t>
+                        </a:r>
+                      </a:p>
+                    </a:txBody>
+                    <a:tcPr marL="90000" marR="90000">
+                      <a:lnL w="12700" cap="flat" cmpd="sng" algn="ctr">
+                        <a:solidFill>
+                          <a:schemeClr val="tx1"/>
+                        </a:solidFill>
+                        <a:prstDash val="solid"/>
+                        <a:round/>
+                        <a:headEnd type="none" w="med" len="med"/>
+                        <a:tailEnd type="none" w="med" len="med"/>
+                      </a:lnL>
+                      <a:lnR w="12700" cap="flat" cmpd="sng" algn="ctr">
+                        <a:solidFill>
+                          <a:schemeClr val="tx1"/>
+                        </a:solidFill>
+                        <a:prstDash val="solid"/>
+                        <a:round/>
+                        <a:headEnd type="none" w="med" len="med"/>
+                        <a:tailEnd type="none" w="med" len="med"/>
+                      </a:lnR>
+                      <a:lnT w="12700" cap="flat" cmpd="sng" algn="ctr">
+                        <a:solidFill>
+                          <a:schemeClr val="tx1"/>
+                        </a:solidFill>
+                        <a:prstDash val="solid"/>
+                        <a:round/>
+                        <a:headEnd type="none" w="med" len="med"/>
+                        <a:tailEnd type="none" w="med" len="med"/>
+                      </a:lnT>
+                      <a:lnB w="12700" cap="flat" cmpd="sng" algn="ctr">
+                        <a:solidFill>
+                          <a:schemeClr val="tx1"/>
+                        </a:solidFill>
+                        <a:prstDash val="solid"/>
+                        <a:round/>
+                        <a:headEnd type="none" w="med" len="med"/>
+                        <a:tailEnd type="none" w="med" len="med"/>
+                      </a:lnB>
+                      <a:lnTlToBr w="12700" cmpd="sng">
+                        <a:noFill/>
+                        <a:prstDash val="solid"/>
+                      </a:lnTlToBr>
+                      <a:lnBlToTr w="12700" cmpd="sng">
+                        <a:noFill/>
+                        <a:prstDash val="solid"/>
+                      </a:lnBlToTr>
+                      <a:solidFill>
+                        <a:srgbClr val="FFB2B2"/>
+                      </a:solidFill>
+                    </a:tcPr>
+                  </a:tc>
+                  <a:tc>
+                    <a:txBody>
+                      <a:bodyPr/>
+                      <a:lstStyle/>
+                      <a:p>
+                        <a:pPr marL="0" marR="0" lvl="0" indent="0" algn="ctr" defTabSz="914400" rtl="0" eaLnBrk="1" fontAlgn="auto" latinLnBrk="0" hangingPunct="1">
+                          <a:lnSpc>
+                            <a:spcPct val="100000"/>
+                          </a:lnSpc>
+                          <a:spcBef>
+                            <a:spcPts val="0"/>
+                          </a:spcBef>
+                          <a:spcAft>
+                            <a:spcPts val="0"/>
+                          </a:spcAft>
+                          <a:buClrTx/>
+                          <a:buSzTx/>
+                          <a:buFontTx/>
+                          <a:buNone/>
+                          <a:tabLst/>
+                          <a:defRPr/>
+                        </a:pPr>
+                        <a:r>
+                          <a:rPr lang="en-US" sz="1600" dirty="0">
+                            <a:latin typeface="Lucida Sans" panose="020B0602030504020204" pitchFamily="34" charset="0"/>
+                          </a:rPr>
+                          <a:t>1</a:t>
+                        </a:r>
+                        <a:r>
+                          <a:rPr lang="en-US" sz="1600" b="0" strike="noStrike" spc="-1" dirty="0">
+                            <a:latin typeface="Lucida Sans" panose="020B0602030504020204" pitchFamily="34" charset="0"/>
+                          </a:rPr>
+                          <a:t>⋅</a:t>
+                        </a:r>
+                        <a:r>
+                          <a:rPr lang="en-US" sz="1600" dirty="0">
+                            <a:latin typeface="Lucida Sans" panose="020B0602030504020204" pitchFamily="34" charset="0"/>
+                          </a:rPr>
+                          <a:t>0</a:t>
+                        </a:r>
+                      </a:p>
+                      <a:p>
+                        <a:pPr marL="0" marR="0" lvl="0" indent="0" algn="ctr" defTabSz="914400" rtl="0" eaLnBrk="1" fontAlgn="auto" latinLnBrk="0" hangingPunct="1">
+                          <a:lnSpc>
+                            <a:spcPct val="100000"/>
+                          </a:lnSpc>
+                          <a:spcBef>
+                            <a:spcPts val="0"/>
+                          </a:spcBef>
+                          <a:spcAft>
+                            <a:spcPts val="0"/>
+                          </a:spcAft>
+                          <a:buClrTx/>
+                          <a:buSzTx/>
+                          <a:buFontTx/>
+                          <a:buNone/>
+                          <a:tabLst/>
+                          <a:defRPr/>
+                        </a:pPr>
+                        <a:r>
+                          <a:rPr lang="en-US" sz="1600" dirty="0">
+                            <a:latin typeface="Lucida Sans" panose="020B0602030504020204" pitchFamily="34" charset="0"/>
+                          </a:rPr>
+                          <a:t>0</a:t>
+                        </a:r>
+                      </a:p>
+                    </a:txBody>
+                    <a:tcPr marL="90000" marR="90000">
+                      <a:lnL w="12700" cap="flat" cmpd="sng" algn="ctr">
+                        <a:solidFill>
+                          <a:schemeClr val="tx1"/>
+                        </a:solidFill>
+                        <a:prstDash val="solid"/>
+                        <a:round/>
+                        <a:headEnd type="none" w="med" len="med"/>
+                        <a:tailEnd type="none" w="med" len="med"/>
+                      </a:lnL>
+                      <a:lnR w="12700" cap="flat" cmpd="sng" algn="ctr">
+                        <a:solidFill>
+                          <a:schemeClr val="tx1"/>
+                        </a:solidFill>
+                        <a:prstDash val="solid"/>
+                        <a:round/>
+                        <a:headEnd type="none" w="med" len="med"/>
+                        <a:tailEnd type="none" w="med" len="med"/>
+                      </a:lnR>
+                      <a:lnT w="12700" cap="flat" cmpd="sng" algn="ctr">
+                        <a:solidFill>
+                          <a:schemeClr val="tx1"/>
+                        </a:solidFill>
+                        <a:prstDash val="solid"/>
+                        <a:round/>
+                        <a:headEnd type="none" w="med" len="med"/>
+                        <a:tailEnd type="none" w="med" len="med"/>
+                      </a:lnT>
+                      <a:lnB w="12700" cap="flat" cmpd="sng" algn="ctr">
+                        <a:solidFill>
+                          <a:schemeClr val="tx1"/>
+                        </a:solidFill>
+                        <a:prstDash val="solid"/>
+                        <a:round/>
+                        <a:headEnd type="none" w="med" len="med"/>
+                        <a:tailEnd type="none" w="med" len="med"/>
+                      </a:lnB>
+                      <a:lnTlToBr w="12700" cmpd="sng">
+                        <a:noFill/>
+                        <a:prstDash val="solid"/>
+                      </a:lnTlToBr>
+                      <a:lnBlToTr w="12700" cmpd="sng">
+                        <a:noFill/>
+                        <a:prstDash val="solid"/>
+                      </a:lnBlToTr>
+                      <a:solidFill>
+                        <a:srgbClr val="FFB2B2"/>
+                      </a:solidFill>
+                    </a:tcPr>
+                  </a:tc>
+                  <a:tc>
+                    <a:txBody>
+                      <a:bodyPr/>
+                      <a:lstStyle/>
+                      <a:p>
+                        <a:pPr marL="0" marR="0" lvl="0" indent="0" algn="ctr" defTabSz="914400" rtl="0" eaLnBrk="1" fontAlgn="auto" latinLnBrk="0" hangingPunct="1">
+                          <a:lnSpc>
+                            <a:spcPct val="100000"/>
+                          </a:lnSpc>
+                          <a:spcBef>
+                            <a:spcPts val="0"/>
+                          </a:spcBef>
+                          <a:spcAft>
+                            <a:spcPts val="0"/>
+                          </a:spcAft>
+                          <a:buClrTx/>
+                          <a:buSzTx/>
+                          <a:buFontTx/>
+                          <a:buNone/>
+                          <a:tabLst/>
+                          <a:defRPr/>
+                        </a:pPr>
+                        <a:r>
+                          <a:rPr lang="en-US" sz="1600" dirty="0">
+                            <a:latin typeface="Lucida Sans" panose="020B0602030504020204" pitchFamily="34" charset="0"/>
+                          </a:rPr>
+                          <a:t>0</a:t>
+                        </a:r>
+                      </a:p>
+                    </a:txBody>
+                    <a:tcPr marL="90000" marR="90000">
+                      <a:lnL w="12700" cap="flat" cmpd="sng" algn="ctr">
+                        <a:solidFill>
+                          <a:schemeClr val="tx1"/>
+                        </a:solidFill>
+                        <a:prstDash val="solid"/>
+                        <a:round/>
+                        <a:headEnd type="none" w="med" len="med"/>
+                        <a:tailEnd type="none" w="med" len="med"/>
+                      </a:lnL>
+                      <a:lnR w="12700" cap="flat" cmpd="sng" algn="ctr">
+                        <a:solidFill>
+                          <a:schemeClr val="tx1"/>
+                        </a:solidFill>
+                        <a:prstDash val="solid"/>
+                        <a:round/>
+                        <a:headEnd type="none" w="med" len="med"/>
+                        <a:tailEnd type="none" w="med" len="med"/>
+                      </a:lnR>
+                      <a:lnT w="12700" cap="flat" cmpd="sng" algn="ctr">
+                        <a:solidFill>
+                          <a:schemeClr val="tx1"/>
+                        </a:solidFill>
+                        <a:prstDash val="solid"/>
+                        <a:round/>
+                        <a:headEnd type="none" w="med" len="med"/>
+                        <a:tailEnd type="none" w="med" len="med"/>
+                      </a:lnT>
+                      <a:lnB w="12700" cap="flat" cmpd="sng" algn="ctr">
+                        <a:solidFill>
+                          <a:schemeClr val="tx1"/>
+                        </a:solidFill>
+                        <a:prstDash val="solid"/>
+                        <a:round/>
+                        <a:headEnd type="none" w="med" len="med"/>
+                        <a:tailEnd type="none" w="med" len="med"/>
+                      </a:lnB>
+                      <a:lnTlToBr w="12700" cmpd="sng">
+                        <a:noFill/>
+                        <a:prstDash val="solid"/>
+                      </a:lnTlToBr>
+                      <a:lnBlToTr w="12700" cmpd="sng">
+                        <a:noFill/>
+                        <a:prstDash val="solid"/>
+                      </a:lnBlToTr>
+                      <a:solidFill>
+                        <a:srgbClr val="FFB2B2"/>
+                      </a:solidFill>
+                    </a:tcPr>
+                  </a:tc>
+                  <a:extLst>
+                    <a:ext uri="{0D108BD9-81ED-4DB2-BD59-A6C34878D82A}">
+                      <a16:rowId xmlns:a16="http://schemas.microsoft.com/office/drawing/2014/main" val="10000"/>
+                    </a:ext>
+                  </a:extLst>
+                </a:tr>
+                <a:tr h="699546">
+                  <a:tc>
+                    <a:txBody>
+                      <a:bodyPr/>
+                      <a:lstStyle/>
+                      <a:p>
+                        <a:pPr algn="ctr"/>
+                        <a:endParaRPr lang="tr-TR" sz="900" b="0" strike="noStrike" spc="-1" dirty="0">
+                          <a:latin typeface="Lucida Sans" panose="020B0602030504020204" pitchFamily="34" charset="0"/>
+                        </a:endParaRPr>
+                      </a:p>
+                      <a:p>
+                        <a:pPr algn="ctr"/>
+                        <a:r>
+                          <a:rPr lang="en-US" sz="1600" b="0" strike="noStrike" spc="-1" dirty="0">
+                            <a:latin typeface="Lucida Sans" panose="020B0602030504020204" pitchFamily="34" charset="0"/>
+                          </a:rPr>
+                          <a:t>x</a:t>
+                        </a:r>
+                        <a:r>
+                          <a:rPr lang="en-US" sz="1600" b="0" strike="noStrike" spc="-1" baseline="-25000" dirty="0">
+                            <a:latin typeface="Lucida Sans" panose="020B0602030504020204" pitchFamily="34" charset="0"/>
+                          </a:rPr>
+                          <a:t>2</a:t>
+                        </a:r>
+                      </a:p>
+                    </a:txBody>
+                    <a:tcPr marL="90000" marR="90000">
+                      <a:lnL w="12700" cap="flat" cmpd="sng" algn="ctr">
+                        <a:solidFill>
+                          <a:schemeClr val="tx1"/>
+                        </a:solidFill>
+                        <a:prstDash val="solid"/>
+                        <a:round/>
+                        <a:headEnd type="none" w="med" len="med"/>
+                        <a:tailEnd type="none" w="med" len="med"/>
+                      </a:lnL>
+                      <a:lnR w="12700" cap="flat" cmpd="sng" algn="ctr">
+                        <a:solidFill>
+                          <a:schemeClr val="tx1"/>
+                        </a:solidFill>
+                        <a:prstDash val="solid"/>
+                        <a:round/>
+                        <a:headEnd type="none" w="med" len="med"/>
+                        <a:tailEnd type="none" w="med" len="med"/>
+                      </a:lnR>
+                      <a:lnB w="12700" cap="flat" cmpd="sng" algn="ctr">
+                        <a:solidFill>
+                          <a:schemeClr val="tx1"/>
+                        </a:solidFill>
+                        <a:prstDash val="solid"/>
+                        <a:round/>
+                        <a:headEnd type="none" w="med" len="med"/>
+                        <a:tailEnd type="none" w="med" len="med"/>
+                      </a:lnB>
+                      <a:lnTlToBr w="12700" cmpd="sng">
+                        <a:noFill/>
+                        <a:prstDash val="solid"/>
+                      </a:lnTlToBr>
+                      <a:lnBlToTr w="12700" cmpd="sng">
+                        <a:noFill/>
+                        <a:prstDash val="solid"/>
+                      </a:lnBlToTr>
+                      <a:solidFill>
+                        <a:srgbClr val="B2D4EC"/>
+                      </a:solidFill>
+                    </a:tcPr>
+                  </a:tc>
+                  <a:tc>
+                    <a:txBody>
+                      <a:bodyPr/>
+                      <a:lstStyle/>
+                      <a:p>
+                        <a:pPr algn="ctr"/>
+                        <a:r>
+                          <a:rPr lang="en-US" sz="1600" b="0" strike="noStrike" spc="-1" dirty="0">
+                            <a:latin typeface="Lucida Sans" panose="020B0602030504020204" pitchFamily="34" charset="0"/>
+                          </a:rPr>
+                          <a:t>0</a:t>
+                        </a:r>
+                      </a:p>
+                    </a:txBody>
+                    <a:tcPr marL="90000" marR="90000">
+                      <a:lnL w="12700" cap="flat" cmpd="sng" algn="ctr">
+                        <a:solidFill>
+                          <a:schemeClr val="tx1"/>
+                        </a:solidFill>
+                        <a:prstDash val="solid"/>
+                        <a:round/>
+                        <a:headEnd type="none" w="med" len="med"/>
+                        <a:tailEnd type="none" w="med" len="med"/>
+                      </a:lnL>
+                      <a:lnT w="12700" cap="flat" cmpd="sng" algn="ctr">
+                        <a:solidFill>
+                          <a:schemeClr val="tx1"/>
+                        </a:solidFill>
+                        <a:prstDash val="solid"/>
+                        <a:round/>
+                        <a:headEnd type="none" w="med" len="med"/>
+                        <a:tailEnd type="none" w="med" len="med"/>
+                      </a:lnT>
+                      <a:lnTlToBr w="12700" cmpd="sng">
+                        <a:noFill/>
+                        <a:prstDash val="solid"/>
+                      </a:lnTlToBr>
+                      <a:lnBlToTr w="12700" cmpd="sng">
+                        <a:noFill/>
+                        <a:prstDash val="solid"/>
+                      </a:lnBlToTr>
+                      <a:solidFill>
+                        <a:srgbClr val="B2D4EC"/>
+                      </a:solidFill>
+                    </a:tcPr>
+                  </a:tc>
+                  <a:tc>
+                    <a:txBody>
+                      <a:bodyPr/>
+                      <a:lstStyle/>
+                      <a:p>
+                        <a:pPr algn="ctr"/>
+                        <a:r>
+                          <a:rPr lang="en-US" sz="1600" b="0" strike="noStrike" spc="-1" dirty="0">
+                            <a:latin typeface="Lucida Sans" panose="020B0602030504020204" pitchFamily="34" charset="0"/>
+                          </a:rPr>
+                          <a:t>0</a:t>
+                        </a:r>
+                      </a:p>
+                      <a:p>
+                        <a:pPr algn="ctr"/>
+                        <a:r>
+                          <a:rPr lang="en-US" sz="1600" b="0" strike="noStrike" spc="-1" dirty="0">
+                            <a:latin typeface="Lucida Sans" panose="020B0602030504020204" pitchFamily="34" charset="0"/>
+                          </a:rPr>
+                          <a:t>0⋅1</a:t>
+                        </a:r>
+                      </a:p>
+                    </a:txBody>
+                    <a:tcPr marL="90000" marR="90000">
+                      <a:lnT w="12700" cap="flat" cmpd="sng" algn="ctr">
+                        <a:solidFill>
+                          <a:schemeClr val="tx1"/>
+                        </a:solidFill>
+                        <a:prstDash val="solid"/>
+                        <a:round/>
+                        <a:headEnd type="none" w="med" len="med"/>
+                        <a:tailEnd type="none" w="med" len="med"/>
+                      </a:lnT>
+                      <a:lnTlToBr w="12700" cmpd="sng">
+                        <a:noFill/>
+                        <a:prstDash val="solid"/>
+                      </a:lnTlToBr>
+                      <a:lnBlToTr w="12700" cmpd="sng">
+                        <a:noFill/>
+                        <a:prstDash val="solid"/>
+                      </a:lnBlToTr>
+                      <a:solidFill>
+                        <a:srgbClr val="B2D4EC"/>
+                      </a:solidFill>
+                    </a:tcPr>
+                  </a:tc>
+                  <a:tc>
+                    <a:txBody>
+                      <a:bodyPr/>
+                      <a:lstStyle/>
+                      <a:p>
+                        <a:pPr algn="ctr"/>
+                        <a:r>
+                          <a:rPr lang="en-US" sz="1600" b="0" strike="noStrike" spc="-1" dirty="0">
+                            <a:latin typeface="Lucida Sans" panose="020B0602030504020204" pitchFamily="34" charset="0"/>
+                          </a:rPr>
+                          <a:t>0</a:t>
+                        </a:r>
+                      </a:p>
+                      <a:p>
+                        <a:pPr algn="ctr"/>
+                        <a:r>
+                          <a:rPr lang="en-US" sz="1600" b="0" strike="noStrike" spc="-1" dirty="0">
+                            <a:latin typeface="Lucida Sans" panose="020B0602030504020204" pitchFamily="34" charset="0"/>
+                          </a:rPr>
+                          <a:t>0⋅1</a:t>
+                        </a:r>
+                      </a:p>
+                      <a:p>
+                        <a:pPr algn="ctr"/>
+                        <a:r>
+                          <a:rPr lang="en-US" sz="1600" b="0" strike="noStrike" spc="-1" dirty="0">
+                            <a:latin typeface="Lucida Sans" panose="020B0602030504020204" pitchFamily="34" charset="0"/>
+                          </a:rPr>
+                          <a:t>1</a:t>
+                        </a:r>
+                      </a:p>
+                    </a:txBody>
+                    <a:tcPr marL="90000" marR="90000">
+                      <a:lnT w="12700" cap="flat" cmpd="sng" algn="ctr">
+                        <a:solidFill>
+                          <a:schemeClr val="tx1"/>
+                        </a:solidFill>
+                        <a:prstDash val="solid"/>
+                        <a:round/>
+                        <a:headEnd type="none" w="med" len="med"/>
+                        <a:tailEnd type="none" w="med" len="med"/>
+                      </a:lnT>
+                      <a:lnTlToBr w="12700" cmpd="sng">
+                        <a:noFill/>
+                        <a:prstDash val="solid"/>
+                      </a:lnTlToBr>
+                      <a:lnBlToTr w="12700" cmpd="sng">
+                        <a:noFill/>
+                        <a:prstDash val="solid"/>
+                      </a:lnBlToTr>
+                      <a:solidFill>
+                        <a:srgbClr val="B2D4EC"/>
+                      </a:solidFill>
+                    </a:tcPr>
+                  </a:tc>
+                  <a:tc>
+                    <a:txBody>
+                      <a:bodyPr/>
+                      <a:lstStyle/>
+                      <a:p>
+                        <a:pPr marL="0" marR="0" lvl="0" indent="0" algn="ctr" defTabSz="914400" rtl="0" eaLnBrk="1" fontAlgn="auto" latinLnBrk="0" hangingPunct="1">
+                          <a:lnSpc>
+                            <a:spcPct val="100000"/>
+                          </a:lnSpc>
+                          <a:spcBef>
+                            <a:spcPts val="0"/>
+                          </a:spcBef>
+                          <a:spcAft>
+                            <a:spcPts val="0"/>
+                          </a:spcAft>
+                          <a:buClrTx/>
+                          <a:buSzTx/>
+                          <a:buFontTx/>
+                          <a:buNone/>
+                          <a:tabLst/>
+                          <a:defRPr/>
+                        </a:pPr>
+                        <a:r>
+                          <a:rPr lang="en-US" sz="1600" dirty="0">
+                            <a:latin typeface="Lucida Sans" panose="020B0602030504020204" pitchFamily="34" charset="0"/>
+                          </a:rPr>
+                          <a:t>0</a:t>
+                        </a:r>
+                        <a:r>
+                          <a:rPr lang="en-US" sz="1600" b="0" strike="noStrike" spc="-1" dirty="0">
+                            <a:latin typeface="Lucida Sans" panose="020B0602030504020204" pitchFamily="34" charset="0"/>
+                          </a:rPr>
+                          <a:t>⋅</a:t>
+                        </a:r>
+                        <a:r>
+                          <a:rPr lang="en-US" sz="1600" dirty="0">
+                            <a:latin typeface="Lucida Sans" panose="020B0602030504020204" pitchFamily="34" charset="0"/>
+                          </a:rPr>
+                          <a:t>1</a:t>
+                        </a:r>
+                      </a:p>
+                      <a:p>
+                        <a:pPr marL="0" marR="0" lvl="0" indent="0" algn="ctr" defTabSz="914400" rtl="0" eaLnBrk="1" fontAlgn="auto" latinLnBrk="0" hangingPunct="1">
+                          <a:lnSpc>
+                            <a:spcPct val="100000"/>
+                          </a:lnSpc>
+                          <a:spcBef>
+                            <a:spcPts val="0"/>
+                          </a:spcBef>
+                          <a:spcAft>
+                            <a:spcPts val="0"/>
+                          </a:spcAft>
+                          <a:buClrTx/>
+                          <a:buSzTx/>
+                          <a:buFontTx/>
+                          <a:buNone/>
+                          <a:tabLst/>
+                          <a:defRPr/>
+                        </a:pPr>
+                        <a:r>
+                          <a:rPr lang="en-US" sz="1600" dirty="0">
+                            <a:latin typeface="Lucida Sans" panose="020B0602030504020204" pitchFamily="34" charset="0"/>
+                          </a:rPr>
+                          <a:t>0</a:t>
+                        </a:r>
+                        <a:r>
+                          <a:rPr lang="en-US" sz="1600" b="0" strike="noStrike" spc="-1" dirty="0">
+                            <a:latin typeface="Lucida Sans" panose="020B0602030504020204" pitchFamily="34" charset="0"/>
+                          </a:rPr>
+                          <a:t>⋅</a:t>
+                        </a:r>
+                        <a:r>
+                          <a:rPr lang="en-US" sz="1600" dirty="0">
+                            <a:latin typeface="Lucida Sans" panose="020B0602030504020204" pitchFamily="34" charset="0"/>
+                          </a:rPr>
+                          <a:t>1</a:t>
+                        </a:r>
+                        <a:r>
+                          <a:rPr lang="en-US" sz="1600" b="0" strike="noStrike" spc="-1" dirty="0">
+                            <a:latin typeface="Lucida Sans" panose="020B0602030504020204" pitchFamily="34" charset="0"/>
+                          </a:rPr>
+                          <a:t>⋅</a:t>
+                        </a:r>
+                        <a:r>
+                          <a:rPr lang="en-US" sz="1600" dirty="0">
+                            <a:latin typeface="Lucida Sans" panose="020B0602030504020204" pitchFamily="34" charset="0"/>
+                          </a:rPr>
+                          <a:t>0</a:t>
+                        </a:r>
+                      </a:p>
+                      <a:p>
+                        <a:pPr marL="0" marR="0" lvl="0" indent="0" algn="ctr" defTabSz="914400" rtl="0" eaLnBrk="1" fontAlgn="auto" latinLnBrk="0" hangingPunct="1">
+                          <a:lnSpc>
+                            <a:spcPct val="100000"/>
+                          </a:lnSpc>
+                          <a:spcBef>
+                            <a:spcPts val="0"/>
+                          </a:spcBef>
+                          <a:spcAft>
+                            <a:spcPts val="0"/>
+                          </a:spcAft>
+                          <a:buClrTx/>
+                          <a:buSzTx/>
+                          <a:buFontTx/>
+                          <a:buNone/>
+                          <a:tabLst/>
+                          <a:defRPr/>
+                        </a:pPr>
+                        <a:r>
+                          <a:rPr lang="en-US" sz="1600" dirty="0">
+                            <a:latin typeface="Lucida Sans" panose="020B0602030504020204" pitchFamily="34" charset="0"/>
+                          </a:rPr>
+                          <a:t>1</a:t>
+                        </a:r>
+                      </a:p>
+                      <a:p>
+                        <a:pPr marL="0" marR="0" lvl="0" indent="0" algn="ctr" defTabSz="914400" rtl="0" eaLnBrk="1" fontAlgn="auto" latinLnBrk="0" hangingPunct="1">
+                          <a:lnSpc>
+                            <a:spcPct val="100000"/>
+                          </a:lnSpc>
+                          <a:spcBef>
+                            <a:spcPts val="0"/>
+                          </a:spcBef>
+                          <a:spcAft>
+                            <a:spcPts val="0"/>
+                          </a:spcAft>
+                          <a:buClrTx/>
+                          <a:buSzTx/>
+                          <a:buFontTx/>
+                          <a:buNone/>
+                          <a:tabLst/>
+                          <a:defRPr/>
+                        </a:pPr>
+                        <a:r>
+                          <a:rPr lang="en-US" sz="1600" dirty="0">
+                            <a:latin typeface="Lucida Sans" panose="020B0602030504020204" pitchFamily="34" charset="0"/>
+                          </a:rPr>
+                          <a:t>1</a:t>
+                        </a:r>
+                        <a:r>
+                          <a:rPr lang="en-US" sz="1600" b="0" strike="noStrike" spc="-1" dirty="0">
+                            <a:latin typeface="Lucida Sans" panose="020B0602030504020204" pitchFamily="34" charset="0"/>
+                          </a:rPr>
+                          <a:t>⋅</a:t>
+                        </a:r>
+                        <a:r>
+                          <a:rPr lang="en-US" sz="1600" dirty="0">
+                            <a:latin typeface="Lucida Sans" panose="020B0602030504020204" pitchFamily="34" charset="0"/>
+                          </a:rPr>
+                          <a:t>0</a:t>
+                        </a:r>
+                      </a:p>
+                    </a:txBody>
+                    <a:tcPr marL="90000" marR="90000">
+                      <a:lnT w="12700" cap="flat" cmpd="sng" algn="ctr">
+                        <a:solidFill>
+                          <a:schemeClr val="tx1"/>
+                        </a:solidFill>
+                        <a:prstDash val="solid"/>
+                        <a:round/>
+                        <a:headEnd type="none" w="med" len="med"/>
+                        <a:tailEnd type="none" w="med" len="med"/>
+                      </a:lnT>
+                      <a:lnTlToBr w="12700" cmpd="sng">
+                        <a:noFill/>
+                        <a:prstDash val="solid"/>
+                      </a:lnTlToBr>
+                      <a:lnBlToTr w="12700" cmpd="sng">
+                        <a:noFill/>
+                        <a:prstDash val="solid"/>
+                      </a:lnBlToTr>
+                      <a:solidFill>
+                        <a:srgbClr val="B2D4EC"/>
+                      </a:solidFill>
+                    </a:tcPr>
+                  </a:tc>
+                  <a:tc>
+                    <a:txBody>
+                      <a:bodyPr/>
+                      <a:lstStyle/>
+                      <a:p>
+                        <a:pPr algn="ctr"/>
+                        <a:r>
+                          <a:rPr lang="en-US" sz="1600" b="0" strike="noStrike" spc="-1" dirty="0">
+                            <a:latin typeface="Lucida Sans" panose="020B0602030504020204" pitchFamily="34" charset="0"/>
+                          </a:rPr>
+                          <a:t>1</a:t>
+                        </a:r>
+                      </a:p>
+                      <a:p>
+                        <a:pPr algn="ctr"/>
+                        <a:r>
+                          <a:rPr lang="en-US" sz="1600" b="0" strike="noStrike" spc="-1" dirty="0">
+                            <a:latin typeface="Lucida Sans" panose="020B0602030504020204" pitchFamily="34" charset="0"/>
+                          </a:rPr>
+                          <a:t>1⋅0</a:t>
+                        </a:r>
+                      </a:p>
+                      <a:p>
+                        <a:pPr algn="ctr"/>
+                        <a:r>
+                          <a:rPr lang="en-US" sz="1600" b="0" strike="noStrike" spc="-1" dirty="0">
+                            <a:latin typeface="Lucida Sans" panose="020B0602030504020204" pitchFamily="34" charset="0"/>
+                          </a:rPr>
+                          <a:t>0</a:t>
+                        </a:r>
+                      </a:p>
+                    </a:txBody>
+                    <a:tcPr marL="90000" marR="90000">
+                      <a:lnT w="12700" cap="flat" cmpd="sng" algn="ctr">
+                        <a:solidFill>
+                          <a:schemeClr val="tx1"/>
+                        </a:solidFill>
+                        <a:prstDash val="solid"/>
+                        <a:round/>
+                        <a:headEnd type="none" w="med" len="med"/>
+                        <a:tailEnd type="none" w="med" len="med"/>
+                      </a:lnT>
+                      <a:lnTlToBr w="12700" cmpd="sng">
+                        <a:noFill/>
+                        <a:prstDash val="solid"/>
+                      </a:lnTlToBr>
+                      <a:lnBlToTr w="12700" cmpd="sng">
+                        <a:noFill/>
+                        <a:prstDash val="solid"/>
+                      </a:lnBlToTr>
+                      <a:solidFill>
+                        <a:srgbClr val="B2D4EC"/>
+                      </a:solidFill>
+                    </a:tcPr>
+                  </a:tc>
+                  <a:tc>
+                    <a:txBody>
+                      <a:bodyPr/>
+                      <a:lstStyle/>
+                      <a:p>
+                        <a:pPr algn="ctr"/>
+                        <a:r>
+                          <a:rPr lang="en-US" sz="1600" b="0" strike="noStrike" spc="-1" dirty="0">
+                            <a:latin typeface="Lucida Sans" panose="020B0602030504020204" pitchFamily="34" charset="0"/>
+                          </a:rPr>
+                          <a:t>1⋅0</a:t>
+                        </a:r>
+                      </a:p>
+                      <a:p>
+                        <a:pPr algn="ctr"/>
+                        <a:r>
+                          <a:rPr lang="en-US" sz="1600" b="0" strike="noStrike" spc="-1" dirty="0">
+                            <a:latin typeface="Lucida Sans" panose="020B0602030504020204" pitchFamily="34" charset="0"/>
+                          </a:rPr>
+                          <a:t>0</a:t>
+                        </a:r>
+                      </a:p>
+                    </a:txBody>
+                    <a:tcPr marL="90000" marR="90000">
+                      <a:lnT w="12700" cap="flat" cmpd="sng" algn="ctr">
+                        <a:solidFill>
+                          <a:schemeClr val="tx1"/>
+                        </a:solidFill>
+                        <a:prstDash val="solid"/>
+                        <a:round/>
+                        <a:headEnd type="none" w="med" len="med"/>
+                        <a:tailEnd type="none" w="med" len="med"/>
+                      </a:lnT>
+                      <a:lnTlToBr w="12700" cmpd="sng">
+                        <a:noFill/>
+                        <a:prstDash val="solid"/>
+                      </a:lnTlToBr>
+                      <a:lnBlToTr w="12700" cmpd="sng">
+                        <a:noFill/>
+                        <a:prstDash val="solid"/>
+                      </a:lnBlToTr>
+                      <a:solidFill>
+                        <a:srgbClr val="B2D4EC"/>
+                      </a:solidFill>
+                    </a:tcPr>
+                  </a:tc>
+                  <a:extLst>
+                    <a:ext uri="{0D108BD9-81ED-4DB2-BD59-A6C34878D82A}">
+                      <a16:rowId xmlns:a16="http://schemas.microsoft.com/office/drawing/2014/main" val="10001"/>
+                    </a:ext>
+                  </a:extLst>
+                </a:tr>
+              </a:tbl>
+            </a:graphicData>
+          </a:graphic>
+        </p:graphicFrame>
+        <p:sp>
+          <p:nvSpPr>
+            <p:cNvPr id="9" name="TextShape 3">
+              <a:extLst>
+                <a:ext uri="{FF2B5EF4-FFF2-40B4-BE49-F238E27FC236}">
+                  <a16:creationId xmlns:a16="http://schemas.microsoft.com/office/drawing/2014/main" id="{F2877633-F7C2-3AA0-CFBD-14572B4D5D41}"/>
+                </a:ext>
+              </a:extLst>
+            </p:cNvPr>
+            <p:cNvSpPr txBox="1"/>
+            <p:nvPr/>
+          </p:nvSpPr>
+          <p:spPr>
+            <a:xfrm>
+              <a:off x="215776" y="875312"/>
+              <a:ext cx="459720" cy="401400"/>
+            </a:xfrm>
+            <a:prstGeom prst="rect">
+              <a:avLst/>
+            </a:prstGeom>
+            <a:noFill/>
+            <a:ln>
+              <a:noFill/>
+            </a:ln>
+          </p:spPr>
+          <p:txBody>
+            <a:bodyPr lIns="90000" tIns="45000" rIns="90000" bIns="45000"/>
+            <a:lstStyle/>
+            <a:p>
+              <a:r>
+                <a:rPr lang="en-US" sz="1400" b="0" strike="noStrike" spc="-1" dirty="0">
+                  <a:latin typeface="Lucida Sans" panose="020B0602030504020204" pitchFamily="34" charset="0"/>
+                </a:rPr>
+                <a:t>(b)</a:t>
+              </a:r>
+            </a:p>
+          </p:txBody>
+        </p:sp>
+      </p:grpSp>
+      <p:sp>
+        <p:nvSpPr>
+          <p:cNvPr id="16" name="TextShape 3">
+            <a:extLst>
+              <a:ext uri="{FF2B5EF4-FFF2-40B4-BE49-F238E27FC236}">
+                <a16:creationId xmlns:a16="http://schemas.microsoft.com/office/drawing/2014/main" id="{A0F123BD-333F-B290-E0A9-6C4A9AFE3659}"/>
+              </a:ext>
+            </a:extLst>
+          </p:cNvPr>
+          <p:cNvSpPr txBox="1"/>
+          <p:nvPr/>
+        </p:nvSpPr>
+        <p:spPr>
+          <a:xfrm>
+            <a:off x="503808" y="2498171"/>
+            <a:ext cx="6521702" cy="229769"/>
+          </a:xfrm>
+          <a:prstGeom prst="rect">
+            <a:avLst/>
+          </a:prstGeom>
+          <a:noFill/>
+          <a:ln>
+            <a:noFill/>
+          </a:ln>
+        </p:spPr>
+        <p:txBody>
+          <a:bodyPr lIns="90000" tIns="45000" rIns="90000" bIns="45000"/>
+          <a:lstStyle/>
+          <a:p>
+            <a:r>
+              <a:rPr lang="en-US" sz="1400" b="0" strike="noStrike" spc="-1" dirty="0">
+                <a:latin typeface="Lucida Sans" panose="020B0602030504020204" pitchFamily="34" charset="0"/>
+              </a:rPr>
+              <a:t>     t</a:t>
+            </a:r>
+            <a:r>
+              <a:rPr lang="tr-TR" sz="1400" b="0" strike="noStrike" spc="-1" dirty="0">
+                <a:latin typeface="Lucida Sans" panose="020B0602030504020204" pitchFamily="34" charset="0"/>
+              </a:rPr>
+              <a:t> </a:t>
+            </a:r>
+            <a:r>
+              <a:rPr lang="en-US" sz="1400" spc="-1" dirty="0">
+                <a:latin typeface="Lucida Sans" panose="020B0602030504020204" pitchFamily="34" charset="0"/>
+              </a:rPr>
+              <a:t>:</a:t>
+            </a:r>
+            <a:r>
+              <a:rPr lang="tr-TR" sz="1400" b="0" strike="noStrike" spc="-1" dirty="0">
+                <a:latin typeface="Lucida Sans" panose="020B0602030504020204" pitchFamily="34" charset="0"/>
+              </a:rPr>
+              <a:t>   0          </a:t>
+            </a:r>
+            <a:r>
+              <a:rPr lang="en-US" sz="1400" b="0" strike="noStrike" spc="-1" dirty="0">
+                <a:latin typeface="Lucida Sans" panose="020B0602030504020204" pitchFamily="34" charset="0"/>
+              </a:rPr>
+              <a:t> </a:t>
+            </a:r>
+            <a:r>
+              <a:rPr lang="tr-TR" sz="1400" b="0" strike="noStrike" spc="-1" dirty="0">
+                <a:latin typeface="Lucida Sans" panose="020B0602030504020204" pitchFamily="34" charset="0"/>
+              </a:rPr>
+              <a:t>1          </a:t>
+            </a:r>
+            <a:r>
+              <a:rPr lang="en-US" sz="1400" spc="-1" dirty="0">
+                <a:latin typeface="Lucida Sans" panose="020B0602030504020204" pitchFamily="34" charset="0"/>
+              </a:rPr>
+              <a:t>   </a:t>
+            </a:r>
+            <a:r>
+              <a:rPr lang="tr-TR" sz="1400" b="0" strike="noStrike" spc="-1" dirty="0">
+                <a:latin typeface="Lucida Sans" panose="020B0602030504020204" pitchFamily="34" charset="0"/>
+              </a:rPr>
+              <a:t>         3          4</a:t>
+            </a:r>
+            <a:r>
+              <a:rPr lang="en-US" sz="1400" b="0" strike="noStrike" spc="-1" dirty="0">
+                <a:latin typeface="Lucida Sans" panose="020B0602030504020204" pitchFamily="34" charset="0"/>
+              </a:rPr>
+              <a:t>           5</a:t>
+            </a:r>
+            <a:r>
+              <a:rPr lang="tr-TR" sz="1400" b="0" strike="noStrike" spc="-1" dirty="0">
+                <a:latin typeface="Lucida Sans" panose="020B0602030504020204" pitchFamily="34" charset="0"/>
+              </a:rPr>
+              <a:t> </a:t>
+            </a:r>
+            <a:r>
+              <a:rPr lang="en-US" sz="1400" b="0" strike="noStrike" spc="-1" dirty="0">
+                <a:latin typeface="Lucida Sans" panose="020B0602030504020204" pitchFamily="34" charset="0"/>
+              </a:rPr>
+              <a:t> </a:t>
+            </a:r>
+            <a:r>
+              <a:rPr lang="tr-TR" sz="1400" b="0" strike="noStrike" spc="-1" dirty="0">
+                <a:latin typeface="Lucida Sans" panose="020B0602030504020204" pitchFamily="34" charset="0"/>
+              </a:rPr>
+              <a:t>        </a:t>
+            </a:r>
+            <a:r>
+              <a:rPr lang="en-US" sz="1400" spc="-1" dirty="0">
+                <a:latin typeface="Lucida Sans" panose="020B0602030504020204" pitchFamily="34" charset="0"/>
+              </a:rPr>
+              <a:t> </a:t>
+            </a:r>
+            <a:r>
+              <a:rPr lang="tr-TR" sz="1400" b="0" strike="noStrike" spc="-1" dirty="0">
+                <a:latin typeface="Lucida Sans" panose="020B0602030504020204" pitchFamily="34" charset="0"/>
+              </a:rPr>
+              <a:t>           7  </a:t>
+            </a:r>
+            <a:r>
+              <a:rPr lang="en-US" sz="1400" b="0" strike="noStrike" spc="-1" dirty="0">
+                <a:latin typeface="Lucida Sans" panose="020B0602030504020204" pitchFamily="34" charset="0"/>
+              </a:rPr>
+              <a:t>  </a:t>
+            </a:r>
+            <a:r>
+              <a:rPr lang="tr-TR" sz="1400" b="0" strike="noStrike" spc="-1" dirty="0">
+                <a:latin typeface="Lucida Sans" panose="020B0602030504020204" pitchFamily="34" charset="0"/>
+              </a:rPr>
+              <a:t>      8</a:t>
+            </a:r>
+            <a:endParaRPr lang="en-US" sz="1400" b="0" strike="noStrike" spc="-1" dirty="0">
+              <a:latin typeface="Lucida Sans" panose="020B0602030504020204" pitchFamily="34" charset="0"/>
+            </a:endParaRPr>
+          </a:p>
+        </p:txBody>
+      </p:sp>
+    </p:spTree>
+    <p:extLst>
+      <p:ext uri="{BB962C8B-B14F-4D97-AF65-F5344CB8AC3E}">
+        <p14:creationId xmlns:p14="http://schemas.microsoft.com/office/powerpoint/2010/main" val="1370113024"/>
+      </p:ext>
+    </p:extLst>
+  </p:cSld>
+  <p:clrMapOvr>
+    <a:masterClrMapping/>
+  </p:clrMapOvr>
+  <p:timing>
+    <p:tnLst>
+      <p:par>
+        <p:cTn id="1" dur="indefinite" restart="never" nodeType="tmRoot">
+          <p:childTnLst>
+            <p:seq>
+              <p:cTn id="2" dur="indefinite" nodeType="mainSeq"/>
+              <p:prevCondLst>
+                <p:cond evt="onPrev" delay="0">
+                  <p:tgtEl>
+                    <p:sldTgt/>
+                  </p:tgtEl>
+                </p:cond>
+              </p:prevCondLst>
+              <p:nextCondLst>
+                <p:cond evt="onNext" delay="0">
+                  <p:tgtEl>
+                    <p:sldTgt/>
+                  </p:tgtEl>
+                </p:cond>
+              </p:nextCondLst>
+            </p:seq>
+          </p:childTnLst>
+        </p:cTn>
+      </p:par>
+    </p:tnLst>
+  </p:timing>
+</p:sld>
+</file>
+
+<file path=ppt/slides/slide7.xml><?xml version="1.0" encoding="utf-8"?>
 <p:sld xmlns:a="http://schemas.openxmlformats.org/drawingml/2006/main" xmlns:r="http://schemas.openxmlformats.org/officeDocument/2006/relationships" xmlns:p="http://schemas.openxmlformats.org/presentationml/2006/main">
   <p:cSld>
     <p:spTree>
@@ -10775,7 +17932,7 @@
 </p:sld>
 </file>
 
-<file path=ppt/slides/slide5.xml><?xml version="1.0" encoding="utf-8"?>
+<file path=ppt/slides/slide8.xml><?xml version="1.0" encoding="utf-8"?>
 <p:sld xmlns:a="http://schemas.openxmlformats.org/drawingml/2006/main" xmlns:r="http://schemas.openxmlformats.org/officeDocument/2006/relationships" xmlns:p="http://schemas.openxmlformats.org/presentationml/2006/main">
   <p:cSld>
     <p:spTree>

--- a/tex/old/figures.pptx
+++ b/tex/old/figures.pptx
@@ -11,8 +11,9 @@
     <p:sldId id="262" r:id="rId5"/>
     <p:sldId id="256" r:id="rId6"/>
     <p:sldId id="265" r:id="rId7"/>
-    <p:sldId id="261" r:id="rId8"/>
-    <p:sldId id="257" r:id="rId9"/>
+    <p:sldId id="266" r:id="rId8"/>
+    <p:sldId id="261" r:id="rId9"/>
+    <p:sldId id="257" r:id="rId10"/>
   </p:sldIdLst>
   <p:sldSz cx="10080625" cy="5670550"/>
   <p:notesSz cx="7559675" cy="10691813"/>
@@ -15852,6 +15853,15 @@
                         <a:headEnd type="none" w="med" len="med"/>
                         <a:tailEnd type="none" w="med" len="med"/>
                       </a:lnR>
+                      <a:lnT w="12700" cap="flat" cmpd="sng" algn="ctr">
+                        <a:solidFill>
+                          <a:schemeClr val="tx1"/>
+                        </a:solidFill>
+                        <a:prstDash val="solid"/>
+                        <a:round/>
+                        <a:headEnd type="none" w="med" len="med"/>
+                        <a:tailEnd type="none" w="med" len="med"/>
+                      </a:lnT>
                       <a:lnB w="12700" cap="flat" cmpd="sng" algn="ctr">
                         <a:solidFill>
                           <a:schemeClr val="tx1"/>
@@ -16519,6 +16529,1708 @@
 </file>
 
 <file path=ppt/slides/slide7.xml><?xml version="1.0" encoding="utf-8"?>
+<p:sld xmlns:a="http://schemas.openxmlformats.org/drawingml/2006/main" xmlns:r="http://schemas.openxmlformats.org/officeDocument/2006/relationships" xmlns:p="http://schemas.openxmlformats.org/presentationml/2006/main">
+  <p:cSld>
+    <p:spTree>
+      <p:nvGrpSpPr>
+        <p:cNvPr id="1" name=""/>
+        <p:cNvGrpSpPr/>
+        <p:nvPr/>
+      </p:nvGrpSpPr>
+      <p:grpSpPr>
+        <a:xfrm>
+          <a:off x="0" y="0"/>
+          <a:ext cx="0" cy="0"/>
+          <a:chOff x="0" y="0"/>
+          <a:chExt cx="0" cy="0"/>
+        </a:xfrm>
+      </p:grpSpPr>
+      <p:grpSp>
+        <p:nvGrpSpPr>
+          <p:cNvPr id="36" name="Group 35">
+            <a:extLst>
+              <a:ext uri="{FF2B5EF4-FFF2-40B4-BE49-F238E27FC236}">
+                <a16:creationId xmlns:a16="http://schemas.microsoft.com/office/drawing/2014/main" id="{9B4F6687-FF87-1442-8208-ECCF1D01D52B}"/>
+              </a:ext>
+            </a:extLst>
+          </p:cNvPr>
+          <p:cNvGrpSpPr/>
+          <p:nvPr/>
+        </p:nvGrpSpPr>
+        <p:grpSpPr>
+          <a:xfrm>
+            <a:off x="503808" y="265923"/>
+            <a:ext cx="6521702" cy="2497344"/>
+            <a:chOff x="503808" y="265923"/>
+            <a:chExt cx="6521702" cy="2497344"/>
+          </a:xfrm>
+        </p:grpSpPr>
+        <p:cxnSp>
+          <p:nvCxnSpPr>
+            <p:cNvPr id="20" name="Straight Connector 19">
+              <a:extLst>
+                <a:ext uri="{FF2B5EF4-FFF2-40B4-BE49-F238E27FC236}">
+                  <a16:creationId xmlns:a16="http://schemas.microsoft.com/office/drawing/2014/main" id="{5B192B82-D3B2-02F4-5951-E5B8F56CD249}"/>
+                </a:ext>
+              </a:extLst>
+            </p:cNvPr>
+            <p:cNvCxnSpPr>
+              <a:cxnSpLocks/>
+            </p:cNvCxnSpPr>
+            <p:nvPr/>
+          </p:nvCxnSpPr>
+          <p:spPr>
+            <a:xfrm>
+              <a:off x="3312120" y="1683147"/>
+              <a:ext cx="0" cy="1080120"/>
+            </a:xfrm>
+            <a:prstGeom prst="line">
+              <a:avLst/>
+            </a:prstGeom>
+            <a:ln w="28575">
+              <a:solidFill>
+                <a:schemeClr val="bg1">
+                  <a:lumMod val="75000"/>
+                </a:schemeClr>
+              </a:solidFill>
+              <a:prstDash val="sysDot"/>
+            </a:ln>
+          </p:spPr>
+          <p:style>
+            <a:lnRef idx="1">
+              <a:schemeClr val="accent1"/>
+            </a:lnRef>
+            <a:fillRef idx="0">
+              <a:schemeClr val="accent1"/>
+            </a:fillRef>
+            <a:effectRef idx="0">
+              <a:schemeClr val="accent1"/>
+            </a:effectRef>
+            <a:fontRef idx="minor">
+              <a:schemeClr val="tx1"/>
+            </a:fontRef>
+          </p:style>
+        </p:cxnSp>
+        <p:graphicFrame>
+          <p:nvGraphicFramePr>
+            <p:cNvPr id="7" name="Table 1">
+              <a:extLst>
+                <a:ext uri="{FF2B5EF4-FFF2-40B4-BE49-F238E27FC236}">
+                  <a16:creationId xmlns:a16="http://schemas.microsoft.com/office/drawing/2014/main" id="{957A6723-27B3-6D32-60D7-9375CE442B5E}"/>
+                </a:ext>
+              </a:extLst>
+            </p:cNvPr>
+            <p:cNvGraphicFramePr/>
+            <p:nvPr>
+              <p:extLst>
+                <p:ext uri="{D42A27DB-BD31-4B8C-83A1-F6EECF244321}">
+                  <p14:modId xmlns:p14="http://schemas.microsoft.com/office/powerpoint/2010/main" val="195963615"/>
+                </p:ext>
+              </p:extLst>
+            </p:nvPr>
+          </p:nvGraphicFramePr>
+          <p:xfrm>
+            <a:off x="693508" y="573368"/>
+            <a:ext cx="6029312" cy="1066800"/>
+          </p:xfrm>
+          <a:graphic>
+            <a:graphicData uri="http://schemas.openxmlformats.org/drawingml/2006/table">
+              <a:tbl>
+                <a:tblPr/>
+                <a:tblGrid>
+                  <a:gridCol w="563760">
+                    <a:extLst>
+                      <a:ext uri="{9D8B030D-6E8A-4147-A177-3AD203B41FA5}">
+                        <a16:colId xmlns:a16="http://schemas.microsoft.com/office/drawing/2014/main" val="20000"/>
+                      </a:ext>
+                    </a:extLst>
+                  </a:gridCol>
+                  <a:gridCol w="683194">
+                    <a:extLst>
+                      <a:ext uri="{9D8B030D-6E8A-4147-A177-3AD203B41FA5}">
+                        <a16:colId xmlns:a16="http://schemas.microsoft.com/office/drawing/2014/main" val="20001"/>
+                      </a:ext>
+                    </a:extLst>
+                  </a:gridCol>
+                  <a:gridCol w="1366388">
+                    <a:extLst>
+                      <a:ext uri="{9D8B030D-6E8A-4147-A177-3AD203B41FA5}">
+                        <a16:colId xmlns:a16="http://schemas.microsoft.com/office/drawing/2014/main" val="631010376"/>
+                      </a:ext>
+                    </a:extLst>
+                  </a:gridCol>
+                  <a:gridCol w="725350">
+                    <a:extLst>
+                      <a:ext uri="{9D8B030D-6E8A-4147-A177-3AD203B41FA5}">
+                        <a16:colId xmlns:a16="http://schemas.microsoft.com/office/drawing/2014/main" val="1916309031"/>
+                      </a:ext>
+                    </a:extLst>
+                  </a:gridCol>
+                  <a:gridCol w="641038">
+                    <a:extLst>
+                      <a:ext uri="{9D8B030D-6E8A-4147-A177-3AD203B41FA5}">
+                        <a16:colId xmlns:a16="http://schemas.microsoft.com/office/drawing/2014/main" val="2317427843"/>
+                      </a:ext>
+                    </a:extLst>
+                  </a:gridCol>
+                  <a:gridCol w="1366388">
+                    <a:extLst>
+                      <a:ext uri="{9D8B030D-6E8A-4147-A177-3AD203B41FA5}">
+                        <a16:colId xmlns:a16="http://schemas.microsoft.com/office/drawing/2014/main" val="1950255188"/>
+                      </a:ext>
+                    </a:extLst>
+                  </a:gridCol>
+                  <a:gridCol w="683194">
+                    <a:extLst>
+                      <a:ext uri="{9D8B030D-6E8A-4147-A177-3AD203B41FA5}">
+                        <a16:colId xmlns:a16="http://schemas.microsoft.com/office/drawing/2014/main" val="340497729"/>
+                      </a:ext>
+                    </a:extLst>
+                  </a:gridCol>
+                </a:tblGrid>
+                <a:tr h="191186">
+                  <a:tc>
+                    <a:txBody>
+                      <a:bodyPr/>
+                      <a:lstStyle/>
+                      <a:p>
+                        <a:pPr algn="ctr"/>
+                        <a:endParaRPr lang="en-US" sz="900" b="0" strike="noStrike" spc="-1" dirty="0">
+                          <a:latin typeface="Lucida Sans" panose="020B0602030504020204" pitchFamily="34" charset="0"/>
+                        </a:endParaRPr>
+                      </a:p>
+                      <a:p>
+                        <a:pPr algn="ctr"/>
+                        <a:r>
+                          <a:rPr lang="en-US" sz="1600" b="0" strike="noStrike" spc="-1" dirty="0">
+                            <a:latin typeface="Lucida Sans" panose="020B0602030504020204" pitchFamily="34" charset="0"/>
+                          </a:rPr>
+                          <a:t>x</a:t>
+                        </a:r>
+                        <a:r>
+                          <a:rPr lang="en-US" sz="1600" b="0" strike="noStrike" spc="-1" baseline="-25000" dirty="0">
+                            <a:latin typeface="Lucida Sans" panose="020B0602030504020204" pitchFamily="34" charset="0"/>
+                          </a:rPr>
+                          <a:t>1</a:t>
+                        </a:r>
+                      </a:p>
+                      <a:p>
+                        <a:pPr algn="ctr"/>
+                        <a:endParaRPr lang="en-US" sz="1600" b="0" strike="noStrike" spc="-1" baseline="-25000" dirty="0">
+                          <a:latin typeface="Lucida Sans" panose="020B0602030504020204" pitchFamily="34" charset="0"/>
+                        </a:endParaRPr>
+                      </a:p>
+                    </a:txBody>
+                    <a:tcPr marL="90000" marR="90000">
+                      <a:lnL w="12700" cap="flat" cmpd="sng" algn="ctr">
+                        <a:solidFill>
+                          <a:schemeClr val="tx1"/>
+                        </a:solidFill>
+                        <a:prstDash val="solid"/>
+                        <a:round/>
+                        <a:headEnd type="none" w="med" len="med"/>
+                        <a:tailEnd type="none" w="med" len="med"/>
+                      </a:lnL>
+                      <a:lnR w="12700" cap="flat" cmpd="sng" algn="ctr">
+                        <a:solidFill>
+                          <a:schemeClr val="tx1"/>
+                        </a:solidFill>
+                        <a:prstDash val="solid"/>
+                        <a:round/>
+                        <a:headEnd type="none" w="med" len="med"/>
+                        <a:tailEnd type="none" w="med" len="med"/>
+                      </a:lnR>
+                      <a:lnT w="12700" cap="flat" cmpd="sng" algn="ctr">
+                        <a:solidFill>
+                          <a:schemeClr val="tx1"/>
+                        </a:solidFill>
+                        <a:prstDash val="solid"/>
+                        <a:round/>
+                        <a:headEnd type="none" w="med" len="med"/>
+                        <a:tailEnd type="none" w="med" len="med"/>
+                      </a:lnT>
+                      <a:lnB w="12700" cap="flat" cmpd="sng" algn="ctr">
+                        <a:solidFill>
+                          <a:schemeClr val="tx1"/>
+                        </a:solidFill>
+                        <a:prstDash val="solid"/>
+                        <a:round/>
+                        <a:headEnd type="none" w="med" len="med"/>
+                        <a:tailEnd type="none" w="med" len="med"/>
+                      </a:lnB>
+                      <a:lnTlToBr w="12700" cmpd="sng">
+                        <a:noFill/>
+                        <a:prstDash val="solid"/>
+                      </a:lnTlToBr>
+                      <a:lnBlToTr w="12700" cmpd="sng">
+                        <a:noFill/>
+                        <a:prstDash val="solid"/>
+                      </a:lnBlToTr>
+                      <a:solidFill>
+                        <a:srgbClr val="FFB2B2"/>
+                      </a:solidFill>
+                    </a:tcPr>
+                  </a:tc>
+                  <a:tc>
+                    <a:txBody>
+                      <a:bodyPr/>
+                      <a:lstStyle/>
+                      <a:p>
+                        <a:pPr marL="0" marR="0" lvl="0" indent="0" algn="ctr" defTabSz="914400" rtl="0" eaLnBrk="1" fontAlgn="auto" latinLnBrk="0" hangingPunct="1">
+                          <a:lnSpc>
+                            <a:spcPct val="100000"/>
+                          </a:lnSpc>
+                          <a:spcBef>
+                            <a:spcPts val="0"/>
+                          </a:spcBef>
+                          <a:spcAft>
+                            <a:spcPts val="0"/>
+                          </a:spcAft>
+                          <a:buClrTx/>
+                          <a:buSzTx/>
+                          <a:buFontTx/>
+                          <a:buNone/>
+                          <a:tabLst/>
+                          <a:defRPr/>
+                        </a:pPr>
+                        <a:r>
+                          <a:rPr lang="en-US" sz="1600" dirty="0">
+                            <a:latin typeface="Lucida Sans" panose="020B0602030504020204" pitchFamily="34" charset="0"/>
+                          </a:rPr>
+                          <a:t>0</a:t>
+                        </a:r>
+                      </a:p>
+                      <a:p>
+                        <a:pPr marL="0" marR="0" lvl="0" indent="0" algn="ctr" defTabSz="914400" rtl="0" eaLnBrk="1" fontAlgn="auto" latinLnBrk="0" hangingPunct="1">
+                          <a:lnSpc>
+                            <a:spcPct val="100000"/>
+                          </a:lnSpc>
+                          <a:spcBef>
+                            <a:spcPts val="0"/>
+                          </a:spcBef>
+                          <a:spcAft>
+                            <a:spcPts val="0"/>
+                          </a:spcAft>
+                          <a:buClrTx/>
+                          <a:buSzTx/>
+                          <a:buFontTx/>
+                          <a:buNone/>
+                          <a:tabLst/>
+                          <a:defRPr/>
+                        </a:pPr>
+                        <a:r>
+                          <a:rPr lang="en-US" sz="1600" dirty="0">
+                            <a:latin typeface="Lucida Sans" panose="020B0602030504020204" pitchFamily="34" charset="0"/>
+                          </a:rPr>
+                          <a:t>0</a:t>
+                        </a:r>
+                        <a:r>
+                          <a:rPr lang="en-US" sz="1600" b="0" strike="noStrike" spc="-1" dirty="0">
+                            <a:latin typeface="Lucida Sans" panose="020B0602030504020204" pitchFamily="34" charset="0"/>
+                          </a:rPr>
+                          <a:t>⋅</a:t>
+                        </a:r>
+                        <a:r>
+                          <a:rPr lang="en-US" sz="1600" dirty="0">
+                            <a:latin typeface="Lucida Sans" panose="020B0602030504020204" pitchFamily="34" charset="0"/>
+                          </a:rPr>
+                          <a:t>1</a:t>
+                        </a:r>
+                      </a:p>
+                    </a:txBody>
+                    <a:tcPr marL="90000" marR="90000">
+                      <a:lnL w="12700" cap="flat" cmpd="sng" algn="ctr">
+                        <a:solidFill>
+                          <a:schemeClr val="tx1"/>
+                        </a:solidFill>
+                        <a:prstDash val="solid"/>
+                        <a:round/>
+                        <a:headEnd type="none" w="med" len="med"/>
+                        <a:tailEnd type="none" w="med" len="med"/>
+                      </a:lnL>
+                      <a:lnR w="12700" cap="flat" cmpd="sng" algn="ctr">
+                        <a:solidFill>
+                          <a:schemeClr val="tx1"/>
+                        </a:solidFill>
+                        <a:prstDash val="solid"/>
+                        <a:round/>
+                        <a:headEnd type="none" w="med" len="med"/>
+                        <a:tailEnd type="none" w="med" len="med"/>
+                      </a:lnR>
+                      <a:lnT w="12700" cap="flat" cmpd="sng" algn="ctr">
+                        <a:solidFill>
+                          <a:schemeClr val="tx1"/>
+                        </a:solidFill>
+                        <a:prstDash val="solid"/>
+                        <a:round/>
+                        <a:headEnd type="none" w="med" len="med"/>
+                        <a:tailEnd type="none" w="med" len="med"/>
+                      </a:lnT>
+                      <a:lnB w="12700" cap="flat" cmpd="sng" algn="ctr">
+                        <a:solidFill>
+                          <a:schemeClr val="tx1"/>
+                        </a:solidFill>
+                        <a:prstDash val="solid"/>
+                        <a:round/>
+                        <a:headEnd type="none" w="med" len="med"/>
+                        <a:tailEnd type="none" w="med" len="med"/>
+                      </a:lnB>
+                      <a:lnTlToBr w="12700" cmpd="sng">
+                        <a:noFill/>
+                        <a:prstDash val="solid"/>
+                      </a:lnTlToBr>
+                      <a:lnBlToTr w="12700" cmpd="sng">
+                        <a:noFill/>
+                        <a:prstDash val="solid"/>
+                      </a:lnBlToTr>
+                      <a:solidFill>
+                        <a:srgbClr val="FFB2B2"/>
+                      </a:solidFill>
+                    </a:tcPr>
+                  </a:tc>
+                  <a:tc>
+                    <a:txBody>
+                      <a:bodyPr/>
+                      <a:lstStyle/>
+                      <a:p>
+                        <a:pPr marL="0" marR="0" lvl="0" indent="0" algn="ctr" defTabSz="914400" rtl="0" eaLnBrk="1" fontAlgn="auto" latinLnBrk="0" hangingPunct="1">
+                          <a:lnSpc>
+                            <a:spcPct val="100000"/>
+                          </a:lnSpc>
+                          <a:spcBef>
+                            <a:spcPts val="0"/>
+                          </a:spcBef>
+                          <a:spcAft>
+                            <a:spcPts val="0"/>
+                          </a:spcAft>
+                          <a:buClrTx/>
+                          <a:buSzTx/>
+                          <a:buFontTx/>
+                          <a:buNone/>
+                          <a:tabLst/>
+                          <a:defRPr/>
+                        </a:pPr>
+                        <a:r>
+                          <a:rPr lang="en-US" sz="1600" dirty="0">
+                            <a:latin typeface="Lucida Sans" panose="020B0602030504020204" pitchFamily="34" charset="0"/>
+                          </a:rPr>
+                          <a:t>0</a:t>
+                        </a:r>
+                      </a:p>
+                      <a:p>
+                        <a:pPr marL="0" marR="0" lvl="0" indent="0" algn="ctr" defTabSz="914400" rtl="0" eaLnBrk="1" fontAlgn="auto" latinLnBrk="0" hangingPunct="1">
+                          <a:lnSpc>
+                            <a:spcPct val="100000"/>
+                          </a:lnSpc>
+                          <a:spcBef>
+                            <a:spcPts val="0"/>
+                          </a:spcBef>
+                          <a:spcAft>
+                            <a:spcPts val="0"/>
+                          </a:spcAft>
+                          <a:buClrTx/>
+                          <a:buSzTx/>
+                          <a:buFontTx/>
+                          <a:buNone/>
+                          <a:tabLst/>
+                          <a:defRPr/>
+                        </a:pPr>
+                        <a:r>
+                          <a:rPr lang="en-US" sz="1600" dirty="0">
+                            <a:latin typeface="Lucida Sans" panose="020B0602030504020204" pitchFamily="34" charset="0"/>
+                          </a:rPr>
+                          <a:t>0</a:t>
+                        </a:r>
+                        <a:r>
+                          <a:rPr lang="en-US" sz="1600" b="0" strike="noStrike" spc="-1" dirty="0">
+                            <a:latin typeface="Lucida Sans" panose="020B0602030504020204" pitchFamily="34" charset="0"/>
+                          </a:rPr>
+                          <a:t>⋅</a:t>
+                        </a:r>
+                        <a:r>
+                          <a:rPr lang="en-US" sz="1600" dirty="0">
+                            <a:latin typeface="Lucida Sans" panose="020B0602030504020204" pitchFamily="34" charset="0"/>
+                          </a:rPr>
+                          <a:t>1</a:t>
+                        </a:r>
+                      </a:p>
+                      <a:p>
+                        <a:pPr marL="0" marR="0" lvl="0" indent="0" algn="ctr" defTabSz="914400" rtl="0" eaLnBrk="1" fontAlgn="auto" latinLnBrk="0" hangingPunct="1">
+                          <a:lnSpc>
+                            <a:spcPct val="100000"/>
+                          </a:lnSpc>
+                          <a:spcBef>
+                            <a:spcPts val="0"/>
+                          </a:spcBef>
+                          <a:spcAft>
+                            <a:spcPts val="0"/>
+                          </a:spcAft>
+                          <a:buClrTx/>
+                          <a:buSzTx/>
+                          <a:buFontTx/>
+                          <a:buNone/>
+                          <a:tabLst/>
+                          <a:defRPr/>
+                        </a:pPr>
+                        <a:r>
+                          <a:rPr lang="en-US" sz="1600" dirty="0">
+                            <a:latin typeface="Lucida Sans" panose="020B0602030504020204" pitchFamily="34" charset="0"/>
+                          </a:rPr>
+                          <a:t>1</a:t>
+                        </a:r>
+                      </a:p>
+                    </a:txBody>
+                    <a:tcPr marL="90000" marR="90000">
+                      <a:lnL w="12700" cap="flat" cmpd="sng" algn="ctr">
+                        <a:solidFill>
+                          <a:schemeClr val="tx1"/>
+                        </a:solidFill>
+                        <a:prstDash val="solid"/>
+                        <a:round/>
+                        <a:headEnd type="none" w="med" len="med"/>
+                        <a:tailEnd type="none" w="med" len="med"/>
+                      </a:lnL>
+                      <a:lnR w="12700" cap="flat" cmpd="sng" algn="ctr">
+                        <a:solidFill>
+                          <a:schemeClr val="tx1"/>
+                        </a:solidFill>
+                        <a:prstDash val="solid"/>
+                        <a:round/>
+                        <a:headEnd type="none" w="med" len="med"/>
+                        <a:tailEnd type="none" w="med" len="med"/>
+                      </a:lnR>
+                      <a:lnT w="12700" cap="flat" cmpd="sng" algn="ctr">
+                        <a:solidFill>
+                          <a:schemeClr val="tx1"/>
+                        </a:solidFill>
+                        <a:prstDash val="solid"/>
+                        <a:round/>
+                        <a:headEnd type="none" w="med" len="med"/>
+                        <a:tailEnd type="none" w="med" len="med"/>
+                      </a:lnT>
+                      <a:lnB w="12700" cap="flat" cmpd="sng" algn="ctr">
+                        <a:solidFill>
+                          <a:schemeClr val="tx1"/>
+                        </a:solidFill>
+                        <a:prstDash val="solid"/>
+                        <a:round/>
+                        <a:headEnd type="none" w="med" len="med"/>
+                        <a:tailEnd type="none" w="med" len="med"/>
+                      </a:lnB>
+                      <a:lnTlToBr w="12700" cmpd="sng">
+                        <a:noFill/>
+                        <a:prstDash val="solid"/>
+                      </a:lnTlToBr>
+                      <a:lnBlToTr w="12700" cmpd="sng">
+                        <a:noFill/>
+                        <a:prstDash val="solid"/>
+                      </a:lnBlToTr>
+                      <a:solidFill>
+                        <a:srgbClr val="FFB2B2"/>
+                      </a:solidFill>
+                    </a:tcPr>
+                  </a:tc>
+                  <a:tc>
+                    <a:txBody>
+                      <a:bodyPr/>
+                      <a:lstStyle/>
+                      <a:p>
+                        <a:pPr marL="0" marR="0" lvl="0" indent="0" algn="ctr" defTabSz="914400" rtl="0" eaLnBrk="1" fontAlgn="auto" latinLnBrk="0" hangingPunct="1">
+                          <a:lnSpc>
+                            <a:spcPct val="100000"/>
+                          </a:lnSpc>
+                          <a:spcBef>
+                            <a:spcPts val="0"/>
+                          </a:spcBef>
+                          <a:spcAft>
+                            <a:spcPts val="0"/>
+                          </a:spcAft>
+                          <a:buClrTx/>
+                          <a:buSzTx/>
+                          <a:buFontTx/>
+                          <a:buNone/>
+                          <a:tabLst/>
+                          <a:defRPr/>
+                        </a:pPr>
+                        <a:r>
+                          <a:rPr lang="en-US" sz="1600" dirty="0">
+                            <a:latin typeface="Lucida Sans" panose="020B0602030504020204" pitchFamily="34" charset="0"/>
+                          </a:rPr>
+                          <a:t>0</a:t>
+                        </a:r>
+                        <a:r>
+                          <a:rPr lang="en-US" sz="1600" b="0" strike="noStrike" spc="-1" dirty="0">
+                            <a:latin typeface="Lucida Sans" panose="020B0602030504020204" pitchFamily="34" charset="0"/>
+                          </a:rPr>
+                          <a:t>⋅</a:t>
+                        </a:r>
+                        <a:r>
+                          <a:rPr lang="en-US" sz="1600" dirty="0">
+                            <a:latin typeface="Lucida Sans" panose="020B0602030504020204" pitchFamily="34" charset="0"/>
+                          </a:rPr>
+                          <a:t>1</a:t>
+                        </a:r>
+                      </a:p>
+                      <a:p>
+                        <a:pPr marL="0" marR="0" lvl="0" indent="0" algn="ctr" defTabSz="914400" rtl="0" eaLnBrk="1" fontAlgn="auto" latinLnBrk="0" hangingPunct="1">
+                          <a:lnSpc>
+                            <a:spcPct val="100000"/>
+                          </a:lnSpc>
+                          <a:spcBef>
+                            <a:spcPts val="0"/>
+                          </a:spcBef>
+                          <a:spcAft>
+                            <a:spcPts val="0"/>
+                          </a:spcAft>
+                          <a:buClrTx/>
+                          <a:buSzTx/>
+                          <a:buFontTx/>
+                          <a:buNone/>
+                          <a:tabLst/>
+                          <a:defRPr/>
+                        </a:pPr>
+                        <a:r>
+                          <a:rPr lang="en-US" sz="1600" dirty="0">
+                            <a:latin typeface="Lucida Sans" panose="020B0602030504020204" pitchFamily="34" charset="0"/>
+                          </a:rPr>
+                          <a:t>0</a:t>
+                        </a:r>
+                        <a:r>
+                          <a:rPr lang="en-US" sz="1600" b="0" strike="noStrike" spc="-1" dirty="0">
+                            <a:latin typeface="Lucida Sans" panose="020B0602030504020204" pitchFamily="34" charset="0"/>
+                          </a:rPr>
+                          <a:t>⋅</a:t>
+                        </a:r>
+                        <a:r>
+                          <a:rPr lang="en-US" sz="1600" dirty="0">
+                            <a:latin typeface="Lucida Sans" panose="020B0602030504020204" pitchFamily="34" charset="0"/>
+                          </a:rPr>
+                          <a:t>1</a:t>
+                        </a:r>
+                        <a:r>
+                          <a:rPr lang="en-US" sz="1600" b="0" strike="noStrike" spc="-1" dirty="0">
+                            <a:latin typeface="Lucida Sans" panose="020B0602030504020204" pitchFamily="34" charset="0"/>
+                          </a:rPr>
+                          <a:t>⋅</a:t>
+                        </a:r>
+                        <a:r>
+                          <a:rPr lang="en-US" sz="1600" dirty="0">
+                            <a:latin typeface="Lucida Sans" panose="020B0602030504020204" pitchFamily="34" charset="0"/>
+                          </a:rPr>
+                          <a:t>0</a:t>
+                        </a:r>
+                      </a:p>
+                      <a:p>
+                        <a:pPr marL="0" marR="0" lvl="0" indent="0" algn="ctr" defTabSz="914400" rtl="0" eaLnBrk="1" fontAlgn="auto" latinLnBrk="0" hangingPunct="1">
+                          <a:lnSpc>
+                            <a:spcPct val="100000"/>
+                          </a:lnSpc>
+                          <a:spcBef>
+                            <a:spcPts val="0"/>
+                          </a:spcBef>
+                          <a:spcAft>
+                            <a:spcPts val="0"/>
+                          </a:spcAft>
+                          <a:buClrTx/>
+                          <a:buSzTx/>
+                          <a:buFontTx/>
+                          <a:buNone/>
+                          <a:tabLst/>
+                          <a:defRPr/>
+                        </a:pPr>
+                        <a:r>
+                          <a:rPr lang="en-US" sz="1600" dirty="0">
+                            <a:latin typeface="Lucida Sans" panose="020B0602030504020204" pitchFamily="34" charset="0"/>
+                          </a:rPr>
+                          <a:t>1</a:t>
+                        </a:r>
+                      </a:p>
+                      <a:p>
+                        <a:pPr marL="0" marR="0" lvl="0" indent="0" algn="ctr" defTabSz="914400" rtl="0" eaLnBrk="1" fontAlgn="auto" latinLnBrk="0" hangingPunct="1">
+                          <a:lnSpc>
+                            <a:spcPct val="100000"/>
+                          </a:lnSpc>
+                          <a:spcBef>
+                            <a:spcPts val="0"/>
+                          </a:spcBef>
+                          <a:spcAft>
+                            <a:spcPts val="0"/>
+                          </a:spcAft>
+                          <a:buClrTx/>
+                          <a:buSzTx/>
+                          <a:buFontTx/>
+                          <a:buNone/>
+                          <a:tabLst/>
+                          <a:defRPr/>
+                        </a:pPr>
+                        <a:r>
+                          <a:rPr lang="en-US" sz="1600" dirty="0">
+                            <a:latin typeface="Lucida Sans" panose="020B0602030504020204" pitchFamily="34" charset="0"/>
+                          </a:rPr>
+                          <a:t>1</a:t>
+                        </a:r>
+                        <a:r>
+                          <a:rPr lang="en-US" sz="1600" b="0" strike="noStrike" spc="-1" dirty="0">
+                            <a:latin typeface="Lucida Sans" panose="020B0602030504020204" pitchFamily="34" charset="0"/>
+                          </a:rPr>
+                          <a:t>⋅</a:t>
+                        </a:r>
+                        <a:r>
+                          <a:rPr lang="en-US" sz="1600" dirty="0">
+                            <a:latin typeface="Lucida Sans" panose="020B0602030504020204" pitchFamily="34" charset="0"/>
+                          </a:rPr>
+                          <a:t>0</a:t>
+                        </a:r>
+                      </a:p>
+                    </a:txBody>
+                    <a:tcPr marL="90000" marR="90000">
+                      <a:lnL w="12700" cap="flat" cmpd="sng" algn="ctr">
+                        <a:solidFill>
+                          <a:schemeClr val="tx1"/>
+                        </a:solidFill>
+                        <a:prstDash val="solid"/>
+                        <a:round/>
+                        <a:headEnd type="none" w="med" len="med"/>
+                        <a:tailEnd type="none" w="med" len="med"/>
+                      </a:lnL>
+                      <a:lnR w="12700" cap="flat" cmpd="sng" algn="ctr">
+                        <a:solidFill>
+                          <a:schemeClr val="tx1"/>
+                        </a:solidFill>
+                        <a:prstDash val="solid"/>
+                        <a:round/>
+                        <a:headEnd type="none" w="med" len="med"/>
+                        <a:tailEnd type="none" w="med" len="med"/>
+                      </a:lnR>
+                      <a:lnT w="12700" cap="flat" cmpd="sng" algn="ctr">
+                        <a:solidFill>
+                          <a:schemeClr val="tx1"/>
+                        </a:solidFill>
+                        <a:prstDash val="solid"/>
+                        <a:round/>
+                        <a:headEnd type="none" w="med" len="med"/>
+                        <a:tailEnd type="none" w="med" len="med"/>
+                      </a:lnT>
+                      <a:lnB w="12700" cap="flat" cmpd="sng" algn="ctr">
+                        <a:solidFill>
+                          <a:schemeClr val="tx1"/>
+                        </a:solidFill>
+                        <a:prstDash val="solid"/>
+                        <a:round/>
+                        <a:headEnd type="none" w="med" len="med"/>
+                        <a:tailEnd type="none" w="med" len="med"/>
+                      </a:lnB>
+                      <a:lnTlToBr w="12700" cmpd="sng">
+                        <a:noFill/>
+                        <a:prstDash val="solid"/>
+                      </a:lnTlToBr>
+                      <a:lnBlToTr w="12700" cmpd="sng">
+                        <a:noFill/>
+                        <a:prstDash val="solid"/>
+                      </a:lnBlToTr>
+                      <a:solidFill>
+                        <a:srgbClr val="FFB2B2"/>
+                      </a:solidFill>
+                    </a:tcPr>
+                  </a:tc>
+                  <a:tc>
+                    <a:txBody>
+                      <a:bodyPr/>
+                      <a:lstStyle/>
+                      <a:p>
+                        <a:pPr marL="0" marR="0" lvl="0" indent="0" algn="ctr" defTabSz="914400" rtl="0" eaLnBrk="1" fontAlgn="auto" latinLnBrk="0" hangingPunct="1">
+                          <a:lnSpc>
+                            <a:spcPct val="100000"/>
+                          </a:lnSpc>
+                          <a:spcBef>
+                            <a:spcPts val="0"/>
+                          </a:spcBef>
+                          <a:spcAft>
+                            <a:spcPts val="0"/>
+                          </a:spcAft>
+                          <a:buClrTx/>
+                          <a:buSzTx/>
+                          <a:buFontTx/>
+                          <a:buNone/>
+                          <a:tabLst/>
+                          <a:defRPr/>
+                        </a:pPr>
+                        <a:r>
+                          <a:rPr lang="en-US" sz="1600" dirty="0">
+                            <a:latin typeface="Lucida Sans" panose="020B0602030504020204" pitchFamily="34" charset="0"/>
+                          </a:rPr>
+                          <a:t>1</a:t>
+                        </a:r>
+                      </a:p>
+                      <a:p>
+                        <a:pPr marL="0" marR="0" lvl="0" indent="0" algn="ctr" defTabSz="914400" rtl="0" eaLnBrk="1" fontAlgn="auto" latinLnBrk="0" hangingPunct="1">
+                          <a:lnSpc>
+                            <a:spcPct val="100000"/>
+                          </a:lnSpc>
+                          <a:spcBef>
+                            <a:spcPts val="0"/>
+                          </a:spcBef>
+                          <a:spcAft>
+                            <a:spcPts val="0"/>
+                          </a:spcAft>
+                          <a:buClrTx/>
+                          <a:buSzTx/>
+                          <a:buFontTx/>
+                          <a:buNone/>
+                          <a:tabLst/>
+                          <a:defRPr/>
+                        </a:pPr>
+                        <a:r>
+                          <a:rPr lang="en-US" sz="1600" dirty="0">
+                            <a:latin typeface="Lucida Sans" panose="020B0602030504020204" pitchFamily="34" charset="0"/>
+                          </a:rPr>
+                          <a:t>1</a:t>
+                        </a:r>
+                        <a:r>
+                          <a:rPr lang="en-US" sz="1600" b="0" strike="noStrike" spc="-1" dirty="0">
+                            <a:latin typeface="Lucida Sans" panose="020B0602030504020204" pitchFamily="34" charset="0"/>
+                          </a:rPr>
+                          <a:t>⋅</a:t>
+                        </a:r>
+                        <a:r>
+                          <a:rPr lang="en-US" sz="1600" dirty="0">
+                            <a:latin typeface="Lucida Sans" panose="020B0602030504020204" pitchFamily="34" charset="0"/>
+                          </a:rPr>
+                          <a:t>0</a:t>
+                        </a:r>
+                      </a:p>
+                      <a:p>
+                        <a:pPr marL="0" marR="0" lvl="0" indent="0" algn="ctr" defTabSz="914400" rtl="0" eaLnBrk="1" fontAlgn="auto" latinLnBrk="0" hangingPunct="1">
+                          <a:lnSpc>
+                            <a:spcPct val="100000"/>
+                          </a:lnSpc>
+                          <a:spcBef>
+                            <a:spcPts val="0"/>
+                          </a:spcBef>
+                          <a:spcAft>
+                            <a:spcPts val="0"/>
+                          </a:spcAft>
+                          <a:buClrTx/>
+                          <a:buSzTx/>
+                          <a:buFontTx/>
+                          <a:buNone/>
+                          <a:tabLst/>
+                          <a:defRPr/>
+                        </a:pPr>
+                        <a:r>
+                          <a:rPr lang="en-US" sz="1600" dirty="0">
+                            <a:latin typeface="Lucida Sans" panose="020B0602030504020204" pitchFamily="34" charset="0"/>
+                          </a:rPr>
+                          <a:t>0</a:t>
+                        </a:r>
+                      </a:p>
+                    </a:txBody>
+                    <a:tcPr marL="90000" marR="90000">
+                      <a:lnL w="12700" cap="flat" cmpd="sng" algn="ctr">
+                        <a:solidFill>
+                          <a:schemeClr val="tx1"/>
+                        </a:solidFill>
+                        <a:prstDash val="solid"/>
+                        <a:round/>
+                        <a:headEnd type="none" w="med" len="med"/>
+                        <a:tailEnd type="none" w="med" len="med"/>
+                      </a:lnL>
+                      <a:lnR w="12700" cap="flat" cmpd="sng" algn="ctr">
+                        <a:solidFill>
+                          <a:schemeClr val="tx1"/>
+                        </a:solidFill>
+                        <a:prstDash val="solid"/>
+                        <a:round/>
+                        <a:headEnd type="none" w="med" len="med"/>
+                        <a:tailEnd type="none" w="med" len="med"/>
+                      </a:lnR>
+                      <a:lnT w="12700" cap="flat" cmpd="sng" algn="ctr">
+                        <a:solidFill>
+                          <a:schemeClr val="tx1"/>
+                        </a:solidFill>
+                        <a:prstDash val="solid"/>
+                        <a:round/>
+                        <a:headEnd type="none" w="med" len="med"/>
+                        <a:tailEnd type="none" w="med" len="med"/>
+                      </a:lnT>
+                      <a:lnB w="12700" cap="flat" cmpd="sng" algn="ctr">
+                        <a:solidFill>
+                          <a:schemeClr val="tx1"/>
+                        </a:solidFill>
+                        <a:prstDash val="solid"/>
+                        <a:round/>
+                        <a:headEnd type="none" w="med" len="med"/>
+                        <a:tailEnd type="none" w="med" len="med"/>
+                      </a:lnB>
+                      <a:lnTlToBr w="12700" cmpd="sng">
+                        <a:noFill/>
+                        <a:prstDash val="solid"/>
+                      </a:lnTlToBr>
+                      <a:lnBlToTr w="12700" cmpd="sng">
+                        <a:noFill/>
+                        <a:prstDash val="solid"/>
+                      </a:lnBlToTr>
+                      <a:solidFill>
+                        <a:srgbClr val="FFB2B2"/>
+                      </a:solidFill>
+                    </a:tcPr>
+                  </a:tc>
+                  <a:tc>
+                    <a:txBody>
+                      <a:bodyPr/>
+                      <a:lstStyle/>
+                      <a:p>
+                        <a:pPr marL="0" marR="0" lvl="0" indent="0" algn="ctr" defTabSz="914400" rtl="0" eaLnBrk="1" fontAlgn="auto" latinLnBrk="0" hangingPunct="1">
+                          <a:lnSpc>
+                            <a:spcPct val="100000"/>
+                          </a:lnSpc>
+                          <a:spcBef>
+                            <a:spcPts val="0"/>
+                          </a:spcBef>
+                          <a:spcAft>
+                            <a:spcPts val="0"/>
+                          </a:spcAft>
+                          <a:buClrTx/>
+                          <a:buSzTx/>
+                          <a:buFontTx/>
+                          <a:buNone/>
+                          <a:tabLst/>
+                          <a:defRPr/>
+                        </a:pPr>
+                        <a:r>
+                          <a:rPr lang="en-US" sz="1600" dirty="0">
+                            <a:latin typeface="Lucida Sans" panose="020B0602030504020204" pitchFamily="34" charset="0"/>
+                          </a:rPr>
+                          <a:t>1</a:t>
+                        </a:r>
+                        <a:r>
+                          <a:rPr lang="en-US" sz="1600" b="0" strike="noStrike" spc="-1" dirty="0">
+                            <a:latin typeface="Lucida Sans" panose="020B0602030504020204" pitchFamily="34" charset="0"/>
+                          </a:rPr>
+                          <a:t>⋅</a:t>
+                        </a:r>
+                        <a:r>
+                          <a:rPr lang="en-US" sz="1600" dirty="0">
+                            <a:latin typeface="Lucida Sans" panose="020B0602030504020204" pitchFamily="34" charset="0"/>
+                          </a:rPr>
+                          <a:t>0</a:t>
+                        </a:r>
+                      </a:p>
+                      <a:p>
+                        <a:pPr marL="0" marR="0" lvl="0" indent="0" algn="ctr" defTabSz="914400" rtl="0" eaLnBrk="1" fontAlgn="auto" latinLnBrk="0" hangingPunct="1">
+                          <a:lnSpc>
+                            <a:spcPct val="100000"/>
+                          </a:lnSpc>
+                          <a:spcBef>
+                            <a:spcPts val="0"/>
+                          </a:spcBef>
+                          <a:spcAft>
+                            <a:spcPts val="0"/>
+                          </a:spcAft>
+                          <a:buClrTx/>
+                          <a:buSzTx/>
+                          <a:buFontTx/>
+                          <a:buNone/>
+                          <a:tabLst/>
+                          <a:defRPr/>
+                        </a:pPr>
+                        <a:r>
+                          <a:rPr lang="en-US" sz="1600" dirty="0">
+                            <a:latin typeface="Lucida Sans" panose="020B0602030504020204" pitchFamily="34" charset="0"/>
+                          </a:rPr>
+                          <a:t>0</a:t>
+                        </a:r>
+                      </a:p>
+                    </a:txBody>
+                    <a:tcPr marL="90000" marR="90000">
+                      <a:lnL w="12700" cap="flat" cmpd="sng" algn="ctr">
+                        <a:solidFill>
+                          <a:schemeClr val="tx1"/>
+                        </a:solidFill>
+                        <a:prstDash val="solid"/>
+                        <a:round/>
+                        <a:headEnd type="none" w="med" len="med"/>
+                        <a:tailEnd type="none" w="med" len="med"/>
+                      </a:lnL>
+                      <a:lnR w="12700" cap="flat" cmpd="sng" algn="ctr">
+                        <a:solidFill>
+                          <a:schemeClr val="tx1"/>
+                        </a:solidFill>
+                        <a:prstDash val="solid"/>
+                        <a:round/>
+                        <a:headEnd type="none" w="med" len="med"/>
+                        <a:tailEnd type="none" w="med" len="med"/>
+                      </a:lnR>
+                      <a:lnT w="12700" cap="flat" cmpd="sng" algn="ctr">
+                        <a:solidFill>
+                          <a:schemeClr val="tx1"/>
+                        </a:solidFill>
+                        <a:prstDash val="solid"/>
+                        <a:round/>
+                        <a:headEnd type="none" w="med" len="med"/>
+                        <a:tailEnd type="none" w="med" len="med"/>
+                      </a:lnT>
+                      <a:lnB w="12700" cap="flat" cmpd="sng" algn="ctr">
+                        <a:solidFill>
+                          <a:schemeClr val="tx1"/>
+                        </a:solidFill>
+                        <a:prstDash val="solid"/>
+                        <a:round/>
+                        <a:headEnd type="none" w="med" len="med"/>
+                        <a:tailEnd type="none" w="med" len="med"/>
+                      </a:lnB>
+                      <a:lnTlToBr w="12700" cmpd="sng">
+                        <a:noFill/>
+                        <a:prstDash val="solid"/>
+                      </a:lnTlToBr>
+                      <a:lnBlToTr w="12700" cmpd="sng">
+                        <a:noFill/>
+                        <a:prstDash val="solid"/>
+                      </a:lnBlToTr>
+                      <a:solidFill>
+                        <a:srgbClr val="FFB2B2"/>
+                      </a:solidFill>
+                    </a:tcPr>
+                  </a:tc>
+                  <a:tc>
+                    <a:txBody>
+                      <a:bodyPr/>
+                      <a:lstStyle/>
+                      <a:p>
+                        <a:pPr marL="0" marR="0" lvl="0" indent="0" algn="ctr" defTabSz="914400" rtl="0" eaLnBrk="1" fontAlgn="auto" latinLnBrk="0" hangingPunct="1">
+                          <a:lnSpc>
+                            <a:spcPct val="100000"/>
+                          </a:lnSpc>
+                          <a:spcBef>
+                            <a:spcPts val="0"/>
+                          </a:spcBef>
+                          <a:spcAft>
+                            <a:spcPts val="0"/>
+                          </a:spcAft>
+                          <a:buClrTx/>
+                          <a:buSzTx/>
+                          <a:buFontTx/>
+                          <a:buNone/>
+                          <a:tabLst/>
+                          <a:defRPr/>
+                        </a:pPr>
+                        <a:r>
+                          <a:rPr lang="en-US" sz="1600" dirty="0">
+                            <a:latin typeface="Lucida Sans" panose="020B0602030504020204" pitchFamily="34" charset="0"/>
+                          </a:rPr>
+                          <a:t>0</a:t>
+                        </a:r>
+                      </a:p>
+                    </a:txBody>
+                    <a:tcPr marL="90000" marR="90000">
+                      <a:lnL w="12700" cap="flat" cmpd="sng" algn="ctr">
+                        <a:solidFill>
+                          <a:schemeClr val="tx1"/>
+                        </a:solidFill>
+                        <a:prstDash val="solid"/>
+                        <a:round/>
+                        <a:headEnd type="none" w="med" len="med"/>
+                        <a:tailEnd type="none" w="med" len="med"/>
+                      </a:lnL>
+                      <a:lnR w="12700" cap="flat" cmpd="sng" algn="ctr">
+                        <a:solidFill>
+                          <a:schemeClr val="tx1"/>
+                        </a:solidFill>
+                        <a:prstDash val="solid"/>
+                        <a:round/>
+                        <a:headEnd type="none" w="med" len="med"/>
+                        <a:tailEnd type="none" w="med" len="med"/>
+                      </a:lnR>
+                      <a:lnT w="12700" cap="flat" cmpd="sng" algn="ctr">
+                        <a:solidFill>
+                          <a:schemeClr val="tx1"/>
+                        </a:solidFill>
+                        <a:prstDash val="solid"/>
+                        <a:round/>
+                        <a:headEnd type="none" w="med" len="med"/>
+                        <a:tailEnd type="none" w="med" len="med"/>
+                      </a:lnT>
+                      <a:lnB w="12700" cap="flat" cmpd="sng" algn="ctr">
+                        <a:solidFill>
+                          <a:schemeClr val="tx1"/>
+                        </a:solidFill>
+                        <a:prstDash val="solid"/>
+                        <a:round/>
+                        <a:headEnd type="none" w="med" len="med"/>
+                        <a:tailEnd type="none" w="med" len="med"/>
+                      </a:lnB>
+                      <a:lnTlToBr w="12700" cmpd="sng">
+                        <a:noFill/>
+                        <a:prstDash val="solid"/>
+                      </a:lnTlToBr>
+                      <a:lnBlToTr w="12700" cmpd="sng">
+                        <a:noFill/>
+                        <a:prstDash val="solid"/>
+                      </a:lnBlToTr>
+                      <a:solidFill>
+                        <a:srgbClr val="FFB2B2"/>
+                      </a:solidFill>
+                    </a:tcPr>
+                  </a:tc>
+                  <a:extLst>
+                    <a:ext uri="{0D108BD9-81ED-4DB2-BD59-A6C34878D82A}">
+                      <a16:rowId xmlns:a16="http://schemas.microsoft.com/office/drawing/2014/main" val="10000"/>
+                    </a:ext>
+                  </a:extLst>
+                </a:tr>
+              </a:tbl>
+            </a:graphicData>
+          </a:graphic>
+        </p:graphicFrame>
+        <p:sp>
+          <p:nvSpPr>
+            <p:cNvPr id="16" name="TextShape 3">
+              <a:extLst>
+                <a:ext uri="{FF2B5EF4-FFF2-40B4-BE49-F238E27FC236}">
+                  <a16:creationId xmlns:a16="http://schemas.microsoft.com/office/drawing/2014/main" id="{A0F123BD-333F-B290-E0A9-6C4A9AFE3659}"/>
+                </a:ext>
+              </a:extLst>
+            </p:cNvPr>
+            <p:cNvSpPr txBox="1"/>
+            <p:nvPr/>
+          </p:nvSpPr>
+          <p:spPr>
+            <a:xfrm>
+              <a:off x="503808" y="265923"/>
+              <a:ext cx="6521702" cy="229769"/>
+            </a:xfrm>
+            <a:prstGeom prst="rect">
+              <a:avLst/>
+            </a:prstGeom>
+            <a:noFill/>
+            <a:ln>
+              <a:noFill/>
+            </a:ln>
+          </p:spPr>
+          <p:txBody>
+            <a:bodyPr lIns="90000" tIns="45000" rIns="90000" bIns="45000"/>
+            <a:lstStyle/>
+            <a:p>
+              <a:r>
+                <a:rPr lang="en-US" sz="1400" b="0" strike="noStrike" spc="-1" dirty="0">
+                  <a:latin typeface="Lucida Sans" panose="020B0602030504020204" pitchFamily="34" charset="0"/>
+                </a:rPr>
+                <a:t>     t</a:t>
+              </a:r>
+              <a:r>
+                <a:rPr lang="tr-TR" sz="1400" b="0" strike="noStrike" spc="-1" dirty="0">
+                  <a:latin typeface="Lucida Sans" panose="020B0602030504020204" pitchFamily="34" charset="0"/>
+                </a:rPr>
+                <a:t> </a:t>
+              </a:r>
+              <a:r>
+                <a:rPr lang="en-US" sz="1400" spc="-1" dirty="0">
+                  <a:latin typeface="Lucida Sans" panose="020B0602030504020204" pitchFamily="34" charset="0"/>
+                </a:rPr>
+                <a:t>:</a:t>
+              </a:r>
+              <a:r>
+                <a:rPr lang="tr-TR" sz="1400" b="0" strike="noStrike" spc="-1" dirty="0">
+                  <a:latin typeface="Lucida Sans" panose="020B0602030504020204" pitchFamily="34" charset="0"/>
+                </a:rPr>
+                <a:t>   0          </a:t>
+              </a:r>
+              <a:r>
+                <a:rPr lang="en-US" sz="1400" b="0" strike="noStrike" spc="-1" dirty="0">
+                  <a:latin typeface="Lucida Sans" panose="020B0602030504020204" pitchFamily="34" charset="0"/>
+                </a:rPr>
+                <a:t> </a:t>
+              </a:r>
+              <a:r>
+                <a:rPr lang="tr-TR" sz="1400" b="0" strike="noStrike" spc="-1" dirty="0">
+                  <a:latin typeface="Lucida Sans" panose="020B0602030504020204" pitchFamily="34" charset="0"/>
+                </a:rPr>
+                <a:t>1          </a:t>
+              </a:r>
+              <a:r>
+                <a:rPr lang="en-US" sz="1400" spc="-1" dirty="0">
+                  <a:latin typeface="Lucida Sans" panose="020B0602030504020204" pitchFamily="34" charset="0"/>
+                </a:rPr>
+                <a:t>   </a:t>
+              </a:r>
+              <a:r>
+                <a:rPr lang="tr-TR" sz="1400" b="0" strike="noStrike" spc="-1" dirty="0">
+                  <a:latin typeface="Lucida Sans" panose="020B0602030504020204" pitchFamily="34" charset="0"/>
+                </a:rPr>
+                <a:t>         3          4</a:t>
+              </a:r>
+              <a:r>
+                <a:rPr lang="en-US" sz="1400" b="0" strike="noStrike" spc="-1" dirty="0">
+                  <a:latin typeface="Lucida Sans" panose="020B0602030504020204" pitchFamily="34" charset="0"/>
+                </a:rPr>
+                <a:t>           5</a:t>
+              </a:r>
+              <a:r>
+                <a:rPr lang="tr-TR" sz="1400" b="0" strike="noStrike" spc="-1" dirty="0">
+                  <a:latin typeface="Lucida Sans" panose="020B0602030504020204" pitchFamily="34" charset="0"/>
+                </a:rPr>
+                <a:t> </a:t>
+              </a:r>
+              <a:r>
+                <a:rPr lang="en-US" sz="1400" b="0" strike="noStrike" spc="-1" dirty="0">
+                  <a:latin typeface="Lucida Sans" panose="020B0602030504020204" pitchFamily="34" charset="0"/>
+                </a:rPr>
+                <a:t> </a:t>
+              </a:r>
+              <a:r>
+                <a:rPr lang="tr-TR" sz="1400" b="0" strike="noStrike" spc="-1" dirty="0">
+                  <a:latin typeface="Lucida Sans" panose="020B0602030504020204" pitchFamily="34" charset="0"/>
+                </a:rPr>
+                <a:t>        </a:t>
+              </a:r>
+              <a:r>
+                <a:rPr lang="en-US" sz="1400" spc="-1" dirty="0">
+                  <a:latin typeface="Lucida Sans" panose="020B0602030504020204" pitchFamily="34" charset="0"/>
+                </a:rPr>
+                <a:t> </a:t>
+              </a:r>
+              <a:r>
+                <a:rPr lang="tr-TR" sz="1400" b="0" strike="noStrike" spc="-1" dirty="0">
+                  <a:latin typeface="Lucida Sans" panose="020B0602030504020204" pitchFamily="34" charset="0"/>
+                </a:rPr>
+                <a:t>           7  </a:t>
+              </a:r>
+              <a:r>
+                <a:rPr lang="en-US" sz="1400" b="0" strike="noStrike" spc="-1" dirty="0">
+                  <a:latin typeface="Lucida Sans" panose="020B0602030504020204" pitchFamily="34" charset="0"/>
+                </a:rPr>
+                <a:t>  </a:t>
+              </a:r>
+              <a:r>
+                <a:rPr lang="tr-TR" sz="1400" b="0" strike="noStrike" spc="-1" dirty="0">
+                  <a:latin typeface="Lucida Sans" panose="020B0602030504020204" pitchFamily="34" charset="0"/>
+                </a:rPr>
+                <a:t>      8</a:t>
+              </a:r>
+              <a:endParaRPr lang="en-US" sz="1400" b="0" strike="noStrike" spc="-1" dirty="0">
+                <a:latin typeface="Lucida Sans" panose="020B0602030504020204" pitchFamily="34" charset="0"/>
+              </a:endParaRPr>
+            </a:p>
+          </p:txBody>
+        </p:sp>
+        <p:cxnSp>
+          <p:nvCxnSpPr>
+            <p:cNvPr id="6" name="Straight Connector 5">
+              <a:extLst>
+                <a:ext uri="{FF2B5EF4-FFF2-40B4-BE49-F238E27FC236}">
+                  <a16:creationId xmlns:a16="http://schemas.microsoft.com/office/drawing/2014/main" id="{CABF84A6-7396-2DC5-E23C-02FBBB06721F}"/>
+                </a:ext>
+              </a:extLst>
+            </p:cNvPr>
+            <p:cNvCxnSpPr>
+              <a:cxnSpLocks/>
+            </p:cNvCxnSpPr>
+            <p:nvPr/>
+          </p:nvCxnSpPr>
+          <p:spPr>
+            <a:xfrm>
+              <a:off x="1943968" y="1971179"/>
+              <a:ext cx="720080" cy="0"/>
+            </a:xfrm>
+            <a:prstGeom prst="line">
+              <a:avLst/>
+            </a:prstGeom>
+            <a:ln w="76200">
+              <a:solidFill>
+                <a:schemeClr val="tx1"/>
+              </a:solidFill>
+            </a:ln>
+          </p:spPr>
+          <p:style>
+            <a:lnRef idx="1">
+              <a:schemeClr val="accent1"/>
+            </a:lnRef>
+            <a:fillRef idx="0">
+              <a:schemeClr val="accent1"/>
+            </a:fillRef>
+            <a:effectRef idx="0">
+              <a:schemeClr val="accent1"/>
+            </a:effectRef>
+            <a:fontRef idx="minor">
+              <a:schemeClr val="tx1"/>
+            </a:fontRef>
+          </p:style>
+        </p:cxnSp>
+        <p:cxnSp>
+          <p:nvCxnSpPr>
+            <p:cNvPr id="23" name="Straight Connector 22">
+              <a:extLst>
+                <a:ext uri="{FF2B5EF4-FFF2-40B4-BE49-F238E27FC236}">
+                  <a16:creationId xmlns:a16="http://schemas.microsoft.com/office/drawing/2014/main" id="{52EE8CEB-570E-CFA8-1218-4ED9CA81C64E}"/>
+                </a:ext>
+              </a:extLst>
+            </p:cNvPr>
+            <p:cNvCxnSpPr>
+              <a:cxnSpLocks/>
+            </p:cNvCxnSpPr>
+            <p:nvPr/>
+          </p:nvCxnSpPr>
+          <p:spPr>
+            <a:xfrm>
+              <a:off x="2248991" y="2187203"/>
+              <a:ext cx="720080" cy="0"/>
+            </a:xfrm>
+            <a:prstGeom prst="line">
+              <a:avLst/>
+            </a:prstGeom>
+            <a:ln w="76200">
+              <a:solidFill>
+                <a:schemeClr val="tx1"/>
+              </a:solidFill>
+            </a:ln>
+          </p:spPr>
+          <p:style>
+            <a:lnRef idx="1">
+              <a:schemeClr val="accent1"/>
+            </a:lnRef>
+            <a:fillRef idx="0">
+              <a:schemeClr val="accent1"/>
+            </a:fillRef>
+            <a:effectRef idx="0">
+              <a:schemeClr val="accent1"/>
+            </a:effectRef>
+            <a:fontRef idx="minor">
+              <a:schemeClr val="tx1"/>
+            </a:fontRef>
+          </p:style>
+        </p:cxnSp>
+        <p:cxnSp>
+          <p:nvCxnSpPr>
+            <p:cNvPr id="24" name="Straight Connector 23">
+              <a:extLst>
+                <a:ext uri="{FF2B5EF4-FFF2-40B4-BE49-F238E27FC236}">
+                  <a16:creationId xmlns:a16="http://schemas.microsoft.com/office/drawing/2014/main" id="{A9CE8769-216E-DFCC-0CF1-0E7693654564}"/>
+                </a:ext>
+              </a:extLst>
+            </p:cNvPr>
+            <p:cNvCxnSpPr>
+              <a:cxnSpLocks/>
+            </p:cNvCxnSpPr>
+            <p:nvPr/>
+          </p:nvCxnSpPr>
+          <p:spPr>
+            <a:xfrm>
+              <a:off x="2592040" y="2403227"/>
+              <a:ext cx="720080" cy="0"/>
+            </a:xfrm>
+            <a:prstGeom prst="line">
+              <a:avLst/>
+            </a:prstGeom>
+            <a:ln w="76200">
+              <a:solidFill>
+                <a:schemeClr val="tx1"/>
+              </a:solidFill>
+            </a:ln>
+          </p:spPr>
+          <p:style>
+            <a:lnRef idx="1">
+              <a:schemeClr val="accent1"/>
+            </a:lnRef>
+            <a:fillRef idx="0">
+              <a:schemeClr val="accent1"/>
+            </a:fillRef>
+            <a:effectRef idx="0">
+              <a:schemeClr val="accent1"/>
+            </a:effectRef>
+            <a:fontRef idx="minor">
+              <a:schemeClr val="tx1"/>
+            </a:fontRef>
+          </p:style>
+        </p:cxnSp>
+        <p:cxnSp>
+          <p:nvCxnSpPr>
+            <p:cNvPr id="25" name="Straight Connector 24">
+              <a:extLst>
+                <a:ext uri="{FF2B5EF4-FFF2-40B4-BE49-F238E27FC236}">
+                  <a16:creationId xmlns:a16="http://schemas.microsoft.com/office/drawing/2014/main" id="{88046C67-6511-CBCF-00F9-AFC7E8324142}"/>
+                </a:ext>
+              </a:extLst>
+            </p:cNvPr>
+            <p:cNvCxnSpPr>
+              <a:cxnSpLocks/>
+            </p:cNvCxnSpPr>
+            <p:nvPr/>
+          </p:nvCxnSpPr>
+          <p:spPr>
+            <a:xfrm>
+              <a:off x="2952080" y="2619251"/>
+              <a:ext cx="720080" cy="0"/>
+            </a:xfrm>
+            <a:prstGeom prst="line">
+              <a:avLst/>
+            </a:prstGeom>
+            <a:ln w="76200">
+              <a:solidFill>
+                <a:schemeClr val="tx1"/>
+              </a:solidFill>
+            </a:ln>
+          </p:spPr>
+          <p:style>
+            <a:lnRef idx="1">
+              <a:schemeClr val="accent1"/>
+            </a:lnRef>
+            <a:fillRef idx="0">
+              <a:schemeClr val="accent1"/>
+            </a:fillRef>
+            <a:effectRef idx="0">
+              <a:schemeClr val="accent1"/>
+            </a:effectRef>
+            <a:fontRef idx="minor">
+              <a:schemeClr val="tx1"/>
+            </a:fontRef>
+          </p:style>
+        </p:cxnSp>
+        <p:cxnSp>
+          <p:nvCxnSpPr>
+            <p:cNvPr id="28" name="Straight Connector 27">
+              <a:extLst>
+                <a:ext uri="{FF2B5EF4-FFF2-40B4-BE49-F238E27FC236}">
+                  <a16:creationId xmlns:a16="http://schemas.microsoft.com/office/drawing/2014/main" id="{7CEE19D6-3874-2CB0-4E4A-BEFB0E8C3084}"/>
+                </a:ext>
+              </a:extLst>
+            </p:cNvPr>
+            <p:cNvCxnSpPr>
+              <a:cxnSpLocks/>
+            </p:cNvCxnSpPr>
+            <p:nvPr/>
+          </p:nvCxnSpPr>
+          <p:spPr>
+            <a:xfrm>
+              <a:off x="4032200" y="1683147"/>
+              <a:ext cx="0" cy="1080120"/>
+            </a:xfrm>
+            <a:prstGeom prst="line">
+              <a:avLst/>
+            </a:prstGeom>
+            <a:ln w="28575">
+              <a:solidFill>
+                <a:schemeClr val="bg1">
+                  <a:lumMod val="75000"/>
+                </a:schemeClr>
+              </a:solidFill>
+              <a:prstDash val="sysDot"/>
+            </a:ln>
+          </p:spPr>
+          <p:style>
+            <a:lnRef idx="1">
+              <a:schemeClr val="accent1"/>
+            </a:lnRef>
+            <a:fillRef idx="0">
+              <a:schemeClr val="accent1"/>
+            </a:fillRef>
+            <a:effectRef idx="0">
+              <a:schemeClr val="accent1"/>
+            </a:effectRef>
+            <a:fontRef idx="minor">
+              <a:schemeClr val="tx1"/>
+            </a:fontRef>
+          </p:style>
+        </p:cxnSp>
+        <p:cxnSp>
+          <p:nvCxnSpPr>
+            <p:cNvPr id="30" name="Straight Connector 29">
+              <a:extLst>
+                <a:ext uri="{FF2B5EF4-FFF2-40B4-BE49-F238E27FC236}">
+                  <a16:creationId xmlns:a16="http://schemas.microsoft.com/office/drawing/2014/main" id="{D2AB8C33-9180-DE02-7A19-AE570B3A9935}"/>
+                </a:ext>
+              </a:extLst>
+            </p:cNvPr>
+            <p:cNvCxnSpPr>
+              <a:cxnSpLocks/>
+            </p:cNvCxnSpPr>
+            <p:nvPr/>
+          </p:nvCxnSpPr>
+          <p:spPr>
+            <a:xfrm>
+              <a:off x="1943968" y="1683147"/>
+              <a:ext cx="0" cy="1080120"/>
+            </a:xfrm>
+            <a:prstGeom prst="line">
+              <a:avLst/>
+            </a:prstGeom>
+            <a:ln w="28575">
+              <a:solidFill>
+                <a:schemeClr val="bg1">
+                  <a:lumMod val="75000"/>
+                </a:schemeClr>
+              </a:solidFill>
+              <a:prstDash val="sysDot"/>
+            </a:ln>
+          </p:spPr>
+          <p:style>
+            <a:lnRef idx="1">
+              <a:schemeClr val="accent1"/>
+            </a:lnRef>
+            <a:fillRef idx="0">
+              <a:schemeClr val="accent1"/>
+            </a:fillRef>
+            <a:effectRef idx="0">
+              <a:schemeClr val="accent1"/>
+            </a:effectRef>
+            <a:fontRef idx="minor">
+              <a:schemeClr val="tx1"/>
+            </a:fontRef>
+          </p:style>
+        </p:cxnSp>
+      </p:grpSp>
+      <p:sp>
+        <p:nvSpPr>
+          <p:cNvPr id="39" name="TextShape 4">
+            <a:extLst>
+              <a:ext uri="{FF2B5EF4-FFF2-40B4-BE49-F238E27FC236}">
+                <a16:creationId xmlns:a16="http://schemas.microsoft.com/office/drawing/2014/main" id="{06F125CF-990A-BDE3-D547-215E87A40153}"/>
+              </a:ext>
+            </a:extLst>
+          </p:cNvPr>
+          <p:cNvSpPr txBox="1"/>
+          <p:nvPr/>
+        </p:nvSpPr>
+        <p:spPr>
+          <a:xfrm>
+            <a:off x="1583929" y="1817575"/>
+            <a:ext cx="405570" cy="229769"/>
+          </a:xfrm>
+          <a:prstGeom prst="rect">
+            <a:avLst/>
+          </a:prstGeom>
+          <a:noFill/>
+          <a:ln>
+            <a:noFill/>
+          </a:ln>
+        </p:spPr>
+        <p:txBody>
+          <a:bodyPr lIns="90000" tIns="45000" rIns="90000" bIns="45000"/>
+          <a:lstStyle/>
+          <a:p>
+            <a:r>
+              <a:rPr lang="en-US" sz="1200" spc="-1" dirty="0">
+                <a:latin typeface="Lucida Sans" panose="020B0602030504020204" pitchFamily="34" charset="0"/>
+              </a:rPr>
+              <a:t>(</a:t>
+            </a:r>
+            <a:r>
+              <a:rPr lang="tr-TR" sz="1200" b="0" strike="noStrike" spc="-1" dirty="0">
+                <a:latin typeface="Lucida Sans" panose="020B0602030504020204" pitchFamily="34" charset="0"/>
+              </a:rPr>
+              <a:t>1</a:t>
+            </a:r>
+            <a:r>
+              <a:rPr lang="en-US" sz="1200" spc="-1" dirty="0">
+                <a:latin typeface="Lucida Sans" panose="020B0602030504020204" pitchFamily="34" charset="0"/>
+              </a:rPr>
+              <a:t>)</a:t>
+            </a:r>
+            <a:endParaRPr lang="en-US" sz="1200" b="0" strike="noStrike" spc="-1" dirty="0">
+              <a:latin typeface="Lucida Sans" panose="020B0602030504020204" pitchFamily="34" charset="0"/>
+            </a:endParaRPr>
+          </a:p>
+        </p:txBody>
+      </p:sp>
+      <p:sp>
+        <p:nvSpPr>
+          <p:cNvPr id="40" name="TextShape 4">
+            <a:extLst>
+              <a:ext uri="{FF2B5EF4-FFF2-40B4-BE49-F238E27FC236}">
+                <a16:creationId xmlns:a16="http://schemas.microsoft.com/office/drawing/2014/main" id="{0D83EAE9-C406-0CDB-4A2E-048C1FCA5A5F}"/>
+              </a:ext>
+            </a:extLst>
+          </p:cNvPr>
+          <p:cNvSpPr txBox="1"/>
+          <p:nvPr/>
+        </p:nvSpPr>
+        <p:spPr>
+          <a:xfrm>
+            <a:off x="1921203" y="2047298"/>
+            <a:ext cx="405570" cy="229769"/>
+          </a:xfrm>
+          <a:prstGeom prst="rect">
+            <a:avLst/>
+          </a:prstGeom>
+          <a:noFill/>
+          <a:ln>
+            <a:noFill/>
+          </a:ln>
+        </p:spPr>
+        <p:txBody>
+          <a:bodyPr lIns="90000" tIns="45000" rIns="90000" bIns="45000"/>
+          <a:lstStyle/>
+          <a:p>
+            <a:r>
+              <a:rPr lang="en-US" sz="1200" spc="-1" dirty="0">
+                <a:latin typeface="Lucida Sans" panose="020B0602030504020204" pitchFamily="34" charset="0"/>
+              </a:rPr>
+              <a:t>(</a:t>
+            </a:r>
+            <a:r>
+              <a:rPr lang="en-US" sz="1200" b="0" strike="noStrike" spc="-1" dirty="0">
+                <a:latin typeface="Lucida Sans" panose="020B0602030504020204" pitchFamily="34" charset="0"/>
+              </a:rPr>
+              <a:t>2</a:t>
+            </a:r>
+            <a:r>
+              <a:rPr lang="en-US" sz="1200" spc="-1" dirty="0">
+                <a:latin typeface="Lucida Sans" panose="020B0602030504020204" pitchFamily="34" charset="0"/>
+              </a:rPr>
+              <a:t>)</a:t>
+            </a:r>
+            <a:endParaRPr lang="en-US" sz="1200" b="0" strike="noStrike" spc="-1" dirty="0">
+              <a:latin typeface="Lucida Sans" panose="020B0602030504020204" pitchFamily="34" charset="0"/>
+            </a:endParaRPr>
+          </a:p>
+        </p:txBody>
+      </p:sp>
+      <p:sp>
+        <p:nvSpPr>
+          <p:cNvPr id="44" name="TextShape 4">
+            <a:extLst>
+              <a:ext uri="{FF2B5EF4-FFF2-40B4-BE49-F238E27FC236}">
+                <a16:creationId xmlns:a16="http://schemas.microsoft.com/office/drawing/2014/main" id="{7F15C9AE-5BAA-D042-462F-754264FFAB7A}"/>
+              </a:ext>
+            </a:extLst>
+          </p:cNvPr>
+          <p:cNvSpPr txBox="1"/>
+          <p:nvPr/>
+        </p:nvSpPr>
+        <p:spPr>
+          <a:xfrm>
+            <a:off x="2245239" y="2263321"/>
+            <a:ext cx="405570" cy="229769"/>
+          </a:xfrm>
+          <a:prstGeom prst="rect">
+            <a:avLst/>
+          </a:prstGeom>
+          <a:noFill/>
+          <a:ln>
+            <a:noFill/>
+          </a:ln>
+        </p:spPr>
+        <p:txBody>
+          <a:bodyPr lIns="90000" tIns="45000" rIns="90000" bIns="45000"/>
+          <a:lstStyle/>
+          <a:p>
+            <a:r>
+              <a:rPr lang="en-US" sz="1200" spc="-1" dirty="0">
+                <a:latin typeface="Lucida Sans" panose="020B0602030504020204" pitchFamily="34" charset="0"/>
+              </a:rPr>
+              <a:t>(</a:t>
+            </a:r>
+            <a:r>
+              <a:rPr lang="en-US" sz="1200" b="0" strike="noStrike" spc="-1" dirty="0">
+                <a:latin typeface="Lucida Sans" panose="020B0602030504020204" pitchFamily="34" charset="0"/>
+              </a:rPr>
+              <a:t>3</a:t>
+            </a:r>
+            <a:r>
+              <a:rPr lang="en-US" sz="1200" spc="-1" dirty="0">
+                <a:latin typeface="Lucida Sans" panose="020B0602030504020204" pitchFamily="34" charset="0"/>
+              </a:rPr>
+              <a:t>)</a:t>
+            </a:r>
+            <a:endParaRPr lang="en-US" sz="1200" b="0" strike="noStrike" spc="-1" dirty="0">
+              <a:latin typeface="Lucida Sans" panose="020B0602030504020204" pitchFamily="34" charset="0"/>
+            </a:endParaRPr>
+          </a:p>
+        </p:txBody>
+      </p:sp>
+      <p:sp>
+        <p:nvSpPr>
+          <p:cNvPr id="45" name="TextShape 4">
+            <a:extLst>
+              <a:ext uri="{FF2B5EF4-FFF2-40B4-BE49-F238E27FC236}">
+                <a16:creationId xmlns:a16="http://schemas.microsoft.com/office/drawing/2014/main" id="{B6CBF203-2211-C0EB-BBE8-C9554D610F15}"/>
+              </a:ext>
+            </a:extLst>
+          </p:cNvPr>
+          <p:cNvSpPr txBox="1"/>
+          <p:nvPr/>
+        </p:nvSpPr>
+        <p:spPr>
+          <a:xfrm>
+            <a:off x="2616662" y="2479344"/>
+            <a:ext cx="405570" cy="229769"/>
+          </a:xfrm>
+          <a:prstGeom prst="rect">
+            <a:avLst/>
+          </a:prstGeom>
+          <a:noFill/>
+          <a:ln>
+            <a:noFill/>
+          </a:ln>
+        </p:spPr>
+        <p:txBody>
+          <a:bodyPr lIns="90000" tIns="45000" rIns="90000" bIns="45000"/>
+          <a:lstStyle/>
+          <a:p>
+            <a:r>
+              <a:rPr lang="en-US" sz="1200" spc="-1" dirty="0">
+                <a:latin typeface="Lucida Sans" panose="020B0602030504020204" pitchFamily="34" charset="0"/>
+              </a:rPr>
+              <a:t>(</a:t>
+            </a:r>
+            <a:r>
+              <a:rPr lang="en-US" sz="1200" b="0" strike="noStrike" spc="-1" dirty="0">
+                <a:latin typeface="Lucida Sans" panose="020B0602030504020204" pitchFamily="34" charset="0"/>
+              </a:rPr>
+              <a:t>4</a:t>
+            </a:r>
+            <a:r>
+              <a:rPr lang="en-US" sz="1200" spc="-1" dirty="0">
+                <a:latin typeface="Lucida Sans" panose="020B0602030504020204" pitchFamily="34" charset="0"/>
+              </a:rPr>
+              <a:t>)</a:t>
+            </a:r>
+            <a:endParaRPr lang="en-US" sz="1200" b="0" strike="noStrike" spc="-1" dirty="0">
+              <a:latin typeface="Lucida Sans" panose="020B0602030504020204" pitchFamily="34" charset="0"/>
+            </a:endParaRPr>
+          </a:p>
+        </p:txBody>
+      </p:sp>
+    </p:spTree>
+    <p:extLst>
+      <p:ext uri="{BB962C8B-B14F-4D97-AF65-F5344CB8AC3E}">
+        <p14:creationId xmlns:p14="http://schemas.microsoft.com/office/powerpoint/2010/main" val="792384706"/>
+      </p:ext>
+    </p:extLst>
+  </p:cSld>
+  <p:clrMapOvr>
+    <a:masterClrMapping/>
+  </p:clrMapOvr>
+  <p:timing>
+    <p:tnLst>
+      <p:par>
+        <p:cTn id="1" dur="indefinite" restart="never" nodeType="tmRoot">
+          <p:childTnLst>
+            <p:seq>
+              <p:cTn id="2" dur="indefinite" nodeType="mainSeq"/>
+              <p:prevCondLst>
+                <p:cond evt="onPrev" delay="0">
+                  <p:tgtEl>
+                    <p:sldTgt/>
+                  </p:tgtEl>
+                </p:cond>
+              </p:prevCondLst>
+              <p:nextCondLst>
+                <p:cond evt="onNext" delay="0">
+                  <p:tgtEl>
+                    <p:sldTgt/>
+                  </p:tgtEl>
+                </p:cond>
+              </p:nextCondLst>
+            </p:seq>
+          </p:childTnLst>
+        </p:cTn>
+      </p:par>
+    </p:tnLst>
+  </p:timing>
+</p:sld>
+</file>
+
+<file path=ppt/slides/slide8.xml><?xml version="1.0" encoding="utf-8"?>
 <p:sld xmlns:a="http://schemas.openxmlformats.org/drawingml/2006/main" xmlns:r="http://schemas.openxmlformats.org/officeDocument/2006/relationships" xmlns:p="http://schemas.openxmlformats.org/presentationml/2006/main">
   <p:cSld>
     <p:spTree>
@@ -17932,7 +19644,7 @@
 </p:sld>
 </file>
 
-<file path=ppt/slides/slide8.xml><?xml version="1.0" encoding="utf-8"?>
+<file path=ppt/slides/slide9.xml><?xml version="1.0" encoding="utf-8"?>
 <p:sld xmlns:a="http://schemas.openxmlformats.org/drawingml/2006/main" xmlns:r="http://schemas.openxmlformats.org/officeDocument/2006/relationships" xmlns:p="http://schemas.openxmlformats.org/presentationml/2006/main">
   <p:cSld>
     <p:spTree>

--- a/tex/old/figures.pptx
+++ b/tex/old/figures.pptx
@@ -9595,7 +9595,7 @@
                           <a:rPr lang="tr-TR" sz="1600" b="0" strike="noStrike" spc="-1" dirty="0">
                             <a:latin typeface="Lucida Sans" panose="020B0602030504020204" pitchFamily="34" charset="0"/>
                           </a:rPr>
-                          <a:t>2⋅5</a:t>
+                          <a:t>25</a:t>
                         </a:r>
                         <a:endParaRPr lang="en-AT" dirty="0"/>
                       </a:p>
@@ -9680,7 +9680,7 @@
                           <a:rPr lang="tr-TR" sz="1600" b="0" strike="noStrike" spc="-1" dirty="0">
                             <a:latin typeface="Lucida Sans" panose="020B0602030504020204" pitchFamily="34" charset="0"/>
                           </a:rPr>
-                          <a:t>5⋅3</a:t>
+                          <a:t>53</a:t>
                         </a:r>
                         <a:endParaRPr lang="en-AT" dirty="0"/>
                       </a:p>
@@ -9959,10 +9959,10 @@
                       <a:p>
                         <a:pPr algn="ctr"/>
                         <a:r>
-                          <a:rPr lang="tr-TR" sz="1600" b="0" strike="noStrike" spc="-1">
+                          <a:rPr lang="tr-TR" sz="1600" b="0" strike="noStrike" spc="-1" dirty="0">
                             <a:latin typeface="Lucida Sans" panose="020B0602030504020204" pitchFamily="34" charset="0"/>
                           </a:rPr>
-                          <a:t>3⋅7</a:t>
+                          <a:t>37</a:t>
                         </a:r>
                         <a:endParaRPr lang="en-US" sz="1600" b="0" strike="noStrike" spc="-1" dirty="0">
                           <a:latin typeface="Lucida Sans" panose="020B0602030504020204" pitchFamily="34" charset="0"/>
@@ -10469,7 +10469,7 @@
                           <a:rPr lang="tr-TR" sz="1600" b="0" strike="noStrike" spc="-1" dirty="0">
                             <a:latin typeface="Lucida Sans" panose="020B0602030504020204" pitchFamily="34" charset="0"/>
                           </a:rPr>
-                          <a:t>7⋅2</a:t>
+                          <a:t>72</a:t>
                         </a:r>
                         <a:endParaRPr lang="en-US" sz="1600" b="0" strike="noStrike" spc="-1" dirty="0">
                           <a:latin typeface="Lucida Sans" panose="020B0602030504020204" pitchFamily="34" charset="0"/>
@@ -11004,7 +11004,7 @@
                           <a:rPr lang="tr-TR" sz="1600" b="0" strike="noStrike" spc="-1" dirty="0">
                             <a:latin typeface="Lucida Sans" panose="020B0602030504020204" pitchFamily="34" charset="0"/>
                           </a:rPr>
-                          <a:t>2⋅5</a:t>
+                          <a:t>25</a:t>
                         </a:r>
                         <a:endParaRPr lang="en-AT" sz="1600" dirty="0"/>
                       </a:p>
@@ -11085,7 +11085,7 @@
                           <a:rPr lang="tr-TR" sz="1600" b="0" strike="noStrike" spc="-1" dirty="0">
                             <a:latin typeface="Lucida Sans" panose="020B0602030504020204" pitchFamily="34" charset="0"/>
                           </a:rPr>
-                          <a:t>2⋅5</a:t>
+                          <a:t>25</a:t>
                         </a:r>
                       </a:p>
                       <a:p>
@@ -11149,7 +11149,7 @@
                           <a:rPr lang="tr-TR" sz="1600" b="0" strike="noStrike" spc="-1" dirty="0">
                             <a:latin typeface="Lucida Sans" panose="020B0602030504020204" pitchFamily="34" charset="0"/>
                           </a:rPr>
-                          <a:t>5⋅3</a:t>
+                          <a:t>53</a:t>
                         </a:r>
                         <a:endParaRPr lang="en-AT" dirty="0"/>
                       </a:p>
@@ -11380,7 +11380,7 @@
                           <a:rPr lang="tr-TR" sz="1600" b="0" strike="noStrike" spc="-1" dirty="0">
                             <a:latin typeface="Lucida Sans" panose="020B0602030504020204" pitchFamily="34" charset="0"/>
                           </a:rPr>
-                          <a:t>3⋅7</a:t>
+                          <a:t>37</a:t>
                         </a:r>
                         <a:endParaRPr lang="en-US" sz="1600" b="0" strike="noStrike" spc="-1" dirty="0">
                           <a:latin typeface="Lucida Sans" panose="020B0602030504020204" pitchFamily="34" charset="0"/>
@@ -11472,7 +11472,7 @@
                           <a:rPr lang="tr-TR" sz="1600" b="0" strike="noStrike" spc="-1" dirty="0">
                             <a:latin typeface="Lucida Sans" panose="020B0602030504020204" pitchFamily="34" charset="0"/>
                           </a:rPr>
-                          <a:t>3⋅7</a:t>
+                          <a:t>37</a:t>
                         </a:r>
                       </a:p>
                       <a:p>
@@ -11564,7 +11564,7 @@
                           <a:rPr lang="tr-TR" sz="1600" b="0" strike="noStrike" spc="-1" dirty="0">
                             <a:latin typeface="Lucida Sans" panose="020B0602030504020204" pitchFamily="34" charset="0"/>
                           </a:rPr>
-                          <a:t>3⋅7</a:t>
+                          <a:t>37</a:t>
                         </a:r>
                       </a:p>
                       <a:p>
@@ -11573,7 +11573,7 @@
                           <a:rPr lang="tr-TR" sz="1600" b="0" strike="noStrike" spc="-1" dirty="0">
                             <a:latin typeface="Lucida Sans" panose="020B0602030504020204" pitchFamily="34" charset="0"/>
                           </a:rPr>
-                          <a:t>3⋅7⋅2</a:t>
+                          <a:t>372</a:t>
                         </a:r>
                       </a:p>
                       <a:p>
@@ -11591,7 +11591,7 @@
                           <a:rPr lang="tr-TR" sz="1600" b="0" strike="noStrike" spc="-1" dirty="0">
                             <a:latin typeface="Lucida Sans" panose="020B0602030504020204" pitchFamily="34" charset="0"/>
                           </a:rPr>
-                          <a:t>7⋅2</a:t>
+                          <a:t>72</a:t>
                         </a:r>
                         <a:endParaRPr lang="en-US" sz="1600" b="0" strike="noStrike" spc="-1" dirty="0">
                           <a:latin typeface="Lucida Sans" panose="020B0602030504020204" pitchFamily="34" charset="0"/>
@@ -11720,7 +11720,7 @@
                           <a:rPr lang="tr-TR" sz="1600" b="0" strike="noStrike" spc="-1" dirty="0">
                             <a:latin typeface="Lucida Sans" panose="020B0602030504020204" pitchFamily="34" charset="0"/>
                           </a:rPr>
-                          <a:t>7⋅2</a:t>
+                          <a:t>72</a:t>
                         </a:r>
                       </a:p>
                       <a:p>
@@ -12112,7 +12112,7 @@
                           <a:rPr lang="tr-TR" sz="1600" b="0" strike="noStrike" spc="-1" dirty="0">
                             <a:latin typeface="Lucida Sans" panose="020B0602030504020204" pitchFamily="34" charset="0"/>
                           </a:rPr>
-                          <a:t>0⋅1</a:t>
+                          <a:t>01</a:t>
                         </a:r>
                         <a:endParaRPr lang="en-AT" sz="1600" dirty="0"/>
                       </a:p>
@@ -12193,7 +12193,7 @@
                           <a:rPr lang="tr-TR" sz="1600" b="0" strike="noStrike" spc="-1" dirty="0">
                             <a:latin typeface="Lucida Sans" panose="020B0602030504020204" pitchFamily="34" charset="0"/>
                           </a:rPr>
-                          <a:t>0⋅1</a:t>
+                          <a:t>01</a:t>
                         </a:r>
                       </a:p>
                       <a:p>
@@ -12257,7 +12257,7 @@
                           <a:rPr lang="tr-TR" sz="1600" b="0" strike="noStrike" spc="-1" dirty="0">
                             <a:latin typeface="Lucida Sans" panose="020B0602030504020204" pitchFamily="34" charset="0"/>
                           </a:rPr>
-                          <a:t>1⋅0</a:t>
+                          <a:t>10</a:t>
                         </a:r>
                         <a:endParaRPr lang="en-AT" dirty="0"/>
                       </a:p>
@@ -12485,7 +12485,7 @@
                           <a:rPr lang="tr-TR" sz="1600" b="0" strike="noStrike" spc="-1" dirty="0">
                             <a:latin typeface="Lucida Sans" panose="020B0602030504020204" pitchFamily="34" charset="0"/>
                           </a:rPr>
-                          <a:t>0⋅1</a:t>
+                          <a:t>01</a:t>
                         </a:r>
                         <a:endParaRPr lang="en-US" sz="1600" b="0" strike="noStrike" spc="-1" dirty="0">
                           <a:latin typeface="Lucida Sans" panose="020B0602030504020204" pitchFamily="34" charset="0"/>
@@ -12577,7 +12577,7 @@
                           <a:rPr lang="tr-TR" sz="1600" b="0" strike="noStrike" spc="-1" dirty="0">
                             <a:latin typeface="Lucida Sans" panose="020B0602030504020204" pitchFamily="34" charset="0"/>
                           </a:rPr>
-                          <a:t>0⋅1</a:t>
+                          <a:t>01</a:t>
                         </a:r>
                       </a:p>
                       <a:p>
@@ -12669,7 +12669,7 @@
                           <a:rPr lang="tr-TR" sz="1600" b="0" strike="noStrike" spc="-1" dirty="0">
                             <a:latin typeface="Lucida Sans" panose="020B0602030504020204" pitchFamily="34" charset="0"/>
                           </a:rPr>
-                          <a:t>0⋅1</a:t>
+                          <a:t>01</a:t>
                         </a:r>
                       </a:p>
                       <a:p>
@@ -12678,7 +12678,7 @@
                           <a:rPr lang="tr-TR" sz="1600" b="0" strike="noStrike" spc="-1" dirty="0">
                             <a:latin typeface="Lucida Sans" panose="020B0602030504020204" pitchFamily="34" charset="0"/>
                           </a:rPr>
-                          <a:t>0⋅1⋅0</a:t>
+                          <a:t>010</a:t>
                         </a:r>
                       </a:p>
                       <a:p>
@@ -12696,7 +12696,7 @@
                           <a:rPr lang="tr-TR" sz="1600" b="0" strike="noStrike" spc="-1" dirty="0">
                             <a:latin typeface="Lucida Sans" panose="020B0602030504020204" pitchFamily="34" charset="0"/>
                           </a:rPr>
-                          <a:t>1⋅0</a:t>
+                          <a:t>10</a:t>
                         </a:r>
                         <a:endParaRPr lang="en-US" sz="1600" b="0" strike="noStrike" spc="-1" dirty="0">
                           <a:latin typeface="Lucida Sans" panose="020B0602030504020204" pitchFamily="34" charset="0"/>
@@ -12825,7 +12825,7 @@
                           <a:rPr lang="tr-TR" sz="1600" b="0" strike="noStrike" spc="-1" dirty="0">
                             <a:latin typeface="Lucida Sans" panose="020B0602030504020204" pitchFamily="34" charset="0"/>
                           </a:rPr>
-                          <a:t>1⋅0</a:t>
+                          <a:t>10</a:t>
                         </a:r>
                       </a:p>
                       <a:p>
@@ -13219,7 +13219,7 @@
             <p:nvPr>
               <p:extLst>
                 <p:ext uri="{D42A27DB-BD31-4B8C-83A1-F6EECF244321}">
-                  <p14:modId xmlns:p14="http://schemas.microsoft.com/office/powerpoint/2010/main" val="2984363207"/>
+                  <p14:modId xmlns:p14="http://schemas.microsoft.com/office/powerpoint/2010/main" val="1861645493"/>
                 </p:ext>
               </p:extLst>
             </p:nvPr>
@@ -13392,7 +13392,7 @@
                           <a:rPr lang="en-US" sz="1600" b="0" strike="noStrike" spc="-1" dirty="0">
                             <a:latin typeface="Lucida Sans" panose="020B0602030504020204" pitchFamily="34" charset="0"/>
                           </a:rPr>
-                          <a:t>⋅1</a:t>
+                          <a:t>1</a:t>
                         </a:r>
                         <a:endParaRPr lang="en-AT" sz="1600" dirty="0">
                           <a:latin typeface="Lucida Sans" panose="020B0602030504020204" pitchFamily="34" charset="0"/>
@@ -13835,7 +13835,7 @@
                           <a:rPr lang="en-US" sz="1600" b="0" strike="noStrike" spc="-1" dirty="0">
                             <a:latin typeface="Lucida Sans" panose="020B0602030504020204" pitchFamily="34" charset="0"/>
                           </a:rPr>
-                          <a:t>⋅0</a:t>
+                          <a:t>0</a:t>
                         </a:r>
                         <a:endParaRPr lang="en-AT" sz="1600" dirty="0">
                           <a:latin typeface="Lucida Sans" panose="020B0602030504020204" pitchFamily="34" charset="0"/>
@@ -14178,7 +14178,7 @@
                           <a:rPr lang="en-US" sz="1600" b="0" strike="noStrike" spc="-1" dirty="0">
                             <a:latin typeface="Lucida Sans" panose="020B0602030504020204" pitchFamily="34" charset="0"/>
                           </a:rPr>
-                          <a:t>0⋅1</a:t>
+                          <a:t>01</a:t>
                         </a:r>
                       </a:p>
                     </a:txBody>
@@ -14542,7 +14542,7 @@
                           <a:rPr lang="en-US" sz="1600" b="0" strike="noStrike" spc="-1" dirty="0">
                             <a:latin typeface="Lucida Sans" panose="020B0602030504020204" pitchFamily="34" charset="0"/>
                           </a:rPr>
-                          <a:t>1⋅0</a:t>
+                          <a:t>10</a:t>
                         </a:r>
                       </a:p>
                     </a:txBody>
@@ -14836,7 +14836,7 @@
           <a:xfrm>
             <a:off x="215776" y="2789907"/>
             <a:ext cx="6533368" cy="2133600"/>
-            <a:chOff x="215776" y="267825"/>
+            <a:chOff x="215776" y="311784"/>
             <a:chExt cx="6533368" cy="2133600"/>
           </a:xfrm>
         </p:grpSpPr>
@@ -14853,13 +14853,13 @@
             <p:nvPr>
               <p:extLst>
                 <p:ext uri="{D42A27DB-BD31-4B8C-83A1-F6EECF244321}">
-                  <p14:modId xmlns:p14="http://schemas.microsoft.com/office/powerpoint/2010/main" val="3520954815"/>
+                  <p14:modId xmlns:p14="http://schemas.microsoft.com/office/powerpoint/2010/main" val="2524767902"/>
                 </p:ext>
               </p:extLst>
             </p:nvPr>
           </p:nvGraphicFramePr>
           <p:xfrm>
-            <a:off x="719832" y="267825"/>
+            <a:off x="719832" y="311784"/>
             <a:ext cx="6029312" cy="2133600"/>
           </p:xfrm>
           <a:graphic>
@@ -15026,7 +15026,7 @@
                           <a:rPr lang="en-US" sz="1600" dirty="0">
                             <a:latin typeface="Lucida Sans" panose="020B0602030504020204" pitchFamily="34" charset="0"/>
                           </a:rPr>
-                          <a:t>0</a:t>
+                          <a:t>{0,</a:t>
                         </a:r>
                       </a:p>
                       <a:p>
@@ -15051,19 +15051,7 @@
                           <a:rPr lang="en-US" sz="1600" dirty="0">
                             <a:latin typeface="Lucida Sans" panose="020B0602030504020204" pitchFamily="34" charset="0"/>
                           </a:rPr>
-                          <a:t>0</a:t>
-                        </a:r>
-                        <a:r>
-                          <a:rPr lang="en-US" sz="1600" b="0" strike="noStrike" spc="-1" dirty="0">
-                            <a:latin typeface="Lucida Sans" panose="020B0602030504020204" pitchFamily="34" charset="0"/>
-                          </a:rPr>
-                          <a:t>⋅</a:t>
-                        </a:r>
-                        <a:r>
-                          <a:rPr lang="en-US" sz="1600" dirty="0">
-                            <a:latin typeface="Lucida Sans" panose="020B0602030504020204" pitchFamily="34" charset="0"/>
-                          </a:rPr>
-                          <a:t>1</a:t>
+                          <a:t>01}</a:t>
                         </a:r>
                       </a:p>
                     </a:txBody>
@@ -15143,7 +15131,7 @@
                           <a:rPr lang="en-US" sz="1600" dirty="0">
                             <a:latin typeface="Lucida Sans" panose="020B0602030504020204" pitchFamily="34" charset="0"/>
                           </a:rPr>
-                          <a:t>0</a:t>
+                          <a:t>{0,</a:t>
                         </a:r>
                       </a:p>
                       <a:p>
@@ -15168,19 +15156,7 @@
                           <a:rPr lang="en-US" sz="1600" dirty="0">
                             <a:latin typeface="Lucida Sans" panose="020B0602030504020204" pitchFamily="34" charset="0"/>
                           </a:rPr>
-                          <a:t>0</a:t>
-                        </a:r>
-                        <a:r>
-                          <a:rPr lang="en-US" sz="1600" b="0" strike="noStrike" spc="-1" dirty="0">
-                            <a:latin typeface="Lucida Sans" panose="020B0602030504020204" pitchFamily="34" charset="0"/>
-                          </a:rPr>
-                          <a:t>⋅</a:t>
-                        </a:r>
-                        <a:r>
-                          <a:rPr lang="en-US" sz="1600" dirty="0">
-                            <a:latin typeface="Lucida Sans" panose="020B0602030504020204" pitchFamily="34" charset="0"/>
-                          </a:rPr>
-                          <a:t>1</a:t>
+                          <a:t>01,</a:t>
                         </a:r>
                       </a:p>
                       <a:p>
@@ -15205,7 +15181,7 @@
                           <a:rPr lang="en-US" sz="1600" dirty="0">
                             <a:latin typeface="Lucida Sans" panose="020B0602030504020204" pitchFamily="34" charset="0"/>
                           </a:rPr>
-                          <a:t>1</a:t>
+                          <a:t>1}</a:t>
                         </a:r>
                       </a:p>
                     </a:txBody>
@@ -15285,19 +15261,7 @@
                           <a:rPr lang="en-US" sz="1600" dirty="0">
                             <a:latin typeface="Lucida Sans" panose="020B0602030504020204" pitchFamily="34" charset="0"/>
                           </a:rPr>
-                          <a:t>0</a:t>
-                        </a:r>
-                        <a:r>
-                          <a:rPr lang="en-US" sz="1600" b="0" strike="noStrike" spc="-1" dirty="0">
-                            <a:latin typeface="Lucida Sans" panose="020B0602030504020204" pitchFamily="34" charset="0"/>
-                          </a:rPr>
-                          <a:t>⋅</a:t>
-                        </a:r>
-                        <a:r>
-                          <a:rPr lang="en-US" sz="1600" dirty="0">
-                            <a:latin typeface="Lucida Sans" panose="020B0602030504020204" pitchFamily="34" charset="0"/>
-                          </a:rPr>
-                          <a:t>1</a:t>
+                          <a:t>{01,</a:t>
                         </a:r>
                       </a:p>
                       <a:p>
@@ -15322,31 +15286,7 @@
                           <a:rPr lang="en-US" sz="1600" dirty="0">
                             <a:latin typeface="Lucida Sans" panose="020B0602030504020204" pitchFamily="34" charset="0"/>
                           </a:rPr>
-                          <a:t>0</a:t>
-                        </a:r>
-                        <a:r>
-                          <a:rPr lang="en-US" sz="1600" b="0" strike="noStrike" spc="-1" dirty="0">
-                            <a:latin typeface="Lucida Sans" panose="020B0602030504020204" pitchFamily="34" charset="0"/>
-                          </a:rPr>
-                          <a:t>⋅</a:t>
-                        </a:r>
-                        <a:r>
-                          <a:rPr lang="en-US" sz="1600" dirty="0">
-                            <a:latin typeface="Lucida Sans" panose="020B0602030504020204" pitchFamily="34" charset="0"/>
-                          </a:rPr>
-                          <a:t>1</a:t>
-                        </a:r>
-                        <a:r>
-                          <a:rPr lang="en-US" sz="1600" b="0" strike="noStrike" spc="-1" dirty="0">
-                            <a:latin typeface="Lucida Sans" panose="020B0602030504020204" pitchFamily="34" charset="0"/>
-                          </a:rPr>
-                          <a:t>⋅</a:t>
-                        </a:r>
-                        <a:r>
-                          <a:rPr lang="en-US" sz="1600" dirty="0">
-                            <a:latin typeface="Lucida Sans" panose="020B0602030504020204" pitchFamily="34" charset="0"/>
-                          </a:rPr>
-                          <a:t>0</a:t>
+                          <a:t>010,</a:t>
                         </a:r>
                       </a:p>
                       <a:p>
@@ -15371,7 +15311,7 @@
                           <a:rPr lang="en-US" sz="1600" dirty="0">
                             <a:latin typeface="Lucida Sans" panose="020B0602030504020204" pitchFamily="34" charset="0"/>
                           </a:rPr>
-                          <a:t>1</a:t>
+                          <a:t>1,</a:t>
                         </a:r>
                       </a:p>
                       <a:p>
@@ -15396,19 +15336,7 @@
                           <a:rPr lang="en-US" sz="1600" dirty="0">
                             <a:latin typeface="Lucida Sans" panose="020B0602030504020204" pitchFamily="34" charset="0"/>
                           </a:rPr>
-                          <a:t>1</a:t>
-                        </a:r>
-                        <a:r>
-                          <a:rPr lang="en-US" sz="1600" b="0" strike="noStrike" spc="-1" dirty="0">
-                            <a:latin typeface="Lucida Sans" panose="020B0602030504020204" pitchFamily="34" charset="0"/>
-                          </a:rPr>
-                          <a:t>⋅</a:t>
-                        </a:r>
-                        <a:r>
-                          <a:rPr lang="en-US" sz="1600" dirty="0">
-                            <a:latin typeface="Lucida Sans" panose="020B0602030504020204" pitchFamily="34" charset="0"/>
-                          </a:rPr>
-                          <a:t>0</a:t>
+                          <a:t>10}</a:t>
                         </a:r>
                       </a:p>
                     </a:txBody>
@@ -15488,7 +15416,7 @@
                           <a:rPr lang="en-US" sz="1600" dirty="0">
                             <a:latin typeface="Lucida Sans" panose="020B0602030504020204" pitchFamily="34" charset="0"/>
                           </a:rPr>
-                          <a:t>1</a:t>
+                          <a:t>{1,</a:t>
                         </a:r>
                       </a:p>
                       <a:p>
@@ -15513,19 +15441,7 @@
                           <a:rPr lang="en-US" sz="1600" dirty="0">
                             <a:latin typeface="Lucida Sans" panose="020B0602030504020204" pitchFamily="34" charset="0"/>
                           </a:rPr>
-                          <a:t>1</a:t>
-                        </a:r>
-                        <a:r>
-                          <a:rPr lang="en-US" sz="1600" b="0" strike="noStrike" spc="-1" dirty="0">
-                            <a:latin typeface="Lucida Sans" panose="020B0602030504020204" pitchFamily="34" charset="0"/>
-                          </a:rPr>
-                          <a:t>⋅</a:t>
-                        </a:r>
-                        <a:r>
-                          <a:rPr lang="en-US" sz="1600" dirty="0">
-                            <a:latin typeface="Lucida Sans" panose="020B0602030504020204" pitchFamily="34" charset="0"/>
-                          </a:rPr>
-                          <a:t>0</a:t>
+                          <a:t>10,</a:t>
                         </a:r>
                       </a:p>
                       <a:p>
@@ -15550,7 +15466,7 @@
                           <a:rPr lang="en-US" sz="1600" dirty="0">
                             <a:latin typeface="Lucida Sans" panose="020B0602030504020204" pitchFamily="34" charset="0"/>
                           </a:rPr>
-                          <a:t>0</a:t>
+                          <a:t>0}</a:t>
                         </a:r>
                       </a:p>
                     </a:txBody>
@@ -15630,19 +15546,7 @@
                           <a:rPr lang="en-US" sz="1600" dirty="0">
                             <a:latin typeface="Lucida Sans" panose="020B0602030504020204" pitchFamily="34" charset="0"/>
                           </a:rPr>
-                          <a:t>1</a:t>
-                        </a:r>
-                        <a:r>
-                          <a:rPr lang="en-US" sz="1600" b="0" strike="noStrike" spc="-1" dirty="0">
-                            <a:latin typeface="Lucida Sans" panose="020B0602030504020204" pitchFamily="34" charset="0"/>
-                          </a:rPr>
-                          <a:t>⋅</a:t>
-                        </a:r>
-                        <a:r>
-                          <a:rPr lang="en-US" sz="1600" dirty="0">
-                            <a:latin typeface="Lucida Sans" panose="020B0602030504020204" pitchFamily="34" charset="0"/>
-                          </a:rPr>
-                          <a:t>0</a:t>
+                          <a:t>{10,</a:t>
                         </a:r>
                       </a:p>
                       <a:p>
@@ -15667,7 +15571,7 @@
                           <a:rPr lang="en-US" sz="1600" dirty="0">
                             <a:latin typeface="Lucida Sans" panose="020B0602030504020204" pitchFamily="34" charset="0"/>
                           </a:rPr>
-                          <a:t>0</a:t>
+                          <a:t>0}</a:t>
                         </a:r>
                       </a:p>
                     </a:txBody>
@@ -15747,7 +15651,7 @@
                           <a:rPr lang="en-US" sz="1600" dirty="0">
                             <a:latin typeface="Lucida Sans" panose="020B0602030504020204" pitchFamily="34" charset="0"/>
                           </a:rPr>
-                          <a:t>0</a:t>
+                          <a:t>{0}</a:t>
                         </a:r>
                       </a:p>
                     </a:txBody>
@@ -15894,7 +15798,7 @@
                           <a:rPr lang="en-US" sz="1600" b="0" strike="noStrike" spc="-1" dirty="0">
                             <a:latin typeface="Lucida Sans" panose="020B0602030504020204" pitchFamily="34" charset="0"/>
                           </a:rPr>
-                          <a:t>0</a:t>
+                          <a:t>{0}</a:t>
                         </a:r>
                       </a:p>
                     </a:txBody>
@@ -15940,7 +15844,7 @@
                           <a:rPr lang="en-US" sz="1600" b="0" strike="noStrike" spc="-1" dirty="0">
                             <a:latin typeface="Lucida Sans" panose="020B0602030504020204" pitchFamily="34" charset="0"/>
                           </a:rPr>
-                          <a:t>0</a:t>
+                          <a:t>{0,</a:t>
                         </a:r>
                       </a:p>
                       <a:p>
@@ -15949,7 +15853,7 @@
                           <a:rPr lang="en-US" sz="1600" b="0" strike="noStrike" spc="-1" dirty="0">
                             <a:latin typeface="Lucida Sans" panose="020B0602030504020204" pitchFamily="34" charset="0"/>
                           </a:rPr>
-                          <a:t>0⋅1</a:t>
+                          <a:t>01}</a:t>
                         </a:r>
                       </a:p>
                     </a:txBody>
@@ -15986,7 +15890,7 @@
                           <a:rPr lang="en-US" sz="1600" b="0" strike="noStrike" spc="-1" dirty="0">
                             <a:latin typeface="Lucida Sans" panose="020B0602030504020204" pitchFamily="34" charset="0"/>
                           </a:rPr>
-                          <a:t>0</a:t>
+                          <a:t>{0,</a:t>
                         </a:r>
                       </a:p>
                       <a:p>
@@ -15995,7 +15899,7 @@
                           <a:rPr lang="en-US" sz="1600" b="0" strike="noStrike" spc="-1" dirty="0">
                             <a:latin typeface="Lucida Sans" panose="020B0602030504020204" pitchFamily="34" charset="0"/>
                           </a:rPr>
-                          <a:t>0⋅1</a:t>
+                          <a:t>01,</a:t>
                         </a:r>
                       </a:p>
                       <a:p>
@@ -16004,7 +15908,7 @@
                           <a:rPr lang="en-US" sz="1600" b="0" strike="noStrike" spc="-1" dirty="0">
                             <a:latin typeface="Lucida Sans" panose="020B0602030504020204" pitchFamily="34" charset="0"/>
                           </a:rPr>
-                          <a:t>1</a:t>
+                          <a:t>1}</a:t>
                         </a:r>
                       </a:p>
                     </a:txBody>
@@ -16057,19 +15961,7 @@
                           <a:rPr lang="en-US" sz="1600" dirty="0">
                             <a:latin typeface="Lucida Sans" panose="020B0602030504020204" pitchFamily="34" charset="0"/>
                           </a:rPr>
-                          <a:t>0</a:t>
-                        </a:r>
-                        <a:r>
-                          <a:rPr lang="en-US" sz="1600" b="0" strike="noStrike" spc="-1" dirty="0">
-                            <a:latin typeface="Lucida Sans" panose="020B0602030504020204" pitchFamily="34" charset="0"/>
-                          </a:rPr>
-                          <a:t>⋅</a:t>
-                        </a:r>
-                        <a:r>
-                          <a:rPr lang="en-US" sz="1600" dirty="0">
-                            <a:latin typeface="Lucida Sans" panose="020B0602030504020204" pitchFamily="34" charset="0"/>
-                          </a:rPr>
-                          <a:t>1</a:t>
+                          <a:t>{01,</a:t>
                         </a:r>
                       </a:p>
                       <a:p>
@@ -16094,31 +15986,7 @@
                           <a:rPr lang="en-US" sz="1600" dirty="0">
                             <a:latin typeface="Lucida Sans" panose="020B0602030504020204" pitchFamily="34" charset="0"/>
                           </a:rPr>
-                          <a:t>0</a:t>
-                        </a:r>
-                        <a:r>
-                          <a:rPr lang="en-US" sz="1600" b="0" strike="noStrike" spc="-1" dirty="0">
-                            <a:latin typeface="Lucida Sans" panose="020B0602030504020204" pitchFamily="34" charset="0"/>
-                          </a:rPr>
-                          <a:t>⋅</a:t>
-                        </a:r>
-                        <a:r>
-                          <a:rPr lang="en-US" sz="1600" dirty="0">
-                            <a:latin typeface="Lucida Sans" panose="020B0602030504020204" pitchFamily="34" charset="0"/>
-                          </a:rPr>
-                          <a:t>1</a:t>
-                        </a:r>
-                        <a:r>
-                          <a:rPr lang="en-US" sz="1600" b="0" strike="noStrike" spc="-1" dirty="0">
-                            <a:latin typeface="Lucida Sans" panose="020B0602030504020204" pitchFamily="34" charset="0"/>
-                          </a:rPr>
-                          <a:t>⋅</a:t>
-                        </a:r>
-                        <a:r>
-                          <a:rPr lang="en-US" sz="1600" dirty="0">
-                            <a:latin typeface="Lucida Sans" panose="020B0602030504020204" pitchFamily="34" charset="0"/>
-                          </a:rPr>
-                          <a:t>0</a:t>
+                          <a:t>010,</a:t>
                         </a:r>
                       </a:p>
                       <a:p>
@@ -16143,7 +16011,7 @@
                           <a:rPr lang="en-US" sz="1600" dirty="0">
                             <a:latin typeface="Lucida Sans" panose="020B0602030504020204" pitchFamily="34" charset="0"/>
                           </a:rPr>
-                          <a:t>1</a:t>
+                          <a:t>1,</a:t>
                         </a:r>
                       </a:p>
                       <a:p>
@@ -16168,19 +16036,7 @@
                           <a:rPr lang="en-US" sz="1600" dirty="0">
                             <a:latin typeface="Lucida Sans" panose="020B0602030504020204" pitchFamily="34" charset="0"/>
                           </a:rPr>
-                          <a:t>1</a:t>
-                        </a:r>
-                        <a:r>
-                          <a:rPr lang="en-US" sz="1600" b="0" strike="noStrike" spc="-1" dirty="0">
-                            <a:latin typeface="Lucida Sans" panose="020B0602030504020204" pitchFamily="34" charset="0"/>
-                          </a:rPr>
-                          <a:t>⋅</a:t>
-                        </a:r>
-                        <a:r>
-                          <a:rPr lang="en-US" sz="1600" dirty="0">
-                            <a:latin typeface="Lucida Sans" panose="020B0602030504020204" pitchFamily="34" charset="0"/>
-                          </a:rPr>
-                          <a:t>0</a:t>
+                          <a:t>10}</a:t>
                         </a:r>
                       </a:p>
                     </a:txBody>
@@ -16217,7 +16073,7 @@
                           <a:rPr lang="en-US" sz="1600" b="0" strike="noStrike" spc="-1" dirty="0">
                             <a:latin typeface="Lucida Sans" panose="020B0602030504020204" pitchFamily="34" charset="0"/>
                           </a:rPr>
-                          <a:t>1</a:t>
+                          <a:t>{1,</a:t>
                         </a:r>
                       </a:p>
                       <a:p>
@@ -16226,7 +16082,7 @@
                           <a:rPr lang="en-US" sz="1600" b="0" strike="noStrike" spc="-1" dirty="0">
                             <a:latin typeface="Lucida Sans" panose="020B0602030504020204" pitchFamily="34" charset="0"/>
                           </a:rPr>
-                          <a:t>1⋅0</a:t>
+                          <a:t>10,</a:t>
                         </a:r>
                       </a:p>
                       <a:p>
@@ -16235,7 +16091,7 @@
                           <a:rPr lang="en-US" sz="1600" b="0" strike="noStrike" spc="-1" dirty="0">
                             <a:latin typeface="Lucida Sans" panose="020B0602030504020204" pitchFamily="34" charset="0"/>
                           </a:rPr>
-                          <a:t>0</a:t>
+                          <a:t>0}</a:t>
                         </a:r>
                       </a:p>
                     </a:txBody>
@@ -16272,7 +16128,7 @@
                           <a:rPr lang="en-US" sz="1600" b="0" strike="noStrike" spc="-1" dirty="0">
                             <a:latin typeface="Lucida Sans" panose="020B0602030504020204" pitchFamily="34" charset="0"/>
                           </a:rPr>
-                          <a:t>1⋅0</a:t>
+                          <a:t>{10,</a:t>
                         </a:r>
                       </a:p>
                       <a:p>
@@ -16281,7 +16137,7 @@
                           <a:rPr lang="en-US" sz="1600" b="0" strike="noStrike" spc="-1" dirty="0">
                             <a:latin typeface="Lucida Sans" panose="020B0602030504020204" pitchFamily="34" charset="0"/>
                           </a:rPr>
-                          <a:t>0</a:t>
+                          <a:t>0}</a:t>
                         </a:r>
                       </a:p>
                     </a:txBody>
@@ -16371,7 +16227,7 @@
         </p:nvSpPr>
         <p:spPr>
           <a:xfrm>
-            <a:off x="503808" y="2498171"/>
+            <a:off x="503808" y="2533498"/>
             <a:ext cx="6521702" cy="229769"/>
           </a:xfrm>
           <a:prstGeom prst="rect">
@@ -16624,7 +16480,7 @@
             <p:nvPr>
               <p:extLst>
                 <p:ext uri="{D42A27DB-BD31-4B8C-83A1-F6EECF244321}">
-                  <p14:modId xmlns:p14="http://schemas.microsoft.com/office/powerpoint/2010/main" val="195963615"/>
+                  <p14:modId xmlns:p14="http://schemas.microsoft.com/office/powerpoint/2010/main" val="3279227658"/>
                 </p:ext>
               </p:extLst>
             </p:nvPr>
@@ -16797,7 +16653,7 @@
                           <a:rPr lang="en-US" sz="1600" dirty="0">
                             <a:latin typeface="Lucida Sans" panose="020B0602030504020204" pitchFamily="34" charset="0"/>
                           </a:rPr>
-                          <a:t>0</a:t>
+                          <a:t>{0,</a:t>
                         </a:r>
                       </a:p>
                       <a:p>
@@ -16822,19 +16678,7 @@
                           <a:rPr lang="en-US" sz="1600" dirty="0">
                             <a:latin typeface="Lucida Sans" panose="020B0602030504020204" pitchFamily="34" charset="0"/>
                           </a:rPr>
-                          <a:t>0</a:t>
-                        </a:r>
-                        <a:r>
-                          <a:rPr lang="en-US" sz="1600" b="0" strike="noStrike" spc="-1" dirty="0">
-                            <a:latin typeface="Lucida Sans" panose="020B0602030504020204" pitchFamily="34" charset="0"/>
-                          </a:rPr>
-                          <a:t>⋅</a:t>
-                        </a:r>
-                        <a:r>
-                          <a:rPr lang="en-US" sz="1600" dirty="0">
-                            <a:latin typeface="Lucida Sans" panose="020B0602030504020204" pitchFamily="34" charset="0"/>
-                          </a:rPr>
-                          <a:t>1</a:t>
+                          <a:t>01}</a:t>
                         </a:r>
                       </a:p>
                     </a:txBody>
@@ -16914,7 +16758,7 @@
                           <a:rPr lang="en-US" sz="1600" dirty="0">
                             <a:latin typeface="Lucida Sans" panose="020B0602030504020204" pitchFamily="34" charset="0"/>
                           </a:rPr>
-                          <a:t>0</a:t>
+                          <a:t>{0,</a:t>
                         </a:r>
                       </a:p>
                       <a:p>
@@ -16939,19 +16783,7 @@
                           <a:rPr lang="en-US" sz="1600" dirty="0">
                             <a:latin typeface="Lucida Sans" panose="020B0602030504020204" pitchFamily="34" charset="0"/>
                           </a:rPr>
-                          <a:t>0</a:t>
-                        </a:r>
-                        <a:r>
-                          <a:rPr lang="en-US" sz="1600" b="0" strike="noStrike" spc="-1" dirty="0">
-                            <a:latin typeface="Lucida Sans" panose="020B0602030504020204" pitchFamily="34" charset="0"/>
-                          </a:rPr>
-                          <a:t>⋅</a:t>
-                        </a:r>
-                        <a:r>
-                          <a:rPr lang="en-US" sz="1600" dirty="0">
-                            <a:latin typeface="Lucida Sans" panose="020B0602030504020204" pitchFamily="34" charset="0"/>
-                          </a:rPr>
-                          <a:t>1</a:t>
+                          <a:t>01,</a:t>
                         </a:r>
                       </a:p>
                       <a:p>
@@ -16976,7 +16808,7 @@
                           <a:rPr lang="en-US" sz="1600" dirty="0">
                             <a:latin typeface="Lucida Sans" panose="020B0602030504020204" pitchFamily="34" charset="0"/>
                           </a:rPr>
-                          <a:t>1</a:t>
+                          <a:t>1}</a:t>
                         </a:r>
                       </a:p>
                     </a:txBody>
@@ -17056,19 +16888,7 @@
                           <a:rPr lang="en-US" sz="1600" dirty="0">
                             <a:latin typeface="Lucida Sans" panose="020B0602030504020204" pitchFamily="34" charset="0"/>
                           </a:rPr>
-                          <a:t>0</a:t>
-                        </a:r>
-                        <a:r>
-                          <a:rPr lang="en-US" sz="1600" b="0" strike="noStrike" spc="-1" dirty="0">
-                            <a:latin typeface="Lucida Sans" panose="020B0602030504020204" pitchFamily="34" charset="0"/>
-                          </a:rPr>
-                          <a:t>⋅</a:t>
-                        </a:r>
-                        <a:r>
-                          <a:rPr lang="en-US" sz="1600" dirty="0">
-                            <a:latin typeface="Lucida Sans" panose="020B0602030504020204" pitchFamily="34" charset="0"/>
-                          </a:rPr>
-                          <a:t>1</a:t>
+                          <a:t>{01,</a:t>
                         </a:r>
                       </a:p>
                       <a:p>
@@ -17093,31 +16913,7 @@
                           <a:rPr lang="en-US" sz="1600" dirty="0">
                             <a:latin typeface="Lucida Sans" panose="020B0602030504020204" pitchFamily="34" charset="0"/>
                           </a:rPr>
-                          <a:t>0</a:t>
-                        </a:r>
-                        <a:r>
-                          <a:rPr lang="en-US" sz="1600" b="0" strike="noStrike" spc="-1" dirty="0">
-                            <a:latin typeface="Lucida Sans" panose="020B0602030504020204" pitchFamily="34" charset="0"/>
-                          </a:rPr>
-                          <a:t>⋅</a:t>
-                        </a:r>
-                        <a:r>
-                          <a:rPr lang="en-US" sz="1600" dirty="0">
-                            <a:latin typeface="Lucida Sans" panose="020B0602030504020204" pitchFamily="34" charset="0"/>
-                          </a:rPr>
-                          <a:t>1</a:t>
-                        </a:r>
-                        <a:r>
-                          <a:rPr lang="en-US" sz="1600" b="0" strike="noStrike" spc="-1" dirty="0">
-                            <a:latin typeface="Lucida Sans" panose="020B0602030504020204" pitchFamily="34" charset="0"/>
-                          </a:rPr>
-                          <a:t>⋅</a:t>
-                        </a:r>
-                        <a:r>
-                          <a:rPr lang="en-US" sz="1600" dirty="0">
-                            <a:latin typeface="Lucida Sans" panose="020B0602030504020204" pitchFamily="34" charset="0"/>
-                          </a:rPr>
-                          <a:t>0</a:t>
+                          <a:t>010,</a:t>
                         </a:r>
                       </a:p>
                       <a:p>
@@ -17142,7 +16938,7 @@
                           <a:rPr lang="en-US" sz="1600" dirty="0">
                             <a:latin typeface="Lucida Sans" panose="020B0602030504020204" pitchFamily="34" charset="0"/>
                           </a:rPr>
-                          <a:t>1</a:t>
+                          <a:t>1,</a:t>
                         </a:r>
                       </a:p>
                       <a:p>
@@ -17167,19 +16963,7 @@
                           <a:rPr lang="en-US" sz="1600" dirty="0">
                             <a:latin typeface="Lucida Sans" panose="020B0602030504020204" pitchFamily="34" charset="0"/>
                           </a:rPr>
-                          <a:t>1</a:t>
-                        </a:r>
-                        <a:r>
-                          <a:rPr lang="en-US" sz="1600" b="0" strike="noStrike" spc="-1" dirty="0">
-                            <a:latin typeface="Lucida Sans" panose="020B0602030504020204" pitchFamily="34" charset="0"/>
-                          </a:rPr>
-                          <a:t>⋅</a:t>
-                        </a:r>
-                        <a:r>
-                          <a:rPr lang="en-US" sz="1600" dirty="0">
-                            <a:latin typeface="Lucida Sans" panose="020B0602030504020204" pitchFamily="34" charset="0"/>
-                          </a:rPr>
-                          <a:t>0</a:t>
+                          <a:t>10}</a:t>
                         </a:r>
                       </a:p>
                     </a:txBody>
@@ -17259,7 +17043,7 @@
                           <a:rPr lang="en-US" sz="1600" dirty="0">
                             <a:latin typeface="Lucida Sans" panose="020B0602030504020204" pitchFamily="34" charset="0"/>
                           </a:rPr>
-                          <a:t>1</a:t>
+                          <a:t>{1,</a:t>
                         </a:r>
                       </a:p>
                       <a:p>
@@ -17284,19 +17068,7 @@
                           <a:rPr lang="en-US" sz="1600" dirty="0">
                             <a:latin typeface="Lucida Sans" panose="020B0602030504020204" pitchFamily="34" charset="0"/>
                           </a:rPr>
-                          <a:t>1</a:t>
-                        </a:r>
-                        <a:r>
-                          <a:rPr lang="en-US" sz="1600" b="0" strike="noStrike" spc="-1" dirty="0">
-                            <a:latin typeface="Lucida Sans" panose="020B0602030504020204" pitchFamily="34" charset="0"/>
-                          </a:rPr>
-                          <a:t>⋅</a:t>
-                        </a:r>
-                        <a:r>
-                          <a:rPr lang="en-US" sz="1600" dirty="0">
-                            <a:latin typeface="Lucida Sans" panose="020B0602030504020204" pitchFamily="34" charset="0"/>
-                          </a:rPr>
-                          <a:t>0</a:t>
+                          <a:t>10,</a:t>
                         </a:r>
                       </a:p>
                       <a:p>
@@ -17321,7 +17093,7 @@
                           <a:rPr lang="en-US" sz="1600" dirty="0">
                             <a:latin typeface="Lucida Sans" panose="020B0602030504020204" pitchFamily="34" charset="0"/>
                           </a:rPr>
-                          <a:t>0</a:t>
+                          <a:t>0}</a:t>
                         </a:r>
                       </a:p>
                     </a:txBody>
@@ -17401,19 +17173,7 @@
                           <a:rPr lang="en-US" sz="1600" dirty="0">
                             <a:latin typeface="Lucida Sans" panose="020B0602030504020204" pitchFamily="34" charset="0"/>
                           </a:rPr>
-                          <a:t>1</a:t>
-                        </a:r>
-                        <a:r>
-                          <a:rPr lang="en-US" sz="1600" b="0" strike="noStrike" spc="-1" dirty="0">
-                            <a:latin typeface="Lucida Sans" panose="020B0602030504020204" pitchFamily="34" charset="0"/>
-                          </a:rPr>
-                          <a:t>⋅</a:t>
-                        </a:r>
-                        <a:r>
-                          <a:rPr lang="en-US" sz="1600" dirty="0">
-                            <a:latin typeface="Lucida Sans" panose="020B0602030504020204" pitchFamily="34" charset="0"/>
-                          </a:rPr>
-                          <a:t>0</a:t>
+                          <a:t>{10,</a:t>
                         </a:r>
                       </a:p>
                       <a:p>
@@ -17438,7 +17198,7 @@
                           <a:rPr lang="en-US" sz="1600" dirty="0">
                             <a:latin typeface="Lucida Sans" panose="020B0602030504020204" pitchFamily="34" charset="0"/>
                           </a:rPr>
-                          <a:t>0</a:t>
+                          <a:t>0}</a:t>
                         </a:r>
                       </a:p>
                     </a:txBody>
@@ -17518,7 +17278,7 @@
                           <a:rPr lang="en-US" sz="1600" dirty="0">
                             <a:latin typeface="Lucida Sans" panose="020B0602030504020204" pitchFamily="34" charset="0"/>
                           </a:rPr>
-                          <a:t>0</a:t>
+                          <a:t>{0}</a:t>
                         </a:r>
                       </a:p>
                     </a:txBody>
@@ -18588,7 +18348,7 @@
                             <a:rPr lang="tr-TR" sz="1600" b="0" strike="noStrike" spc="-1" dirty="0">
                               <a:latin typeface="Lucida Sans" panose="020B0602030504020204" pitchFamily="34" charset="0"/>
                             </a:rPr>
-                            <a:t>0⋅1</a:t>
+                            <a:t>01</a:t>
                           </a:r>
                           <a:endParaRPr lang="en-US" sz="1600" b="0" strike="noStrike" spc="-1" dirty="0">
                             <a:latin typeface="Lucida Sans" panose="020B0602030504020204" pitchFamily="34" charset="0"/>
@@ -18678,7 +18438,7 @@
                             <a:rPr lang="tr-TR" sz="1600" b="0" strike="noStrike" spc="-1" dirty="0">
                               <a:latin typeface="Lucida Sans" panose="020B0602030504020204" pitchFamily="34" charset="0"/>
                             </a:rPr>
-                            <a:t>0⋅1</a:t>
+                            <a:t>01</a:t>
                           </a:r>
                         </a:p>
                         <a:p>
@@ -18768,7 +18528,7 @@
                             <a:rPr lang="tr-TR" sz="1600" b="0" strike="noStrike" spc="-1" dirty="0">
                               <a:latin typeface="Lucida Sans" panose="020B0602030504020204" pitchFamily="34" charset="0"/>
                             </a:rPr>
-                            <a:t>0⋅1</a:t>
+                            <a:t>01</a:t>
                           </a:r>
                         </a:p>
                         <a:p>
@@ -18777,7 +18537,7 @@
                             <a:rPr lang="tr-TR" sz="1600" b="0" strike="noStrike" spc="-1" dirty="0">
                               <a:latin typeface="Lucida Sans" panose="020B0602030504020204" pitchFamily="34" charset="0"/>
                             </a:rPr>
-                            <a:t>0⋅1⋅0</a:t>
+                            <a:t>010</a:t>
                           </a:r>
                         </a:p>
                         <a:p>
@@ -18795,7 +18555,7 @@
                             <a:rPr lang="tr-TR" sz="1600" b="0" strike="noStrike" spc="-1" dirty="0">
                               <a:latin typeface="Lucida Sans" panose="020B0602030504020204" pitchFamily="34" charset="0"/>
                             </a:rPr>
-                            <a:t>1⋅0</a:t>
+                            <a:t>10</a:t>
                           </a:r>
                           <a:endParaRPr lang="en-US" sz="1600" b="0" strike="noStrike" spc="-1" dirty="0">
                             <a:latin typeface="Lucida Sans" panose="020B0602030504020204" pitchFamily="34" charset="0"/>
@@ -18929,7 +18689,7 @@
                             <a:rPr lang="tr-TR" sz="1600" b="0" strike="noStrike" spc="-1" dirty="0">
                               <a:latin typeface="Lucida Sans" panose="020B0602030504020204" pitchFamily="34" charset="0"/>
                             </a:rPr>
-                            <a:t>1⋅0</a:t>
+                            <a:t>10</a:t>
                           </a:r>
                         </a:p>
                         <a:p>

--- a/tex/old/figures.pptx
+++ b/tex/old/figures.pptx
@@ -3895,10 +3895,10 @@
       </p:grpSpPr>
       <p:grpSp>
         <p:nvGrpSpPr>
-          <p:cNvPr id="40" name="Group 39">
+          <p:cNvPr id="31" name="Group 30">
             <a:extLst>
               <a:ext uri="{FF2B5EF4-FFF2-40B4-BE49-F238E27FC236}">
-                <a16:creationId xmlns:a16="http://schemas.microsoft.com/office/drawing/2014/main" id="{A3641446-53E5-353E-E6DF-2BEF71CDD5B3}"/>
+                <a16:creationId xmlns:a16="http://schemas.microsoft.com/office/drawing/2014/main" id="{88FDF0FF-AD7E-3350-EDE9-451046B9ACBC}"/>
               </a:ext>
             </a:extLst>
           </p:cNvPr>
@@ -3908,17 +3908,17 @@
         <p:grpSpPr>
           <a:xfrm>
             <a:off x="1007864" y="98971"/>
-            <a:ext cx="6806263" cy="4924100"/>
-            <a:chOff x="1007864" y="531019"/>
+            <a:ext cx="4896544" cy="4924100"/>
+            <a:chOff x="1007864" y="98971"/>
             <a:chExt cx="6806263" cy="4924100"/>
           </a:xfrm>
         </p:grpSpPr>
         <p:grpSp>
           <p:nvGrpSpPr>
-            <p:cNvPr id="38" name="Group 37">
+            <p:cNvPr id="40" name="Group 39">
               <a:extLst>
                 <a:ext uri="{FF2B5EF4-FFF2-40B4-BE49-F238E27FC236}">
-                  <a16:creationId xmlns:a16="http://schemas.microsoft.com/office/drawing/2014/main" id="{081E055F-D299-8B89-B679-207AC869600B}"/>
+                  <a16:creationId xmlns:a16="http://schemas.microsoft.com/office/drawing/2014/main" id="{A3641446-53E5-353E-E6DF-2BEF71CDD5B3}"/>
                 </a:ext>
               </a:extLst>
             </p:cNvPr>
@@ -3927,7 +3927,7 @@
           </p:nvGrpSpPr>
           <p:grpSpPr>
             <a:xfrm>
-              <a:off x="1007864" y="531019"/>
+              <a:off x="1007864" y="98971"/>
               <a:ext cx="6806263" cy="4924100"/>
               <a:chOff x="1007864" y="531019"/>
               <a:chExt cx="6806263" cy="4924100"/>
@@ -3935,10 +3935,10 @@
           </p:grpSpPr>
           <p:grpSp>
             <p:nvGrpSpPr>
-              <p:cNvPr id="35" name="Group 34">
+              <p:cNvPr id="38" name="Group 37">
                 <a:extLst>
                   <a:ext uri="{FF2B5EF4-FFF2-40B4-BE49-F238E27FC236}">
-                    <a16:creationId xmlns:a16="http://schemas.microsoft.com/office/drawing/2014/main" id="{C502D5CF-1938-7E51-9088-3C36BC6DBA8B}"/>
+                    <a16:creationId xmlns:a16="http://schemas.microsoft.com/office/drawing/2014/main" id="{081E055F-D299-8B89-B679-207AC869600B}"/>
                   </a:ext>
                 </a:extLst>
               </p:cNvPr>
@@ -3953,148 +3953,1415 @@
                 <a:chExt cx="6806263" cy="4924100"/>
               </a:xfrm>
             </p:grpSpPr>
-            <p:sp>
-              <p:nvSpPr>
-                <p:cNvPr id="22" name="Rectangle: Rounded Corners 21">
+            <p:grpSp>
+              <p:nvGrpSpPr>
+                <p:cNvPr id="35" name="Group 34">
                   <a:extLst>
                     <a:ext uri="{FF2B5EF4-FFF2-40B4-BE49-F238E27FC236}">
-                      <a16:creationId xmlns:a16="http://schemas.microsoft.com/office/drawing/2014/main" id="{F1BDC3A5-DD9F-B446-E802-D25F6E6776A0}"/>
+                      <a16:creationId xmlns:a16="http://schemas.microsoft.com/office/drawing/2014/main" id="{C502D5CF-1938-7E51-9088-3C36BC6DBA8B}"/>
                     </a:ext>
                   </a:extLst>
                 </p:cNvPr>
-                <p:cNvSpPr/>
+                <p:cNvGrpSpPr/>
                 <p:nvPr/>
-              </p:nvSpPr>
-              <p:spPr>
+              </p:nvGrpSpPr>
+              <p:grpSpPr>
                 <a:xfrm>
-                  <a:off x="2156473" y="3466589"/>
-                  <a:ext cx="2883840" cy="144000"/>
+                  <a:off x="1007864" y="531019"/>
+                  <a:ext cx="6806263" cy="4924100"/>
+                  <a:chOff x="1007864" y="531019"/>
+                  <a:chExt cx="6806263" cy="4924100"/>
                 </a:xfrm>
-                <a:prstGeom prst="roundRect">
-                  <a:avLst/>
-                </a:prstGeom>
-                <a:solidFill>
-                  <a:srgbClr val="0070C0">
-                    <a:alpha val="30000"/>
-                  </a:srgbClr>
-                </a:solidFill>
-                <a:ln>
+              </p:grpSpPr>
+              <p:sp>
+                <p:nvSpPr>
+                  <p:cNvPr id="22" name="Rectangle: Rounded Corners 21">
+                    <a:extLst>
+                      <a:ext uri="{FF2B5EF4-FFF2-40B4-BE49-F238E27FC236}">
+                        <a16:creationId xmlns:a16="http://schemas.microsoft.com/office/drawing/2014/main" id="{F1BDC3A5-DD9F-B446-E802-D25F6E6776A0}"/>
+                      </a:ext>
+                    </a:extLst>
+                  </p:cNvPr>
+                  <p:cNvSpPr/>
+                  <p:nvPr/>
+                </p:nvSpPr>
+                <p:spPr>
+                  <a:xfrm>
+                    <a:off x="2156473" y="3466589"/>
+                    <a:ext cx="2883840" cy="144000"/>
+                  </a:xfrm>
+                  <a:prstGeom prst="roundRect">
+                    <a:avLst/>
+                  </a:prstGeom>
+                  <a:solidFill>
+                    <a:srgbClr val="0070C0">
+                      <a:alpha val="30000"/>
+                    </a:srgbClr>
+                  </a:solidFill>
+                  <a:ln>
+                    <a:noFill/>
+                  </a:ln>
+                </p:spPr>
+                <p:style>
+                  <a:lnRef idx="0">
+                    <a:scrgbClr r="0" g="0" b="0"/>
+                  </a:lnRef>
+                  <a:fillRef idx="0">
+                    <a:scrgbClr r="0" g="0" b="0"/>
+                  </a:fillRef>
+                  <a:effectRef idx="0">
+                    <a:scrgbClr r="0" g="0" b="0"/>
+                  </a:effectRef>
+                  <a:fontRef idx="minor">
+                    <a:schemeClr val="lt1"/>
+                  </a:fontRef>
+                </p:style>
+                <p:txBody>
+                  <a:bodyPr rtlCol="0" anchor="ctr"/>
+                  <a:lstStyle/>
+                  <a:p>
+                    <a:pPr algn="ctr"/>
+                    <a:endParaRPr lang="en-AT" sz="1100" dirty="0"/>
+                  </a:p>
+                </p:txBody>
+              </p:sp>
+              <p:cxnSp>
+                <p:nvCxnSpPr>
+                  <p:cNvPr id="58" name="Straight Arrow Connector 57">
+                    <a:extLst>
+                      <a:ext uri="{FF2B5EF4-FFF2-40B4-BE49-F238E27FC236}">
+                        <a16:creationId xmlns:a16="http://schemas.microsoft.com/office/drawing/2014/main" id="{DD8A78CE-7BF3-66EF-9136-F15B60642691}"/>
+                      </a:ext>
+                    </a:extLst>
+                  </p:cNvPr>
+                  <p:cNvCxnSpPr>
+                    <a:cxnSpLocks/>
+                  </p:cNvCxnSpPr>
+                  <p:nvPr/>
+                </p:nvCxnSpPr>
+                <p:spPr>
+                  <a:xfrm>
+                    <a:off x="1438829" y="3195315"/>
+                    <a:ext cx="0" cy="1440160"/>
+                  </a:xfrm>
+                  <a:prstGeom prst="straightConnector1">
+                    <a:avLst/>
+                  </a:prstGeom>
+                  <a:ln w="15875">
+                    <a:headEnd type="triangle"/>
+                    <a:tailEnd type="triangle"/>
+                  </a:ln>
+                </p:spPr>
+                <p:style>
+                  <a:lnRef idx="1">
+                    <a:schemeClr val="dk1"/>
+                  </a:lnRef>
+                  <a:fillRef idx="0">
+                    <a:schemeClr val="dk1"/>
+                  </a:fillRef>
+                  <a:effectRef idx="0">
+                    <a:schemeClr val="dk1"/>
+                  </a:effectRef>
+                  <a:fontRef idx="minor">
+                    <a:schemeClr val="tx1"/>
+                  </a:fontRef>
+                </p:style>
+              </p:cxnSp>
+              <p:cxnSp>
+                <p:nvCxnSpPr>
+                  <p:cNvPr id="60" name="Straight Arrow Connector 59">
+                    <a:extLst>
+                      <a:ext uri="{FF2B5EF4-FFF2-40B4-BE49-F238E27FC236}">
+                        <a16:creationId xmlns:a16="http://schemas.microsoft.com/office/drawing/2014/main" id="{D6A0A884-FDF2-186A-7C0A-DB921C81D100}"/>
+                      </a:ext>
+                    </a:extLst>
+                  </p:cNvPr>
+                  <p:cNvCxnSpPr>
+                    <a:cxnSpLocks/>
+                  </p:cNvCxnSpPr>
+                  <p:nvPr/>
+                </p:nvCxnSpPr>
+                <p:spPr>
+                  <a:xfrm flipH="1">
+                    <a:off x="1453107" y="4296511"/>
+                    <a:ext cx="6179494" cy="8831"/>
+                  </a:xfrm>
+                  <a:prstGeom prst="straightConnector1">
+                    <a:avLst/>
+                  </a:prstGeom>
+                  <a:ln w="15875">
+                    <a:headEnd type="stealth"/>
+                    <a:tailEnd type="none"/>
+                  </a:ln>
+                </p:spPr>
+                <p:style>
+                  <a:lnRef idx="1">
+                    <a:schemeClr val="dk1"/>
+                  </a:lnRef>
+                  <a:fillRef idx="0">
+                    <a:schemeClr val="dk1"/>
+                  </a:fillRef>
+                  <a:effectRef idx="0">
+                    <a:schemeClr val="dk1"/>
+                  </a:effectRef>
+                  <a:fontRef idx="minor">
+                    <a:schemeClr val="tx1"/>
+                  </a:fontRef>
+                </p:style>
+              </p:cxnSp>
+              <p:sp>
+                <p:nvSpPr>
+                  <p:cNvPr id="85" name="TextShape 3">
+                    <a:extLst>
+                      <a:ext uri="{FF2B5EF4-FFF2-40B4-BE49-F238E27FC236}">
+                        <a16:creationId xmlns:a16="http://schemas.microsoft.com/office/drawing/2014/main" id="{565DE3E7-2A7A-5858-BA2F-A2E9BBBF1AC6}"/>
+                      </a:ext>
+                    </a:extLst>
+                  </p:cNvPr>
+                  <p:cNvSpPr txBox="1"/>
+                  <p:nvPr/>
+                </p:nvSpPr>
+                <p:spPr>
+                  <a:xfrm>
+                    <a:off x="1146521" y="2718547"/>
+                    <a:ext cx="306586" cy="272699"/>
+                  </a:xfrm>
+                  <a:prstGeom prst="rect">
+                    <a:avLst/>
+                  </a:prstGeom>
                   <a:noFill/>
-                </a:ln>
-              </p:spPr>
-              <p:style>
-                <a:lnRef idx="0">
-                  <a:scrgbClr r="0" g="0" b="0"/>
-                </a:lnRef>
-                <a:fillRef idx="0">
-                  <a:scrgbClr r="0" g="0" b="0"/>
-                </a:fillRef>
-                <a:effectRef idx="0">
-                  <a:scrgbClr r="0" g="0" b="0"/>
-                </a:effectRef>
-                <a:fontRef idx="minor">
-                  <a:schemeClr val="lt1"/>
-                </a:fontRef>
-              </p:style>
-              <p:txBody>
-                <a:bodyPr rtlCol="0" anchor="ctr"/>
-                <a:lstStyle/>
-                <a:p>
-                  <a:pPr algn="ctr"/>
-                  <a:endParaRPr lang="en-AT" dirty="0"/>
-                </a:p>
-              </p:txBody>
-            </p:sp>
-            <p:cxnSp>
-              <p:nvCxnSpPr>
-                <p:cNvPr id="58" name="Straight Arrow Connector 57">
+                  <a:ln>
+                    <a:noFill/>
+                  </a:ln>
+                </p:spPr>
+                <p:txBody>
+                  <a:bodyPr lIns="90000" tIns="45000" rIns="90000" bIns="45000"/>
+                  <a:lstStyle/>
+                  <a:p>
+                    <a:endParaRPr lang="tr-TR" sz="1000" b="0" strike="noStrike" spc="-1" dirty="0">
+                      <a:latin typeface="Lucida Sans" panose="020B0602030504020204" pitchFamily="34" charset="0"/>
+                    </a:endParaRPr>
+                  </a:p>
+                </p:txBody>
+              </p:sp>
+              <p:sp>
+                <p:nvSpPr>
+                  <p:cNvPr id="94" name="TextShape 3">
+                    <a:extLst>
+                      <a:ext uri="{FF2B5EF4-FFF2-40B4-BE49-F238E27FC236}">
+                        <a16:creationId xmlns:a16="http://schemas.microsoft.com/office/drawing/2014/main" id="{1EACA767-AE9E-5DD8-4A79-3536FDB4DA31}"/>
+                      </a:ext>
+                    </a:extLst>
+                  </p:cNvPr>
+                  <p:cNvSpPr txBox="1"/>
+                  <p:nvPr/>
+                </p:nvSpPr>
+                <p:spPr>
+                  <a:xfrm flipH="1">
+                    <a:off x="7598104" y="4115374"/>
+                    <a:ext cx="216023" cy="272699"/>
+                  </a:xfrm>
+                  <a:prstGeom prst="rect">
+                    <a:avLst/>
+                  </a:prstGeom>
+                  <a:noFill/>
+                  <a:ln>
+                    <a:noFill/>
+                  </a:ln>
+                </p:spPr>
+                <p:txBody>
+                  <a:bodyPr lIns="90000" tIns="45000" rIns="90000" bIns="45000"/>
+                  <a:lstStyle/>
+                  <a:p>
+                    <a:r>
+                      <a:rPr lang="tr-TR" sz="1000" b="0" strike="noStrike" spc="-1" dirty="0">
+                        <a:latin typeface="Lucida Sans" panose="020B0602030504020204" pitchFamily="34" charset="0"/>
+                      </a:rPr>
+                      <a:t>t</a:t>
+                    </a:r>
+                  </a:p>
+                </p:txBody>
+              </p:sp>
+              <p:sp>
+                <p:nvSpPr>
+                  <p:cNvPr id="95" name="TextShape 3">
+                    <a:extLst>
+                      <a:ext uri="{FF2B5EF4-FFF2-40B4-BE49-F238E27FC236}">
+                        <a16:creationId xmlns:a16="http://schemas.microsoft.com/office/drawing/2014/main" id="{834B2CBD-1FBF-8829-157C-E481CFEF12F0}"/>
+                      </a:ext>
+                    </a:extLst>
+                  </p:cNvPr>
+                  <p:cNvSpPr txBox="1"/>
+                  <p:nvPr/>
+                </p:nvSpPr>
+                <p:spPr>
+                  <a:xfrm>
+                    <a:off x="1223889" y="2907283"/>
+                    <a:ext cx="684804" cy="272699"/>
+                  </a:xfrm>
+                  <a:prstGeom prst="rect">
+                    <a:avLst/>
+                  </a:prstGeom>
+                  <a:noFill/>
+                  <a:ln>
+                    <a:noFill/>
+                  </a:ln>
+                </p:spPr>
+                <p:txBody>
+                  <a:bodyPr lIns="90000" tIns="45000" rIns="90000" bIns="45000"/>
+                  <a:lstStyle/>
+                  <a:p>
+                    <a:r>
+                      <a:rPr lang="tr-TR" sz="1000" b="0" strike="noStrike" spc="-1" dirty="0">
+                        <a:latin typeface="Lucida Sans" panose="020B0602030504020204" pitchFamily="34" charset="0"/>
+                      </a:rPr>
+                      <a:t>x</a:t>
+                    </a:r>
+                    <a:r>
+                      <a:rPr lang="en-US" sz="1000" b="0" strike="noStrike" spc="-1" baseline="-25000" dirty="0">
+                        <a:latin typeface="Lucida Sans" panose="020B0602030504020204" pitchFamily="34" charset="0"/>
+                      </a:rPr>
+                      <a:t>2</a:t>
+                    </a:r>
+                    <a:r>
+                      <a:rPr lang="tr-TR" sz="1000" b="0" strike="noStrike" spc="-1" dirty="0">
+                        <a:latin typeface="Lucida Sans" panose="020B0602030504020204" pitchFamily="34" charset="0"/>
+                      </a:rPr>
+                      <a:t>(t)</a:t>
+                    </a:r>
+                  </a:p>
+                </p:txBody>
+              </p:sp>
+              <p:sp>
+                <p:nvSpPr>
+                  <p:cNvPr id="117" name="Rectangle: Rounded Corners 116">
+                    <a:extLst>
+                      <a:ext uri="{FF2B5EF4-FFF2-40B4-BE49-F238E27FC236}">
+                        <a16:creationId xmlns:a16="http://schemas.microsoft.com/office/drawing/2014/main" id="{C68F2B9E-D281-D344-30AA-1EF47B27A8CF}"/>
+                      </a:ext>
+                    </a:extLst>
+                  </p:cNvPr>
+                  <p:cNvSpPr/>
+                  <p:nvPr/>
+                </p:nvSpPr>
+                <p:spPr>
+                  <a:xfrm>
+                    <a:off x="1438829" y="4942024"/>
+                    <a:ext cx="721399" cy="510940"/>
+                  </a:xfrm>
+                  <a:prstGeom prst="roundRect">
+                    <a:avLst/>
+                  </a:prstGeom>
+                  <a:solidFill>
+                    <a:schemeClr val="bg1">
+                      <a:lumMod val="75000"/>
+                      <a:alpha val="50000"/>
+                    </a:schemeClr>
+                  </a:solidFill>
+                  <a:ln w="19050">
+                    <a:solidFill>
+                      <a:schemeClr val="tx1"/>
+                    </a:solidFill>
+                  </a:ln>
+                </p:spPr>
+                <p:style>
+                  <a:lnRef idx="0">
+                    <a:scrgbClr r="0" g="0" b="0"/>
+                  </a:lnRef>
+                  <a:fillRef idx="0">
+                    <a:scrgbClr r="0" g="0" b="0"/>
+                  </a:fillRef>
+                  <a:effectRef idx="0">
+                    <a:scrgbClr r="0" g="0" b="0"/>
+                  </a:effectRef>
+                  <a:fontRef idx="minor">
+                    <a:schemeClr val="lt1"/>
+                  </a:fontRef>
+                </p:style>
+                <p:txBody>
+                  <a:bodyPr rtlCol="0" anchor="ctr"/>
+                  <a:lstStyle/>
+                  <a:p>
+                    <a:pPr algn="ctr"/>
+                    <a:r>
+                      <a:rPr lang="tr-TR" sz="1000" dirty="0">
+                        <a:solidFill>
+                          <a:schemeClr val="tx1"/>
+                        </a:solidFill>
+                        <a:latin typeface="Lucida Sans" panose="020B0602030504020204" pitchFamily="34" charset="0"/>
+                      </a:rPr>
+                      <a:t>[0,1)</a:t>
+                    </a:r>
+                    <a:endParaRPr lang="en-AT" sz="1000" dirty="0">
+                      <a:solidFill>
+                        <a:schemeClr val="tx1"/>
+                      </a:solidFill>
+                      <a:latin typeface="Lucida Sans" panose="020B0602030504020204" pitchFamily="34" charset="0"/>
+                    </a:endParaRPr>
+                  </a:p>
+                </p:txBody>
+              </p:sp>
+              <p:sp>
+                <p:nvSpPr>
+                  <p:cNvPr id="118" name="Rectangle: Rounded Corners 117">
+                    <a:extLst>
+                      <a:ext uri="{FF2B5EF4-FFF2-40B4-BE49-F238E27FC236}">
+                        <a16:creationId xmlns:a16="http://schemas.microsoft.com/office/drawing/2014/main" id="{9A0222FD-789C-3FFC-F7C8-273D218DB41E}"/>
+                      </a:ext>
+                    </a:extLst>
+                  </p:cNvPr>
+                  <p:cNvSpPr/>
+                  <p:nvPr/>
+                </p:nvSpPr>
+                <p:spPr>
+                  <a:xfrm>
+                    <a:off x="2158512" y="4944179"/>
+                    <a:ext cx="1439995" cy="510940"/>
+                  </a:xfrm>
+                  <a:prstGeom prst="roundRect">
+                    <a:avLst/>
+                  </a:prstGeom>
+                  <a:solidFill>
+                    <a:schemeClr val="bg1">
+                      <a:lumMod val="75000"/>
+                      <a:alpha val="50000"/>
+                    </a:schemeClr>
+                  </a:solidFill>
+                  <a:ln w="19050">
+                    <a:solidFill>
+                      <a:schemeClr val="tx1"/>
+                    </a:solidFill>
+                  </a:ln>
+                </p:spPr>
+                <p:style>
+                  <a:lnRef idx="0">
+                    <a:scrgbClr r="0" g="0" b="0"/>
+                  </a:lnRef>
+                  <a:fillRef idx="0">
+                    <a:scrgbClr r="0" g="0" b="0"/>
+                  </a:fillRef>
+                  <a:effectRef idx="0">
+                    <a:scrgbClr r="0" g="0" b="0"/>
+                  </a:effectRef>
+                  <a:fontRef idx="minor">
+                    <a:schemeClr val="lt1"/>
+                  </a:fontRef>
+                </p:style>
+                <p:txBody>
+                  <a:bodyPr rtlCol="0" anchor="ctr"/>
+                  <a:lstStyle/>
+                  <a:p>
+                    <a:pPr algn="ctr"/>
+                    <a:r>
+                      <a:rPr lang="tr-TR" sz="1000" dirty="0">
+                        <a:solidFill>
+                          <a:schemeClr val="tx1"/>
+                        </a:solidFill>
+                        <a:latin typeface="Lucida Sans" panose="020B0602030504020204" pitchFamily="34" charset="0"/>
+                      </a:rPr>
+                      <a:t>[1,3)</a:t>
+                    </a:r>
+                    <a:endParaRPr lang="en-AT" sz="1000" dirty="0">
+                      <a:solidFill>
+                        <a:schemeClr val="tx1"/>
+                      </a:solidFill>
+                      <a:latin typeface="Lucida Sans" panose="020B0602030504020204" pitchFamily="34" charset="0"/>
+                    </a:endParaRPr>
+                  </a:p>
+                </p:txBody>
+              </p:sp>
+              <p:sp>
+                <p:nvSpPr>
+                  <p:cNvPr id="119" name="Rectangle: Rounded Corners 118">
+                    <a:extLst>
+                      <a:ext uri="{FF2B5EF4-FFF2-40B4-BE49-F238E27FC236}">
+                        <a16:creationId xmlns:a16="http://schemas.microsoft.com/office/drawing/2014/main" id="{8A89B381-DDE2-ADAB-C1A3-C95B9148C54B}"/>
+                      </a:ext>
+                    </a:extLst>
+                  </p:cNvPr>
+                  <p:cNvSpPr/>
+                  <p:nvPr/>
+                </p:nvSpPr>
+                <p:spPr>
+                  <a:xfrm>
+                    <a:off x="3598193" y="4941336"/>
+                    <a:ext cx="719998" cy="510940"/>
+                  </a:xfrm>
+                  <a:prstGeom prst="roundRect">
+                    <a:avLst/>
+                  </a:prstGeom>
+                  <a:solidFill>
+                    <a:schemeClr val="bg1">
+                      <a:lumMod val="75000"/>
+                      <a:alpha val="50000"/>
+                    </a:schemeClr>
+                  </a:solidFill>
+                  <a:ln w="19050">
+                    <a:solidFill>
+                      <a:schemeClr val="tx1"/>
+                    </a:solidFill>
+                  </a:ln>
+                </p:spPr>
+                <p:style>
+                  <a:lnRef idx="0">
+                    <a:scrgbClr r="0" g="0" b="0"/>
+                  </a:lnRef>
+                  <a:fillRef idx="0">
+                    <a:scrgbClr r="0" g="0" b="0"/>
+                  </a:fillRef>
+                  <a:effectRef idx="0">
+                    <a:scrgbClr r="0" g="0" b="0"/>
+                  </a:effectRef>
+                  <a:fontRef idx="minor">
+                    <a:schemeClr val="lt1"/>
+                  </a:fontRef>
+                </p:style>
+                <p:txBody>
+                  <a:bodyPr rtlCol="0" anchor="ctr"/>
+                  <a:lstStyle/>
+                  <a:p>
+                    <a:pPr algn="ctr"/>
+                    <a:r>
+                      <a:rPr lang="tr-TR" sz="1000" dirty="0">
+                        <a:solidFill>
+                          <a:schemeClr val="tx1"/>
+                        </a:solidFill>
+                        <a:latin typeface="Lucida Sans" panose="020B0602030504020204" pitchFamily="34" charset="0"/>
+                      </a:rPr>
+                      <a:t>[3,4)</a:t>
+                    </a:r>
+                    <a:endParaRPr lang="en-AT" sz="1000" dirty="0">
+                      <a:solidFill>
+                        <a:schemeClr val="tx1"/>
+                      </a:solidFill>
+                      <a:latin typeface="Lucida Sans" panose="020B0602030504020204" pitchFamily="34" charset="0"/>
+                    </a:endParaRPr>
+                  </a:p>
+                </p:txBody>
+              </p:sp>
+              <p:sp>
+                <p:nvSpPr>
+                  <p:cNvPr id="120" name="Rectangle: Rounded Corners 119">
+                    <a:extLst>
+                      <a:ext uri="{FF2B5EF4-FFF2-40B4-BE49-F238E27FC236}">
+                        <a16:creationId xmlns:a16="http://schemas.microsoft.com/office/drawing/2014/main" id="{35F7C927-AE8A-1B55-8BE0-BBCE43CA2757}"/>
+                      </a:ext>
+                    </a:extLst>
+                  </p:cNvPr>
+                  <p:cNvSpPr/>
+                  <p:nvPr/>
+                </p:nvSpPr>
+                <p:spPr>
+                  <a:xfrm>
+                    <a:off x="5047112" y="4941336"/>
+                    <a:ext cx="1431716" cy="510940"/>
+                  </a:xfrm>
+                  <a:prstGeom prst="roundRect">
+                    <a:avLst/>
+                  </a:prstGeom>
+                  <a:solidFill>
+                    <a:schemeClr val="bg1">
+                      <a:lumMod val="75000"/>
+                      <a:alpha val="50000"/>
+                    </a:schemeClr>
+                  </a:solidFill>
+                  <a:ln w="19050">
+                    <a:solidFill>
+                      <a:schemeClr val="tx1"/>
+                    </a:solidFill>
+                  </a:ln>
+                </p:spPr>
+                <p:style>
+                  <a:lnRef idx="0">
+                    <a:scrgbClr r="0" g="0" b="0"/>
+                  </a:lnRef>
+                  <a:fillRef idx="0">
+                    <a:scrgbClr r="0" g="0" b="0"/>
+                  </a:fillRef>
+                  <a:effectRef idx="0">
+                    <a:scrgbClr r="0" g="0" b="0"/>
+                  </a:effectRef>
+                  <a:fontRef idx="minor">
+                    <a:schemeClr val="lt1"/>
+                  </a:fontRef>
+                </p:style>
+                <p:txBody>
+                  <a:bodyPr rtlCol="0" anchor="ctr"/>
+                  <a:lstStyle/>
+                  <a:p>
+                    <a:pPr algn="ctr"/>
+                    <a:r>
+                      <a:rPr lang="tr-TR" sz="1000" dirty="0">
+                        <a:solidFill>
+                          <a:schemeClr val="tx1"/>
+                        </a:solidFill>
+                        <a:latin typeface="Lucida Sans" panose="020B0602030504020204" pitchFamily="34" charset="0"/>
+                      </a:rPr>
+                      <a:t>[</a:t>
+                    </a:r>
+                    <a:r>
+                      <a:rPr lang="en-US" sz="1000" dirty="0">
+                        <a:solidFill>
+                          <a:schemeClr val="tx1"/>
+                        </a:solidFill>
+                        <a:latin typeface="Lucida Sans" panose="020B0602030504020204" pitchFamily="34" charset="0"/>
+                      </a:rPr>
+                      <a:t>5</a:t>
+                    </a:r>
+                    <a:r>
+                      <a:rPr lang="tr-TR" sz="1000" dirty="0">
+                        <a:solidFill>
+                          <a:schemeClr val="tx1"/>
+                        </a:solidFill>
+                        <a:latin typeface="Lucida Sans" panose="020B0602030504020204" pitchFamily="34" charset="0"/>
+                      </a:rPr>
+                      <a:t>,7)</a:t>
+                    </a:r>
+                    <a:endParaRPr lang="en-AT" sz="1000" dirty="0">
+                      <a:solidFill>
+                        <a:schemeClr val="tx1"/>
+                      </a:solidFill>
+                      <a:latin typeface="Lucida Sans" panose="020B0602030504020204" pitchFamily="34" charset="0"/>
+                    </a:endParaRPr>
+                  </a:p>
+                </p:txBody>
+              </p:sp>
+              <p:sp>
+                <p:nvSpPr>
+                  <p:cNvPr id="121" name="Rectangle: Rounded Corners 120">
+                    <a:extLst>
+                      <a:ext uri="{FF2B5EF4-FFF2-40B4-BE49-F238E27FC236}">
+                        <a16:creationId xmlns:a16="http://schemas.microsoft.com/office/drawing/2014/main" id="{FB959EF1-9B1A-9E08-3A43-469BAF647BEE}"/>
+                      </a:ext>
+                    </a:extLst>
+                  </p:cNvPr>
+                  <p:cNvSpPr/>
+                  <p:nvPr/>
+                </p:nvSpPr>
+                <p:spPr>
+                  <a:xfrm>
+                    <a:off x="6478828" y="4941336"/>
+                    <a:ext cx="737005" cy="510940"/>
+                  </a:xfrm>
+                  <a:prstGeom prst="roundRect">
+                    <a:avLst/>
+                  </a:prstGeom>
+                  <a:solidFill>
+                    <a:schemeClr val="bg1">
+                      <a:lumMod val="75000"/>
+                      <a:alpha val="50000"/>
+                    </a:schemeClr>
+                  </a:solidFill>
+                  <a:ln w="19050">
+                    <a:solidFill>
+                      <a:schemeClr val="tx1"/>
+                    </a:solidFill>
+                  </a:ln>
+                </p:spPr>
+                <p:style>
+                  <a:lnRef idx="0">
+                    <a:scrgbClr r="0" g="0" b="0"/>
+                  </a:lnRef>
+                  <a:fillRef idx="0">
+                    <a:scrgbClr r="0" g="0" b="0"/>
+                  </a:fillRef>
+                  <a:effectRef idx="0">
+                    <a:scrgbClr r="0" g="0" b="0"/>
+                  </a:effectRef>
+                  <a:fontRef idx="minor">
+                    <a:schemeClr val="lt1"/>
+                  </a:fontRef>
+                </p:style>
+                <p:txBody>
+                  <a:bodyPr rtlCol="0" anchor="ctr"/>
+                  <a:lstStyle/>
+                  <a:p>
+                    <a:pPr algn="ctr"/>
+                    <a:r>
+                      <a:rPr lang="tr-TR" sz="1000" dirty="0">
+                        <a:solidFill>
+                          <a:schemeClr val="tx1"/>
+                        </a:solidFill>
+                        <a:latin typeface="Lucida Sans" panose="020B0602030504020204" pitchFamily="34" charset="0"/>
+                      </a:rPr>
+                      <a:t>[7,8)</a:t>
+                    </a:r>
+                    <a:endParaRPr lang="en-AT" sz="1000" dirty="0">
+                      <a:solidFill>
+                        <a:schemeClr val="tx1"/>
+                      </a:solidFill>
+                      <a:latin typeface="Lucida Sans" panose="020B0602030504020204" pitchFamily="34" charset="0"/>
+                    </a:endParaRPr>
+                  </a:p>
+                </p:txBody>
+              </p:sp>
+              <p:sp>
+                <p:nvSpPr>
+                  <p:cNvPr id="123" name="TextShape 3">
+                    <a:extLst>
+                      <a:ext uri="{FF2B5EF4-FFF2-40B4-BE49-F238E27FC236}">
+                        <a16:creationId xmlns:a16="http://schemas.microsoft.com/office/drawing/2014/main" id="{32F5CA81-7772-6546-67C5-2ABEA7A25339}"/>
+                      </a:ext>
+                    </a:extLst>
+                  </p:cNvPr>
+                  <p:cNvSpPr txBox="1"/>
+                  <p:nvPr/>
+                </p:nvSpPr>
+                <p:spPr>
+                  <a:xfrm>
+                    <a:off x="1060932" y="5067523"/>
+                    <a:ext cx="477763" cy="267359"/>
+                  </a:xfrm>
+                  <a:prstGeom prst="rect">
+                    <a:avLst/>
+                  </a:prstGeom>
+                  <a:noFill/>
+                  <a:ln>
+                    <a:noFill/>
+                  </a:ln>
+                </p:spPr>
+                <p:txBody>
+                  <a:bodyPr lIns="90000" tIns="45000" rIns="90000" bIns="45000"/>
+                  <a:lstStyle/>
+                  <a:p>
+                    <a:r>
+                      <a:rPr lang="tr-TR" sz="1050" b="0" strike="noStrike" spc="-1" dirty="0">
+                        <a:latin typeface="Lucida Sans" panose="020B0602030504020204" pitchFamily="34" charset="0"/>
+                      </a:rPr>
+                      <a:t>G</a:t>
+                    </a:r>
+                    <a:r>
+                      <a:rPr lang="tr-TR" sz="1050" b="0" strike="noStrike" spc="-1" baseline="-25000" dirty="0">
+                        <a:latin typeface="Lucida Sans" panose="020B0602030504020204" pitchFamily="34" charset="0"/>
+                      </a:rPr>
+                      <a:t>S</a:t>
+                    </a:r>
+                    <a:endParaRPr lang="tr-TR" sz="1050" b="0" strike="noStrike" spc="-1" dirty="0">
+                      <a:latin typeface="Lucida Sans" panose="020B0602030504020204" pitchFamily="34" charset="0"/>
+                    </a:endParaRPr>
+                  </a:p>
+                </p:txBody>
+              </p:sp>
+              <p:sp>
+                <p:nvSpPr>
+                  <p:cNvPr id="6" name="TextShape 3">
+                    <a:extLst>
+                      <a:ext uri="{FF2B5EF4-FFF2-40B4-BE49-F238E27FC236}">
+                        <a16:creationId xmlns:a16="http://schemas.microsoft.com/office/drawing/2014/main" id="{2448C627-2986-FF3C-A1E5-D14970B3B7AC}"/>
+                      </a:ext>
+                    </a:extLst>
+                  </p:cNvPr>
+                  <p:cNvSpPr txBox="1"/>
+                  <p:nvPr/>
+                </p:nvSpPr>
+                <p:spPr>
+                  <a:xfrm>
+                    <a:off x="1007864" y="4342249"/>
+                    <a:ext cx="6558254" cy="272699"/>
+                  </a:xfrm>
+                  <a:prstGeom prst="rect">
+                    <a:avLst/>
+                  </a:prstGeom>
+                  <a:noFill/>
+                  <a:ln>
+                    <a:noFill/>
+                  </a:ln>
+                </p:spPr>
+                <p:txBody>
+                  <a:bodyPr lIns="90000" tIns="45000" rIns="90000" bIns="45000"/>
+                  <a:lstStyle/>
+                  <a:p>
+                    <a:r>
+                      <a:rPr lang="en-US" sz="1000" spc="-1" dirty="0">
+                        <a:latin typeface="Lucida Sans" panose="020B0602030504020204" pitchFamily="34" charset="0"/>
+                      </a:rPr>
+                      <a:t>  0              1           2           3           4           5           6           7           8</a:t>
+                    </a:r>
+                    <a:endParaRPr lang="tr-TR" sz="1000" b="0" strike="noStrike" spc="-1" dirty="0">
+                      <a:latin typeface="Lucida Sans" panose="020B0602030504020204" pitchFamily="34" charset="0"/>
+                    </a:endParaRPr>
+                  </a:p>
+                </p:txBody>
+              </p:sp>
+              <p:cxnSp>
+                <p:nvCxnSpPr>
+                  <p:cNvPr id="8" name="Straight Connector 7">
+                    <a:extLst>
+                      <a:ext uri="{FF2B5EF4-FFF2-40B4-BE49-F238E27FC236}">
+                        <a16:creationId xmlns:a16="http://schemas.microsoft.com/office/drawing/2014/main" id="{1F651F44-374B-22BC-FDDA-160EAA221689}"/>
+                      </a:ext>
+                    </a:extLst>
+                  </p:cNvPr>
+                  <p:cNvCxnSpPr>
+                    <a:cxnSpLocks/>
+                  </p:cNvCxnSpPr>
+                  <p:nvPr/>
+                </p:nvCxnSpPr>
+                <p:spPr>
+                  <a:xfrm>
+                    <a:off x="1453107" y="2119672"/>
+                    <a:ext cx="1440157" cy="0"/>
+                  </a:xfrm>
+                  <a:prstGeom prst="line">
+                    <a:avLst/>
+                  </a:prstGeom>
+                  <a:ln w="50800">
+                    <a:solidFill>
+                      <a:srgbClr val="FF0000"/>
+                    </a:solidFill>
+                    <a:prstDash val="dash"/>
+                    <a:headEnd type="oval"/>
+                  </a:ln>
+                </p:spPr>
+                <p:style>
+                  <a:lnRef idx="1">
+                    <a:schemeClr val="accent2"/>
+                  </a:lnRef>
+                  <a:fillRef idx="0">
+                    <a:schemeClr val="accent2"/>
+                  </a:fillRef>
+                  <a:effectRef idx="0">
+                    <a:schemeClr val="accent2"/>
+                  </a:effectRef>
+                  <a:fontRef idx="minor">
+                    <a:schemeClr val="tx1"/>
+                  </a:fontRef>
+                </p:style>
+              </p:cxnSp>
+              <p:cxnSp>
+                <p:nvCxnSpPr>
+                  <p:cNvPr id="9" name="Straight Connector 8">
+                    <a:extLst>
+                      <a:ext uri="{FF2B5EF4-FFF2-40B4-BE49-F238E27FC236}">
+                        <a16:creationId xmlns:a16="http://schemas.microsoft.com/office/drawing/2014/main" id="{25A4CBD1-80FC-190E-A635-A00E25BEAF69}"/>
+                      </a:ext>
+                    </a:extLst>
+                  </p:cNvPr>
+                  <p:cNvCxnSpPr>
+                    <a:cxnSpLocks/>
+                  </p:cNvCxnSpPr>
+                  <p:nvPr/>
+                </p:nvCxnSpPr>
+                <p:spPr>
+                  <a:xfrm>
+                    <a:off x="2880072" y="1364341"/>
+                    <a:ext cx="2160239" cy="0"/>
+                  </a:xfrm>
+                  <a:prstGeom prst="line">
+                    <a:avLst/>
+                  </a:prstGeom>
+                  <a:ln w="50800">
+                    <a:solidFill>
+                      <a:srgbClr val="FF0000"/>
+                    </a:solidFill>
+                    <a:prstDash val="dash"/>
+                    <a:headEnd type="oval"/>
+                  </a:ln>
+                </p:spPr>
+                <p:style>
+                  <a:lnRef idx="1">
+                    <a:schemeClr val="accent2"/>
+                  </a:lnRef>
+                  <a:fillRef idx="0">
+                    <a:schemeClr val="accent2"/>
+                  </a:fillRef>
+                  <a:effectRef idx="0">
+                    <a:schemeClr val="accent2"/>
+                  </a:effectRef>
+                  <a:fontRef idx="minor">
+                    <a:schemeClr val="tx1"/>
+                  </a:fontRef>
+                </p:style>
+              </p:cxnSp>
+              <p:cxnSp>
+                <p:nvCxnSpPr>
+                  <p:cNvPr id="10" name="Straight Connector 9">
+                    <a:extLst>
+                      <a:ext uri="{FF2B5EF4-FFF2-40B4-BE49-F238E27FC236}">
+                        <a16:creationId xmlns:a16="http://schemas.microsoft.com/office/drawing/2014/main" id="{DD2421C6-81B5-E27F-2057-B26508C194E8}"/>
+                      </a:ext>
+                    </a:extLst>
+                  </p:cNvPr>
+                  <p:cNvCxnSpPr>
+                    <a:cxnSpLocks/>
+                  </p:cNvCxnSpPr>
+                  <p:nvPr/>
+                </p:nvCxnSpPr>
+                <p:spPr>
+                  <a:xfrm>
+                    <a:off x="5047112" y="2116925"/>
+                    <a:ext cx="2175522" cy="0"/>
+                  </a:xfrm>
+                  <a:prstGeom prst="line">
+                    <a:avLst/>
+                  </a:prstGeom>
+                  <a:ln w="50800">
+                    <a:solidFill>
+                      <a:srgbClr val="FF0000"/>
+                    </a:solidFill>
+                    <a:prstDash val="dash"/>
+                    <a:headEnd type="oval"/>
+                  </a:ln>
+                </p:spPr>
+                <p:style>
+                  <a:lnRef idx="1">
+                    <a:schemeClr val="accent2"/>
+                  </a:lnRef>
+                  <a:fillRef idx="0">
+                    <a:schemeClr val="accent2"/>
+                  </a:fillRef>
+                  <a:effectRef idx="0">
+                    <a:schemeClr val="accent2"/>
+                  </a:effectRef>
+                  <a:fontRef idx="minor">
+                    <a:schemeClr val="tx1"/>
+                  </a:fontRef>
+                </p:style>
+              </p:cxnSp>
+              <p:cxnSp>
+                <p:nvCxnSpPr>
+                  <p:cNvPr id="11" name="Straight Arrow Connector 10">
+                    <a:extLst>
+                      <a:ext uri="{FF2B5EF4-FFF2-40B4-BE49-F238E27FC236}">
+                        <a16:creationId xmlns:a16="http://schemas.microsoft.com/office/drawing/2014/main" id="{7A9D2D29-490B-89FE-37A7-5BAF3FFEA5C7}"/>
+                      </a:ext>
+                    </a:extLst>
+                  </p:cNvPr>
+                  <p:cNvCxnSpPr>
+                    <a:cxnSpLocks/>
+                  </p:cNvCxnSpPr>
+                  <p:nvPr/>
+                </p:nvCxnSpPr>
+                <p:spPr>
+                  <a:xfrm>
+                    <a:off x="1438829" y="1035075"/>
+                    <a:ext cx="0" cy="1412872"/>
+                  </a:xfrm>
+                  <a:prstGeom prst="straightConnector1">
+                    <a:avLst/>
+                  </a:prstGeom>
+                  <a:ln w="15875">
+                    <a:headEnd type="triangle"/>
+                    <a:tailEnd type="triangle"/>
+                  </a:ln>
+                </p:spPr>
+                <p:style>
+                  <a:lnRef idx="1">
+                    <a:schemeClr val="dk1"/>
+                  </a:lnRef>
+                  <a:fillRef idx="0">
+                    <a:schemeClr val="dk1"/>
+                  </a:fillRef>
+                  <a:effectRef idx="0">
+                    <a:schemeClr val="dk1"/>
+                  </a:effectRef>
+                  <a:fontRef idx="minor">
+                    <a:schemeClr val="tx1"/>
+                  </a:fontRef>
+                </p:style>
+              </p:cxnSp>
+              <p:cxnSp>
+                <p:nvCxnSpPr>
+                  <p:cNvPr id="12" name="Straight Arrow Connector 11">
+                    <a:extLst>
+                      <a:ext uri="{FF2B5EF4-FFF2-40B4-BE49-F238E27FC236}">
+                        <a16:creationId xmlns:a16="http://schemas.microsoft.com/office/drawing/2014/main" id="{160E4A0F-1C94-A081-A14F-47FC90F7AB71}"/>
+                      </a:ext>
+                    </a:extLst>
+                  </p:cNvPr>
+                  <p:cNvCxnSpPr>
+                    <a:cxnSpLocks/>
+                  </p:cNvCxnSpPr>
+                  <p:nvPr/>
+                </p:nvCxnSpPr>
+                <p:spPr>
+                  <a:xfrm flipH="1">
+                    <a:off x="1453107" y="2108983"/>
+                    <a:ext cx="6179494" cy="8831"/>
+                  </a:xfrm>
+                  <a:prstGeom prst="straightConnector1">
+                    <a:avLst/>
+                  </a:prstGeom>
+                  <a:ln w="15875">
+                    <a:headEnd type="stealth"/>
+                    <a:tailEnd type="none"/>
+                  </a:ln>
+                </p:spPr>
+                <p:style>
+                  <a:lnRef idx="1">
+                    <a:schemeClr val="dk1"/>
+                  </a:lnRef>
+                  <a:fillRef idx="0">
+                    <a:schemeClr val="dk1"/>
+                  </a:fillRef>
+                  <a:effectRef idx="0">
+                    <a:schemeClr val="dk1"/>
+                  </a:effectRef>
+                  <a:fontRef idx="minor">
+                    <a:schemeClr val="tx1"/>
+                  </a:fontRef>
+                </p:style>
+              </p:cxnSp>
+              <p:sp>
+                <p:nvSpPr>
+                  <p:cNvPr id="13" name="TextShape 3">
+                    <a:extLst>
+                      <a:ext uri="{FF2B5EF4-FFF2-40B4-BE49-F238E27FC236}">
+                        <a16:creationId xmlns:a16="http://schemas.microsoft.com/office/drawing/2014/main" id="{B496F632-1E3F-8965-56C4-97AE54B0D3A3}"/>
+                      </a:ext>
+                    </a:extLst>
+                  </p:cNvPr>
+                  <p:cNvSpPr txBox="1"/>
+                  <p:nvPr/>
+                </p:nvSpPr>
+                <p:spPr>
+                  <a:xfrm>
+                    <a:off x="1146521" y="531019"/>
+                    <a:ext cx="306586" cy="272699"/>
+                  </a:xfrm>
+                  <a:prstGeom prst="rect">
+                    <a:avLst/>
+                  </a:prstGeom>
+                  <a:noFill/>
+                  <a:ln>
+                    <a:noFill/>
+                  </a:ln>
+                </p:spPr>
+                <p:txBody>
+                  <a:bodyPr lIns="90000" tIns="45000" rIns="90000" bIns="45000"/>
+                  <a:lstStyle/>
+                  <a:p>
+                    <a:endParaRPr lang="tr-TR" sz="1000" b="0" strike="noStrike" spc="-1" dirty="0">
+                      <a:latin typeface="Lucida Sans" panose="020B0602030504020204" pitchFamily="34" charset="0"/>
+                    </a:endParaRPr>
+                  </a:p>
+                </p:txBody>
+              </p:sp>
+              <p:sp>
+                <p:nvSpPr>
+                  <p:cNvPr id="14" name="TextShape 3">
+                    <a:extLst>
+                      <a:ext uri="{FF2B5EF4-FFF2-40B4-BE49-F238E27FC236}">
+                        <a16:creationId xmlns:a16="http://schemas.microsoft.com/office/drawing/2014/main" id="{44CD7501-657D-F040-C9B3-18940ECF96BE}"/>
+                      </a:ext>
+                    </a:extLst>
+                  </p:cNvPr>
+                  <p:cNvSpPr txBox="1"/>
+                  <p:nvPr/>
+                </p:nvSpPr>
+                <p:spPr>
+                  <a:xfrm flipH="1">
+                    <a:off x="7598104" y="1927846"/>
+                    <a:ext cx="216023" cy="272699"/>
+                  </a:xfrm>
+                  <a:prstGeom prst="rect">
+                    <a:avLst/>
+                  </a:prstGeom>
+                  <a:noFill/>
+                  <a:ln>
+                    <a:noFill/>
+                  </a:ln>
+                </p:spPr>
+                <p:txBody>
+                  <a:bodyPr lIns="90000" tIns="45000" rIns="90000" bIns="45000"/>
+                  <a:lstStyle/>
+                  <a:p>
+                    <a:r>
+                      <a:rPr lang="tr-TR" sz="1000" b="0" strike="noStrike" spc="-1" dirty="0">
+                        <a:latin typeface="Lucida Sans" panose="020B0602030504020204" pitchFamily="34" charset="0"/>
+                      </a:rPr>
+                      <a:t>t</a:t>
+                    </a:r>
+                  </a:p>
+                </p:txBody>
+              </p:sp>
+              <p:sp>
+                <p:nvSpPr>
+                  <p:cNvPr id="15" name="TextShape 3">
+                    <a:extLst>
+                      <a:ext uri="{FF2B5EF4-FFF2-40B4-BE49-F238E27FC236}">
+                        <a16:creationId xmlns:a16="http://schemas.microsoft.com/office/drawing/2014/main" id="{C896D22E-F80A-E2C0-13B3-B30FFFACADA3}"/>
+                      </a:ext>
+                    </a:extLst>
+                  </p:cNvPr>
+                  <p:cNvSpPr txBox="1"/>
+                  <p:nvPr/>
+                </p:nvSpPr>
+                <p:spPr>
+                  <a:xfrm>
+                    <a:off x="1223889" y="762376"/>
+                    <a:ext cx="684804" cy="272699"/>
+                  </a:xfrm>
+                  <a:prstGeom prst="rect">
+                    <a:avLst/>
+                  </a:prstGeom>
+                  <a:noFill/>
+                  <a:ln>
+                    <a:noFill/>
+                  </a:ln>
+                </p:spPr>
+                <p:txBody>
+                  <a:bodyPr lIns="90000" tIns="45000" rIns="90000" bIns="45000"/>
+                  <a:lstStyle/>
+                  <a:p>
+                    <a:r>
+                      <a:rPr lang="tr-TR" sz="1000" b="0" strike="noStrike" spc="-1" dirty="0">
+                        <a:latin typeface="Lucida Sans" panose="020B0602030504020204" pitchFamily="34" charset="0"/>
+                      </a:rPr>
+                      <a:t>x</a:t>
+                    </a:r>
+                    <a:r>
+                      <a:rPr lang="en-US" sz="1000" spc="-1" baseline="-25000" dirty="0">
+                        <a:latin typeface="Lucida Sans" panose="020B0602030504020204" pitchFamily="34" charset="0"/>
+                      </a:rPr>
+                      <a:t>1</a:t>
+                    </a:r>
+                    <a:r>
+                      <a:rPr lang="tr-TR" sz="1000" b="0" strike="noStrike" spc="-1" dirty="0">
+                        <a:latin typeface="Lucida Sans" panose="020B0602030504020204" pitchFamily="34" charset="0"/>
+                      </a:rPr>
+                      <a:t>(t)</a:t>
+                    </a:r>
+                  </a:p>
+                </p:txBody>
+              </p:sp>
+              <p:sp>
+                <p:nvSpPr>
+                  <p:cNvPr id="16" name="Rectangle: Rounded Corners 15">
+                    <a:extLst>
+                      <a:ext uri="{FF2B5EF4-FFF2-40B4-BE49-F238E27FC236}">
+                        <a16:creationId xmlns:a16="http://schemas.microsoft.com/office/drawing/2014/main" id="{3DE93CFB-6E7A-C6F0-EDEC-C2FD088BCC1A}"/>
+                      </a:ext>
+                    </a:extLst>
+                  </p:cNvPr>
+                  <p:cNvSpPr/>
+                  <p:nvPr/>
+                </p:nvSpPr>
+                <p:spPr>
+                  <a:xfrm>
+                    <a:off x="1439911" y="1295835"/>
+                    <a:ext cx="2880000" cy="144000"/>
+                  </a:xfrm>
+                  <a:prstGeom prst="roundRect">
+                    <a:avLst/>
+                  </a:prstGeom>
+                  <a:solidFill>
+                    <a:srgbClr val="FF0000">
+                      <a:alpha val="30000"/>
+                    </a:srgbClr>
+                  </a:solidFill>
+                  <a:ln>
+                    <a:noFill/>
+                  </a:ln>
+                </p:spPr>
+                <p:style>
+                  <a:lnRef idx="0">
+                    <a:scrgbClr r="0" g="0" b="0"/>
+                  </a:lnRef>
+                  <a:fillRef idx="0">
+                    <a:scrgbClr r="0" g="0" b="0"/>
+                  </a:fillRef>
+                  <a:effectRef idx="0">
+                    <a:scrgbClr r="0" g="0" b="0"/>
+                  </a:effectRef>
+                  <a:fontRef idx="minor">
+                    <a:schemeClr val="lt1"/>
+                  </a:fontRef>
+                </p:style>
+                <p:txBody>
+                  <a:bodyPr rtlCol="0" anchor="ctr"/>
+                  <a:lstStyle/>
+                  <a:p>
+                    <a:pPr algn="ctr"/>
+                    <a:endParaRPr lang="en-AT" sz="1100" dirty="0"/>
+                  </a:p>
+                </p:txBody>
+              </p:sp>
+              <p:sp>
+                <p:nvSpPr>
+                  <p:cNvPr id="17" name="Rectangle: Rounded Corners 16">
+                    <a:extLst>
+                      <a:ext uri="{FF2B5EF4-FFF2-40B4-BE49-F238E27FC236}">
+                        <a16:creationId xmlns:a16="http://schemas.microsoft.com/office/drawing/2014/main" id="{F5798D08-47CE-E681-7BD8-D719C575B66B}"/>
+                      </a:ext>
+                    </a:extLst>
+                  </p:cNvPr>
+                  <p:cNvSpPr/>
+                  <p:nvPr/>
+                </p:nvSpPr>
+                <p:spPr>
+                  <a:xfrm>
+                    <a:off x="3605307" y="2036983"/>
+                    <a:ext cx="2880322" cy="144000"/>
+                  </a:xfrm>
+                  <a:prstGeom prst="roundRect">
+                    <a:avLst/>
+                  </a:prstGeom>
+                  <a:solidFill>
+                    <a:srgbClr val="FF0000">
+                      <a:alpha val="30000"/>
+                    </a:srgbClr>
+                  </a:solidFill>
+                  <a:ln>
+                    <a:noFill/>
+                  </a:ln>
+                </p:spPr>
+                <p:style>
+                  <a:lnRef idx="0">
+                    <a:scrgbClr r="0" g="0" b="0"/>
+                  </a:lnRef>
+                  <a:fillRef idx="0">
+                    <a:scrgbClr r="0" g="0" b="0"/>
+                  </a:fillRef>
+                  <a:effectRef idx="0">
+                    <a:scrgbClr r="0" g="0" b="0"/>
+                  </a:effectRef>
+                  <a:fontRef idx="minor">
+                    <a:schemeClr val="lt1"/>
+                  </a:fontRef>
+                </p:style>
+                <p:txBody>
+                  <a:bodyPr rtlCol="0" anchor="ctr"/>
+                  <a:lstStyle/>
+                  <a:p>
+                    <a:pPr algn="ctr"/>
+                    <a:endParaRPr lang="en-AT" sz="1100" dirty="0"/>
+                  </a:p>
+                </p:txBody>
+              </p:sp>
+              <p:sp>
+                <p:nvSpPr>
+                  <p:cNvPr id="18" name="TextShape 3">
+                    <a:extLst>
+                      <a:ext uri="{FF2B5EF4-FFF2-40B4-BE49-F238E27FC236}">
+                        <a16:creationId xmlns:a16="http://schemas.microsoft.com/office/drawing/2014/main" id="{A780CF4F-1CAF-A3BC-1869-1BE9A5507C37}"/>
+                      </a:ext>
+                    </a:extLst>
+                  </p:cNvPr>
+                  <p:cNvSpPr txBox="1"/>
+                  <p:nvPr/>
+                </p:nvSpPr>
+                <p:spPr>
+                  <a:xfrm>
+                    <a:off x="1007864" y="2154721"/>
+                    <a:ext cx="6558253" cy="272699"/>
+                  </a:xfrm>
+                  <a:prstGeom prst="rect">
+                    <a:avLst/>
+                  </a:prstGeom>
+                  <a:noFill/>
+                  <a:ln>
+                    <a:noFill/>
+                  </a:ln>
+                </p:spPr>
+                <p:txBody>
+                  <a:bodyPr lIns="90000" tIns="45000" rIns="90000" bIns="45000"/>
+                  <a:lstStyle/>
+                  <a:p>
+                    <a:r>
+                      <a:rPr lang="en-US" sz="1000" spc="-1" dirty="0">
+                        <a:latin typeface="Lucida Sans" panose="020B0602030504020204" pitchFamily="34" charset="0"/>
+                      </a:rPr>
+                      <a:t>  0              1           2           3           4           5           6           7           8</a:t>
+                    </a:r>
+                    <a:endParaRPr lang="tr-TR" sz="1000" b="0" strike="noStrike" spc="-1" dirty="0">
+                      <a:latin typeface="Lucida Sans" panose="020B0602030504020204" pitchFamily="34" charset="0"/>
+                    </a:endParaRPr>
+                  </a:p>
+                </p:txBody>
+              </p:sp>
+              <p:cxnSp>
+                <p:nvCxnSpPr>
+                  <p:cNvPr id="19" name="Straight Connector 18">
+                    <a:extLst>
+                      <a:ext uri="{FF2B5EF4-FFF2-40B4-BE49-F238E27FC236}">
+                        <a16:creationId xmlns:a16="http://schemas.microsoft.com/office/drawing/2014/main" id="{CED65A17-ED8D-77E1-427B-0013EC9BFADE}"/>
+                      </a:ext>
+                    </a:extLst>
+                  </p:cNvPr>
+                  <p:cNvCxnSpPr>
+                    <a:cxnSpLocks/>
+                  </p:cNvCxnSpPr>
+                  <p:nvPr/>
+                </p:nvCxnSpPr>
+                <p:spPr>
+                  <a:xfrm>
+                    <a:off x="1453107" y="4296511"/>
+                    <a:ext cx="2160237" cy="0"/>
+                  </a:xfrm>
+                  <a:prstGeom prst="line">
+                    <a:avLst/>
+                  </a:prstGeom>
+                  <a:ln w="50800">
+                    <a:solidFill>
+                      <a:srgbClr val="0070C0"/>
+                    </a:solidFill>
+                    <a:headEnd type="oval"/>
+                  </a:ln>
+                </p:spPr>
+                <p:style>
+                  <a:lnRef idx="1">
+                    <a:schemeClr val="accent1"/>
+                  </a:lnRef>
+                  <a:fillRef idx="0">
+                    <a:schemeClr val="accent1"/>
+                  </a:fillRef>
+                  <a:effectRef idx="0">
+                    <a:schemeClr val="accent1"/>
+                  </a:effectRef>
+                  <a:fontRef idx="minor">
+                    <a:schemeClr val="tx1"/>
+                  </a:fontRef>
+                </p:style>
+              </p:cxnSp>
+              <p:cxnSp>
+                <p:nvCxnSpPr>
+                  <p:cNvPr id="20" name="Straight Connector 19">
+                    <a:extLst>
+                      <a:ext uri="{FF2B5EF4-FFF2-40B4-BE49-F238E27FC236}">
+                        <a16:creationId xmlns:a16="http://schemas.microsoft.com/office/drawing/2014/main" id="{2310723A-DF87-1E48-A222-D78B24E8360C}"/>
+                      </a:ext>
+                    </a:extLst>
+                  </p:cNvPr>
+                  <p:cNvCxnSpPr>
+                    <a:cxnSpLocks/>
+                  </p:cNvCxnSpPr>
+                  <p:nvPr/>
+                </p:nvCxnSpPr>
+                <p:spPr>
+                  <a:xfrm>
+                    <a:off x="3596392" y="3538597"/>
+                    <a:ext cx="2163512" cy="0"/>
+                  </a:xfrm>
+                  <a:prstGeom prst="line">
+                    <a:avLst/>
+                  </a:prstGeom>
+                  <a:ln w="50800">
+                    <a:solidFill>
+                      <a:srgbClr val="0070C0"/>
+                    </a:solidFill>
+                    <a:headEnd type="oval"/>
+                  </a:ln>
+                </p:spPr>
+                <p:style>
+                  <a:lnRef idx="1">
+                    <a:schemeClr val="accent1"/>
+                  </a:lnRef>
+                  <a:fillRef idx="0">
+                    <a:schemeClr val="accent1"/>
+                  </a:fillRef>
+                  <a:effectRef idx="0">
+                    <a:schemeClr val="accent1"/>
+                  </a:effectRef>
+                  <a:fontRef idx="minor">
+                    <a:schemeClr val="tx1"/>
+                  </a:fontRef>
+                </p:style>
+              </p:cxnSp>
+              <p:cxnSp>
+                <p:nvCxnSpPr>
+                  <p:cNvPr id="21" name="Straight Connector 20">
+                    <a:extLst>
+                      <a:ext uri="{FF2B5EF4-FFF2-40B4-BE49-F238E27FC236}">
+                        <a16:creationId xmlns:a16="http://schemas.microsoft.com/office/drawing/2014/main" id="{E0FEB791-7512-5A69-F32D-0DEAC09D824D}"/>
+                      </a:ext>
+                    </a:extLst>
+                  </p:cNvPr>
+                  <p:cNvCxnSpPr>
+                    <a:cxnSpLocks/>
+                    <a:endCxn id="23" idx="3"/>
+                  </p:cNvCxnSpPr>
+                  <p:nvPr/>
+                </p:nvCxnSpPr>
+                <p:spPr>
+                  <a:xfrm flipV="1">
+                    <a:off x="5764819" y="4305102"/>
+                    <a:ext cx="1438516" cy="240"/>
+                  </a:xfrm>
+                  <a:prstGeom prst="line">
+                    <a:avLst/>
+                  </a:prstGeom>
+                  <a:ln w="50800" cmpd="sng">
+                    <a:solidFill>
+                      <a:srgbClr val="0070C0"/>
+                    </a:solidFill>
+                    <a:headEnd type="oval"/>
+                  </a:ln>
+                </p:spPr>
+                <p:style>
+                  <a:lnRef idx="1">
+                    <a:schemeClr val="accent1"/>
+                  </a:lnRef>
+                  <a:fillRef idx="0">
+                    <a:schemeClr val="accent1"/>
+                  </a:fillRef>
+                  <a:effectRef idx="0">
+                    <a:schemeClr val="accent1"/>
+                  </a:effectRef>
+                  <a:fontRef idx="minor">
+                    <a:schemeClr val="tx1"/>
+                  </a:fontRef>
+                </p:style>
+              </p:cxnSp>
+              <p:sp>
+                <p:nvSpPr>
+                  <p:cNvPr id="23" name="Rectangle: Rounded Corners 22">
+                    <a:extLst>
+                      <a:ext uri="{FF2B5EF4-FFF2-40B4-BE49-F238E27FC236}">
+                        <a16:creationId xmlns:a16="http://schemas.microsoft.com/office/drawing/2014/main" id="{51EFC4D3-1A55-D007-93E5-CDA479F06B1F}"/>
+                      </a:ext>
+                    </a:extLst>
+                  </p:cNvPr>
+                  <p:cNvSpPr/>
+                  <p:nvPr/>
+                </p:nvSpPr>
+                <p:spPr>
+                  <a:xfrm>
+                    <a:off x="4316473" y="4233102"/>
+                    <a:ext cx="2886862" cy="144000"/>
+                  </a:xfrm>
+                  <a:prstGeom prst="roundRect">
+                    <a:avLst/>
+                  </a:prstGeom>
+                  <a:solidFill>
+                    <a:srgbClr val="0070C0">
+                      <a:alpha val="30000"/>
+                    </a:srgbClr>
+                  </a:solidFill>
+                  <a:ln>
+                    <a:noFill/>
+                  </a:ln>
+                </p:spPr>
+                <p:style>
+                  <a:lnRef idx="0">
+                    <a:scrgbClr r="0" g="0" b="0"/>
+                  </a:lnRef>
+                  <a:fillRef idx="0">
+                    <a:scrgbClr r="0" g="0" b="0"/>
+                  </a:fillRef>
+                  <a:effectRef idx="0">
+                    <a:scrgbClr r="0" g="0" b="0"/>
+                  </a:effectRef>
+                  <a:fontRef idx="minor">
+                    <a:schemeClr val="lt1"/>
+                  </a:fontRef>
+                </p:style>
+                <p:txBody>
+                  <a:bodyPr rtlCol="0" anchor="ctr"/>
+                  <a:lstStyle/>
+                  <a:p>
+                    <a:pPr algn="ctr"/>
+                    <a:endParaRPr lang="en-AT" sz="1100" dirty="0"/>
+                  </a:p>
+                </p:txBody>
+              </p:sp>
+            </p:grpSp>
+            <p:sp>
+              <p:nvSpPr>
+                <p:cNvPr id="36" name="TextShape 3">
                   <a:extLst>
                     <a:ext uri="{FF2B5EF4-FFF2-40B4-BE49-F238E27FC236}">
-                      <a16:creationId xmlns:a16="http://schemas.microsoft.com/office/drawing/2014/main" id="{DD8A78CE-7BF3-66EF-9136-F15B60642691}"/>
-                    </a:ext>
-                  </a:extLst>
-                </p:cNvPr>
-                <p:cNvCxnSpPr>
-                  <a:cxnSpLocks/>
-                </p:cNvCxnSpPr>
-                <p:nvPr/>
-              </p:nvCxnSpPr>
-              <p:spPr>
-                <a:xfrm>
-                  <a:off x="1438829" y="3195315"/>
-                  <a:ext cx="0" cy="1440160"/>
-                </a:xfrm>
-                <a:prstGeom prst="straightConnector1">
-                  <a:avLst/>
-                </a:prstGeom>
-                <a:ln w="15875">
-                  <a:headEnd type="triangle"/>
-                  <a:tailEnd type="triangle"/>
-                </a:ln>
-              </p:spPr>
-              <p:style>
-                <a:lnRef idx="1">
-                  <a:schemeClr val="dk1"/>
-                </a:lnRef>
-                <a:fillRef idx="0">
-                  <a:schemeClr val="dk1"/>
-                </a:fillRef>
-                <a:effectRef idx="0">
-                  <a:schemeClr val="dk1"/>
-                </a:effectRef>
-                <a:fontRef idx="minor">
-                  <a:schemeClr val="tx1"/>
-                </a:fontRef>
-              </p:style>
-            </p:cxnSp>
-            <p:cxnSp>
-              <p:nvCxnSpPr>
-                <p:cNvPr id="60" name="Straight Arrow Connector 59">
-                  <a:extLst>
-                    <a:ext uri="{FF2B5EF4-FFF2-40B4-BE49-F238E27FC236}">
-                      <a16:creationId xmlns:a16="http://schemas.microsoft.com/office/drawing/2014/main" id="{D6A0A884-FDF2-186A-7C0A-DB921C81D100}"/>
-                    </a:ext>
-                  </a:extLst>
-                </p:cNvPr>
-                <p:cNvCxnSpPr>
-                  <a:cxnSpLocks/>
-                </p:cNvCxnSpPr>
-                <p:nvPr/>
-              </p:nvCxnSpPr>
-              <p:spPr>
-                <a:xfrm flipH="1">
-                  <a:off x="1453107" y="4296511"/>
-                  <a:ext cx="6179494" cy="8831"/>
-                </a:xfrm>
-                <a:prstGeom prst="straightConnector1">
-                  <a:avLst/>
-                </a:prstGeom>
-                <a:ln w="15875">
-                  <a:headEnd type="stealth"/>
-                  <a:tailEnd type="none"/>
-                </a:ln>
-              </p:spPr>
-              <p:style>
-                <a:lnRef idx="1">
-                  <a:schemeClr val="dk1"/>
-                </a:lnRef>
-                <a:fillRef idx="0">
-                  <a:schemeClr val="dk1"/>
-                </a:fillRef>
-                <a:effectRef idx="0">
-                  <a:schemeClr val="dk1"/>
-                </a:effectRef>
-                <a:fontRef idx="minor">
-                  <a:schemeClr val="tx1"/>
-                </a:fontRef>
-              </p:style>
-            </p:cxnSp>
-            <p:sp>
-              <p:nvSpPr>
-                <p:cNvPr id="85" name="TextShape 3">
-                  <a:extLst>
-                    <a:ext uri="{FF2B5EF4-FFF2-40B4-BE49-F238E27FC236}">
-                      <a16:creationId xmlns:a16="http://schemas.microsoft.com/office/drawing/2014/main" id="{565DE3E7-2A7A-5858-BA2F-A2E9BBBF1AC6}"/>
+                      <a16:creationId xmlns:a16="http://schemas.microsoft.com/office/drawing/2014/main" id="{FE1454FA-DE3B-85CA-46CA-420FE7C4B4A9}"/>
                     </a:ext>
                   </a:extLst>
                 </p:cNvPr>
@@ -4103,43 +5370,8 @@
               </p:nvSpPr>
               <p:spPr>
                 <a:xfrm>
-                  <a:off x="1146521" y="2718547"/>
-                  <a:ext cx="306586" cy="272699"/>
-                </a:xfrm>
-                <a:prstGeom prst="rect">
-                  <a:avLst/>
-                </a:prstGeom>
-                <a:noFill/>
-                <a:ln>
-                  <a:noFill/>
-                </a:ln>
-              </p:spPr>
-              <p:txBody>
-                <a:bodyPr lIns="90000" tIns="45000" rIns="90000" bIns="45000"/>
-                <a:lstStyle/>
-                <a:p>
-                  <a:endParaRPr lang="tr-TR" sz="1400" b="0" strike="noStrike" spc="-1" dirty="0">
-                    <a:latin typeface="Lucida Sans" panose="020B0602030504020204" pitchFamily="34" charset="0"/>
-                  </a:endParaRPr>
-                </a:p>
-              </p:txBody>
-            </p:sp>
-            <p:sp>
-              <p:nvSpPr>
-                <p:cNvPr id="94" name="TextShape 3">
-                  <a:extLst>
-                    <a:ext uri="{FF2B5EF4-FFF2-40B4-BE49-F238E27FC236}">
-                      <a16:creationId xmlns:a16="http://schemas.microsoft.com/office/drawing/2014/main" id="{1EACA767-AE9E-5DD8-4A79-3536FDB4DA31}"/>
-                    </a:ext>
-                  </a:extLst>
-                </p:cNvPr>
-                <p:cNvSpPr txBox="1"/>
-                <p:nvPr/>
-              </p:nvSpPr>
-              <p:spPr>
-                <a:xfrm flipH="1">
-                  <a:off x="7598104" y="4115374"/>
-                  <a:ext cx="216023" cy="272699"/>
+                  <a:off x="1146521" y="3399847"/>
+                  <a:ext cx="239903" cy="272699"/>
                 </a:xfrm>
                 <a:prstGeom prst="rect">
                   <a:avLst/>
@@ -4154,20 +5386,23 @@
                 <a:lstStyle/>
                 <a:p>
                   <a:r>
-                    <a:rPr lang="tr-TR" sz="1400" b="0" strike="noStrike" spc="-1" dirty="0">
+                    <a:rPr lang="en-US" sz="1000" b="0" strike="noStrike" spc="-1" dirty="0">
                       <a:latin typeface="Lucida Sans" panose="020B0602030504020204" pitchFamily="34" charset="0"/>
                     </a:rPr>
-                    <a:t>t</a:t>
+                    <a:t>1</a:t>
                   </a:r>
+                  <a:endParaRPr lang="tr-TR" sz="1000" b="0" strike="noStrike" spc="-1" dirty="0">
+                    <a:latin typeface="Lucida Sans" panose="020B0602030504020204" pitchFamily="34" charset="0"/>
+                  </a:endParaRPr>
                 </a:p>
               </p:txBody>
             </p:sp>
             <p:sp>
               <p:nvSpPr>
-                <p:cNvPr id="95" name="TextShape 3">
+                <p:cNvPr id="37" name="TextShape 3">
                   <a:extLst>
                     <a:ext uri="{FF2B5EF4-FFF2-40B4-BE49-F238E27FC236}">
-                      <a16:creationId xmlns:a16="http://schemas.microsoft.com/office/drawing/2014/main" id="{834B2CBD-1FBF-8829-157C-E481CFEF12F0}"/>
+                      <a16:creationId xmlns:a16="http://schemas.microsoft.com/office/drawing/2014/main" id="{9FF71AD8-19C0-5811-C9EF-C0293F4AAD06}"/>
                     </a:ext>
                   </a:extLst>
                 </p:cNvPr>
@@ -4176,8 +5411,8 @@
               </p:nvSpPr>
               <p:spPr>
                 <a:xfrm>
-                  <a:off x="1223889" y="2907283"/>
-                  <a:ext cx="576064" cy="272699"/>
+                  <a:off x="1146521" y="1233577"/>
+                  <a:ext cx="239903" cy="272699"/>
                 </a:xfrm>
                 <a:prstGeom prst="rect">
                   <a:avLst/>
@@ -4192,1517 +5427,303 @@
                 <a:lstStyle/>
                 <a:p>
                   <a:r>
-                    <a:rPr lang="tr-TR" sz="1400" b="0" strike="noStrike" spc="-1" dirty="0">
-                      <a:latin typeface="Lucida Sans" panose="020B0602030504020204" pitchFamily="34" charset="0"/>
-                    </a:rPr>
-                    <a:t>x</a:t>
-                  </a:r>
-                  <a:r>
-                    <a:rPr lang="en-US" sz="1400" b="0" strike="noStrike" spc="-1" baseline="-25000" dirty="0">
-                      <a:latin typeface="Lucida Sans" panose="020B0602030504020204" pitchFamily="34" charset="0"/>
-                    </a:rPr>
-                    <a:t>2</a:t>
-                  </a:r>
-                  <a:r>
-                    <a:rPr lang="tr-TR" sz="1400" b="0" strike="noStrike" spc="-1" dirty="0">
-                      <a:latin typeface="Lucida Sans" panose="020B0602030504020204" pitchFamily="34" charset="0"/>
-                    </a:rPr>
-                    <a:t>(t)</a:t>
-                  </a:r>
-                </a:p>
-              </p:txBody>
-            </p:sp>
-            <p:sp>
-              <p:nvSpPr>
-                <p:cNvPr id="117" name="Rectangle: Rounded Corners 116">
-                  <a:extLst>
-                    <a:ext uri="{FF2B5EF4-FFF2-40B4-BE49-F238E27FC236}">
-                      <a16:creationId xmlns:a16="http://schemas.microsoft.com/office/drawing/2014/main" id="{C68F2B9E-D281-D344-30AA-1EF47B27A8CF}"/>
-                    </a:ext>
-                  </a:extLst>
-                </p:cNvPr>
-                <p:cNvSpPr/>
-                <p:nvPr/>
-              </p:nvSpPr>
-              <p:spPr>
-                <a:xfrm>
-                  <a:off x="1438829" y="4942024"/>
-                  <a:ext cx="721399" cy="510940"/>
-                </a:xfrm>
-                <a:prstGeom prst="roundRect">
-                  <a:avLst/>
-                </a:prstGeom>
-                <a:solidFill>
-                  <a:schemeClr val="bg1">
-                    <a:lumMod val="75000"/>
-                    <a:alpha val="50000"/>
-                  </a:schemeClr>
-                </a:solidFill>
-                <a:ln w="19050">
-                  <a:solidFill>
-                    <a:schemeClr val="tx1"/>
-                  </a:solidFill>
-                </a:ln>
-              </p:spPr>
-              <p:style>
-                <a:lnRef idx="0">
-                  <a:scrgbClr r="0" g="0" b="0"/>
-                </a:lnRef>
-                <a:fillRef idx="0">
-                  <a:scrgbClr r="0" g="0" b="0"/>
-                </a:fillRef>
-                <a:effectRef idx="0">
-                  <a:scrgbClr r="0" g="0" b="0"/>
-                </a:effectRef>
-                <a:fontRef idx="minor">
-                  <a:schemeClr val="lt1"/>
-                </a:fontRef>
-              </p:style>
-              <p:txBody>
-                <a:bodyPr rtlCol="0" anchor="ctr"/>
-                <a:lstStyle/>
-                <a:p>
-                  <a:pPr algn="ctr"/>
-                  <a:r>
-                    <a:rPr lang="tr-TR" sz="1400" dirty="0">
-                      <a:solidFill>
-                        <a:schemeClr val="tx1"/>
-                      </a:solidFill>
-                      <a:latin typeface="Lucida Sans" panose="020B0602030504020204" pitchFamily="34" charset="0"/>
-                    </a:rPr>
-                    <a:t>[0,1)</a:t>
-                  </a:r>
-                  <a:endParaRPr lang="en-AT" sz="1400" dirty="0">
-                    <a:solidFill>
-                      <a:schemeClr val="tx1"/>
-                    </a:solidFill>
-                    <a:latin typeface="Lucida Sans" panose="020B0602030504020204" pitchFamily="34" charset="0"/>
-                  </a:endParaRPr>
-                </a:p>
-              </p:txBody>
-            </p:sp>
-            <p:sp>
-              <p:nvSpPr>
-                <p:cNvPr id="118" name="Rectangle: Rounded Corners 117">
-                  <a:extLst>
-                    <a:ext uri="{FF2B5EF4-FFF2-40B4-BE49-F238E27FC236}">
-                      <a16:creationId xmlns:a16="http://schemas.microsoft.com/office/drawing/2014/main" id="{9A0222FD-789C-3FFC-F7C8-273D218DB41E}"/>
-                    </a:ext>
-                  </a:extLst>
-                </p:cNvPr>
-                <p:cNvSpPr/>
-                <p:nvPr/>
-              </p:nvSpPr>
-              <p:spPr>
-                <a:xfrm>
-                  <a:off x="2158512" y="4944179"/>
-                  <a:ext cx="1439995" cy="510940"/>
-                </a:xfrm>
-                <a:prstGeom prst="roundRect">
-                  <a:avLst/>
-                </a:prstGeom>
-                <a:solidFill>
-                  <a:schemeClr val="bg1">
-                    <a:lumMod val="75000"/>
-                    <a:alpha val="50000"/>
-                  </a:schemeClr>
-                </a:solidFill>
-                <a:ln w="19050">
-                  <a:solidFill>
-                    <a:schemeClr val="tx1"/>
-                  </a:solidFill>
-                </a:ln>
-              </p:spPr>
-              <p:style>
-                <a:lnRef idx="0">
-                  <a:scrgbClr r="0" g="0" b="0"/>
-                </a:lnRef>
-                <a:fillRef idx="0">
-                  <a:scrgbClr r="0" g="0" b="0"/>
-                </a:fillRef>
-                <a:effectRef idx="0">
-                  <a:scrgbClr r="0" g="0" b="0"/>
-                </a:effectRef>
-                <a:fontRef idx="minor">
-                  <a:schemeClr val="lt1"/>
-                </a:fontRef>
-              </p:style>
-              <p:txBody>
-                <a:bodyPr rtlCol="0" anchor="ctr"/>
-                <a:lstStyle/>
-                <a:p>
-                  <a:pPr algn="ctr"/>
-                  <a:r>
-                    <a:rPr lang="tr-TR" sz="1400" dirty="0">
-                      <a:solidFill>
-                        <a:schemeClr val="tx1"/>
-                      </a:solidFill>
-                      <a:latin typeface="Lucida Sans" panose="020B0602030504020204" pitchFamily="34" charset="0"/>
-                    </a:rPr>
-                    <a:t>[1,3)</a:t>
-                  </a:r>
-                  <a:endParaRPr lang="en-AT" sz="1400" dirty="0">
-                    <a:solidFill>
-                      <a:schemeClr val="tx1"/>
-                    </a:solidFill>
-                    <a:latin typeface="Lucida Sans" panose="020B0602030504020204" pitchFamily="34" charset="0"/>
-                  </a:endParaRPr>
-                </a:p>
-              </p:txBody>
-            </p:sp>
-            <p:sp>
-              <p:nvSpPr>
-                <p:cNvPr id="119" name="Rectangle: Rounded Corners 118">
-                  <a:extLst>
-                    <a:ext uri="{FF2B5EF4-FFF2-40B4-BE49-F238E27FC236}">
-                      <a16:creationId xmlns:a16="http://schemas.microsoft.com/office/drawing/2014/main" id="{8A89B381-DDE2-ADAB-C1A3-C95B9148C54B}"/>
-                    </a:ext>
-                  </a:extLst>
-                </p:cNvPr>
-                <p:cNvSpPr/>
-                <p:nvPr/>
-              </p:nvSpPr>
-              <p:spPr>
-                <a:xfrm>
-                  <a:off x="3598193" y="4941336"/>
-                  <a:ext cx="719998" cy="510940"/>
-                </a:xfrm>
-                <a:prstGeom prst="roundRect">
-                  <a:avLst/>
-                </a:prstGeom>
-                <a:solidFill>
-                  <a:schemeClr val="bg1">
-                    <a:lumMod val="75000"/>
-                    <a:alpha val="50000"/>
-                  </a:schemeClr>
-                </a:solidFill>
-                <a:ln w="19050">
-                  <a:solidFill>
-                    <a:schemeClr val="tx1"/>
-                  </a:solidFill>
-                </a:ln>
-              </p:spPr>
-              <p:style>
-                <a:lnRef idx="0">
-                  <a:scrgbClr r="0" g="0" b="0"/>
-                </a:lnRef>
-                <a:fillRef idx="0">
-                  <a:scrgbClr r="0" g="0" b="0"/>
-                </a:fillRef>
-                <a:effectRef idx="0">
-                  <a:scrgbClr r="0" g="0" b="0"/>
-                </a:effectRef>
-                <a:fontRef idx="minor">
-                  <a:schemeClr val="lt1"/>
-                </a:fontRef>
-              </p:style>
-              <p:txBody>
-                <a:bodyPr rtlCol="0" anchor="ctr"/>
-                <a:lstStyle/>
-                <a:p>
-                  <a:pPr algn="ctr"/>
-                  <a:r>
-                    <a:rPr lang="tr-TR" sz="1400" dirty="0">
-                      <a:solidFill>
-                        <a:schemeClr val="tx1"/>
-                      </a:solidFill>
-                      <a:latin typeface="Lucida Sans" panose="020B0602030504020204" pitchFamily="34" charset="0"/>
-                    </a:rPr>
-                    <a:t>[3,4)</a:t>
-                  </a:r>
-                  <a:endParaRPr lang="en-AT" sz="1400" dirty="0">
-                    <a:solidFill>
-                      <a:schemeClr val="tx1"/>
-                    </a:solidFill>
-                    <a:latin typeface="Lucida Sans" panose="020B0602030504020204" pitchFamily="34" charset="0"/>
-                  </a:endParaRPr>
-                </a:p>
-              </p:txBody>
-            </p:sp>
-            <p:sp>
-              <p:nvSpPr>
-                <p:cNvPr id="120" name="Rectangle: Rounded Corners 119">
-                  <a:extLst>
-                    <a:ext uri="{FF2B5EF4-FFF2-40B4-BE49-F238E27FC236}">
-                      <a16:creationId xmlns:a16="http://schemas.microsoft.com/office/drawing/2014/main" id="{35F7C927-AE8A-1B55-8BE0-BBCE43CA2757}"/>
-                    </a:ext>
-                  </a:extLst>
-                </p:cNvPr>
-                <p:cNvSpPr/>
-                <p:nvPr/>
-              </p:nvSpPr>
-              <p:spPr>
-                <a:xfrm>
-                  <a:off x="5047112" y="4941336"/>
-                  <a:ext cx="1431716" cy="510940"/>
-                </a:xfrm>
-                <a:prstGeom prst="roundRect">
-                  <a:avLst/>
-                </a:prstGeom>
-                <a:solidFill>
-                  <a:schemeClr val="bg1">
-                    <a:lumMod val="75000"/>
-                    <a:alpha val="50000"/>
-                  </a:schemeClr>
-                </a:solidFill>
-                <a:ln w="19050">
-                  <a:solidFill>
-                    <a:schemeClr val="tx1"/>
-                  </a:solidFill>
-                </a:ln>
-              </p:spPr>
-              <p:style>
-                <a:lnRef idx="0">
-                  <a:scrgbClr r="0" g="0" b="0"/>
-                </a:lnRef>
-                <a:fillRef idx="0">
-                  <a:scrgbClr r="0" g="0" b="0"/>
-                </a:fillRef>
-                <a:effectRef idx="0">
-                  <a:scrgbClr r="0" g="0" b="0"/>
-                </a:effectRef>
-                <a:fontRef idx="minor">
-                  <a:schemeClr val="lt1"/>
-                </a:fontRef>
-              </p:style>
-              <p:txBody>
-                <a:bodyPr rtlCol="0" anchor="ctr"/>
-                <a:lstStyle/>
-                <a:p>
-                  <a:pPr algn="ctr"/>
-                  <a:r>
-                    <a:rPr lang="tr-TR" sz="1400" dirty="0">
-                      <a:solidFill>
-                        <a:schemeClr val="tx1"/>
-                      </a:solidFill>
-                      <a:latin typeface="Lucida Sans" panose="020B0602030504020204" pitchFamily="34" charset="0"/>
-                    </a:rPr>
-                    <a:t>[</a:t>
-                  </a:r>
-                  <a:r>
-                    <a:rPr lang="en-US" sz="1400" dirty="0">
-                      <a:solidFill>
-                        <a:schemeClr val="tx1"/>
-                      </a:solidFill>
-                      <a:latin typeface="Lucida Sans" panose="020B0602030504020204" pitchFamily="34" charset="0"/>
-                    </a:rPr>
-                    <a:t>5</a:t>
-                  </a:r>
-                  <a:r>
-                    <a:rPr lang="tr-TR" sz="1400" dirty="0">
-                      <a:solidFill>
-                        <a:schemeClr val="tx1"/>
-                      </a:solidFill>
-                      <a:latin typeface="Lucida Sans" panose="020B0602030504020204" pitchFamily="34" charset="0"/>
-                    </a:rPr>
-                    <a:t>,7)</a:t>
-                  </a:r>
-                  <a:endParaRPr lang="en-AT" sz="1400" dirty="0">
-                    <a:solidFill>
-                      <a:schemeClr val="tx1"/>
-                    </a:solidFill>
-                    <a:latin typeface="Lucida Sans" panose="020B0602030504020204" pitchFamily="34" charset="0"/>
-                  </a:endParaRPr>
-                </a:p>
-              </p:txBody>
-            </p:sp>
-            <p:sp>
-              <p:nvSpPr>
-                <p:cNvPr id="121" name="Rectangle: Rounded Corners 120">
-                  <a:extLst>
-                    <a:ext uri="{FF2B5EF4-FFF2-40B4-BE49-F238E27FC236}">
-                      <a16:creationId xmlns:a16="http://schemas.microsoft.com/office/drawing/2014/main" id="{FB959EF1-9B1A-9E08-3A43-469BAF647BEE}"/>
-                    </a:ext>
-                  </a:extLst>
-                </p:cNvPr>
-                <p:cNvSpPr/>
-                <p:nvPr/>
-              </p:nvSpPr>
-              <p:spPr>
-                <a:xfrm>
-                  <a:off x="6478828" y="4941336"/>
-                  <a:ext cx="737005" cy="510940"/>
-                </a:xfrm>
-                <a:prstGeom prst="roundRect">
-                  <a:avLst/>
-                </a:prstGeom>
-                <a:solidFill>
-                  <a:schemeClr val="bg1">
-                    <a:lumMod val="75000"/>
-                    <a:alpha val="50000"/>
-                  </a:schemeClr>
-                </a:solidFill>
-                <a:ln w="19050">
-                  <a:solidFill>
-                    <a:schemeClr val="tx1"/>
-                  </a:solidFill>
-                </a:ln>
-              </p:spPr>
-              <p:style>
-                <a:lnRef idx="0">
-                  <a:scrgbClr r="0" g="0" b="0"/>
-                </a:lnRef>
-                <a:fillRef idx="0">
-                  <a:scrgbClr r="0" g="0" b="0"/>
-                </a:fillRef>
-                <a:effectRef idx="0">
-                  <a:scrgbClr r="0" g="0" b="0"/>
-                </a:effectRef>
-                <a:fontRef idx="minor">
-                  <a:schemeClr val="lt1"/>
-                </a:fontRef>
-              </p:style>
-              <p:txBody>
-                <a:bodyPr rtlCol="0" anchor="ctr"/>
-                <a:lstStyle/>
-                <a:p>
-                  <a:pPr algn="ctr"/>
-                  <a:r>
-                    <a:rPr lang="tr-TR" sz="1400" dirty="0">
-                      <a:solidFill>
-                        <a:schemeClr val="tx1"/>
-                      </a:solidFill>
-                      <a:latin typeface="Lucida Sans" panose="020B0602030504020204" pitchFamily="34" charset="0"/>
-                    </a:rPr>
-                    <a:t>[7,8)</a:t>
-                  </a:r>
-                  <a:endParaRPr lang="en-AT" sz="1400" dirty="0">
-                    <a:solidFill>
-                      <a:schemeClr val="tx1"/>
-                    </a:solidFill>
-                    <a:latin typeface="Lucida Sans" panose="020B0602030504020204" pitchFamily="34" charset="0"/>
-                  </a:endParaRPr>
-                </a:p>
-              </p:txBody>
-            </p:sp>
-            <p:sp>
-              <p:nvSpPr>
-                <p:cNvPr id="123" name="TextShape 3">
-                  <a:extLst>
-                    <a:ext uri="{FF2B5EF4-FFF2-40B4-BE49-F238E27FC236}">
-                      <a16:creationId xmlns:a16="http://schemas.microsoft.com/office/drawing/2014/main" id="{32F5CA81-7772-6546-67C5-2ABEA7A25339}"/>
-                    </a:ext>
-                  </a:extLst>
-                </p:cNvPr>
-                <p:cNvSpPr txBox="1"/>
-                <p:nvPr/>
-              </p:nvSpPr>
-              <p:spPr>
-                <a:xfrm>
-                  <a:off x="1060932" y="5067523"/>
-                  <a:ext cx="477763" cy="267359"/>
-                </a:xfrm>
-                <a:prstGeom prst="rect">
-                  <a:avLst/>
-                </a:prstGeom>
-                <a:noFill/>
-                <a:ln>
-                  <a:noFill/>
-                </a:ln>
-              </p:spPr>
-              <p:txBody>
-                <a:bodyPr lIns="90000" tIns="45000" rIns="90000" bIns="45000"/>
-                <a:lstStyle/>
-                <a:p>
-                  <a:r>
-                    <a:rPr lang="tr-TR" sz="1600" b="0" strike="noStrike" spc="-1" dirty="0">
-                      <a:latin typeface="Lucida Sans" panose="020B0602030504020204" pitchFamily="34" charset="0"/>
-                    </a:rPr>
-                    <a:t>G</a:t>
-                  </a:r>
-                  <a:r>
-                    <a:rPr lang="tr-TR" sz="1600" b="0" strike="noStrike" spc="-1" baseline="-25000" dirty="0">
-                      <a:latin typeface="Lucida Sans" panose="020B0602030504020204" pitchFamily="34" charset="0"/>
-                    </a:rPr>
-                    <a:t>S</a:t>
-                  </a:r>
-                  <a:endParaRPr lang="tr-TR" sz="1600" b="0" strike="noStrike" spc="-1" dirty="0">
-                    <a:latin typeface="Lucida Sans" panose="020B0602030504020204" pitchFamily="34" charset="0"/>
-                  </a:endParaRPr>
-                </a:p>
-              </p:txBody>
-            </p:sp>
-            <p:sp>
-              <p:nvSpPr>
-                <p:cNvPr id="6" name="TextShape 3">
-                  <a:extLst>
-                    <a:ext uri="{FF2B5EF4-FFF2-40B4-BE49-F238E27FC236}">
-                      <a16:creationId xmlns:a16="http://schemas.microsoft.com/office/drawing/2014/main" id="{2448C627-2986-FF3C-A1E5-D14970B3B7AC}"/>
-                    </a:ext>
-                  </a:extLst>
-                </p:cNvPr>
-                <p:cNvSpPr txBox="1"/>
-                <p:nvPr/>
-              </p:nvSpPr>
-              <p:spPr>
-                <a:xfrm>
-                  <a:off x="1007864" y="4342249"/>
-                  <a:ext cx="6558253" cy="272699"/>
-                </a:xfrm>
-                <a:prstGeom prst="rect">
-                  <a:avLst/>
-                </a:prstGeom>
-                <a:noFill/>
-                <a:ln>
-                  <a:noFill/>
-                </a:ln>
-              </p:spPr>
-              <p:txBody>
-                <a:bodyPr lIns="90000" tIns="45000" rIns="90000" bIns="45000"/>
-                <a:lstStyle/>
-                <a:p>
-                  <a:r>
-                    <a:rPr lang="en-US" sz="1400" spc="-1" dirty="0">
-                      <a:latin typeface="Lucida Sans" panose="020B0602030504020204" pitchFamily="34" charset="0"/>
-                    </a:rPr>
-                    <a:t>  0              1           2           3           4           5           6           7           8</a:t>
-                  </a:r>
-                  <a:endParaRPr lang="tr-TR" sz="1400" b="0" strike="noStrike" spc="-1" dirty="0">
-                    <a:latin typeface="Lucida Sans" panose="020B0602030504020204" pitchFamily="34" charset="0"/>
-                  </a:endParaRPr>
-                </a:p>
-              </p:txBody>
-            </p:sp>
-            <p:cxnSp>
-              <p:nvCxnSpPr>
-                <p:cNvPr id="8" name="Straight Connector 7">
-                  <a:extLst>
-                    <a:ext uri="{FF2B5EF4-FFF2-40B4-BE49-F238E27FC236}">
-                      <a16:creationId xmlns:a16="http://schemas.microsoft.com/office/drawing/2014/main" id="{1F651F44-374B-22BC-FDDA-160EAA221689}"/>
-                    </a:ext>
-                  </a:extLst>
-                </p:cNvPr>
-                <p:cNvCxnSpPr>
-                  <a:cxnSpLocks/>
-                </p:cNvCxnSpPr>
-                <p:nvPr/>
-              </p:nvCxnSpPr>
-              <p:spPr>
-                <a:xfrm>
-                  <a:off x="1453107" y="2119672"/>
-                  <a:ext cx="1440157" cy="0"/>
-                </a:xfrm>
-                <a:prstGeom prst="line">
-                  <a:avLst/>
-                </a:prstGeom>
-                <a:ln w="50800">
-                  <a:solidFill>
-                    <a:srgbClr val="FF0000"/>
-                  </a:solidFill>
-                  <a:prstDash val="dash"/>
-                  <a:headEnd type="oval"/>
-                </a:ln>
-              </p:spPr>
-              <p:style>
-                <a:lnRef idx="1">
-                  <a:schemeClr val="accent2"/>
-                </a:lnRef>
-                <a:fillRef idx="0">
-                  <a:schemeClr val="accent2"/>
-                </a:fillRef>
-                <a:effectRef idx="0">
-                  <a:schemeClr val="accent2"/>
-                </a:effectRef>
-                <a:fontRef idx="minor">
-                  <a:schemeClr val="tx1"/>
-                </a:fontRef>
-              </p:style>
-            </p:cxnSp>
-            <p:cxnSp>
-              <p:nvCxnSpPr>
-                <p:cNvPr id="9" name="Straight Connector 8">
-                  <a:extLst>
-                    <a:ext uri="{FF2B5EF4-FFF2-40B4-BE49-F238E27FC236}">
-                      <a16:creationId xmlns:a16="http://schemas.microsoft.com/office/drawing/2014/main" id="{25A4CBD1-80FC-190E-A635-A00E25BEAF69}"/>
-                    </a:ext>
-                  </a:extLst>
-                </p:cNvPr>
-                <p:cNvCxnSpPr>
-                  <a:cxnSpLocks/>
-                </p:cNvCxnSpPr>
-                <p:nvPr/>
-              </p:nvCxnSpPr>
-              <p:spPr>
-                <a:xfrm>
-                  <a:off x="2880072" y="1364341"/>
-                  <a:ext cx="2160239" cy="0"/>
-                </a:xfrm>
-                <a:prstGeom prst="line">
-                  <a:avLst/>
-                </a:prstGeom>
-                <a:ln w="50800">
-                  <a:solidFill>
-                    <a:srgbClr val="FF0000"/>
-                  </a:solidFill>
-                  <a:prstDash val="dash"/>
-                  <a:headEnd type="oval"/>
-                </a:ln>
-              </p:spPr>
-              <p:style>
-                <a:lnRef idx="1">
-                  <a:schemeClr val="accent2"/>
-                </a:lnRef>
-                <a:fillRef idx="0">
-                  <a:schemeClr val="accent2"/>
-                </a:fillRef>
-                <a:effectRef idx="0">
-                  <a:schemeClr val="accent2"/>
-                </a:effectRef>
-                <a:fontRef idx="minor">
-                  <a:schemeClr val="tx1"/>
-                </a:fontRef>
-              </p:style>
-            </p:cxnSp>
-            <p:cxnSp>
-              <p:nvCxnSpPr>
-                <p:cNvPr id="10" name="Straight Connector 9">
-                  <a:extLst>
-                    <a:ext uri="{FF2B5EF4-FFF2-40B4-BE49-F238E27FC236}">
-                      <a16:creationId xmlns:a16="http://schemas.microsoft.com/office/drawing/2014/main" id="{DD2421C6-81B5-E27F-2057-B26508C194E8}"/>
-                    </a:ext>
-                  </a:extLst>
-                </p:cNvPr>
-                <p:cNvCxnSpPr>
-                  <a:cxnSpLocks/>
-                </p:cNvCxnSpPr>
-                <p:nvPr/>
-              </p:nvCxnSpPr>
-              <p:spPr>
-                <a:xfrm>
-                  <a:off x="5047112" y="2116925"/>
-                  <a:ext cx="2175522" cy="0"/>
-                </a:xfrm>
-                <a:prstGeom prst="line">
-                  <a:avLst/>
-                </a:prstGeom>
-                <a:ln w="50800">
-                  <a:solidFill>
-                    <a:srgbClr val="FF0000"/>
-                  </a:solidFill>
-                  <a:prstDash val="dash"/>
-                  <a:headEnd type="oval"/>
-                </a:ln>
-              </p:spPr>
-              <p:style>
-                <a:lnRef idx="1">
-                  <a:schemeClr val="accent2"/>
-                </a:lnRef>
-                <a:fillRef idx="0">
-                  <a:schemeClr val="accent2"/>
-                </a:fillRef>
-                <a:effectRef idx="0">
-                  <a:schemeClr val="accent2"/>
-                </a:effectRef>
-                <a:fontRef idx="minor">
-                  <a:schemeClr val="tx1"/>
-                </a:fontRef>
-              </p:style>
-            </p:cxnSp>
-            <p:cxnSp>
-              <p:nvCxnSpPr>
-                <p:cNvPr id="11" name="Straight Arrow Connector 10">
-                  <a:extLst>
-                    <a:ext uri="{FF2B5EF4-FFF2-40B4-BE49-F238E27FC236}">
-                      <a16:creationId xmlns:a16="http://schemas.microsoft.com/office/drawing/2014/main" id="{7A9D2D29-490B-89FE-37A7-5BAF3FFEA5C7}"/>
-                    </a:ext>
-                  </a:extLst>
-                </p:cNvPr>
-                <p:cNvCxnSpPr>
-                  <a:cxnSpLocks/>
-                </p:cNvCxnSpPr>
-                <p:nvPr/>
-              </p:nvCxnSpPr>
-              <p:spPr>
-                <a:xfrm>
-                  <a:off x="1438829" y="1035075"/>
-                  <a:ext cx="0" cy="1412872"/>
-                </a:xfrm>
-                <a:prstGeom prst="straightConnector1">
-                  <a:avLst/>
-                </a:prstGeom>
-                <a:ln w="15875">
-                  <a:headEnd type="triangle"/>
-                  <a:tailEnd type="triangle"/>
-                </a:ln>
-              </p:spPr>
-              <p:style>
-                <a:lnRef idx="1">
-                  <a:schemeClr val="dk1"/>
-                </a:lnRef>
-                <a:fillRef idx="0">
-                  <a:schemeClr val="dk1"/>
-                </a:fillRef>
-                <a:effectRef idx="0">
-                  <a:schemeClr val="dk1"/>
-                </a:effectRef>
-                <a:fontRef idx="minor">
-                  <a:schemeClr val="tx1"/>
-                </a:fontRef>
-              </p:style>
-            </p:cxnSp>
-            <p:cxnSp>
-              <p:nvCxnSpPr>
-                <p:cNvPr id="12" name="Straight Arrow Connector 11">
-                  <a:extLst>
-                    <a:ext uri="{FF2B5EF4-FFF2-40B4-BE49-F238E27FC236}">
-                      <a16:creationId xmlns:a16="http://schemas.microsoft.com/office/drawing/2014/main" id="{160E4A0F-1C94-A081-A14F-47FC90F7AB71}"/>
-                    </a:ext>
-                  </a:extLst>
-                </p:cNvPr>
-                <p:cNvCxnSpPr>
-                  <a:cxnSpLocks/>
-                </p:cNvCxnSpPr>
-                <p:nvPr/>
-              </p:nvCxnSpPr>
-              <p:spPr>
-                <a:xfrm flipH="1">
-                  <a:off x="1453107" y="2108983"/>
-                  <a:ext cx="6179494" cy="8831"/>
-                </a:xfrm>
-                <a:prstGeom prst="straightConnector1">
-                  <a:avLst/>
-                </a:prstGeom>
-                <a:ln w="15875">
-                  <a:headEnd type="stealth"/>
-                  <a:tailEnd type="none"/>
-                </a:ln>
-              </p:spPr>
-              <p:style>
-                <a:lnRef idx="1">
-                  <a:schemeClr val="dk1"/>
-                </a:lnRef>
-                <a:fillRef idx="0">
-                  <a:schemeClr val="dk1"/>
-                </a:fillRef>
-                <a:effectRef idx="0">
-                  <a:schemeClr val="dk1"/>
-                </a:effectRef>
-                <a:fontRef idx="minor">
-                  <a:schemeClr val="tx1"/>
-                </a:fontRef>
-              </p:style>
-            </p:cxnSp>
-            <p:sp>
-              <p:nvSpPr>
-                <p:cNvPr id="13" name="TextShape 3">
-                  <a:extLst>
-                    <a:ext uri="{FF2B5EF4-FFF2-40B4-BE49-F238E27FC236}">
-                      <a16:creationId xmlns:a16="http://schemas.microsoft.com/office/drawing/2014/main" id="{B496F632-1E3F-8965-56C4-97AE54B0D3A3}"/>
-                    </a:ext>
-                  </a:extLst>
-                </p:cNvPr>
-                <p:cNvSpPr txBox="1"/>
-                <p:nvPr/>
-              </p:nvSpPr>
-              <p:spPr>
-                <a:xfrm>
-                  <a:off x="1146521" y="531019"/>
-                  <a:ext cx="306586" cy="272699"/>
-                </a:xfrm>
-                <a:prstGeom prst="rect">
-                  <a:avLst/>
-                </a:prstGeom>
-                <a:noFill/>
-                <a:ln>
-                  <a:noFill/>
-                </a:ln>
-              </p:spPr>
-              <p:txBody>
-                <a:bodyPr lIns="90000" tIns="45000" rIns="90000" bIns="45000"/>
-                <a:lstStyle/>
-                <a:p>
-                  <a:endParaRPr lang="tr-TR" sz="1400" b="0" strike="noStrike" spc="-1" dirty="0">
-                    <a:latin typeface="Lucida Sans" panose="020B0602030504020204" pitchFamily="34" charset="0"/>
-                  </a:endParaRPr>
-                </a:p>
-              </p:txBody>
-            </p:sp>
-            <p:sp>
-              <p:nvSpPr>
-                <p:cNvPr id="14" name="TextShape 3">
-                  <a:extLst>
-                    <a:ext uri="{FF2B5EF4-FFF2-40B4-BE49-F238E27FC236}">
-                      <a16:creationId xmlns:a16="http://schemas.microsoft.com/office/drawing/2014/main" id="{44CD7501-657D-F040-C9B3-18940ECF96BE}"/>
-                    </a:ext>
-                  </a:extLst>
-                </p:cNvPr>
-                <p:cNvSpPr txBox="1"/>
-                <p:nvPr/>
-              </p:nvSpPr>
-              <p:spPr>
-                <a:xfrm flipH="1">
-                  <a:off x="7598104" y="1927846"/>
-                  <a:ext cx="216023" cy="272699"/>
-                </a:xfrm>
-                <a:prstGeom prst="rect">
-                  <a:avLst/>
-                </a:prstGeom>
-                <a:noFill/>
-                <a:ln>
-                  <a:noFill/>
-                </a:ln>
-              </p:spPr>
-              <p:txBody>
-                <a:bodyPr lIns="90000" tIns="45000" rIns="90000" bIns="45000"/>
-                <a:lstStyle/>
-                <a:p>
-                  <a:r>
-                    <a:rPr lang="tr-TR" sz="1400" b="0" strike="noStrike" spc="-1" dirty="0">
-                      <a:latin typeface="Lucida Sans" panose="020B0602030504020204" pitchFamily="34" charset="0"/>
-                    </a:rPr>
-                    <a:t>t</a:t>
-                  </a:r>
-                </a:p>
-              </p:txBody>
-            </p:sp>
-            <p:sp>
-              <p:nvSpPr>
-                <p:cNvPr id="15" name="TextShape 3">
-                  <a:extLst>
-                    <a:ext uri="{FF2B5EF4-FFF2-40B4-BE49-F238E27FC236}">
-                      <a16:creationId xmlns:a16="http://schemas.microsoft.com/office/drawing/2014/main" id="{C896D22E-F80A-E2C0-13B3-B30FFFACADA3}"/>
-                    </a:ext>
-                  </a:extLst>
-                </p:cNvPr>
-                <p:cNvSpPr txBox="1"/>
-                <p:nvPr/>
-              </p:nvSpPr>
-              <p:spPr>
-                <a:xfrm>
-                  <a:off x="1223889" y="762376"/>
-                  <a:ext cx="576064" cy="272699"/>
-                </a:xfrm>
-                <a:prstGeom prst="rect">
-                  <a:avLst/>
-                </a:prstGeom>
-                <a:noFill/>
-                <a:ln>
-                  <a:noFill/>
-                </a:ln>
-              </p:spPr>
-              <p:txBody>
-                <a:bodyPr lIns="90000" tIns="45000" rIns="90000" bIns="45000"/>
-                <a:lstStyle/>
-                <a:p>
-                  <a:r>
-                    <a:rPr lang="tr-TR" sz="1400" b="0" strike="noStrike" spc="-1" dirty="0">
-                      <a:latin typeface="Lucida Sans" panose="020B0602030504020204" pitchFamily="34" charset="0"/>
-                    </a:rPr>
-                    <a:t>x</a:t>
-                  </a:r>
-                  <a:r>
-                    <a:rPr lang="en-US" sz="1400" spc="-1" baseline="-25000" dirty="0">
+                    <a:rPr lang="en-US" sz="1000" b="0" strike="noStrike" spc="-1" dirty="0">
                       <a:latin typeface="Lucida Sans" panose="020B0602030504020204" pitchFamily="34" charset="0"/>
                     </a:rPr>
                     <a:t>1</a:t>
                   </a:r>
-                  <a:r>
-                    <a:rPr lang="tr-TR" sz="1400" b="0" strike="noStrike" spc="-1" dirty="0">
-                      <a:latin typeface="Lucida Sans" panose="020B0602030504020204" pitchFamily="34" charset="0"/>
-                    </a:rPr>
-                    <a:t>(t)</a:t>
-                  </a:r>
-                </a:p>
-              </p:txBody>
-            </p:sp>
-            <p:sp>
-              <p:nvSpPr>
-                <p:cNvPr id="16" name="Rectangle: Rounded Corners 15">
-                  <a:extLst>
-                    <a:ext uri="{FF2B5EF4-FFF2-40B4-BE49-F238E27FC236}">
-                      <a16:creationId xmlns:a16="http://schemas.microsoft.com/office/drawing/2014/main" id="{3DE93CFB-6E7A-C6F0-EDEC-C2FD088BCC1A}"/>
-                    </a:ext>
-                  </a:extLst>
-                </p:cNvPr>
-                <p:cNvSpPr/>
-                <p:nvPr/>
-              </p:nvSpPr>
-              <p:spPr>
-                <a:xfrm>
-                  <a:off x="1439911" y="1295835"/>
-                  <a:ext cx="2880000" cy="144000"/>
-                </a:xfrm>
-                <a:prstGeom prst="roundRect">
-                  <a:avLst/>
-                </a:prstGeom>
-                <a:solidFill>
-                  <a:srgbClr val="FF0000">
-                    <a:alpha val="30000"/>
-                  </a:srgbClr>
-                </a:solidFill>
-                <a:ln>
-                  <a:noFill/>
-                </a:ln>
-              </p:spPr>
-              <p:style>
-                <a:lnRef idx="0">
-                  <a:scrgbClr r="0" g="0" b="0"/>
-                </a:lnRef>
-                <a:fillRef idx="0">
-                  <a:scrgbClr r="0" g="0" b="0"/>
-                </a:fillRef>
-                <a:effectRef idx="0">
-                  <a:scrgbClr r="0" g="0" b="0"/>
-                </a:effectRef>
-                <a:fontRef idx="minor">
-                  <a:schemeClr val="lt1"/>
-                </a:fontRef>
-              </p:style>
-              <p:txBody>
-                <a:bodyPr rtlCol="0" anchor="ctr"/>
-                <a:lstStyle/>
-                <a:p>
-                  <a:pPr algn="ctr"/>
-                  <a:endParaRPr lang="en-AT" dirty="0"/>
-                </a:p>
-              </p:txBody>
-            </p:sp>
-            <p:sp>
-              <p:nvSpPr>
-                <p:cNvPr id="17" name="Rectangle: Rounded Corners 16">
-                  <a:extLst>
-                    <a:ext uri="{FF2B5EF4-FFF2-40B4-BE49-F238E27FC236}">
-                      <a16:creationId xmlns:a16="http://schemas.microsoft.com/office/drawing/2014/main" id="{F5798D08-47CE-E681-7BD8-D719C575B66B}"/>
-                    </a:ext>
-                  </a:extLst>
-                </p:cNvPr>
-                <p:cNvSpPr/>
-                <p:nvPr/>
-              </p:nvSpPr>
-              <p:spPr>
-                <a:xfrm>
-                  <a:off x="3605307" y="2036983"/>
-                  <a:ext cx="2880322" cy="144000"/>
-                </a:xfrm>
-                <a:prstGeom prst="roundRect">
-                  <a:avLst/>
-                </a:prstGeom>
-                <a:solidFill>
-                  <a:srgbClr val="FF0000">
-                    <a:alpha val="30000"/>
-                  </a:srgbClr>
-                </a:solidFill>
-                <a:ln>
-                  <a:noFill/>
-                </a:ln>
-              </p:spPr>
-              <p:style>
-                <a:lnRef idx="0">
-                  <a:scrgbClr r="0" g="0" b="0"/>
-                </a:lnRef>
-                <a:fillRef idx="0">
-                  <a:scrgbClr r="0" g="0" b="0"/>
-                </a:fillRef>
-                <a:effectRef idx="0">
-                  <a:scrgbClr r="0" g="0" b="0"/>
-                </a:effectRef>
-                <a:fontRef idx="minor">
-                  <a:schemeClr val="lt1"/>
-                </a:fontRef>
-              </p:style>
-              <p:txBody>
-                <a:bodyPr rtlCol="0" anchor="ctr"/>
-                <a:lstStyle/>
-                <a:p>
-                  <a:pPr algn="ctr"/>
-                  <a:endParaRPr lang="en-AT" dirty="0"/>
-                </a:p>
-              </p:txBody>
-            </p:sp>
-            <p:sp>
-              <p:nvSpPr>
-                <p:cNvPr id="18" name="TextShape 3">
-                  <a:extLst>
-                    <a:ext uri="{FF2B5EF4-FFF2-40B4-BE49-F238E27FC236}">
-                      <a16:creationId xmlns:a16="http://schemas.microsoft.com/office/drawing/2014/main" id="{A780CF4F-1CAF-A3BC-1869-1BE9A5507C37}"/>
-                    </a:ext>
-                  </a:extLst>
-                </p:cNvPr>
-                <p:cNvSpPr txBox="1"/>
-                <p:nvPr/>
-              </p:nvSpPr>
-              <p:spPr>
-                <a:xfrm>
-                  <a:off x="1007864" y="2154721"/>
-                  <a:ext cx="6558253" cy="272699"/>
-                </a:xfrm>
-                <a:prstGeom prst="rect">
-                  <a:avLst/>
-                </a:prstGeom>
-                <a:noFill/>
-                <a:ln>
-                  <a:noFill/>
-                </a:ln>
-              </p:spPr>
-              <p:txBody>
-                <a:bodyPr lIns="90000" tIns="45000" rIns="90000" bIns="45000"/>
-                <a:lstStyle/>
-                <a:p>
-                  <a:r>
-                    <a:rPr lang="en-US" sz="1400" spc="-1" dirty="0">
-                      <a:latin typeface="Lucida Sans" panose="020B0602030504020204" pitchFamily="34" charset="0"/>
-                    </a:rPr>
-                    <a:t>  0              1           2           3           4           5           6           7           8</a:t>
-                  </a:r>
-                  <a:endParaRPr lang="tr-TR" sz="1400" b="0" strike="noStrike" spc="-1" dirty="0">
+                  <a:endParaRPr lang="tr-TR" sz="1000" b="0" strike="noStrike" spc="-1" dirty="0">
                     <a:latin typeface="Lucida Sans" panose="020B0602030504020204" pitchFamily="34" charset="0"/>
                   </a:endParaRPr>
-                </a:p>
-              </p:txBody>
-            </p:sp>
-            <p:cxnSp>
-              <p:nvCxnSpPr>
-                <p:cNvPr id="19" name="Straight Connector 18">
-                  <a:extLst>
-                    <a:ext uri="{FF2B5EF4-FFF2-40B4-BE49-F238E27FC236}">
-                      <a16:creationId xmlns:a16="http://schemas.microsoft.com/office/drawing/2014/main" id="{CED65A17-ED8D-77E1-427B-0013EC9BFADE}"/>
-                    </a:ext>
-                  </a:extLst>
-                </p:cNvPr>
-                <p:cNvCxnSpPr>
-                  <a:cxnSpLocks/>
-                </p:cNvCxnSpPr>
-                <p:nvPr/>
-              </p:nvCxnSpPr>
-              <p:spPr>
-                <a:xfrm>
-                  <a:off x="1453107" y="4296511"/>
-                  <a:ext cx="2160237" cy="0"/>
-                </a:xfrm>
-                <a:prstGeom prst="line">
-                  <a:avLst/>
-                </a:prstGeom>
-                <a:ln w="50800">
-                  <a:solidFill>
-                    <a:srgbClr val="0070C0"/>
-                  </a:solidFill>
-                  <a:headEnd type="oval"/>
-                </a:ln>
-              </p:spPr>
-              <p:style>
-                <a:lnRef idx="1">
-                  <a:schemeClr val="accent1"/>
-                </a:lnRef>
-                <a:fillRef idx="0">
-                  <a:schemeClr val="accent1"/>
-                </a:fillRef>
-                <a:effectRef idx="0">
-                  <a:schemeClr val="accent1"/>
-                </a:effectRef>
-                <a:fontRef idx="minor">
-                  <a:schemeClr val="tx1"/>
-                </a:fontRef>
-              </p:style>
-            </p:cxnSp>
-            <p:cxnSp>
-              <p:nvCxnSpPr>
-                <p:cNvPr id="20" name="Straight Connector 19">
-                  <a:extLst>
-                    <a:ext uri="{FF2B5EF4-FFF2-40B4-BE49-F238E27FC236}">
-                      <a16:creationId xmlns:a16="http://schemas.microsoft.com/office/drawing/2014/main" id="{2310723A-DF87-1E48-A222-D78B24E8360C}"/>
-                    </a:ext>
-                  </a:extLst>
-                </p:cNvPr>
-                <p:cNvCxnSpPr>
-                  <a:cxnSpLocks/>
-                </p:cNvCxnSpPr>
-                <p:nvPr/>
-              </p:nvCxnSpPr>
-              <p:spPr>
-                <a:xfrm>
-                  <a:off x="3596392" y="3538597"/>
-                  <a:ext cx="2163512" cy="0"/>
-                </a:xfrm>
-                <a:prstGeom prst="line">
-                  <a:avLst/>
-                </a:prstGeom>
-                <a:ln w="50800">
-                  <a:solidFill>
-                    <a:srgbClr val="0070C0"/>
-                  </a:solidFill>
-                  <a:headEnd type="oval"/>
-                </a:ln>
-              </p:spPr>
-              <p:style>
-                <a:lnRef idx="1">
-                  <a:schemeClr val="accent1"/>
-                </a:lnRef>
-                <a:fillRef idx="0">
-                  <a:schemeClr val="accent1"/>
-                </a:fillRef>
-                <a:effectRef idx="0">
-                  <a:schemeClr val="accent1"/>
-                </a:effectRef>
-                <a:fontRef idx="minor">
-                  <a:schemeClr val="tx1"/>
-                </a:fontRef>
-              </p:style>
-            </p:cxnSp>
-            <p:cxnSp>
-              <p:nvCxnSpPr>
-                <p:cNvPr id="21" name="Straight Connector 20">
-                  <a:extLst>
-                    <a:ext uri="{FF2B5EF4-FFF2-40B4-BE49-F238E27FC236}">
-                      <a16:creationId xmlns:a16="http://schemas.microsoft.com/office/drawing/2014/main" id="{E0FEB791-7512-5A69-F32D-0DEAC09D824D}"/>
-                    </a:ext>
-                  </a:extLst>
-                </p:cNvPr>
-                <p:cNvCxnSpPr>
-                  <a:cxnSpLocks/>
-                  <a:endCxn id="23" idx="3"/>
-                </p:cNvCxnSpPr>
-                <p:nvPr/>
-              </p:nvCxnSpPr>
-              <p:spPr>
-                <a:xfrm flipV="1">
-                  <a:off x="5764819" y="4305102"/>
-                  <a:ext cx="1438516" cy="240"/>
-                </a:xfrm>
-                <a:prstGeom prst="line">
-                  <a:avLst/>
-                </a:prstGeom>
-                <a:ln w="50800" cmpd="sng">
-                  <a:solidFill>
-                    <a:srgbClr val="0070C0"/>
-                  </a:solidFill>
-                  <a:headEnd type="oval"/>
-                </a:ln>
-              </p:spPr>
-              <p:style>
-                <a:lnRef idx="1">
-                  <a:schemeClr val="accent1"/>
-                </a:lnRef>
-                <a:fillRef idx="0">
-                  <a:schemeClr val="accent1"/>
-                </a:fillRef>
-                <a:effectRef idx="0">
-                  <a:schemeClr val="accent1"/>
-                </a:effectRef>
-                <a:fontRef idx="minor">
-                  <a:schemeClr val="tx1"/>
-                </a:fontRef>
-              </p:style>
-            </p:cxnSp>
-            <p:sp>
-              <p:nvSpPr>
-                <p:cNvPr id="23" name="Rectangle: Rounded Corners 22">
-                  <a:extLst>
-                    <a:ext uri="{FF2B5EF4-FFF2-40B4-BE49-F238E27FC236}">
-                      <a16:creationId xmlns:a16="http://schemas.microsoft.com/office/drawing/2014/main" id="{51EFC4D3-1A55-D007-93E5-CDA479F06B1F}"/>
-                    </a:ext>
-                  </a:extLst>
-                </p:cNvPr>
-                <p:cNvSpPr/>
-                <p:nvPr/>
-              </p:nvSpPr>
-              <p:spPr>
-                <a:xfrm>
-                  <a:off x="4316473" y="4233102"/>
-                  <a:ext cx="2886862" cy="144000"/>
-                </a:xfrm>
-                <a:prstGeom prst="roundRect">
-                  <a:avLst/>
-                </a:prstGeom>
-                <a:solidFill>
-                  <a:srgbClr val="0070C0">
-                    <a:alpha val="30000"/>
-                  </a:srgbClr>
-                </a:solidFill>
-                <a:ln>
-                  <a:noFill/>
-                </a:ln>
-              </p:spPr>
-              <p:style>
-                <a:lnRef idx="0">
-                  <a:scrgbClr r="0" g="0" b="0"/>
-                </a:lnRef>
-                <a:fillRef idx="0">
-                  <a:scrgbClr r="0" g="0" b="0"/>
-                </a:fillRef>
-                <a:effectRef idx="0">
-                  <a:scrgbClr r="0" g="0" b="0"/>
-                </a:effectRef>
-                <a:fontRef idx="minor">
-                  <a:schemeClr val="lt1"/>
-                </a:fontRef>
-              </p:style>
-              <p:txBody>
-                <a:bodyPr rtlCol="0" anchor="ctr"/>
-                <a:lstStyle/>
-                <a:p>
-                  <a:pPr algn="ctr"/>
-                  <a:endParaRPr lang="en-AT" dirty="0"/>
                 </a:p>
               </p:txBody>
             </p:sp>
           </p:grpSp>
           <p:sp>
             <p:nvSpPr>
-              <p:cNvPr id="36" name="TextShape 3">
+              <p:cNvPr id="39" name="Rectangle: Rounded Corners 38">
                 <a:extLst>
                   <a:ext uri="{FF2B5EF4-FFF2-40B4-BE49-F238E27FC236}">
-                    <a16:creationId xmlns:a16="http://schemas.microsoft.com/office/drawing/2014/main" id="{FE1454FA-DE3B-85CA-46CA-420FE7C4B4A9}"/>
+                    <a16:creationId xmlns:a16="http://schemas.microsoft.com/office/drawing/2014/main" id="{C8843AB3-281E-9EF7-9308-977C5145477D}"/>
                   </a:ext>
                 </a:extLst>
               </p:cNvPr>
-              <p:cNvSpPr txBox="1"/>
+              <p:cNvSpPr/>
               <p:nvPr/>
             </p:nvSpPr>
             <p:spPr>
               <a:xfrm>
-                <a:off x="1146521" y="3399847"/>
-                <a:ext cx="239903" cy="272699"/>
+                <a:off x="4320232" y="4941336"/>
+                <a:ext cx="719998" cy="510940"/>
               </a:xfrm>
-              <a:prstGeom prst="rect">
+              <a:prstGeom prst="roundRect">
                 <a:avLst/>
               </a:prstGeom>
-              <a:noFill/>
-              <a:ln>
-                <a:noFill/>
+              <a:solidFill>
+                <a:schemeClr val="bg1">
+                  <a:lumMod val="75000"/>
+                  <a:alpha val="50000"/>
+                </a:schemeClr>
+              </a:solidFill>
+              <a:ln w="19050">
+                <a:solidFill>
+                  <a:schemeClr val="tx1"/>
+                </a:solidFill>
               </a:ln>
             </p:spPr>
+            <p:style>
+              <a:lnRef idx="0">
+                <a:scrgbClr r="0" g="0" b="0"/>
+              </a:lnRef>
+              <a:fillRef idx="0">
+                <a:scrgbClr r="0" g="0" b="0"/>
+              </a:fillRef>
+              <a:effectRef idx="0">
+                <a:scrgbClr r="0" g="0" b="0"/>
+              </a:effectRef>
+              <a:fontRef idx="minor">
+                <a:schemeClr val="lt1"/>
+              </a:fontRef>
+            </p:style>
             <p:txBody>
-              <a:bodyPr lIns="90000" tIns="45000" rIns="90000" bIns="45000"/>
+              <a:bodyPr rtlCol="0" anchor="ctr"/>
               <a:lstStyle/>
               <a:p>
+                <a:pPr algn="ctr"/>
                 <a:r>
-                  <a:rPr lang="en-US" sz="1400" b="0" strike="noStrike" spc="-1" dirty="0">
+                  <a:rPr lang="tr-TR" sz="1000" dirty="0">
+                    <a:solidFill>
+                      <a:schemeClr val="tx1"/>
+                    </a:solidFill>
                     <a:latin typeface="Lucida Sans" panose="020B0602030504020204" pitchFamily="34" charset="0"/>
                   </a:rPr>
-                  <a:t>1</a:t>
+                  <a:t>[</a:t>
                 </a:r>
-                <a:endParaRPr lang="tr-TR" sz="1400" b="0" strike="noStrike" spc="-1" dirty="0">
-                  <a:latin typeface="Lucida Sans" panose="020B0602030504020204" pitchFamily="34" charset="0"/>
-                </a:endParaRPr>
-              </a:p>
-            </p:txBody>
-          </p:sp>
-          <p:sp>
-            <p:nvSpPr>
-              <p:cNvPr id="37" name="TextShape 3">
-                <a:extLst>
-                  <a:ext uri="{FF2B5EF4-FFF2-40B4-BE49-F238E27FC236}">
-                    <a16:creationId xmlns:a16="http://schemas.microsoft.com/office/drawing/2014/main" id="{9FF71AD8-19C0-5811-C9EF-C0293F4AAD06}"/>
-                  </a:ext>
-                </a:extLst>
-              </p:cNvPr>
-              <p:cNvSpPr txBox="1"/>
-              <p:nvPr/>
-            </p:nvSpPr>
-            <p:spPr>
-              <a:xfrm>
-                <a:off x="1146521" y="1233577"/>
-                <a:ext cx="239903" cy="272699"/>
-              </a:xfrm>
-              <a:prstGeom prst="rect">
-                <a:avLst/>
-              </a:prstGeom>
-              <a:noFill/>
-              <a:ln>
-                <a:noFill/>
-              </a:ln>
-            </p:spPr>
-            <p:txBody>
-              <a:bodyPr lIns="90000" tIns="45000" rIns="90000" bIns="45000"/>
-              <a:lstStyle/>
-              <a:p>
                 <a:r>
-                  <a:rPr lang="en-US" sz="1400" b="0" strike="noStrike" spc="-1" dirty="0">
+                  <a:rPr lang="en-US" sz="1000" dirty="0">
+                    <a:solidFill>
+                      <a:schemeClr val="tx1"/>
+                    </a:solidFill>
                     <a:latin typeface="Lucida Sans" panose="020B0602030504020204" pitchFamily="34" charset="0"/>
                   </a:rPr>
-                  <a:t>1</a:t>
+                  <a:t>4</a:t>
                 </a:r>
-                <a:endParaRPr lang="tr-TR" sz="1400" b="0" strike="noStrike" spc="-1" dirty="0">
+                <a:r>
+                  <a:rPr lang="tr-TR" sz="1000" dirty="0">
+                    <a:solidFill>
+                      <a:schemeClr val="tx1"/>
+                    </a:solidFill>
+                    <a:latin typeface="Lucida Sans" panose="020B0602030504020204" pitchFamily="34" charset="0"/>
+                  </a:rPr>
+                  <a:t>,</a:t>
+                </a:r>
+                <a:r>
+                  <a:rPr lang="en-US" sz="1000" dirty="0">
+                    <a:solidFill>
+                      <a:schemeClr val="tx1"/>
+                    </a:solidFill>
+                    <a:latin typeface="Lucida Sans" panose="020B0602030504020204" pitchFamily="34" charset="0"/>
+                  </a:rPr>
+                  <a:t>5</a:t>
+                </a:r>
+                <a:r>
+                  <a:rPr lang="tr-TR" sz="1000" dirty="0">
+                    <a:solidFill>
+                      <a:schemeClr val="tx1"/>
+                    </a:solidFill>
+                    <a:latin typeface="Lucida Sans" panose="020B0602030504020204" pitchFamily="34" charset="0"/>
+                  </a:rPr>
+                  <a:t>)</a:t>
+                </a:r>
+                <a:endParaRPr lang="en-AT" sz="1000" dirty="0">
+                  <a:solidFill>
+                    <a:schemeClr val="tx1"/>
+                  </a:solidFill>
                   <a:latin typeface="Lucida Sans" panose="020B0602030504020204" pitchFamily="34" charset="0"/>
                 </a:endParaRPr>
               </a:p>
             </p:txBody>
           </p:sp>
         </p:grpSp>
-        <p:sp>
-          <p:nvSpPr>
-            <p:cNvPr id="39" name="Rectangle: Rounded Corners 38">
+        <p:cxnSp>
+          <p:nvCxnSpPr>
+            <p:cNvPr id="42" name="Straight Connector 41">
               <a:extLst>
                 <a:ext uri="{FF2B5EF4-FFF2-40B4-BE49-F238E27FC236}">
-                  <a16:creationId xmlns:a16="http://schemas.microsoft.com/office/drawing/2014/main" id="{C8843AB3-281E-9EF7-9308-977C5145477D}"/>
+                  <a16:creationId xmlns:a16="http://schemas.microsoft.com/office/drawing/2014/main" id="{42D5B35F-F51B-87BB-F877-8E83A2E2F954}"/>
                 </a:ext>
               </a:extLst>
             </p:cNvPr>
-            <p:cNvSpPr/>
+            <p:cNvCxnSpPr>
+              <a:cxnSpLocks/>
+            </p:cNvCxnSpPr>
             <p:nvPr/>
-          </p:nvSpPr>
+          </p:nvCxnSpPr>
           <p:spPr>
-            <a:xfrm>
-              <a:off x="4320232" y="4941336"/>
-              <a:ext cx="719998" cy="510940"/>
+            <a:xfrm flipH="1">
+              <a:off x="2884296" y="1073468"/>
+              <a:ext cx="1402" cy="697225"/>
             </a:xfrm>
-            <a:prstGeom prst="roundRect">
+            <a:prstGeom prst="line">
               <a:avLst/>
             </a:prstGeom>
-            <a:solidFill>
-              <a:schemeClr val="bg1">
-                <a:lumMod val="75000"/>
-                <a:alpha val="50000"/>
-              </a:schemeClr>
-            </a:solidFill>
-            <a:ln w="19050">
+            <a:ln w="50800">
               <a:solidFill>
-                <a:schemeClr val="tx1"/>
+                <a:srgbClr val="FF0000"/>
               </a:solidFill>
+              <a:prstDash val="dash"/>
+              <a:headEnd type="none"/>
             </a:ln>
           </p:spPr>
           <p:style>
-            <a:lnRef idx="0">
-              <a:scrgbClr r="0" g="0" b="0"/>
+            <a:lnRef idx="1">
+              <a:schemeClr val="accent2"/>
             </a:lnRef>
             <a:fillRef idx="0">
-              <a:scrgbClr r="0" g="0" b="0"/>
+              <a:schemeClr val="accent2"/>
             </a:fillRef>
             <a:effectRef idx="0">
-              <a:scrgbClr r="0" g="0" b="0"/>
+              <a:schemeClr val="accent2"/>
             </a:effectRef>
             <a:fontRef idx="minor">
-              <a:schemeClr val="lt1"/>
+              <a:schemeClr val="tx1"/>
             </a:fontRef>
           </p:style>
-          <p:txBody>
-            <a:bodyPr rtlCol="0" anchor="ctr"/>
-            <a:lstStyle/>
-            <a:p>
-              <a:pPr algn="ctr"/>
-              <a:r>
-                <a:rPr lang="tr-TR" sz="1400" dirty="0">
-                  <a:solidFill>
-                    <a:schemeClr val="tx1"/>
-                  </a:solidFill>
-                  <a:latin typeface="Lucida Sans" panose="020B0602030504020204" pitchFamily="34" charset="0"/>
-                </a:rPr>
-                <a:t>[</a:t>
-              </a:r>
-              <a:r>
-                <a:rPr lang="en-US" sz="1400" dirty="0">
-                  <a:solidFill>
-                    <a:schemeClr val="tx1"/>
-                  </a:solidFill>
-                  <a:latin typeface="Lucida Sans" panose="020B0602030504020204" pitchFamily="34" charset="0"/>
-                </a:rPr>
-                <a:t>4</a:t>
-              </a:r>
-              <a:r>
-                <a:rPr lang="tr-TR" sz="1400" dirty="0">
-                  <a:solidFill>
-                    <a:schemeClr val="tx1"/>
-                  </a:solidFill>
-                  <a:latin typeface="Lucida Sans" panose="020B0602030504020204" pitchFamily="34" charset="0"/>
-                </a:rPr>
-                <a:t>,</a:t>
-              </a:r>
-              <a:r>
-                <a:rPr lang="en-US" sz="1400" dirty="0">
-                  <a:solidFill>
-                    <a:schemeClr val="tx1"/>
-                  </a:solidFill>
-                  <a:latin typeface="Lucida Sans" panose="020B0602030504020204" pitchFamily="34" charset="0"/>
-                </a:rPr>
-                <a:t>5</a:t>
-              </a:r>
-              <a:r>
-                <a:rPr lang="tr-TR" sz="1400" dirty="0">
-                  <a:solidFill>
-                    <a:schemeClr val="tx1"/>
-                  </a:solidFill>
-                  <a:latin typeface="Lucida Sans" panose="020B0602030504020204" pitchFamily="34" charset="0"/>
-                </a:rPr>
-                <a:t>)</a:t>
-              </a:r>
-              <a:endParaRPr lang="en-AT" sz="1400" dirty="0">
-                <a:solidFill>
-                  <a:schemeClr val="tx1"/>
-                </a:solidFill>
-                <a:latin typeface="Lucida Sans" panose="020B0602030504020204" pitchFamily="34" charset="0"/>
-              </a:endParaRPr>
-            </a:p>
-          </p:txBody>
-        </p:sp>
+        </p:cxnSp>
+        <p:cxnSp>
+          <p:nvCxnSpPr>
+            <p:cNvPr id="45" name="Straight Connector 44">
+              <a:extLst>
+                <a:ext uri="{FF2B5EF4-FFF2-40B4-BE49-F238E27FC236}">
+                  <a16:creationId xmlns:a16="http://schemas.microsoft.com/office/drawing/2014/main" id="{AC968809-0B07-9514-ED98-F465E1F16F28}"/>
+                </a:ext>
+              </a:extLst>
+            </p:cNvPr>
+            <p:cNvCxnSpPr>
+              <a:cxnSpLocks/>
+            </p:cNvCxnSpPr>
+            <p:nvPr/>
+          </p:nvCxnSpPr>
+          <p:spPr>
+            <a:xfrm flipH="1">
+              <a:off x="5040313" y="1026809"/>
+              <a:ext cx="1402" cy="697225"/>
+            </a:xfrm>
+            <a:prstGeom prst="line">
+              <a:avLst/>
+            </a:prstGeom>
+            <a:ln w="50800">
+              <a:solidFill>
+                <a:srgbClr val="FF0000"/>
+              </a:solidFill>
+              <a:prstDash val="dash"/>
+              <a:headEnd type="none"/>
+            </a:ln>
+          </p:spPr>
+          <p:style>
+            <a:lnRef idx="1">
+              <a:schemeClr val="accent2"/>
+            </a:lnRef>
+            <a:fillRef idx="0">
+              <a:schemeClr val="accent2"/>
+            </a:fillRef>
+            <a:effectRef idx="0">
+              <a:schemeClr val="accent2"/>
+            </a:effectRef>
+            <a:fontRef idx="minor">
+              <a:schemeClr val="tx1"/>
+            </a:fontRef>
+          </p:style>
+        </p:cxnSp>
+        <p:cxnSp>
+          <p:nvCxnSpPr>
+            <p:cNvPr id="46" name="Straight Connector 45">
+              <a:extLst>
+                <a:ext uri="{FF2B5EF4-FFF2-40B4-BE49-F238E27FC236}">
+                  <a16:creationId xmlns:a16="http://schemas.microsoft.com/office/drawing/2014/main" id="{A43CA80B-8FD9-1B9E-637A-6681E6EAE076}"/>
+                </a:ext>
+              </a:extLst>
+            </p:cNvPr>
+            <p:cNvCxnSpPr>
+              <a:cxnSpLocks/>
+            </p:cNvCxnSpPr>
+            <p:nvPr/>
+          </p:nvCxnSpPr>
+          <p:spPr>
+            <a:xfrm>
+              <a:off x="3591634" y="3176872"/>
+              <a:ext cx="0" cy="712802"/>
+            </a:xfrm>
+            <a:prstGeom prst="line">
+              <a:avLst/>
+            </a:prstGeom>
+            <a:ln w="50800">
+              <a:solidFill>
+                <a:srgbClr val="0070C0"/>
+              </a:solidFill>
+              <a:headEnd type="none"/>
+            </a:ln>
+          </p:spPr>
+          <p:style>
+            <a:lnRef idx="1">
+              <a:schemeClr val="accent1"/>
+            </a:lnRef>
+            <a:fillRef idx="0">
+              <a:schemeClr val="accent1"/>
+            </a:fillRef>
+            <a:effectRef idx="0">
+              <a:schemeClr val="accent1"/>
+            </a:effectRef>
+            <a:fontRef idx="minor">
+              <a:schemeClr val="tx1"/>
+            </a:fontRef>
+          </p:style>
+        </p:cxnSp>
+        <p:cxnSp>
+          <p:nvCxnSpPr>
+            <p:cNvPr id="50" name="Straight Connector 49">
+              <a:extLst>
+                <a:ext uri="{FF2B5EF4-FFF2-40B4-BE49-F238E27FC236}">
+                  <a16:creationId xmlns:a16="http://schemas.microsoft.com/office/drawing/2014/main" id="{9A85F230-BC7C-ABF8-5B1D-73B85547F197}"/>
+                </a:ext>
+              </a:extLst>
+            </p:cNvPr>
+            <p:cNvCxnSpPr>
+              <a:cxnSpLocks/>
+            </p:cNvCxnSpPr>
+            <p:nvPr/>
+          </p:nvCxnSpPr>
+          <p:spPr>
+            <a:xfrm>
+              <a:off x="5760613" y="3088252"/>
+              <a:ext cx="0" cy="712802"/>
+            </a:xfrm>
+            <a:prstGeom prst="line">
+              <a:avLst/>
+            </a:prstGeom>
+            <a:ln w="50800">
+              <a:solidFill>
+                <a:srgbClr val="0070C0"/>
+              </a:solidFill>
+              <a:headEnd type="none"/>
+            </a:ln>
+          </p:spPr>
+          <p:style>
+            <a:lnRef idx="1">
+              <a:schemeClr val="accent1"/>
+            </a:lnRef>
+            <a:fillRef idx="0">
+              <a:schemeClr val="accent1"/>
+            </a:fillRef>
+            <a:effectRef idx="0">
+              <a:schemeClr val="accent1"/>
+            </a:effectRef>
+            <a:fontRef idx="minor">
+              <a:schemeClr val="tx1"/>
+            </a:fontRef>
+          </p:style>
+        </p:cxnSp>
       </p:grpSp>
-      <p:cxnSp>
-        <p:nvCxnSpPr>
-          <p:cNvPr id="42" name="Straight Connector 41">
-            <a:extLst>
-              <a:ext uri="{FF2B5EF4-FFF2-40B4-BE49-F238E27FC236}">
-                <a16:creationId xmlns:a16="http://schemas.microsoft.com/office/drawing/2014/main" id="{42D5B35F-F51B-87BB-F877-8E83A2E2F954}"/>
-              </a:ext>
-            </a:extLst>
-          </p:cNvPr>
-          <p:cNvCxnSpPr>
-            <a:cxnSpLocks/>
-          </p:cNvCxnSpPr>
-          <p:nvPr/>
-        </p:nvCxnSpPr>
-        <p:spPr>
-          <a:xfrm flipH="1">
-            <a:off x="2884296" y="1073468"/>
-            <a:ext cx="1402" cy="697225"/>
-          </a:xfrm>
-          <a:prstGeom prst="line">
-            <a:avLst/>
-          </a:prstGeom>
-          <a:ln w="50800">
-            <a:solidFill>
-              <a:srgbClr val="FF0000"/>
-            </a:solidFill>
-            <a:prstDash val="dash"/>
-            <a:headEnd type="none"/>
-          </a:ln>
-        </p:spPr>
-        <p:style>
-          <a:lnRef idx="1">
-            <a:schemeClr val="accent2"/>
-          </a:lnRef>
-          <a:fillRef idx="0">
-            <a:schemeClr val="accent2"/>
-          </a:fillRef>
-          <a:effectRef idx="0">
-            <a:schemeClr val="accent2"/>
-          </a:effectRef>
-          <a:fontRef idx="minor">
-            <a:schemeClr val="tx1"/>
-          </a:fontRef>
-        </p:style>
-      </p:cxnSp>
-      <p:cxnSp>
-        <p:nvCxnSpPr>
-          <p:cNvPr id="45" name="Straight Connector 44">
-            <a:extLst>
-              <a:ext uri="{FF2B5EF4-FFF2-40B4-BE49-F238E27FC236}">
-                <a16:creationId xmlns:a16="http://schemas.microsoft.com/office/drawing/2014/main" id="{AC968809-0B07-9514-ED98-F465E1F16F28}"/>
-              </a:ext>
-            </a:extLst>
-          </p:cNvPr>
-          <p:cNvCxnSpPr>
-            <a:cxnSpLocks/>
-          </p:cNvCxnSpPr>
-          <p:nvPr/>
-        </p:nvCxnSpPr>
-        <p:spPr>
-          <a:xfrm flipH="1">
-            <a:off x="5040313" y="1026809"/>
-            <a:ext cx="1402" cy="697225"/>
-          </a:xfrm>
-          <a:prstGeom prst="line">
-            <a:avLst/>
-          </a:prstGeom>
-          <a:ln w="50800">
-            <a:solidFill>
-              <a:srgbClr val="FF0000"/>
-            </a:solidFill>
-            <a:prstDash val="dash"/>
-            <a:headEnd type="none"/>
-          </a:ln>
-        </p:spPr>
-        <p:style>
-          <a:lnRef idx="1">
-            <a:schemeClr val="accent2"/>
-          </a:lnRef>
-          <a:fillRef idx="0">
-            <a:schemeClr val="accent2"/>
-          </a:fillRef>
-          <a:effectRef idx="0">
-            <a:schemeClr val="accent2"/>
-          </a:effectRef>
-          <a:fontRef idx="minor">
-            <a:schemeClr val="tx1"/>
-          </a:fontRef>
-        </p:style>
-      </p:cxnSp>
-      <p:cxnSp>
-        <p:nvCxnSpPr>
-          <p:cNvPr id="46" name="Straight Connector 45">
-            <a:extLst>
-              <a:ext uri="{FF2B5EF4-FFF2-40B4-BE49-F238E27FC236}">
-                <a16:creationId xmlns:a16="http://schemas.microsoft.com/office/drawing/2014/main" id="{A43CA80B-8FD9-1B9E-637A-6681E6EAE076}"/>
-              </a:ext>
-            </a:extLst>
-          </p:cNvPr>
-          <p:cNvCxnSpPr>
-            <a:cxnSpLocks/>
-          </p:cNvCxnSpPr>
-          <p:nvPr/>
-        </p:nvCxnSpPr>
-        <p:spPr>
-          <a:xfrm>
-            <a:off x="3591634" y="3176872"/>
-            <a:ext cx="0" cy="712802"/>
-          </a:xfrm>
-          <a:prstGeom prst="line">
-            <a:avLst/>
-          </a:prstGeom>
-          <a:ln w="50800">
-            <a:solidFill>
-              <a:srgbClr val="0070C0"/>
-            </a:solidFill>
-            <a:headEnd type="none"/>
-          </a:ln>
-        </p:spPr>
-        <p:style>
-          <a:lnRef idx="1">
-            <a:schemeClr val="accent1"/>
-          </a:lnRef>
-          <a:fillRef idx="0">
-            <a:schemeClr val="accent1"/>
-          </a:fillRef>
-          <a:effectRef idx="0">
-            <a:schemeClr val="accent1"/>
-          </a:effectRef>
-          <a:fontRef idx="minor">
-            <a:schemeClr val="tx1"/>
-          </a:fontRef>
-        </p:style>
-      </p:cxnSp>
-      <p:cxnSp>
-        <p:nvCxnSpPr>
-          <p:cNvPr id="50" name="Straight Connector 49">
-            <a:extLst>
-              <a:ext uri="{FF2B5EF4-FFF2-40B4-BE49-F238E27FC236}">
-                <a16:creationId xmlns:a16="http://schemas.microsoft.com/office/drawing/2014/main" id="{9A85F230-BC7C-ABF8-5B1D-73B85547F197}"/>
-              </a:ext>
-            </a:extLst>
-          </p:cNvPr>
-          <p:cNvCxnSpPr>
-            <a:cxnSpLocks/>
-          </p:cNvCxnSpPr>
-          <p:nvPr/>
-        </p:nvCxnSpPr>
-        <p:spPr>
-          <a:xfrm>
-            <a:off x="5760613" y="3088252"/>
-            <a:ext cx="0" cy="712802"/>
-          </a:xfrm>
-          <a:prstGeom prst="line">
-            <a:avLst/>
-          </a:prstGeom>
-          <a:ln w="50800">
-            <a:solidFill>
-              <a:srgbClr val="0070C0"/>
-            </a:solidFill>
-            <a:headEnd type="none"/>
-          </a:ln>
-        </p:spPr>
-        <p:style>
-          <a:lnRef idx="1">
-            <a:schemeClr val="accent1"/>
-          </a:lnRef>
-          <a:fillRef idx="0">
-            <a:schemeClr val="accent1"/>
-          </a:fillRef>
-          <a:effectRef idx="0">
-            <a:schemeClr val="accent1"/>
-          </a:effectRef>
-          <a:fontRef idx="minor">
-            <a:schemeClr val="tx1"/>
-          </a:fontRef>
-        </p:style>
-      </p:cxnSp>
     </p:spTree>
     <p:extLst>
       <p:ext uri="{BB962C8B-B14F-4D97-AF65-F5344CB8AC3E}">

--- a/tex/old/figures.pptx
+++ b/tex/old/figures.pptx
@@ -14,6 +14,7 @@
     <p:sldId id="266" r:id="rId8"/>
     <p:sldId id="261" r:id="rId9"/>
     <p:sldId id="257" r:id="rId10"/>
+    <p:sldId id="267" r:id="rId11"/>
   </p:sldIdLst>
   <p:sldSz cx="10080625" cy="5670550"/>
   <p:notesSz cx="7559675" cy="10691813"/>
@@ -3873,6 +3874,1134 @@
       </p:par>
     </p:tnLst>
   </p:timing>
+</p:sld>
+</file>
+
+<file path=ppt/slides/slide10.xml><?xml version="1.0" encoding="utf-8"?>
+<p:sld xmlns:a="http://schemas.openxmlformats.org/drawingml/2006/main" xmlns:r="http://schemas.openxmlformats.org/officeDocument/2006/relationships" xmlns:p="http://schemas.openxmlformats.org/presentationml/2006/main">
+  <p:cSld>
+    <p:spTree>
+      <p:nvGrpSpPr>
+        <p:cNvPr id="1" name=""/>
+        <p:cNvGrpSpPr/>
+        <p:nvPr/>
+      </p:nvGrpSpPr>
+      <p:grpSpPr>
+        <a:xfrm>
+          <a:off x="0" y="0"/>
+          <a:ext cx="0" cy="0"/>
+          <a:chOff x="0" y="0"/>
+          <a:chExt cx="0" cy="0"/>
+        </a:xfrm>
+      </p:grpSpPr>
+      <p:grpSp>
+        <p:nvGrpSpPr>
+          <p:cNvPr id="68" name="Group 67">
+            <a:extLst>
+              <a:ext uri="{FF2B5EF4-FFF2-40B4-BE49-F238E27FC236}">
+                <a16:creationId xmlns:a16="http://schemas.microsoft.com/office/drawing/2014/main" id="{E0F97F30-F0A6-6894-2FDB-C6BAC8D47058}"/>
+              </a:ext>
+            </a:extLst>
+          </p:cNvPr>
+          <p:cNvGrpSpPr/>
+          <p:nvPr/>
+        </p:nvGrpSpPr>
+        <p:grpSpPr>
+          <a:xfrm>
+            <a:off x="3128137" y="387003"/>
+            <a:ext cx="1972493" cy="2720971"/>
+            <a:chOff x="3128137" y="387003"/>
+            <a:chExt cx="1972493" cy="2720971"/>
+          </a:xfrm>
+        </p:grpSpPr>
+        <p:cxnSp>
+          <p:nvCxnSpPr>
+            <p:cNvPr id="6" name="Straight Arrow Connector 5">
+              <a:extLst>
+                <a:ext uri="{FF2B5EF4-FFF2-40B4-BE49-F238E27FC236}">
+                  <a16:creationId xmlns:a16="http://schemas.microsoft.com/office/drawing/2014/main" id="{A6B15B56-50DD-6007-3D81-F7C6CF995F29}"/>
+                </a:ext>
+              </a:extLst>
+            </p:cNvPr>
+            <p:cNvCxnSpPr>
+              <a:cxnSpLocks/>
+            </p:cNvCxnSpPr>
+            <p:nvPr/>
+          </p:nvCxnSpPr>
+          <p:spPr>
+            <a:xfrm flipV="1">
+              <a:off x="4320232" y="387003"/>
+              <a:ext cx="0" cy="2448272"/>
+            </a:xfrm>
+            <a:prstGeom prst="straightConnector1">
+              <a:avLst/>
+            </a:prstGeom>
+            <a:ln w="38100" cap="flat" cmpd="sng" algn="ctr">
+              <a:solidFill>
+                <a:schemeClr val="tx1"/>
+              </a:solidFill>
+              <a:prstDash val="solid"/>
+              <a:round/>
+              <a:headEnd type="none" w="med" len="med"/>
+              <a:tailEnd type="arrow" w="med" len="med"/>
+            </a:ln>
+          </p:spPr>
+          <p:style>
+            <a:lnRef idx="0">
+              <a:scrgbClr r="0" g="0" b="0"/>
+            </a:lnRef>
+            <a:fillRef idx="0">
+              <a:scrgbClr r="0" g="0" b="0"/>
+            </a:fillRef>
+            <a:effectRef idx="0">
+              <a:scrgbClr r="0" g="0" b="0"/>
+            </a:effectRef>
+            <a:fontRef idx="minor">
+              <a:schemeClr val="tx1"/>
+            </a:fontRef>
+          </p:style>
+        </p:cxnSp>
+        <p:cxnSp>
+          <p:nvCxnSpPr>
+            <p:cNvPr id="7" name="Straight Arrow Connector 6">
+              <a:extLst>
+                <a:ext uri="{FF2B5EF4-FFF2-40B4-BE49-F238E27FC236}">
+                  <a16:creationId xmlns:a16="http://schemas.microsoft.com/office/drawing/2014/main" id="{A687DFC7-1D6D-B36A-9E37-1C709971DF79}"/>
+                </a:ext>
+              </a:extLst>
+            </p:cNvPr>
+            <p:cNvCxnSpPr>
+              <a:cxnSpLocks/>
+            </p:cNvCxnSpPr>
+            <p:nvPr/>
+          </p:nvCxnSpPr>
+          <p:spPr>
+            <a:xfrm flipV="1">
+              <a:off x="3600152" y="387003"/>
+              <a:ext cx="0" cy="2448272"/>
+            </a:xfrm>
+            <a:prstGeom prst="straightConnector1">
+              <a:avLst/>
+            </a:prstGeom>
+            <a:ln w="38100" cap="flat" cmpd="sng" algn="ctr">
+              <a:solidFill>
+                <a:schemeClr val="tx1"/>
+              </a:solidFill>
+              <a:prstDash val="solid"/>
+              <a:round/>
+              <a:headEnd type="none" w="med" len="med"/>
+              <a:tailEnd type="arrow" w="med" len="med"/>
+            </a:ln>
+          </p:spPr>
+          <p:style>
+            <a:lnRef idx="0">
+              <a:scrgbClr r="0" g="0" b="0"/>
+            </a:lnRef>
+            <a:fillRef idx="0">
+              <a:scrgbClr r="0" g="0" b="0"/>
+            </a:fillRef>
+            <a:effectRef idx="0">
+              <a:scrgbClr r="0" g="0" b="0"/>
+            </a:effectRef>
+            <a:fontRef idx="minor">
+              <a:schemeClr val="tx1"/>
+            </a:fontRef>
+          </p:style>
+        </p:cxnSp>
+        <p:cxnSp>
+          <p:nvCxnSpPr>
+            <p:cNvPr id="11" name="Straight Connector 10">
+              <a:extLst>
+                <a:ext uri="{FF2B5EF4-FFF2-40B4-BE49-F238E27FC236}">
+                  <a16:creationId xmlns:a16="http://schemas.microsoft.com/office/drawing/2014/main" id="{09716977-D78E-9D10-A2D6-A67FA8C49FBF}"/>
+                </a:ext>
+              </a:extLst>
+            </p:cNvPr>
+            <p:cNvCxnSpPr>
+              <a:cxnSpLocks/>
+            </p:cNvCxnSpPr>
+            <p:nvPr/>
+          </p:nvCxnSpPr>
+          <p:spPr>
+            <a:xfrm>
+              <a:off x="3528144" y="2475235"/>
+              <a:ext cx="144016" cy="0"/>
+            </a:xfrm>
+            <a:prstGeom prst="line">
+              <a:avLst/>
+            </a:prstGeom>
+          </p:spPr>
+          <p:style>
+            <a:lnRef idx="1">
+              <a:schemeClr val="dk1"/>
+            </a:lnRef>
+            <a:fillRef idx="0">
+              <a:schemeClr val="dk1"/>
+            </a:fillRef>
+            <a:effectRef idx="0">
+              <a:schemeClr val="dk1"/>
+            </a:effectRef>
+            <a:fontRef idx="minor">
+              <a:schemeClr val="tx1"/>
+            </a:fontRef>
+          </p:style>
+        </p:cxnSp>
+        <p:cxnSp>
+          <p:nvCxnSpPr>
+            <p:cNvPr id="12" name="Straight Connector 11">
+              <a:extLst>
+                <a:ext uri="{FF2B5EF4-FFF2-40B4-BE49-F238E27FC236}">
+                  <a16:creationId xmlns:a16="http://schemas.microsoft.com/office/drawing/2014/main" id="{155D7F76-79AC-C7A4-DF99-5C3E220899DB}"/>
+                </a:ext>
+              </a:extLst>
+            </p:cNvPr>
+            <p:cNvCxnSpPr>
+              <a:cxnSpLocks/>
+            </p:cNvCxnSpPr>
+            <p:nvPr/>
+          </p:nvCxnSpPr>
+          <p:spPr>
+            <a:xfrm>
+              <a:off x="4248224" y="2403227"/>
+              <a:ext cx="144016" cy="0"/>
+            </a:xfrm>
+            <a:prstGeom prst="line">
+              <a:avLst/>
+            </a:prstGeom>
+          </p:spPr>
+          <p:style>
+            <a:lnRef idx="1">
+              <a:schemeClr val="dk1"/>
+            </a:lnRef>
+            <a:fillRef idx="0">
+              <a:schemeClr val="dk1"/>
+            </a:fillRef>
+            <a:effectRef idx="0">
+              <a:schemeClr val="dk1"/>
+            </a:effectRef>
+            <a:fontRef idx="minor">
+              <a:schemeClr val="tx1"/>
+            </a:fontRef>
+          </p:style>
+        </p:cxnSp>
+        <p:cxnSp>
+          <p:nvCxnSpPr>
+            <p:cNvPr id="13" name="Straight Connector 12">
+              <a:extLst>
+                <a:ext uri="{FF2B5EF4-FFF2-40B4-BE49-F238E27FC236}">
+                  <a16:creationId xmlns:a16="http://schemas.microsoft.com/office/drawing/2014/main" id="{DCDD5A66-3B6A-A0C0-4BB4-B87531586365}"/>
+                </a:ext>
+              </a:extLst>
+            </p:cNvPr>
+            <p:cNvCxnSpPr>
+              <a:cxnSpLocks/>
+            </p:cNvCxnSpPr>
+            <p:nvPr/>
+          </p:nvCxnSpPr>
+          <p:spPr>
+            <a:xfrm>
+              <a:off x="4246487" y="1971179"/>
+              <a:ext cx="144016" cy="0"/>
+            </a:xfrm>
+            <a:prstGeom prst="line">
+              <a:avLst/>
+            </a:prstGeom>
+          </p:spPr>
+          <p:style>
+            <a:lnRef idx="1">
+              <a:schemeClr val="dk1"/>
+            </a:lnRef>
+            <a:fillRef idx="0">
+              <a:schemeClr val="dk1"/>
+            </a:fillRef>
+            <a:effectRef idx="0">
+              <a:schemeClr val="dk1"/>
+            </a:effectRef>
+            <a:fontRef idx="minor">
+              <a:schemeClr val="tx1"/>
+            </a:fontRef>
+          </p:style>
+        </p:cxnSp>
+        <p:cxnSp>
+          <p:nvCxnSpPr>
+            <p:cNvPr id="14" name="Straight Connector 13">
+              <a:extLst>
+                <a:ext uri="{FF2B5EF4-FFF2-40B4-BE49-F238E27FC236}">
+                  <a16:creationId xmlns:a16="http://schemas.microsoft.com/office/drawing/2014/main" id="{6C6A3524-C519-93C6-C79D-F5CFAE809822}"/>
+                </a:ext>
+              </a:extLst>
+            </p:cNvPr>
+            <p:cNvCxnSpPr>
+              <a:cxnSpLocks/>
+            </p:cNvCxnSpPr>
+            <p:nvPr/>
+          </p:nvCxnSpPr>
+          <p:spPr>
+            <a:xfrm>
+              <a:off x="3528144" y="1683147"/>
+              <a:ext cx="144016" cy="0"/>
+            </a:xfrm>
+            <a:prstGeom prst="line">
+              <a:avLst/>
+            </a:prstGeom>
+          </p:spPr>
+          <p:style>
+            <a:lnRef idx="1">
+              <a:schemeClr val="dk1"/>
+            </a:lnRef>
+            <a:fillRef idx="0">
+              <a:schemeClr val="dk1"/>
+            </a:fillRef>
+            <a:effectRef idx="0">
+              <a:schemeClr val="dk1"/>
+            </a:effectRef>
+            <a:fontRef idx="minor">
+              <a:schemeClr val="tx1"/>
+            </a:fontRef>
+          </p:style>
+        </p:cxnSp>
+        <p:cxnSp>
+          <p:nvCxnSpPr>
+            <p:cNvPr id="15" name="Straight Connector 14">
+              <a:extLst>
+                <a:ext uri="{FF2B5EF4-FFF2-40B4-BE49-F238E27FC236}">
+                  <a16:creationId xmlns:a16="http://schemas.microsoft.com/office/drawing/2014/main" id="{418A666E-E4FE-FBE2-E2A0-F2441EBA836F}"/>
+                </a:ext>
+              </a:extLst>
+            </p:cNvPr>
+            <p:cNvCxnSpPr>
+              <a:cxnSpLocks/>
+            </p:cNvCxnSpPr>
+            <p:nvPr/>
+          </p:nvCxnSpPr>
+          <p:spPr>
+            <a:xfrm>
+              <a:off x="4248224" y="1035075"/>
+              <a:ext cx="144016" cy="0"/>
+            </a:xfrm>
+            <a:prstGeom prst="line">
+              <a:avLst/>
+            </a:prstGeom>
+          </p:spPr>
+          <p:style>
+            <a:lnRef idx="1">
+              <a:schemeClr val="dk1"/>
+            </a:lnRef>
+            <a:fillRef idx="0">
+              <a:schemeClr val="dk1"/>
+            </a:fillRef>
+            <a:effectRef idx="0">
+              <a:schemeClr val="dk1"/>
+            </a:effectRef>
+            <a:fontRef idx="minor">
+              <a:schemeClr val="tx1"/>
+            </a:fontRef>
+          </p:style>
+        </p:cxnSp>
+        <p:cxnSp>
+          <p:nvCxnSpPr>
+            <p:cNvPr id="18" name="Straight Connector 17">
+              <a:extLst>
+                <a:ext uri="{FF2B5EF4-FFF2-40B4-BE49-F238E27FC236}">
+                  <a16:creationId xmlns:a16="http://schemas.microsoft.com/office/drawing/2014/main" id="{60AD54E2-5C2B-C8E9-BD4D-C0E711B97DAA}"/>
+                </a:ext>
+              </a:extLst>
+            </p:cNvPr>
+            <p:cNvCxnSpPr>
+              <a:cxnSpLocks/>
+            </p:cNvCxnSpPr>
+            <p:nvPr/>
+          </p:nvCxnSpPr>
+          <p:spPr>
+            <a:xfrm>
+              <a:off x="4246487" y="819051"/>
+              <a:ext cx="144016" cy="0"/>
+            </a:xfrm>
+            <a:prstGeom prst="line">
+              <a:avLst/>
+            </a:prstGeom>
+          </p:spPr>
+          <p:style>
+            <a:lnRef idx="1">
+              <a:schemeClr val="dk1"/>
+            </a:lnRef>
+            <a:fillRef idx="0">
+              <a:schemeClr val="dk1"/>
+            </a:fillRef>
+            <a:effectRef idx="0">
+              <a:schemeClr val="dk1"/>
+            </a:effectRef>
+            <a:fontRef idx="minor">
+              <a:schemeClr val="tx1"/>
+            </a:fontRef>
+          </p:style>
+        </p:cxnSp>
+        <p:cxnSp>
+          <p:nvCxnSpPr>
+            <p:cNvPr id="19" name="Straight Connector 18">
+              <a:extLst>
+                <a:ext uri="{FF2B5EF4-FFF2-40B4-BE49-F238E27FC236}">
+                  <a16:creationId xmlns:a16="http://schemas.microsoft.com/office/drawing/2014/main" id="{268CCAAF-9901-0028-F851-BB8471C8DDDF}"/>
+                </a:ext>
+              </a:extLst>
+            </p:cNvPr>
+            <p:cNvCxnSpPr>
+              <a:cxnSpLocks/>
+            </p:cNvCxnSpPr>
+            <p:nvPr/>
+          </p:nvCxnSpPr>
+          <p:spPr>
+            <a:xfrm>
+              <a:off x="3528144" y="747043"/>
+              <a:ext cx="144016" cy="0"/>
+            </a:xfrm>
+            <a:prstGeom prst="line">
+              <a:avLst/>
+            </a:prstGeom>
+          </p:spPr>
+          <p:style>
+            <a:lnRef idx="1">
+              <a:schemeClr val="dk1"/>
+            </a:lnRef>
+            <a:fillRef idx="0">
+              <a:schemeClr val="dk1"/>
+            </a:fillRef>
+            <a:effectRef idx="0">
+              <a:schemeClr val="dk1"/>
+            </a:effectRef>
+            <a:fontRef idx="minor">
+              <a:schemeClr val="tx1"/>
+            </a:fontRef>
+          </p:style>
+        </p:cxnSp>
+        <p:sp>
+          <p:nvSpPr>
+            <p:cNvPr id="27" name="TextShape 3">
+              <a:extLst>
+                <a:ext uri="{FF2B5EF4-FFF2-40B4-BE49-F238E27FC236}">
+                  <a16:creationId xmlns:a16="http://schemas.microsoft.com/office/drawing/2014/main" id="{6997B08A-2112-8197-2C4A-ED6D3A650952}"/>
+                </a:ext>
+              </a:extLst>
+            </p:cNvPr>
+            <p:cNvSpPr txBox="1"/>
+            <p:nvPr/>
+          </p:nvSpPr>
+          <p:spPr>
+            <a:xfrm>
+              <a:off x="4177383" y="2832722"/>
+              <a:ext cx="320073" cy="272699"/>
+            </a:xfrm>
+            <a:prstGeom prst="rect">
+              <a:avLst/>
+            </a:prstGeom>
+            <a:noFill/>
+            <a:ln>
+              <a:noFill/>
+            </a:ln>
+          </p:spPr>
+          <p:txBody>
+            <a:bodyPr lIns="90000" tIns="45000" rIns="90000" bIns="45000"/>
+            <a:lstStyle/>
+            <a:p>
+              <a:r>
+                <a:rPr lang="tr-TR" sz="1000" b="0" strike="noStrike" spc="-1" dirty="0">
+                  <a:latin typeface="Lucida Sans" panose="020B0602030504020204" pitchFamily="34" charset="0"/>
+                </a:rPr>
+                <a:t>x</a:t>
+              </a:r>
+              <a:r>
+                <a:rPr lang="en-US" sz="1000" b="0" strike="noStrike" spc="-1" baseline="-25000" dirty="0">
+                  <a:latin typeface="Lucida Sans" panose="020B0602030504020204" pitchFamily="34" charset="0"/>
+                </a:rPr>
+                <a:t>2</a:t>
+              </a:r>
+              <a:endParaRPr lang="tr-TR" sz="1000" b="0" strike="noStrike" spc="-1" dirty="0">
+                <a:latin typeface="Lucida Sans" panose="020B0602030504020204" pitchFamily="34" charset="0"/>
+              </a:endParaRPr>
+            </a:p>
+          </p:txBody>
+        </p:sp>
+        <p:sp>
+          <p:nvSpPr>
+            <p:cNvPr id="28" name="TextShape 3">
+              <a:extLst>
+                <a:ext uri="{FF2B5EF4-FFF2-40B4-BE49-F238E27FC236}">
+                  <a16:creationId xmlns:a16="http://schemas.microsoft.com/office/drawing/2014/main" id="{4AC77F96-50B7-F90D-25C2-D205DB3A53F8}"/>
+                </a:ext>
+              </a:extLst>
+            </p:cNvPr>
+            <p:cNvSpPr txBox="1"/>
+            <p:nvPr/>
+          </p:nvSpPr>
+          <p:spPr>
+            <a:xfrm>
+              <a:off x="3440115" y="2835275"/>
+              <a:ext cx="320073" cy="272699"/>
+            </a:xfrm>
+            <a:prstGeom prst="rect">
+              <a:avLst/>
+            </a:prstGeom>
+            <a:noFill/>
+            <a:ln>
+              <a:noFill/>
+            </a:ln>
+          </p:spPr>
+          <p:txBody>
+            <a:bodyPr lIns="90000" tIns="45000" rIns="90000" bIns="45000"/>
+            <a:lstStyle/>
+            <a:p>
+              <a:r>
+                <a:rPr lang="tr-TR" sz="1000" b="0" strike="noStrike" spc="-1" dirty="0">
+                  <a:latin typeface="Lucida Sans" panose="020B0602030504020204" pitchFamily="34" charset="0"/>
+                </a:rPr>
+                <a:t>x</a:t>
+              </a:r>
+              <a:r>
+                <a:rPr lang="en-US" sz="1000" spc="-1" baseline="-25000" dirty="0">
+                  <a:latin typeface="Lucida Sans" panose="020B0602030504020204" pitchFamily="34" charset="0"/>
+                </a:rPr>
+                <a:t>1</a:t>
+              </a:r>
+              <a:endParaRPr lang="tr-TR" sz="1000" b="0" strike="noStrike" spc="-1" dirty="0">
+                <a:latin typeface="Lucida Sans" panose="020B0602030504020204" pitchFamily="34" charset="0"/>
+              </a:endParaRPr>
+            </a:p>
+          </p:txBody>
+        </p:sp>
+        <p:cxnSp>
+          <p:nvCxnSpPr>
+            <p:cNvPr id="34" name="Straight Connector 33">
+              <a:extLst>
+                <a:ext uri="{FF2B5EF4-FFF2-40B4-BE49-F238E27FC236}">
+                  <a16:creationId xmlns:a16="http://schemas.microsoft.com/office/drawing/2014/main" id="{D9AC30D2-C194-6F10-DFBE-F309E9257673}"/>
+                </a:ext>
+              </a:extLst>
+            </p:cNvPr>
+            <p:cNvCxnSpPr>
+              <a:cxnSpLocks/>
+            </p:cNvCxnSpPr>
+            <p:nvPr/>
+          </p:nvCxnSpPr>
+          <p:spPr>
+            <a:xfrm>
+              <a:off x="3128137" y="697215"/>
+              <a:ext cx="1624143" cy="166201"/>
+            </a:xfrm>
+            <a:prstGeom prst="line">
+              <a:avLst/>
+            </a:prstGeom>
+          </p:spPr>
+          <p:style>
+            <a:lnRef idx="1">
+              <a:schemeClr val="accent1"/>
+            </a:lnRef>
+            <a:fillRef idx="0">
+              <a:schemeClr val="accent1"/>
+            </a:fillRef>
+            <a:effectRef idx="0">
+              <a:schemeClr val="accent1"/>
+            </a:effectRef>
+            <a:fontRef idx="minor">
+              <a:schemeClr val="tx1"/>
+            </a:fontRef>
+          </p:style>
+        </p:cxnSp>
+        <p:cxnSp>
+          <p:nvCxnSpPr>
+            <p:cNvPr id="38" name="Straight Connector 37">
+              <a:extLst>
+                <a:ext uri="{FF2B5EF4-FFF2-40B4-BE49-F238E27FC236}">
+                  <a16:creationId xmlns:a16="http://schemas.microsoft.com/office/drawing/2014/main" id="{92EF924F-1BDC-0825-9A6C-3991FFA9488D}"/>
+                </a:ext>
+              </a:extLst>
+            </p:cNvPr>
+            <p:cNvCxnSpPr>
+              <a:cxnSpLocks/>
+            </p:cNvCxnSpPr>
+            <p:nvPr/>
+          </p:nvCxnSpPr>
+          <p:spPr>
+            <a:xfrm>
+              <a:off x="3175032" y="1508935"/>
+              <a:ext cx="1542580" cy="621593"/>
+            </a:xfrm>
+            <a:prstGeom prst="line">
+              <a:avLst/>
+            </a:prstGeom>
+          </p:spPr>
+          <p:style>
+            <a:lnRef idx="1">
+              <a:schemeClr val="accent1"/>
+            </a:lnRef>
+            <a:fillRef idx="0">
+              <a:schemeClr val="accent1"/>
+            </a:fillRef>
+            <a:effectRef idx="0">
+              <a:schemeClr val="accent1"/>
+            </a:effectRef>
+            <a:fontRef idx="minor">
+              <a:schemeClr val="tx1"/>
+            </a:fontRef>
+          </p:style>
+        </p:cxnSp>
+        <p:cxnSp>
+          <p:nvCxnSpPr>
+            <p:cNvPr id="44" name="Straight Connector 43">
+              <a:extLst>
+                <a:ext uri="{FF2B5EF4-FFF2-40B4-BE49-F238E27FC236}">
+                  <a16:creationId xmlns:a16="http://schemas.microsoft.com/office/drawing/2014/main" id="{B8849745-8555-BF88-CD0C-AC9F314839FA}"/>
+                </a:ext>
+              </a:extLst>
+            </p:cNvPr>
+            <p:cNvCxnSpPr>
+              <a:cxnSpLocks/>
+            </p:cNvCxnSpPr>
+            <p:nvPr/>
+          </p:nvCxnSpPr>
+          <p:spPr>
+            <a:xfrm flipV="1">
+              <a:off x="3128137" y="2367458"/>
+              <a:ext cx="1624143" cy="156325"/>
+            </a:xfrm>
+            <a:prstGeom prst="line">
+              <a:avLst/>
+            </a:prstGeom>
+          </p:spPr>
+          <p:style>
+            <a:lnRef idx="1">
+              <a:schemeClr val="accent1"/>
+            </a:lnRef>
+            <a:fillRef idx="0">
+              <a:schemeClr val="accent1"/>
+            </a:fillRef>
+            <a:effectRef idx="0">
+              <a:schemeClr val="accent1"/>
+            </a:effectRef>
+            <a:fontRef idx="minor">
+              <a:schemeClr val="tx1"/>
+            </a:fontRef>
+          </p:style>
+        </p:cxnSp>
+        <p:cxnSp>
+          <p:nvCxnSpPr>
+            <p:cNvPr id="55" name="Straight Connector 54">
+              <a:extLst>
+                <a:ext uri="{FF2B5EF4-FFF2-40B4-BE49-F238E27FC236}">
+                  <a16:creationId xmlns:a16="http://schemas.microsoft.com/office/drawing/2014/main" id="{1F935D69-4D4D-7A0D-44E1-F420CD3405B7}"/>
+                </a:ext>
+              </a:extLst>
+            </p:cNvPr>
+            <p:cNvCxnSpPr>
+              <a:cxnSpLocks/>
+            </p:cNvCxnSpPr>
+            <p:nvPr/>
+          </p:nvCxnSpPr>
+          <p:spPr>
+            <a:xfrm flipV="1">
+              <a:off x="3240112" y="531019"/>
+              <a:ext cx="1512168" cy="1715884"/>
+            </a:xfrm>
+            <a:prstGeom prst="line">
+              <a:avLst/>
+            </a:prstGeom>
+            <a:ln w="9525" cap="flat" cmpd="sng" algn="ctr">
+              <a:solidFill>
+                <a:schemeClr val="accent2"/>
+              </a:solidFill>
+              <a:prstDash val="dash"/>
+              <a:round/>
+              <a:headEnd type="none" w="med" len="med"/>
+              <a:tailEnd type="none" w="med" len="med"/>
+            </a:ln>
+          </p:spPr>
+          <p:style>
+            <a:lnRef idx="0">
+              <a:scrgbClr r="0" g="0" b="0"/>
+            </a:lnRef>
+            <a:fillRef idx="0">
+              <a:scrgbClr r="0" g="0" b="0"/>
+            </a:fillRef>
+            <a:effectRef idx="0">
+              <a:scrgbClr r="0" g="0" b="0"/>
+            </a:effectRef>
+            <a:fontRef idx="minor">
+              <a:schemeClr val="tx1"/>
+            </a:fontRef>
+          </p:style>
+        </p:cxnSp>
+        <p:sp>
+          <p:nvSpPr>
+            <p:cNvPr id="23" name="TextBox 22">
+              <a:extLst>
+                <a:ext uri="{FF2B5EF4-FFF2-40B4-BE49-F238E27FC236}">
+                  <a16:creationId xmlns:a16="http://schemas.microsoft.com/office/drawing/2014/main" id="{715D9975-96CC-6A5E-9BC8-73DB392F719A}"/>
+                </a:ext>
+              </a:extLst>
+            </p:cNvPr>
+            <p:cNvSpPr txBox="1"/>
+            <p:nvPr/>
+          </p:nvSpPr>
+          <p:spPr>
+            <a:xfrm>
+              <a:off x="4329364" y="695940"/>
+              <a:ext cx="388248" cy="246221"/>
+            </a:xfrm>
+            <a:prstGeom prst="rect">
+              <a:avLst/>
+            </a:prstGeom>
+            <a:noFill/>
+          </p:spPr>
+          <p:txBody>
+            <a:bodyPr wrap="none" rtlCol="0">
+              <a:spAutoFit/>
+            </a:bodyPr>
+            <a:lstStyle/>
+            <a:p>
+              <a:r>
+                <a:rPr lang="en-US" sz="1000" dirty="0">
+                  <a:latin typeface="Lucida Sans" panose="020B0602030504020204" pitchFamily="34" charset="0"/>
+                </a:rPr>
+                <a:t>2.8</a:t>
+              </a:r>
+              <a:endParaRPr lang="en-AT" sz="1000" dirty="0">
+                <a:latin typeface="Lucida Sans" panose="020B0602030504020204" pitchFamily="34" charset="0"/>
+              </a:endParaRPr>
+            </a:p>
+          </p:txBody>
+        </p:sp>
+        <p:sp>
+          <p:nvSpPr>
+            <p:cNvPr id="24" name="TextBox 23">
+              <a:extLst>
+                <a:ext uri="{FF2B5EF4-FFF2-40B4-BE49-F238E27FC236}">
+                  <a16:creationId xmlns:a16="http://schemas.microsoft.com/office/drawing/2014/main" id="{BCD94609-352F-73DB-FD5D-344B9F5412CF}"/>
+                </a:ext>
+              </a:extLst>
+            </p:cNvPr>
+            <p:cNvSpPr txBox="1"/>
+            <p:nvPr/>
+          </p:nvSpPr>
+          <p:spPr>
+            <a:xfrm>
+              <a:off x="4331258" y="911963"/>
+              <a:ext cx="388248" cy="246221"/>
+            </a:xfrm>
+            <a:prstGeom prst="rect">
+              <a:avLst/>
+            </a:prstGeom>
+            <a:noFill/>
+          </p:spPr>
+          <p:txBody>
+            <a:bodyPr wrap="none" rtlCol="0">
+              <a:spAutoFit/>
+            </a:bodyPr>
+            <a:lstStyle/>
+            <a:p>
+              <a:r>
+                <a:rPr lang="en-US" sz="1000" dirty="0">
+                  <a:latin typeface="Lucida Sans" panose="020B0602030504020204" pitchFamily="34" charset="0"/>
+                </a:rPr>
+                <a:t>2.5</a:t>
+              </a:r>
+              <a:endParaRPr lang="en-AT" sz="1000" dirty="0">
+                <a:latin typeface="Lucida Sans" panose="020B0602030504020204" pitchFamily="34" charset="0"/>
+              </a:endParaRPr>
+            </a:p>
+          </p:txBody>
+        </p:sp>
+        <p:sp>
+          <p:nvSpPr>
+            <p:cNvPr id="25" name="TextBox 24">
+              <a:extLst>
+                <a:ext uri="{FF2B5EF4-FFF2-40B4-BE49-F238E27FC236}">
+                  <a16:creationId xmlns:a16="http://schemas.microsoft.com/office/drawing/2014/main" id="{66BB51EE-613F-671E-ADC1-E89CF3BA517A}"/>
+                </a:ext>
+              </a:extLst>
+            </p:cNvPr>
+            <p:cNvSpPr txBox="1"/>
+            <p:nvPr/>
+          </p:nvSpPr>
+          <p:spPr>
+            <a:xfrm>
+              <a:off x="4337420" y="1848068"/>
+              <a:ext cx="388248" cy="246221"/>
+            </a:xfrm>
+            <a:prstGeom prst="rect">
+              <a:avLst/>
+            </a:prstGeom>
+            <a:noFill/>
+          </p:spPr>
+          <p:txBody>
+            <a:bodyPr wrap="none" rtlCol="0">
+              <a:spAutoFit/>
+            </a:bodyPr>
+            <a:lstStyle/>
+            <a:p>
+              <a:r>
+                <a:rPr lang="en-US" sz="1000" dirty="0">
+                  <a:latin typeface="Lucida Sans" panose="020B0602030504020204" pitchFamily="34" charset="0"/>
+                </a:rPr>
+                <a:t>1.2</a:t>
+              </a:r>
+              <a:endParaRPr lang="en-AT" sz="1000" dirty="0">
+                <a:latin typeface="Lucida Sans" panose="020B0602030504020204" pitchFamily="34" charset="0"/>
+              </a:endParaRPr>
+            </a:p>
+          </p:txBody>
+        </p:sp>
+        <p:sp>
+          <p:nvSpPr>
+            <p:cNvPr id="26" name="TextBox 25">
+              <a:extLst>
+                <a:ext uri="{FF2B5EF4-FFF2-40B4-BE49-F238E27FC236}">
+                  <a16:creationId xmlns:a16="http://schemas.microsoft.com/office/drawing/2014/main" id="{9EE95E09-728F-2F05-89E8-BFDB2A57DD3E}"/>
+                </a:ext>
+              </a:extLst>
+            </p:cNvPr>
+            <p:cNvSpPr txBox="1"/>
+            <p:nvPr/>
+          </p:nvSpPr>
+          <p:spPr>
+            <a:xfrm>
+              <a:off x="4337420" y="2280116"/>
+              <a:ext cx="388248" cy="246221"/>
+            </a:xfrm>
+            <a:prstGeom prst="rect">
+              <a:avLst/>
+            </a:prstGeom>
+            <a:noFill/>
+          </p:spPr>
+          <p:txBody>
+            <a:bodyPr wrap="none" rtlCol="0">
+              <a:spAutoFit/>
+            </a:bodyPr>
+            <a:lstStyle/>
+            <a:p>
+              <a:r>
+                <a:rPr lang="en-US" sz="1000" dirty="0">
+                  <a:latin typeface="Lucida Sans" panose="020B0602030504020204" pitchFamily="34" charset="0"/>
+                </a:rPr>
+                <a:t>0.6</a:t>
+              </a:r>
+              <a:endParaRPr lang="en-AT" sz="1000" dirty="0">
+                <a:latin typeface="Lucida Sans" panose="020B0602030504020204" pitchFamily="34" charset="0"/>
+              </a:endParaRPr>
+            </a:p>
+          </p:txBody>
+        </p:sp>
+        <p:sp>
+          <p:nvSpPr>
+            <p:cNvPr id="20" name="TextBox 19">
+              <a:extLst>
+                <a:ext uri="{FF2B5EF4-FFF2-40B4-BE49-F238E27FC236}">
+                  <a16:creationId xmlns:a16="http://schemas.microsoft.com/office/drawing/2014/main" id="{BD8A290F-1151-D060-0510-4AC46081467B}"/>
+                </a:ext>
+              </a:extLst>
+            </p:cNvPr>
+            <p:cNvSpPr txBox="1"/>
+            <p:nvPr/>
+          </p:nvSpPr>
+          <p:spPr>
+            <a:xfrm>
+              <a:off x="3175032" y="2352124"/>
+              <a:ext cx="388248" cy="246221"/>
+            </a:xfrm>
+            <a:prstGeom prst="rect">
+              <a:avLst/>
+            </a:prstGeom>
+            <a:noFill/>
+          </p:spPr>
+          <p:txBody>
+            <a:bodyPr wrap="none" rtlCol="0">
+              <a:spAutoFit/>
+            </a:bodyPr>
+            <a:lstStyle/>
+            <a:p>
+              <a:r>
+                <a:rPr lang="en-US" sz="1000" dirty="0">
+                  <a:latin typeface="Lucida Sans" panose="020B0602030504020204" pitchFamily="34" charset="0"/>
+                </a:rPr>
+                <a:t>0.5</a:t>
+              </a:r>
+              <a:endParaRPr lang="en-AT" sz="1000" dirty="0">
+                <a:latin typeface="Lucida Sans" panose="020B0602030504020204" pitchFamily="34" charset="0"/>
+              </a:endParaRPr>
+            </a:p>
+          </p:txBody>
+        </p:sp>
+        <p:sp>
+          <p:nvSpPr>
+            <p:cNvPr id="21" name="TextBox 20">
+              <a:extLst>
+                <a:ext uri="{FF2B5EF4-FFF2-40B4-BE49-F238E27FC236}">
+                  <a16:creationId xmlns:a16="http://schemas.microsoft.com/office/drawing/2014/main" id="{986C18CC-A114-4430-3AE1-BA9DC01C2FDF}"/>
+                </a:ext>
+              </a:extLst>
+            </p:cNvPr>
+            <p:cNvSpPr txBox="1"/>
+            <p:nvPr/>
+          </p:nvSpPr>
+          <p:spPr>
+            <a:xfrm>
+              <a:off x="3176622" y="1539129"/>
+              <a:ext cx="388248" cy="246221"/>
+            </a:xfrm>
+            <a:prstGeom prst="rect">
+              <a:avLst/>
+            </a:prstGeom>
+            <a:noFill/>
+          </p:spPr>
+          <p:txBody>
+            <a:bodyPr wrap="none" rtlCol="0">
+              <a:spAutoFit/>
+            </a:bodyPr>
+            <a:lstStyle/>
+            <a:p>
+              <a:r>
+                <a:rPr lang="en-US" sz="1000" dirty="0">
+                  <a:latin typeface="Lucida Sans" panose="020B0602030504020204" pitchFamily="34" charset="0"/>
+                </a:rPr>
+                <a:t>1.6</a:t>
+              </a:r>
+              <a:endParaRPr lang="en-AT" sz="1000" dirty="0">
+                <a:latin typeface="Lucida Sans" panose="020B0602030504020204" pitchFamily="34" charset="0"/>
+              </a:endParaRPr>
+            </a:p>
+          </p:txBody>
+        </p:sp>
+        <p:sp>
+          <p:nvSpPr>
+            <p:cNvPr id="22" name="TextBox 21">
+              <a:extLst>
+                <a:ext uri="{FF2B5EF4-FFF2-40B4-BE49-F238E27FC236}">
+                  <a16:creationId xmlns:a16="http://schemas.microsoft.com/office/drawing/2014/main" id="{609B7FBB-2342-ABDD-4C64-1D4360195CC1}"/>
+                </a:ext>
+              </a:extLst>
+            </p:cNvPr>
+            <p:cNvSpPr txBox="1"/>
+            <p:nvPr/>
+          </p:nvSpPr>
+          <p:spPr>
+            <a:xfrm>
+              <a:off x="3175032" y="623932"/>
+              <a:ext cx="388248" cy="246221"/>
+            </a:xfrm>
+            <a:prstGeom prst="rect">
+              <a:avLst/>
+            </a:prstGeom>
+            <a:noFill/>
+          </p:spPr>
+          <p:txBody>
+            <a:bodyPr wrap="none" rtlCol="0">
+              <a:spAutoFit/>
+            </a:bodyPr>
+            <a:lstStyle/>
+            <a:p>
+              <a:r>
+                <a:rPr lang="en-US" sz="1000" dirty="0">
+                  <a:latin typeface="Lucida Sans" panose="020B0602030504020204" pitchFamily="34" charset="0"/>
+                </a:rPr>
+                <a:t>2.9</a:t>
+              </a:r>
+              <a:endParaRPr lang="en-AT" sz="1000" dirty="0">
+                <a:latin typeface="Lucida Sans" panose="020B0602030504020204" pitchFamily="34" charset="0"/>
+              </a:endParaRPr>
+            </a:p>
+          </p:txBody>
+        </p:sp>
+        <p:sp>
+          <p:nvSpPr>
+            <p:cNvPr id="64" name="TextShape 3">
+              <a:extLst>
+                <a:ext uri="{FF2B5EF4-FFF2-40B4-BE49-F238E27FC236}">
+                  <a16:creationId xmlns:a16="http://schemas.microsoft.com/office/drawing/2014/main" id="{82144577-E0C9-3327-55F2-53AE208EA63C}"/>
+                </a:ext>
+              </a:extLst>
+            </p:cNvPr>
+            <p:cNvSpPr txBox="1"/>
+            <p:nvPr/>
+          </p:nvSpPr>
+          <p:spPr>
+            <a:xfrm>
+              <a:off x="4708549" y="2246903"/>
+              <a:ext cx="392081" cy="272699"/>
+            </a:xfrm>
+            <a:prstGeom prst="rect">
+              <a:avLst/>
+            </a:prstGeom>
+            <a:noFill/>
+            <a:ln>
+              <a:noFill/>
+            </a:ln>
+          </p:spPr>
+          <p:txBody>
+            <a:bodyPr lIns="90000" tIns="45000" rIns="90000" bIns="45000"/>
+            <a:lstStyle/>
+            <a:p>
+              <a:r>
+                <a:rPr lang="en-US" sz="1000" b="0" strike="noStrike" spc="-1" dirty="0">
+                  <a:latin typeface="Lucida Sans" panose="020B0602030504020204" pitchFamily="34" charset="0"/>
+                </a:rPr>
+                <a:t>C</a:t>
+              </a:r>
+              <a:r>
+                <a:rPr lang="en-US" sz="1000" spc="-1" baseline="-25000" dirty="0">
+                  <a:latin typeface="Lucida Sans" panose="020B0602030504020204" pitchFamily="34" charset="0"/>
+                </a:rPr>
+                <a:t>1</a:t>
+              </a:r>
+              <a:endParaRPr lang="tr-TR" sz="1000" b="0" strike="noStrike" spc="-1" dirty="0">
+                <a:latin typeface="Lucida Sans" panose="020B0602030504020204" pitchFamily="34" charset="0"/>
+              </a:endParaRPr>
+            </a:p>
+          </p:txBody>
+        </p:sp>
+        <p:sp>
+          <p:nvSpPr>
+            <p:cNvPr id="65" name="TextShape 3">
+              <a:extLst>
+                <a:ext uri="{FF2B5EF4-FFF2-40B4-BE49-F238E27FC236}">
+                  <a16:creationId xmlns:a16="http://schemas.microsoft.com/office/drawing/2014/main" id="{218021B8-FFD1-6963-4E78-2F0330A376B3}"/>
+                </a:ext>
+              </a:extLst>
+            </p:cNvPr>
+            <p:cNvSpPr txBox="1"/>
+            <p:nvPr/>
+          </p:nvSpPr>
+          <p:spPr>
+            <a:xfrm>
+              <a:off x="4669408" y="1998477"/>
+              <a:ext cx="392081" cy="272699"/>
+            </a:xfrm>
+            <a:prstGeom prst="rect">
+              <a:avLst/>
+            </a:prstGeom>
+            <a:noFill/>
+            <a:ln>
+              <a:noFill/>
+            </a:ln>
+          </p:spPr>
+          <p:txBody>
+            <a:bodyPr lIns="90000" tIns="45000" rIns="90000" bIns="45000"/>
+            <a:lstStyle/>
+            <a:p>
+              <a:r>
+                <a:rPr lang="en-US" sz="1000" b="0" strike="noStrike" spc="-1" dirty="0">
+                  <a:latin typeface="Lucida Sans" panose="020B0602030504020204" pitchFamily="34" charset="0"/>
+                </a:rPr>
+                <a:t>C</a:t>
+              </a:r>
+              <a:r>
+                <a:rPr lang="en-US" sz="1000" spc="-1" baseline="-25000" dirty="0">
+                  <a:latin typeface="Lucida Sans" panose="020B0602030504020204" pitchFamily="34" charset="0"/>
+                </a:rPr>
+                <a:t>2</a:t>
+              </a:r>
+              <a:endParaRPr lang="tr-TR" sz="1000" b="0" strike="noStrike" spc="-1" dirty="0">
+                <a:latin typeface="Lucida Sans" panose="020B0602030504020204" pitchFamily="34" charset="0"/>
+              </a:endParaRPr>
+            </a:p>
+          </p:txBody>
+        </p:sp>
+        <p:sp>
+          <p:nvSpPr>
+            <p:cNvPr id="66" name="TextShape 3">
+              <a:extLst>
+                <a:ext uri="{FF2B5EF4-FFF2-40B4-BE49-F238E27FC236}">
+                  <a16:creationId xmlns:a16="http://schemas.microsoft.com/office/drawing/2014/main" id="{AA635BDE-8000-BAEE-01DB-C2D60C1B19A5}"/>
+                </a:ext>
+              </a:extLst>
+            </p:cNvPr>
+            <p:cNvSpPr txBox="1"/>
+            <p:nvPr/>
+          </p:nvSpPr>
+          <p:spPr>
+            <a:xfrm>
+              <a:off x="4699088" y="748348"/>
+              <a:ext cx="392081" cy="272699"/>
+            </a:xfrm>
+            <a:prstGeom prst="rect">
+              <a:avLst/>
+            </a:prstGeom>
+            <a:noFill/>
+            <a:ln>
+              <a:noFill/>
+            </a:ln>
+          </p:spPr>
+          <p:txBody>
+            <a:bodyPr lIns="90000" tIns="45000" rIns="90000" bIns="45000"/>
+            <a:lstStyle/>
+            <a:p>
+              <a:r>
+                <a:rPr lang="en-US" sz="1000" b="0" strike="noStrike" spc="-1" dirty="0">
+                  <a:latin typeface="Lucida Sans" panose="020B0602030504020204" pitchFamily="34" charset="0"/>
+                </a:rPr>
+                <a:t>C</a:t>
+              </a:r>
+              <a:r>
+                <a:rPr lang="en-US" sz="1000" spc="-1" baseline="-25000" dirty="0">
+                  <a:latin typeface="Lucida Sans" panose="020B0602030504020204" pitchFamily="34" charset="0"/>
+                </a:rPr>
+                <a:t>3</a:t>
+              </a:r>
+              <a:endParaRPr lang="tr-TR" sz="1000" b="0" strike="noStrike" spc="-1" dirty="0">
+                <a:latin typeface="Lucida Sans" panose="020B0602030504020204" pitchFamily="34" charset="0"/>
+              </a:endParaRPr>
+            </a:p>
+          </p:txBody>
+        </p:sp>
+        <p:sp>
+          <p:nvSpPr>
+            <p:cNvPr id="67" name="TextShape 3">
+              <a:extLst>
+                <a:ext uri="{FF2B5EF4-FFF2-40B4-BE49-F238E27FC236}">
+                  <a16:creationId xmlns:a16="http://schemas.microsoft.com/office/drawing/2014/main" id="{CD76CD1F-9239-6C3F-35D5-D7E5BA0A069F}"/>
+                </a:ext>
+              </a:extLst>
+            </p:cNvPr>
+            <p:cNvSpPr txBox="1"/>
+            <p:nvPr/>
+          </p:nvSpPr>
+          <p:spPr>
+            <a:xfrm>
+              <a:off x="4708549" y="394669"/>
+              <a:ext cx="392081" cy="272699"/>
+            </a:xfrm>
+            <a:prstGeom prst="rect">
+              <a:avLst/>
+            </a:prstGeom>
+            <a:noFill/>
+            <a:ln>
+              <a:noFill/>
+            </a:ln>
+          </p:spPr>
+          <p:txBody>
+            <a:bodyPr lIns="90000" tIns="45000" rIns="90000" bIns="45000"/>
+            <a:lstStyle/>
+            <a:p>
+              <a:r>
+                <a:rPr lang="en-US" sz="1000" b="0" strike="noStrike" spc="-1" dirty="0">
+                  <a:latin typeface="Lucida Sans" panose="020B0602030504020204" pitchFamily="34" charset="0"/>
+                </a:rPr>
+                <a:t>C’</a:t>
+              </a:r>
+              <a:endParaRPr lang="tr-TR" sz="1000" b="0" strike="noStrike" spc="-1" dirty="0">
+                <a:latin typeface="Lucida Sans" panose="020B0602030504020204" pitchFamily="34" charset="0"/>
+              </a:endParaRPr>
+            </a:p>
+          </p:txBody>
+        </p:sp>
+      </p:grpSp>
+    </p:spTree>
+    <p:extLst>
+      <p:ext uri="{BB962C8B-B14F-4D97-AF65-F5344CB8AC3E}">
+        <p14:creationId xmlns:p14="http://schemas.microsoft.com/office/powerpoint/2010/main" val="448025566"/>
+      </p:ext>
+    </p:extLst>
+  </p:cSld>
+  <p:clrMapOvr>
+    <a:masterClrMapping/>
+  </p:clrMapOvr>
 </p:sld>
 </file>
 

--- a/tex/old/figures.pptx
+++ b/tex/old/figures.pptx
@@ -3908,8 +3908,8 @@
         </p:nvGrpSpPr>
         <p:grpSpPr>
           <a:xfrm>
-            <a:off x="3128137" y="387003"/>
-            <a:ext cx="1972493" cy="2720971"/>
+            <a:off x="3528144" y="1395116"/>
+            <a:ext cx="1572486" cy="1584176"/>
             <a:chOff x="3128137" y="387003"/>
             <a:chExt cx="1972493" cy="2720971"/>
           </a:xfrm>
@@ -4288,8 +4288,8 @@
           </p:nvSpPr>
           <p:spPr>
             <a:xfrm>
-              <a:off x="4177383" y="2832722"/>
-              <a:ext cx="320073" cy="272699"/>
+              <a:off x="4177383" y="2832723"/>
+              <a:ext cx="395958" cy="272699"/>
             </a:xfrm>
             <a:prstGeom prst="rect">
               <a:avLst/>
@@ -4304,18 +4304,18 @@
             <a:lstStyle/>
             <a:p>
               <a:r>
-                <a:rPr lang="tr-TR" sz="1000" b="0" strike="noStrike" spc="-1" dirty="0">
+                <a:rPr lang="tr-TR" sz="700" b="0" strike="noStrike" spc="-1" dirty="0">
                   <a:latin typeface="Lucida Sans" panose="020B0602030504020204" pitchFamily="34" charset="0"/>
                 </a:rPr>
                 <a:t>x</a:t>
               </a:r>
               <a:r>
-                <a:rPr lang="en-US" sz="1000" b="0" strike="noStrike" spc="-1" baseline="-25000" dirty="0">
+                <a:rPr lang="en-US" sz="700" b="0" strike="noStrike" spc="-1" baseline="-25000" dirty="0">
                   <a:latin typeface="Lucida Sans" panose="020B0602030504020204" pitchFamily="34" charset="0"/>
                 </a:rPr>
                 <a:t>2</a:t>
               </a:r>
-              <a:endParaRPr lang="tr-TR" sz="1000" b="0" strike="noStrike" spc="-1" dirty="0">
+              <a:endParaRPr lang="tr-TR" sz="700" b="0" strike="noStrike" spc="-1" dirty="0">
                 <a:latin typeface="Lucida Sans" panose="020B0602030504020204" pitchFamily="34" charset="0"/>
               </a:endParaRPr>
             </a:p>
@@ -4336,7 +4336,7 @@
           <p:spPr>
             <a:xfrm>
               <a:off x="3440115" y="2835275"/>
-              <a:ext cx="320073" cy="272699"/>
+              <a:ext cx="530942" cy="272699"/>
             </a:xfrm>
             <a:prstGeom prst="rect">
               <a:avLst/>
@@ -4351,18 +4351,18 @@
             <a:lstStyle/>
             <a:p>
               <a:r>
-                <a:rPr lang="tr-TR" sz="1000" b="0" strike="noStrike" spc="-1" dirty="0">
+                <a:rPr lang="tr-TR" sz="700" b="0" strike="noStrike" spc="-1" dirty="0">
                   <a:latin typeface="Lucida Sans" panose="020B0602030504020204" pitchFamily="34" charset="0"/>
                 </a:rPr>
                 <a:t>x</a:t>
               </a:r>
               <a:r>
-                <a:rPr lang="en-US" sz="1000" spc="-1" baseline="-25000" dirty="0">
+                <a:rPr lang="en-US" sz="700" spc="-1" baseline="-25000" dirty="0">
                   <a:latin typeface="Lucida Sans" panose="020B0602030504020204" pitchFamily="34" charset="0"/>
                 </a:rPr>
                 <a:t>1</a:t>
               </a:r>
-              <a:endParaRPr lang="tr-TR" sz="1000" b="0" strike="noStrike" spc="-1" dirty="0">
+              <a:endParaRPr lang="tr-TR" sz="700" b="0" strike="noStrike" spc="-1" dirty="0">
                 <a:latin typeface="Lucida Sans" panose="020B0602030504020204" pitchFamily="34" charset="0"/>
               </a:endParaRPr>
             </a:p>
@@ -4544,7 +4544,7 @@
           <p:spPr>
             <a:xfrm>
               <a:off x="4329364" y="695940"/>
-              <a:ext cx="388248" cy="246221"/>
+              <a:ext cx="325730" cy="200055"/>
             </a:xfrm>
             <a:prstGeom prst="rect">
               <a:avLst/>
@@ -4558,12 +4558,12 @@
             <a:lstStyle/>
             <a:p>
               <a:r>
-                <a:rPr lang="en-US" sz="1000" dirty="0">
+                <a:rPr lang="en-US" sz="700" dirty="0">
                   <a:latin typeface="Lucida Sans" panose="020B0602030504020204" pitchFamily="34" charset="0"/>
                 </a:rPr>
                 <a:t>2.8</a:t>
               </a:r>
-              <a:endParaRPr lang="en-AT" sz="1000" dirty="0">
+              <a:endParaRPr lang="en-AT" sz="700" dirty="0">
                 <a:latin typeface="Lucida Sans" panose="020B0602030504020204" pitchFamily="34" charset="0"/>
               </a:endParaRPr>
             </a:p>
@@ -4584,7 +4584,7 @@
           <p:spPr>
             <a:xfrm>
               <a:off x="4331258" y="911963"/>
-              <a:ext cx="388248" cy="246221"/>
+              <a:ext cx="325730" cy="200055"/>
             </a:xfrm>
             <a:prstGeom prst="rect">
               <a:avLst/>
@@ -4598,12 +4598,12 @@
             <a:lstStyle/>
             <a:p>
               <a:r>
-                <a:rPr lang="en-US" sz="1000" dirty="0">
+                <a:rPr lang="en-US" sz="700" dirty="0">
                   <a:latin typeface="Lucida Sans" panose="020B0602030504020204" pitchFamily="34" charset="0"/>
                 </a:rPr>
                 <a:t>2.5</a:t>
               </a:r>
-              <a:endParaRPr lang="en-AT" sz="1000" dirty="0">
+              <a:endParaRPr lang="en-AT" sz="700" dirty="0">
                 <a:latin typeface="Lucida Sans" panose="020B0602030504020204" pitchFamily="34" charset="0"/>
               </a:endParaRPr>
             </a:p>
@@ -4624,7 +4624,7 @@
           <p:spPr>
             <a:xfrm>
               <a:off x="4337420" y="1848068"/>
-              <a:ext cx="388248" cy="246221"/>
+              <a:ext cx="325730" cy="200055"/>
             </a:xfrm>
             <a:prstGeom prst="rect">
               <a:avLst/>
@@ -4638,12 +4638,12 @@
             <a:lstStyle/>
             <a:p>
               <a:r>
-                <a:rPr lang="en-US" sz="1000" dirty="0">
+                <a:rPr lang="en-US" sz="700" dirty="0">
                   <a:latin typeface="Lucida Sans" panose="020B0602030504020204" pitchFamily="34" charset="0"/>
                 </a:rPr>
                 <a:t>1.2</a:t>
               </a:r>
-              <a:endParaRPr lang="en-AT" sz="1000" dirty="0">
+              <a:endParaRPr lang="en-AT" sz="700" dirty="0">
                 <a:latin typeface="Lucida Sans" panose="020B0602030504020204" pitchFamily="34" charset="0"/>
               </a:endParaRPr>
             </a:p>
@@ -4664,7 +4664,7 @@
           <p:spPr>
             <a:xfrm>
               <a:off x="4337420" y="2280116"/>
-              <a:ext cx="388248" cy="246221"/>
+              <a:ext cx="325730" cy="200055"/>
             </a:xfrm>
             <a:prstGeom prst="rect">
               <a:avLst/>
@@ -4678,12 +4678,12 @@
             <a:lstStyle/>
             <a:p>
               <a:r>
-                <a:rPr lang="en-US" sz="1000" dirty="0">
+                <a:rPr lang="en-US" sz="700" dirty="0">
                   <a:latin typeface="Lucida Sans" panose="020B0602030504020204" pitchFamily="34" charset="0"/>
                 </a:rPr>
                 <a:t>0.6</a:t>
               </a:r>
-              <a:endParaRPr lang="en-AT" sz="1000" dirty="0">
+              <a:endParaRPr lang="en-AT" sz="700" dirty="0">
                 <a:latin typeface="Lucida Sans" panose="020B0602030504020204" pitchFamily="34" charset="0"/>
               </a:endParaRPr>
             </a:p>
@@ -4704,7 +4704,7 @@
           <p:spPr>
             <a:xfrm>
               <a:off x="3175032" y="2352124"/>
-              <a:ext cx="388248" cy="246221"/>
+              <a:ext cx="325730" cy="200055"/>
             </a:xfrm>
             <a:prstGeom prst="rect">
               <a:avLst/>
@@ -4718,12 +4718,12 @@
             <a:lstStyle/>
             <a:p>
               <a:r>
-                <a:rPr lang="en-US" sz="1000" dirty="0">
+                <a:rPr lang="en-US" sz="700" dirty="0">
                   <a:latin typeface="Lucida Sans" panose="020B0602030504020204" pitchFamily="34" charset="0"/>
                 </a:rPr>
                 <a:t>0.5</a:t>
               </a:r>
-              <a:endParaRPr lang="en-AT" sz="1000" dirty="0">
+              <a:endParaRPr lang="en-AT" sz="700" dirty="0">
                 <a:latin typeface="Lucida Sans" panose="020B0602030504020204" pitchFamily="34" charset="0"/>
               </a:endParaRPr>
             </a:p>
@@ -4744,7 +4744,7 @@
           <p:spPr>
             <a:xfrm>
               <a:off x="3176622" y="1539129"/>
-              <a:ext cx="388248" cy="246221"/>
+              <a:ext cx="325730" cy="200055"/>
             </a:xfrm>
             <a:prstGeom prst="rect">
               <a:avLst/>
@@ -4758,12 +4758,12 @@
             <a:lstStyle/>
             <a:p>
               <a:r>
-                <a:rPr lang="en-US" sz="1000" dirty="0">
+                <a:rPr lang="en-US" sz="700" dirty="0">
                   <a:latin typeface="Lucida Sans" panose="020B0602030504020204" pitchFamily="34" charset="0"/>
                 </a:rPr>
                 <a:t>1.6</a:t>
               </a:r>
-              <a:endParaRPr lang="en-AT" sz="1000" dirty="0">
+              <a:endParaRPr lang="en-AT" sz="700" dirty="0">
                 <a:latin typeface="Lucida Sans" panose="020B0602030504020204" pitchFamily="34" charset="0"/>
               </a:endParaRPr>
             </a:p>
@@ -4784,7 +4784,7 @@
           <p:spPr>
             <a:xfrm>
               <a:off x="3175032" y="623932"/>
-              <a:ext cx="388248" cy="246221"/>
+              <a:ext cx="325730" cy="200055"/>
             </a:xfrm>
             <a:prstGeom prst="rect">
               <a:avLst/>
@@ -4798,12 +4798,12 @@
             <a:lstStyle/>
             <a:p>
               <a:r>
-                <a:rPr lang="en-US" sz="1000" dirty="0">
+                <a:rPr lang="en-US" sz="700" dirty="0">
                   <a:latin typeface="Lucida Sans" panose="020B0602030504020204" pitchFamily="34" charset="0"/>
                 </a:rPr>
                 <a:t>2.9</a:t>
               </a:r>
-              <a:endParaRPr lang="en-AT" sz="1000" dirty="0">
+              <a:endParaRPr lang="en-AT" sz="700" dirty="0">
                 <a:latin typeface="Lucida Sans" panose="020B0602030504020204" pitchFamily="34" charset="0"/>
               </a:endParaRPr>
             </a:p>
@@ -4839,18 +4839,18 @@
             <a:lstStyle/>
             <a:p>
               <a:r>
-                <a:rPr lang="en-US" sz="1000" b="0" strike="noStrike" spc="-1" dirty="0">
+                <a:rPr lang="en-US" sz="700" b="0" strike="noStrike" spc="-1" dirty="0">
                   <a:latin typeface="Lucida Sans" panose="020B0602030504020204" pitchFamily="34" charset="0"/>
                 </a:rPr>
                 <a:t>C</a:t>
               </a:r>
               <a:r>
-                <a:rPr lang="en-US" sz="1000" spc="-1" baseline="-25000" dirty="0">
+                <a:rPr lang="en-US" sz="700" spc="-1" baseline="-25000" dirty="0">
                   <a:latin typeface="Lucida Sans" panose="020B0602030504020204" pitchFamily="34" charset="0"/>
                 </a:rPr>
                 <a:t>1</a:t>
               </a:r>
-              <a:endParaRPr lang="tr-TR" sz="1000" b="0" strike="noStrike" spc="-1" dirty="0">
+              <a:endParaRPr lang="tr-TR" sz="700" b="0" strike="noStrike" spc="-1" dirty="0">
                 <a:latin typeface="Lucida Sans" panose="020B0602030504020204" pitchFamily="34" charset="0"/>
               </a:endParaRPr>
             </a:p>
@@ -4886,18 +4886,18 @@
             <a:lstStyle/>
             <a:p>
               <a:r>
-                <a:rPr lang="en-US" sz="1000" b="0" strike="noStrike" spc="-1" dirty="0">
+                <a:rPr lang="en-US" sz="700" b="0" strike="noStrike" spc="-1" dirty="0">
                   <a:latin typeface="Lucida Sans" panose="020B0602030504020204" pitchFamily="34" charset="0"/>
                 </a:rPr>
                 <a:t>C</a:t>
               </a:r>
               <a:r>
-                <a:rPr lang="en-US" sz="1000" spc="-1" baseline="-25000" dirty="0">
+                <a:rPr lang="en-US" sz="700" spc="-1" baseline="-25000" dirty="0">
                   <a:latin typeface="Lucida Sans" panose="020B0602030504020204" pitchFamily="34" charset="0"/>
                 </a:rPr>
                 <a:t>2</a:t>
               </a:r>
-              <a:endParaRPr lang="tr-TR" sz="1000" b="0" strike="noStrike" spc="-1" dirty="0">
+              <a:endParaRPr lang="tr-TR" sz="700" b="0" strike="noStrike" spc="-1" dirty="0">
                 <a:latin typeface="Lucida Sans" panose="020B0602030504020204" pitchFamily="34" charset="0"/>
               </a:endParaRPr>
             </a:p>
@@ -4933,18 +4933,18 @@
             <a:lstStyle/>
             <a:p>
               <a:r>
-                <a:rPr lang="en-US" sz="1000" b="0" strike="noStrike" spc="-1" dirty="0">
+                <a:rPr lang="en-US" sz="700" b="0" strike="noStrike" spc="-1" dirty="0">
                   <a:latin typeface="Lucida Sans" panose="020B0602030504020204" pitchFamily="34" charset="0"/>
                 </a:rPr>
                 <a:t>C</a:t>
               </a:r>
               <a:r>
-                <a:rPr lang="en-US" sz="1000" spc="-1" baseline="-25000" dirty="0">
+                <a:rPr lang="en-US" sz="700" spc="-1" baseline="-25000" dirty="0">
                   <a:latin typeface="Lucida Sans" panose="020B0602030504020204" pitchFamily="34" charset="0"/>
                 </a:rPr>
                 <a:t>3</a:t>
               </a:r>
-              <a:endParaRPr lang="tr-TR" sz="1000" b="0" strike="noStrike" spc="-1" dirty="0">
+              <a:endParaRPr lang="tr-TR" sz="700" b="0" strike="noStrike" spc="-1" dirty="0">
                 <a:latin typeface="Lucida Sans" panose="020B0602030504020204" pitchFamily="34" charset="0"/>
               </a:endParaRPr>
             </a:p>
@@ -4980,12 +4980,12 @@
             <a:lstStyle/>
             <a:p>
               <a:r>
-                <a:rPr lang="en-US" sz="1000" b="0" strike="noStrike" spc="-1" dirty="0">
+                <a:rPr lang="en-US" sz="700" b="0" strike="noStrike" spc="-1" dirty="0">
                   <a:latin typeface="Lucida Sans" panose="020B0602030504020204" pitchFamily="34" charset="0"/>
                 </a:rPr>
                 <a:t>C’</a:t>
               </a:r>
-              <a:endParaRPr lang="tr-TR" sz="1000" b="0" strike="noStrike" spc="-1" dirty="0">
+              <a:endParaRPr lang="tr-TR" sz="700" b="0" strike="noStrike" spc="-1" dirty="0">
                 <a:latin typeface="Lucida Sans" panose="020B0602030504020204" pitchFamily="34" charset="0"/>
               </a:endParaRPr>
             </a:p>
